--- a/Predicting_Credit_Card_defaults.pptx
+++ b/Predicting_Credit_Card_defaults.pptx
@@ -8,6 +8,10 @@
     <p:sldId id="256" r:id="rId2"/>
     <p:sldId id="257" r:id="rId3"/>
     <p:sldId id="258" r:id="rId4"/>
+    <p:sldId id="259" r:id="rId5"/>
+    <p:sldId id="260" r:id="rId6"/>
+    <p:sldId id="261" r:id="rId7"/>
+    <p:sldId id="262" r:id="rId8"/>
   </p:sldIdLst>
   <p:sldSz cx="12192000" cy="6858000"/>
   <p:notesSz cx="6858000" cy="9144000"/>
@@ -106,6 +110,11 @@
       </a:defRPr>
     </a:lvl9pPr>
   </p:defaultTextStyle>
+  <p:extLst>
+    <p:ext uri="{EFAFB233-063F-42B5-8137-9DF3F51BA10A}">
+      <p15:sldGuideLst xmlns:p15="http://schemas.microsoft.com/office/powerpoint/2012/main"/>
+    </p:ext>
+  </p:extLst>
 </p:presentation>
 </file>
 
@@ -6143,6 +6152,13 @@
   <p:clrMapOvr>
     <a:masterClrMapping/>
   </p:clrMapOvr>
+  <p:timing>
+    <p:tnLst>
+      <p:par>
+        <p:cTn id="1" dur="indefinite" restart="never" nodeType="tmRoot"/>
+      </p:par>
+    </p:tnLst>
+  </p:timing>
 </p:sld>
 </file>
 
@@ -6204,7 +6220,7 @@
         </p:spPr>
         <p:txBody>
           <a:bodyPr>
-            <a:normAutofit fontScale="92500" lnSpcReduction="10000"/>
+            <a:normAutofit/>
           </a:bodyPr>
           <a:lstStyle/>
           <a:p>
@@ -6266,46 +6282,8 @@
             <a:pPr lvl="1"/>
             <a:r>
               <a:rPr lang="en-US" dirty="0" smtClean="0"/>
-              <a:t>88% didn’t default</a:t>
-            </a:r>
-          </a:p>
-          <a:p>
-            <a:r>
-              <a:rPr lang="en-US" dirty="0" smtClean="0"/>
-              <a:t>First Analyzed by I-Cheng </a:t>
-            </a:r>
-            <a:r>
-              <a:rPr lang="en-US" dirty="0" err="1" smtClean="0"/>
-              <a:t>Yeh</a:t>
-            </a:r>
-            <a:r>
-              <a:rPr lang="en-US" dirty="0" smtClean="0"/>
-              <a:t> and </a:t>
-            </a:r>
-            <a:r>
-              <a:rPr lang="en-US" dirty="0" err="1" smtClean="0"/>
-              <a:t>Che</a:t>
-            </a:r>
-            <a:r>
-              <a:rPr lang="en-US" dirty="0" smtClean="0"/>
-              <a:t>-hui Lien from Chung-Hua University</a:t>
-            </a:r>
-          </a:p>
-          <a:p>
-            <a:pPr lvl="1"/>
-            <a:r>
-              <a:rPr lang="en-US" dirty="0" smtClean="0"/>
-              <a:t>Data Set posted at UC- Irvine </a:t>
-            </a:r>
-            <a:r>
-              <a:rPr lang="en-US" u="sng" dirty="0" smtClean="0"/>
-              <a:t>Machine Learning repository</a:t>
-            </a:r>
-            <a:r>
-              <a:rPr lang="en-US" dirty="0" smtClean="0"/>
-              <a:t> in Jan-2016</a:t>
-            </a:r>
-            <a:endParaRPr lang="en-US" u="sng" dirty="0"/>
+              <a:t>22% defaulted (6636 / 30,000)</a:t>
+            </a:r>
           </a:p>
         </p:txBody>
       </p:sp>
@@ -6319,6 +6297,13 @@
   <p:clrMapOvr>
     <a:masterClrMapping/>
   </p:clrMapOvr>
+  <p:timing>
+    <p:tnLst>
+      <p:par>
+        <p:cTn id="1" dur="indefinite" restart="never" nodeType="tmRoot"/>
+      </p:par>
+    </p:tnLst>
+  </p:timing>
 </p:sld>
 </file>
 
@@ -6356,7 +6341,7 @@
           <a:p>
             <a:r>
               <a:rPr lang="en-US" dirty="0" smtClean="0"/>
-              <a:t>Six Data Mining Techniques</a:t>
+              <a:t>Classification</a:t>
             </a:r>
             <a:endParaRPr lang="en-US" dirty="0"/>
           </a:p>
@@ -6374,44 +6359,31 @@
         </p:nvSpPr>
         <p:spPr/>
         <p:txBody>
-          <a:bodyPr/>
+          <a:bodyPr>
+            <a:normAutofit/>
+          </a:bodyPr>
           <a:lstStyle/>
           <a:p>
             <a:r>
               <a:rPr lang="en-US" dirty="0" smtClean="0"/>
-              <a:t>K-nearest neighbor</a:t>
+              <a:t>Data split into 2 groups, model training and validation</a:t>
             </a:r>
           </a:p>
           <a:p>
             <a:r>
               <a:rPr lang="en-US" dirty="0" smtClean="0"/>
-              <a:t>Logistic regression</a:t>
-            </a:r>
-          </a:p>
-          <a:p>
+              <a:t>Error rate not best measure of model accuracy</a:t>
+            </a:r>
+          </a:p>
+          <a:p>
+            <a:pPr lvl="1"/>
             <a:r>
               <a:rPr lang="en-US" dirty="0" smtClean="0"/>
-              <a:t>Discriminant analysis</a:t>
-            </a:r>
-          </a:p>
-          <a:p>
-            <a:r>
-              <a:rPr lang="en-US" dirty="0" smtClean="0"/>
-              <a:t>Naïve Bayesian</a:t>
-            </a:r>
-          </a:p>
-          <a:p>
-            <a:r>
-              <a:rPr lang="en-US" dirty="0" smtClean="0"/>
-              <a:t>Neural networks</a:t>
-            </a:r>
-          </a:p>
-          <a:p>
-            <a:r>
-              <a:rPr lang="en-US" dirty="0" smtClean="0"/>
-              <a:t>Classification tree</a:t>
-            </a:r>
-            <a:endParaRPr lang="en-US" dirty="0"/>
+              <a:t>Best measure: area ratio of lift chart</a:t>
+            </a:r>
+          </a:p>
+          <a:p>
+            <a:endParaRPr lang="en-US" dirty="0" smtClean="0"/>
           </a:p>
         </p:txBody>
       </p:sp>
@@ -6425,6 +6397,409 @@
   <p:clrMapOvr>
     <a:masterClrMapping/>
   </p:clrMapOvr>
+  <p:timing>
+    <p:tnLst>
+      <p:par>
+        <p:cTn id="1" dur="indefinite" restart="never" nodeType="tmRoot"/>
+      </p:par>
+    </p:tnLst>
+  </p:timing>
+</p:sld>
+</file>
+
+<file path=ppt/slides/slide4.xml><?xml version="1.0" encoding="utf-8"?>
+<p:sld xmlns:a="http://schemas.openxmlformats.org/drawingml/2006/main" xmlns:r="http://schemas.openxmlformats.org/officeDocument/2006/relationships" xmlns:p="http://schemas.openxmlformats.org/presentationml/2006/main">
+  <p:cSld>
+    <p:spTree>
+      <p:nvGrpSpPr>
+        <p:cNvPr id="1" name=""/>
+        <p:cNvGrpSpPr/>
+        <p:nvPr/>
+      </p:nvGrpSpPr>
+      <p:grpSpPr>
+        <a:xfrm>
+          <a:off x="0" y="0"/>
+          <a:ext cx="0" cy="0"/>
+          <a:chOff x="0" y="0"/>
+          <a:chExt cx="0" cy="0"/>
+        </a:xfrm>
+      </p:grpSpPr>
+      <p:sp>
+        <p:nvSpPr>
+          <p:cNvPr id="2" name="Title 1"/>
+          <p:cNvSpPr>
+            <a:spLocks noGrp="1"/>
+          </p:cNvSpPr>
+          <p:nvPr>
+            <p:ph type="title"/>
+          </p:nvPr>
+        </p:nvSpPr>
+        <p:spPr/>
+        <p:txBody>
+          <a:bodyPr/>
+          <a:lstStyle/>
+          <a:p>
+            <a:r>
+              <a:rPr lang="en-US" dirty="0" smtClean="0"/>
+              <a:t>Baseline Methods</a:t>
+            </a:r>
+            <a:endParaRPr lang="en-US" dirty="0"/>
+          </a:p>
+        </p:txBody>
+      </p:sp>
+      <p:sp>
+        <p:nvSpPr>
+          <p:cNvPr id="3" name="Content Placeholder 2"/>
+          <p:cNvSpPr>
+            <a:spLocks noGrp="1"/>
+          </p:cNvSpPr>
+          <p:nvPr>
+            <p:ph idx="1"/>
+          </p:nvPr>
+        </p:nvSpPr>
+        <p:spPr/>
+        <p:txBody>
+          <a:bodyPr>
+            <a:normAutofit/>
+          </a:bodyPr>
+          <a:lstStyle/>
+          <a:p>
+            <a:r>
+              <a:rPr lang="en-US" dirty="0" smtClean="0"/>
+              <a:t>K-nearest neighbor</a:t>
+            </a:r>
+          </a:p>
+          <a:p>
+            <a:r>
+              <a:rPr lang="en-US" dirty="0" smtClean="0"/>
+              <a:t>Logistic regression</a:t>
+            </a:r>
+          </a:p>
+          <a:p>
+            <a:r>
+              <a:rPr lang="en-US" dirty="0" smtClean="0"/>
+              <a:t>Discriminant analysis</a:t>
+            </a:r>
+          </a:p>
+          <a:p>
+            <a:r>
+              <a:rPr lang="en-US" dirty="0" smtClean="0"/>
+              <a:t>Naïve Bayesian</a:t>
+            </a:r>
+          </a:p>
+          <a:p>
+            <a:r>
+              <a:rPr lang="en-US" dirty="0" smtClean="0"/>
+              <a:t>Neural networks</a:t>
+            </a:r>
+          </a:p>
+          <a:p>
+            <a:r>
+              <a:rPr lang="en-US" dirty="0" smtClean="0"/>
+              <a:t>Classification tree</a:t>
+            </a:r>
+            <a:endParaRPr lang="en-US" dirty="0"/>
+          </a:p>
+        </p:txBody>
+      </p:sp>
+    </p:spTree>
+    <p:extLst>
+      <p:ext uri="{BB962C8B-B14F-4D97-AF65-F5344CB8AC3E}">
+        <p14:creationId xmlns:p14="http://schemas.microsoft.com/office/powerpoint/2010/main" val="1332911498"/>
+      </p:ext>
+    </p:extLst>
+  </p:cSld>
+  <p:clrMapOvr>
+    <a:masterClrMapping/>
+  </p:clrMapOvr>
+  <p:timing>
+    <p:tnLst>
+      <p:par>
+        <p:cTn id="1" dur="indefinite" restart="never" nodeType="tmRoot"/>
+      </p:par>
+    </p:tnLst>
+  </p:timing>
+</p:sld>
+</file>
+
+<file path=ppt/slides/slide5.xml><?xml version="1.0" encoding="utf-8"?>
+<p:sld xmlns:a="http://schemas.openxmlformats.org/drawingml/2006/main" xmlns:r="http://schemas.openxmlformats.org/officeDocument/2006/relationships" xmlns:p="http://schemas.openxmlformats.org/presentationml/2006/main">
+  <p:cSld>
+    <p:spTree>
+      <p:nvGrpSpPr>
+        <p:cNvPr id="1" name=""/>
+        <p:cNvGrpSpPr/>
+        <p:nvPr/>
+      </p:nvGrpSpPr>
+      <p:grpSpPr>
+        <a:xfrm>
+          <a:off x="0" y="0"/>
+          <a:ext cx="0" cy="0"/>
+          <a:chOff x="0" y="0"/>
+          <a:chExt cx="0" cy="0"/>
+        </a:xfrm>
+      </p:grpSpPr>
+      <p:sp>
+        <p:nvSpPr>
+          <p:cNvPr id="2" name="Title 1"/>
+          <p:cNvSpPr>
+            <a:spLocks noGrp="1"/>
+          </p:cNvSpPr>
+          <p:nvPr>
+            <p:ph type="title"/>
+          </p:nvPr>
+        </p:nvSpPr>
+        <p:spPr/>
+        <p:txBody>
+          <a:bodyPr/>
+          <a:lstStyle/>
+          <a:p>
+            <a:r>
+              <a:rPr lang="en-US" dirty="0" smtClean="0"/>
+              <a:t>New Methods</a:t>
+            </a:r>
+            <a:endParaRPr lang="en-US" dirty="0"/>
+          </a:p>
+        </p:txBody>
+      </p:sp>
+      <p:sp>
+        <p:nvSpPr>
+          <p:cNvPr id="3" name="Content Placeholder 2"/>
+          <p:cNvSpPr>
+            <a:spLocks noGrp="1"/>
+          </p:cNvSpPr>
+          <p:nvPr>
+            <p:ph idx="1"/>
+          </p:nvPr>
+        </p:nvSpPr>
+        <p:spPr/>
+        <p:txBody>
+          <a:bodyPr>
+            <a:normAutofit/>
+          </a:bodyPr>
+          <a:lstStyle/>
+          <a:p>
+            <a:r>
+              <a:rPr lang="en-US" dirty="0" smtClean="0"/>
+              <a:t>10-fold validation versus 50/50 split</a:t>
+            </a:r>
+            <a:endParaRPr lang="en-US" dirty="0" smtClean="0"/>
+          </a:p>
+          <a:p>
+            <a:r>
+              <a:rPr lang="en-US" dirty="0" smtClean="0"/>
+              <a:t>Feature selection &amp; addition</a:t>
+            </a:r>
+          </a:p>
+          <a:p>
+            <a:r>
+              <a:rPr lang="en-US" dirty="0" smtClean="0"/>
+              <a:t>[Adaboost?] , [PCA w/ Random forest</a:t>
+            </a:r>
+            <a:r>
+              <a:rPr lang="en-US" smtClean="0"/>
+              <a:t>?]  , [SVM?]</a:t>
+            </a:r>
+            <a:endParaRPr lang="en-US" dirty="0" smtClean="0"/>
+          </a:p>
+          <a:p>
+            <a:r>
+              <a:rPr lang="en-US" dirty="0" smtClean="0"/>
+              <a:t>Evaluation Measure</a:t>
+            </a:r>
+          </a:p>
+        </p:txBody>
+      </p:sp>
+    </p:spTree>
+    <p:extLst>
+      <p:ext uri="{BB962C8B-B14F-4D97-AF65-F5344CB8AC3E}">
+        <p14:creationId xmlns:p14="http://schemas.microsoft.com/office/powerpoint/2010/main" val="1726699464"/>
+      </p:ext>
+    </p:extLst>
+  </p:cSld>
+  <p:clrMapOvr>
+    <a:masterClrMapping/>
+  </p:clrMapOvr>
+  <p:timing>
+    <p:tnLst>
+      <p:par>
+        <p:cTn id="1" dur="indefinite" restart="never" nodeType="tmRoot"/>
+      </p:par>
+    </p:tnLst>
+  </p:timing>
+</p:sld>
+</file>
+
+<file path=ppt/slides/slide6.xml><?xml version="1.0" encoding="utf-8"?>
+<p:sld xmlns:a="http://schemas.openxmlformats.org/drawingml/2006/main" xmlns:r="http://schemas.openxmlformats.org/officeDocument/2006/relationships" xmlns:p="http://schemas.openxmlformats.org/presentationml/2006/main">
+  <p:cSld>
+    <p:spTree>
+      <p:nvGrpSpPr>
+        <p:cNvPr id="1" name=""/>
+        <p:cNvGrpSpPr/>
+        <p:nvPr/>
+      </p:nvGrpSpPr>
+      <p:grpSpPr>
+        <a:xfrm>
+          <a:off x="0" y="0"/>
+          <a:ext cx="0" cy="0"/>
+          <a:chOff x="0" y="0"/>
+          <a:chExt cx="0" cy="0"/>
+        </a:xfrm>
+      </p:grpSpPr>
+      <p:sp>
+        <p:nvSpPr>
+          <p:cNvPr id="2" name="Title 1"/>
+          <p:cNvSpPr>
+            <a:spLocks noGrp="1"/>
+          </p:cNvSpPr>
+          <p:nvPr>
+            <p:ph type="title"/>
+          </p:nvPr>
+        </p:nvSpPr>
+        <p:spPr/>
+        <p:txBody>
+          <a:bodyPr/>
+          <a:lstStyle/>
+          <a:p>
+            <a:r>
+              <a:rPr lang="en-US" dirty="0" smtClean="0"/>
+              <a:t>Experiment </a:t>
+            </a:r>
+            <a:r>
+              <a:rPr lang="en-US" smtClean="0"/>
+              <a:t>Comparison Analysis</a:t>
+            </a:r>
+            <a:endParaRPr lang="en-US" dirty="0"/>
+          </a:p>
+        </p:txBody>
+      </p:sp>
+      <p:sp>
+        <p:nvSpPr>
+          <p:cNvPr id="3" name="Content Placeholder 2"/>
+          <p:cNvSpPr>
+            <a:spLocks noGrp="1"/>
+          </p:cNvSpPr>
+          <p:nvPr>
+            <p:ph idx="1"/>
+          </p:nvPr>
+        </p:nvSpPr>
+        <p:spPr/>
+        <p:txBody>
+          <a:bodyPr>
+            <a:normAutofit/>
+          </a:bodyPr>
+          <a:lstStyle/>
+          <a:p>
+            <a:r>
+              <a:rPr lang="en-US" dirty="0" smtClean="0"/>
+              <a:t>[]</a:t>
+            </a:r>
+            <a:endParaRPr lang="en-US" dirty="0" smtClean="0"/>
+          </a:p>
+        </p:txBody>
+      </p:sp>
+    </p:spTree>
+    <p:extLst>
+      <p:ext uri="{BB962C8B-B14F-4D97-AF65-F5344CB8AC3E}">
+        <p14:creationId xmlns:p14="http://schemas.microsoft.com/office/powerpoint/2010/main" val="941982666"/>
+      </p:ext>
+    </p:extLst>
+  </p:cSld>
+  <p:clrMapOvr>
+    <a:masterClrMapping/>
+  </p:clrMapOvr>
+  <p:timing>
+    <p:tnLst>
+      <p:par>
+        <p:cTn id="1" dur="indefinite" restart="never" nodeType="tmRoot"/>
+      </p:par>
+    </p:tnLst>
+  </p:timing>
+</p:sld>
+</file>
+
+<file path=ppt/slides/slide7.xml><?xml version="1.0" encoding="utf-8"?>
+<p:sld xmlns:a="http://schemas.openxmlformats.org/drawingml/2006/main" xmlns:r="http://schemas.openxmlformats.org/officeDocument/2006/relationships" xmlns:p="http://schemas.openxmlformats.org/presentationml/2006/main">
+  <p:cSld>
+    <p:spTree>
+      <p:nvGrpSpPr>
+        <p:cNvPr id="1" name=""/>
+        <p:cNvGrpSpPr/>
+        <p:nvPr/>
+      </p:nvGrpSpPr>
+      <p:grpSpPr>
+        <a:xfrm>
+          <a:off x="0" y="0"/>
+          <a:ext cx="0" cy="0"/>
+          <a:chOff x="0" y="0"/>
+          <a:chExt cx="0" cy="0"/>
+        </a:xfrm>
+      </p:grpSpPr>
+      <p:sp>
+        <p:nvSpPr>
+          <p:cNvPr id="2" name="Title 1"/>
+          <p:cNvSpPr>
+            <a:spLocks noGrp="1"/>
+          </p:cNvSpPr>
+          <p:nvPr>
+            <p:ph type="title"/>
+          </p:nvPr>
+        </p:nvSpPr>
+        <p:spPr/>
+        <p:txBody>
+          <a:bodyPr/>
+          <a:lstStyle/>
+          <a:p>
+            <a:r>
+              <a:rPr lang="en-US" dirty="0" smtClean="0"/>
+              <a:t>Conclusion</a:t>
+            </a:r>
+            <a:endParaRPr lang="en-US" dirty="0"/>
+          </a:p>
+        </p:txBody>
+      </p:sp>
+      <p:sp>
+        <p:nvSpPr>
+          <p:cNvPr id="3" name="Content Placeholder 2"/>
+          <p:cNvSpPr>
+            <a:spLocks noGrp="1"/>
+          </p:cNvSpPr>
+          <p:nvPr>
+            <p:ph idx="1"/>
+          </p:nvPr>
+        </p:nvSpPr>
+        <p:spPr/>
+        <p:txBody>
+          <a:bodyPr>
+            <a:normAutofit/>
+          </a:bodyPr>
+          <a:lstStyle/>
+          <a:p>
+            <a:r>
+              <a:rPr lang="en-US" dirty="0" smtClean="0"/>
+              <a:t>[]</a:t>
+            </a:r>
+          </a:p>
+        </p:txBody>
+      </p:sp>
+    </p:spTree>
+    <p:extLst>
+      <p:ext uri="{BB962C8B-B14F-4D97-AF65-F5344CB8AC3E}">
+        <p14:creationId xmlns:p14="http://schemas.microsoft.com/office/powerpoint/2010/main" val="1760898628"/>
+      </p:ext>
+    </p:extLst>
+  </p:cSld>
+  <p:clrMapOvr>
+    <a:masterClrMapping/>
+  </p:clrMapOvr>
+  <p:timing>
+    <p:tnLst>
+      <p:par>
+        <p:cTn id="1" dur="indefinite" restart="never" nodeType="tmRoot"/>
+      </p:par>
+    </p:tnLst>
+  </p:timing>
 </p:sld>
 </file>
 

--- a/Predicting_Credit_Card_defaults.pptx
+++ b/Predicting_Credit_Card_defaults.pptx
@@ -6142,6 +6142,36 @@
           </a:p>
         </p:txBody>
       </p:sp>
+      <p:pic>
+        <p:nvPicPr>
+          <p:cNvPr id="4" name="Picture 3"/>
+          <p:cNvPicPr>
+            <a:picLocks noChangeAspect="1"/>
+          </p:cNvPicPr>
+          <p:nvPr/>
+        </p:nvPicPr>
+        <p:blipFill>
+          <a:blip r:embed="rId2">
+            <a:extLst>
+              <a:ext uri="{28A0092B-C50C-407E-A947-70E740481C1C}">
+                <a14:useLocalDpi xmlns:a14="http://schemas.microsoft.com/office/drawing/2010/main" val="0"/>
+              </a:ext>
+            </a:extLst>
+          </a:blip>
+          <a:stretch>
+            <a:fillRect/>
+          </a:stretch>
+        </p:blipFill>
+        <p:spPr>
+          <a:xfrm>
+            <a:off x="6394574" y="4984566"/>
+            <a:ext cx="5108448" cy="800469"/>
+          </a:xfrm>
+          <a:prstGeom prst="rect">
+            <a:avLst/>
+          </a:prstGeom>
+        </p:spPr>
+      </p:pic>
     </p:spTree>
     <p:extLst>
       <p:ext uri="{BB962C8B-B14F-4D97-AF65-F5344CB8AC3E}">
@@ -6287,6 +6317,36 @@
           </a:p>
         </p:txBody>
       </p:sp>
+      <p:pic>
+        <p:nvPicPr>
+          <p:cNvPr id="4" name="Picture 3"/>
+          <p:cNvPicPr>
+            <a:picLocks noChangeAspect="1"/>
+          </p:cNvPicPr>
+          <p:nvPr/>
+        </p:nvPicPr>
+        <p:blipFill>
+          <a:blip r:embed="rId2">
+            <a:extLst>
+              <a:ext uri="{28A0092B-C50C-407E-A947-70E740481C1C}">
+                <a14:useLocalDpi xmlns:a14="http://schemas.microsoft.com/office/drawing/2010/main" val="0"/>
+              </a:ext>
+            </a:extLst>
+          </a:blip>
+          <a:stretch>
+            <a:fillRect/>
+          </a:stretch>
+        </p:blipFill>
+        <p:spPr>
+          <a:xfrm>
+            <a:off x="9549763" y="4874366"/>
+            <a:ext cx="1953260" cy="1546982"/>
+          </a:xfrm>
+          <a:prstGeom prst="rect">
+            <a:avLst/>
+          </a:prstGeom>
+        </p:spPr>
+      </p:pic>
     </p:spTree>
     <p:extLst>
       <p:ext uri="{BB962C8B-B14F-4D97-AF65-F5344CB8AC3E}">
@@ -6341,7 +6401,7 @@
           <a:p>
             <a:r>
               <a:rPr lang="en-US" dirty="0" smtClean="0"/>
-              <a:t>Classification</a:t>
+              <a:t>Model Accuracy</a:t>
             </a:r>
             <a:endParaRPr lang="en-US" dirty="0"/>
           </a:p>
@@ -6366,21 +6426,47 @@
           <a:p>
             <a:r>
               <a:rPr lang="en-US" dirty="0" smtClean="0"/>
-              <a:t>Data split into 2 groups, model training and validation</a:t>
-            </a:r>
+              <a:t>Standard measure: Error rate</a:t>
+            </a:r>
+            <a:endParaRPr lang="en-US" dirty="0" smtClean="0"/>
           </a:p>
           <a:p>
             <a:r>
               <a:rPr lang="en-US" dirty="0" smtClean="0"/>
-              <a:t>Error rate not best measure of model accuracy</a:t>
+              <a:t>Best measure: area ratio of lift </a:t>
+            </a:r>
+            <a:r>
+              <a:rPr lang="en-US" dirty="0" smtClean="0"/>
+              <a:t>chart</a:t>
+            </a:r>
+          </a:p>
+          <a:p>
+            <a:r>
+              <a:rPr lang="en-US" dirty="0" smtClean="0"/>
+              <a:t>What is a lift chart?</a:t>
             </a:r>
           </a:p>
           <a:p>
             <a:pPr lvl="1"/>
             <a:r>
               <a:rPr lang="en-US" dirty="0" smtClean="0"/>
-              <a:t>Best measure: area ratio of lift chart</a:t>
-            </a:r>
+              <a:t>Any improvement from random guess is </a:t>
+            </a:r>
+            <a:r>
+              <a:rPr lang="en-US" i="1" dirty="0" smtClean="0"/>
+              <a:t>lift</a:t>
+            </a:r>
+          </a:p>
+          <a:p>
+            <a:pPr lvl="1"/>
+            <a:r>
+              <a:rPr lang="en-US" dirty="0" smtClean="0"/>
+              <a:t>Ideal curve has 100% classification accuracy</a:t>
+            </a:r>
+          </a:p>
+          <a:p>
+            <a:pPr lvl="1"/>
+            <a:endParaRPr lang="en-US" dirty="0" smtClean="0"/>
           </a:p>
           <a:p>
             <a:endParaRPr lang="en-US" dirty="0" smtClean="0"/>
@@ -6460,40 +6546,62 @@
         <p:spPr/>
         <p:txBody>
           <a:bodyPr>
-            <a:normAutofit/>
+            <a:normAutofit fontScale="92500" lnSpcReduction="20000"/>
           </a:bodyPr>
           <a:lstStyle/>
           <a:p>
             <a:r>
+              <a:rPr lang="en-US" dirty="0"/>
+              <a:t>Data split into 2 groups, model training and validation</a:t>
+            </a:r>
+          </a:p>
+          <a:p>
+            <a:r>
               <a:rPr lang="en-US" dirty="0" smtClean="0"/>
-              <a:t>K-nearest neighbor</a:t>
-            </a:r>
-          </a:p>
-          <a:p>
+              <a:t>Techniques</a:t>
+            </a:r>
+          </a:p>
+          <a:p>
+            <a:pPr lvl="1"/>
+            <a:r>
+              <a:rPr lang="en-US" dirty="0" smtClean="0"/>
+              <a:t>K-nearest </a:t>
+            </a:r>
+            <a:r>
+              <a:rPr lang="en-US" dirty="0" smtClean="0"/>
+              <a:t>neighbor</a:t>
+            </a:r>
+          </a:p>
+          <a:p>
+            <a:pPr lvl="1"/>
             <a:r>
               <a:rPr lang="en-US" dirty="0" smtClean="0"/>
               <a:t>Logistic regression</a:t>
             </a:r>
           </a:p>
           <a:p>
+            <a:pPr lvl="1"/>
             <a:r>
               <a:rPr lang="en-US" dirty="0" smtClean="0"/>
               <a:t>Discriminant analysis</a:t>
             </a:r>
           </a:p>
           <a:p>
+            <a:pPr lvl="1"/>
             <a:r>
               <a:rPr lang="en-US" dirty="0" smtClean="0"/>
               <a:t>Naïve Bayesian</a:t>
             </a:r>
           </a:p>
           <a:p>
+            <a:pPr lvl="1"/>
             <a:r>
               <a:rPr lang="en-US" dirty="0" smtClean="0"/>
               <a:t>Neural networks</a:t>
             </a:r>
           </a:p>
           <a:p>
+            <a:pPr lvl="1"/>
             <a:r>
               <a:rPr lang="en-US" dirty="0" smtClean="0"/>
               <a:t>Classification tree</a:t>
@@ -6580,27 +6688,31 @@
           <a:lstStyle/>
           <a:p>
             <a:r>
+              <a:rPr lang="en-US" dirty="0"/>
+              <a:t>Feature selection &amp; </a:t>
+            </a:r>
+            <a:r>
               <a:rPr lang="en-US" dirty="0" smtClean="0"/>
-              <a:t>10-fold validation versus 50/50 split</a:t>
+              <a:t>addition</a:t>
             </a:r>
             <a:endParaRPr lang="en-US" dirty="0" smtClean="0"/>
           </a:p>
           <a:p>
             <a:r>
               <a:rPr lang="en-US" dirty="0" smtClean="0"/>
-              <a:t>Feature selection &amp; addition</a:t>
-            </a:r>
-          </a:p>
-          <a:p>
+              <a:t>10-fold cross validation versus 50/50 split</a:t>
+            </a:r>
+            <a:endParaRPr lang="en-US" dirty="0" smtClean="0"/>
+          </a:p>
+          <a:p>
+            <a:r>
+              <a:rPr lang="en-US" dirty="0"/>
+              <a:t>[SVM</a:t>
+            </a:r>
             <a:r>
               <a:rPr lang="en-US" dirty="0" smtClean="0"/>
-              <a:t>[Adaboost?] , [PCA w/ Random forest</a:t>
-            </a:r>
-            <a:r>
-              <a:rPr lang="en-US" smtClean="0"/>
-              <a:t>?]  , [SVM?]</a:t>
-            </a:r>
-            <a:endParaRPr lang="en-US" dirty="0" smtClean="0"/>
+              <a:t>?] , [PCA w/ Random forest?]</a:t>
+            </a:r>
           </a:p>
           <a:p>
             <a:r>
@@ -6779,6 +6891,43 @@
             <a:r>
               <a:rPr lang="en-US" dirty="0" smtClean="0"/>
               <a:t>[]</a:t>
+            </a:r>
+          </a:p>
+          <a:p>
+            <a:r>
+              <a:rPr lang="en-US" dirty="0" smtClean="0"/>
+              <a:t>[]</a:t>
+            </a:r>
+          </a:p>
+          <a:p>
+            <a:r>
+              <a:rPr lang="en-US" dirty="0" smtClean="0"/>
+              <a:t>[]</a:t>
+            </a:r>
+          </a:p>
+          <a:p>
+            <a:r>
+              <a:rPr lang="en-US" dirty="0" smtClean="0"/>
+              <a:t>References:</a:t>
+            </a:r>
+          </a:p>
+          <a:p>
+            <a:pPr lvl="1"/>
+            <a:r>
+              <a:rPr lang="en-US" dirty="0"/>
+              <a:t>I. </a:t>
+            </a:r>
+            <a:r>
+              <a:rPr lang="en-US" dirty="0" err="1"/>
+              <a:t>Yeh</a:t>
+            </a:r>
+            <a:r>
+              <a:rPr lang="en-US" dirty="0"/>
+              <a:t>, C. Lien, The comparisons of data mining techniques for the predictive accuracy of probability of default of credit card clients, Expert Systems with Applications 36 (2) (2008) 2473–2480</a:t>
+            </a:r>
+            <a:r>
+              <a:rPr lang="en-US" dirty="0" smtClean="0"/>
+              <a:t>.</a:t>
             </a:r>
           </a:p>
         </p:txBody>

--- a/Predicting_Credit_Card_defaults.pptx
+++ b/Predicting_Credit_Card_defaults.pptx
@@ -7,11 +7,13 @@
   <p:sldIdLst>
     <p:sldId id="256" r:id="rId2"/>
     <p:sldId id="257" r:id="rId3"/>
-    <p:sldId id="258" r:id="rId4"/>
-    <p:sldId id="259" r:id="rId5"/>
-    <p:sldId id="260" r:id="rId6"/>
-    <p:sldId id="261" r:id="rId7"/>
-    <p:sldId id="262" r:id="rId8"/>
+    <p:sldId id="264" r:id="rId4"/>
+    <p:sldId id="265" r:id="rId5"/>
+    <p:sldId id="258" r:id="rId6"/>
+    <p:sldId id="259" r:id="rId7"/>
+    <p:sldId id="260" r:id="rId8"/>
+    <p:sldId id="261" r:id="rId9"/>
+    <p:sldId id="262" r:id="rId10"/>
   </p:sldIdLst>
   <p:sldSz cx="12192000" cy="6858000"/>
   <p:notesSz cx="6858000" cy="9144000"/>
@@ -621,7 +623,7 @@
             <a:fld id="{B61BEF0D-F0BB-DE4B-95CE-6DB70DBA9567}" type="datetimeFigureOut">
               <a:rPr lang="en-US" dirty="0"/>
               <a:pPr/>
-              <a:t>3/6/16</a:t>
+              <a:t>3/7/16</a:t>
             </a:fld>
             <a:endParaRPr lang="en-US" dirty="0"/>
           </a:p>
@@ -914,7 +916,7 @@
             <a:fld id="{B61BEF0D-F0BB-DE4B-95CE-6DB70DBA9567}" type="datetimeFigureOut">
               <a:rPr lang="en-US" dirty="0"/>
               <a:pPr/>
-              <a:t>3/6/16</a:t>
+              <a:t>3/7/16</a:t>
             </a:fld>
             <a:endParaRPr lang="en-US" dirty="0"/>
           </a:p>
@@ -1159,7 +1161,7 @@
             <a:fld id="{B61BEF0D-F0BB-DE4B-95CE-6DB70DBA9567}" type="datetimeFigureOut">
               <a:rPr lang="en-US" dirty="0"/>
               <a:pPr/>
-              <a:t>3/6/16</a:t>
+              <a:t>3/7/16</a:t>
             </a:fld>
             <a:endParaRPr lang="en-US" dirty="0"/>
           </a:p>
@@ -1696,7 +1698,7 @@
             <a:fld id="{B61BEF0D-F0BB-DE4B-95CE-6DB70DBA9567}" type="datetimeFigureOut">
               <a:rPr lang="en-US" dirty="0"/>
               <a:pPr/>
-              <a:t>3/6/16</a:t>
+              <a:t>3/7/16</a:t>
             </a:fld>
             <a:endParaRPr lang="en-US" dirty="0"/>
           </a:p>
@@ -1941,7 +1943,7 @@
             <a:fld id="{B61BEF0D-F0BB-DE4B-95CE-6DB70DBA9567}" type="datetimeFigureOut">
               <a:rPr lang="en-US" dirty="0"/>
               <a:pPr/>
-              <a:t>3/6/16</a:t>
+              <a:t>3/7/16</a:t>
             </a:fld>
             <a:endParaRPr lang="en-US" dirty="0"/>
           </a:p>
@@ -2470,7 +2472,7 @@
             <a:fld id="{B61BEF0D-F0BB-DE4B-95CE-6DB70DBA9567}" type="datetimeFigureOut">
               <a:rPr lang="en-US" dirty="0"/>
               <a:pPr/>
-              <a:t>3/6/16</a:t>
+              <a:t>3/7/16</a:t>
             </a:fld>
             <a:endParaRPr lang="en-US" dirty="0"/>
           </a:p>
@@ -2764,7 +2766,7 @@
             <a:fld id="{B61BEF0D-F0BB-DE4B-95CE-6DB70DBA9567}" type="datetimeFigureOut">
               <a:rPr lang="en-US" dirty="0"/>
               <a:pPr/>
-              <a:t>3/6/16</a:t>
+              <a:t>3/7/16</a:t>
             </a:fld>
             <a:endParaRPr lang="en-US" dirty="0"/>
           </a:p>
@@ -2935,7 +2937,7 @@
             <a:fld id="{B61BEF0D-F0BB-DE4B-95CE-6DB70DBA9567}" type="datetimeFigureOut">
               <a:rPr lang="en-US" dirty="0"/>
               <a:pPr/>
-              <a:t>3/6/16</a:t>
+              <a:t>3/7/16</a:t>
             </a:fld>
             <a:endParaRPr lang="en-US" dirty="0"/>
           </a:p>
@@ -3112,7 +3114,7 @@
             <a:fld id="{B61BEF0D-F0BB-DE4B-95CE-6DB70DBA9567}" type="datetimeFigureOut">
               <a:rPr lang="en-US" dirty="0"/>
               <a:pPr/>
-              <a:t>3/6/16</a:t>
+              <a:t>3/7/16</a:t>
             </a:fld>
             <a:endParaRPr lang="en-US" dirty="0"/>
           </a:p>
@@ -3279,7 +3281,7 @@
             <a:fld id="{B61BEF0D-F0BB-DE4B-95CE-6DB70DBA9567}" type="datetimeFigureOut">
               <a:rPr lang="en-US" dirty="0"/>
               <a:pPr/>
-              <a:t>3/6/16</a:t>
+              <a:t>3/7/16</a:t>
             </a:fld>
             <a:endParaRPr lang="en-US" dirty="0"/>
           </a:p>
@@ -3527,7 +3529,7 @@
             <a:fld id="{B61BEF0D-F0BB-DE4B-95CE-6DB70DBA9567}" type="datetimeFigureOut">
               <a:rPr lang="en-US" dirty="0"/>
               <a:pPr/>
-              <a:t>3/6/16</a:t>
+              <a:t>3/7/16</a:t>
             </a:fld>
             <a:endParaRPr lang="en-US" dirty="0"/>
           </a:p>
@@ -3821,7 +3823,7 @@
             <a:fld id="{B61BEF0D-F0BB-DE4B-95CE-6DB70DBA9567}" type="datetimeFigureOut">
               <a:rPr lang="en-US" dirty="0"/>
               <a:pPr/>
-              <a:t>3/6/16</a:t>
+              <a:t>3/7/16</a:t>
             </a:fld>
             <a:endParaRPr lang="en-US" dirty="0"/>
           </a:p>
@@ -4260,7 +4262,7 @@
             <a:fld id="{B61BEF0D-F0BB-DE4B-95CE-6DB70DBA9567}" type="datetimeFigureOut">
               <a:rPr lang="en-US" dirty="0"/>
               <a:pPr/>
-              <a:t>3/6/16</a:t>
+              <a:t>3/7/16</a:t>
             </a:fld>
             <a:endParaRPr lang="en-US" dirty="0"/>
           </a:p>
@@ -4375,7 +4377,7 @@
             <a:fld id="{B61BEF0D-F0BB-DE4B-95CE-6DB70DBA9567}" type="datetimeFigureOut">
               <a:rPr lang="en-US" dirty="0"/>
               <a:pPr/>
-              <a:t>3/6/16</a:t>
+              <a:t>3/7/16</a:t>
             </a:fld>
             <a:endParaRPr lang="en-US" dirty="0"/>
           </a:p>
@@ -4467,7 +4469,7 @@
             <a:fld id="{B61BEF0D-F0BB-DE4B-95CE-6DB70DBA9567}" type="datetimeFigureOut">
               <a:rPr lang="en-US" dirty="0"/>
               <a:pPr/>
-              <a:t>3/6/16</a:t>
+              <a:t>3/7/16</a:t>
             </a:fld>
             <a:endParaRPr lang="en-US" dirty="0"/>
           </a:p>
@@ -4747,7 +4749,7 @@
             <a:fld id="{B61BEF0D-F0BB-DE4B-95CE-6DB70DBA9567}" type="datetimeFigureOut">
               <a:rPr lang="en-US" dirty="0"/>
               <a:pPr/>
-              <a:t>3/6/16</a:t>
+              <a:t>3/7/16</a:t>
             </a:fld>
             <a:endParaRPr lang="en-US" dirty="0"/>
           </a:p>
@@ -5035,7 +5037,7 @@
             <a:fld id="{B61BEF0D-F0BB-DE4B-95CE-6DB70DBA9567}" type="datetimeFigureOut">
               <a:rPr lang="en-US" dirty="0"/>
               <a:pPr/>
-              <a:t>3/6/16</a:t>
+              <a:t>3/7/16</a:t>
             </a:fld>
             <a:endParaRPr lang="en-US" dirty="0"/>
           </a:p>
@@ -5562,7 +5564,7 @@
             <a:fld id="{B61BEF0D-F0BB-DE4B-95CE-6DB70DBA9567}" type="datetimeFigureOut">
               <a:rPr lang="en-US" dirty="0"/>
               <a:pPr/>
-              <a:t>3/6/16</a:t>
+              <a:t>3/7/16</a:t>
             </a:fld>
             <a:endParaRPr lang="en-US" dirty="0"/>
           </a:p>
@@ -6274,79 +6276,50 @@
             </a:r>
           </a:p>
           <a:p>
+            <a:r>
+              <a:rPr lang="en-US" dirty="0" smtClean="0"/>
+              <a:t>1 Response variable</a:t>
+            </a:r>
+          </a:p>
+          <a:p>
             <a:pPr lvl="1"/>
             <a:r>
               <a:rPr lang="en-US" dirty="0" smtClean="0"/>
-              <a:t>X1 – X5: Credit given, gender, education level, marital status, age</a:t>
+              <a:t> </a:t>
+            </a:r>
+            <a:r>
+              <a:rPr lang="en-US" dirty="0" smtClean="0"/>
+              <a:t>Y = 1 (yes defaulted) , Y = 0 (no)</a:t>
             </a:r>
           </a:p>
           <a:p>
             <a:pPr lvl="1"/>
             <a:r>
               <a:rPr lang="en-US" dirty="0" smtClean="0"/>
-              <a:t>X6 –X11: Monthly history of past payment | </a:t>
-            </a:r>
-            <a:r>
-              <a:rPr lang="en-US" dirty="0"/>
-              <a:t> </a:t>
+              <a:t>22% defaulted (6636 / 30,000</a:t>
             </a:r>
             <a:r>
               <a:rPr lang="en-US" dirty="0" smtClean="0"/>
-              <a:t>X12 – X17: Monthly bill statement amount </a:t>
-            </a:r>
-          </a:p>
-          <a:p>
-            <a:pPr lvl="1"/>
+              <a:t>)</a:t>
+            </a:r>
+          </a:p>
+          <a:p>
             <a:r>
               <a:rPr lang="en-US" dirty="0" smtClean="0"/>
-              <a:t>X18 – X23: Monthly previous payments</a:t>
-            </a:r>
-          </a:p>
-          <a:p>
+              <a:t>Source of data: </a:t>
+            </a:r>
+            <a:r>
+              <a:rPr lang="en-US" i="1" dirty="0" smtClean="0"/>
+              <a:t>UC-Irvine Machine Learning Repository</a:t>
+            </a:r>
             <a:r>
               <a:rPr lang="en-US" dirty="0" smtClean="0"/>
-              <a:t>Response variable: Y = 1 (yes defaulted) , Y = 0 (no)</a:t>
-            </a:r>
-          </a:p>
-          <a:p>
-            <a:pPr lvl="1"/>
-            <a:r>
-              <a:rPr lang="en-US" dirty="0" smtClean="0"/>
-              <a:t>22% defaulted (6636 / 30,000)</a:t>
-            </a:r>
-          </a:p>
-        </p:txBody>
-      </p:sp>
-      <p:pic>
-        <p:nvPicPr>
-          <p:cNvPr id="4" name="Picture 3"/>
-          <p:cNvPicPr>
-            <a:picLocks noChangeAspect="1"/>
-          </p:cNvPicPr>
-          <p:nvPr/>
-        </p:nvPicPr>
-        <p:blipFill>
-          <a:blip r:embed="rId2">
-            <a:extLst>
-              <a:ext uri="{28A0092B-C50C-407E-A947-70E740481C1C}">
-                <a14:useLocalDpi xmlns:a14="http://schemas.microsoft.com/office/drawing/2010/main" val="0"/>
-              </a:ext>
-            </a:extLst>
-          </a:blip>
-          <a:stretch>
-            <a:fillRect/>
-          </a:stretch>
-        </p:blipFill>
-        <p:spPr>
-          <a:xfrm>
-            <a:off x="9549763" y="4874366"/>
-            <a:ext cx="1953260" cy="1546982"/>
-          </a:xfrm>
-          <a:prstGeom prst="rect">
-            <a:avLst/>
-          </a:prstGeom>
-        </p:spPr>
-      </p:pic>
+              <a:t>, Jan-16</a:t>
+            </a:r>
+            <a:endParaRPr lang="en-US" dirty="0" smtClean="0"/>
+          </a:p>
+        </p:txBody>
+      </p:sp>
     </p:spTree>
     <p:extLst>
       <p:ext uri="{BB962C8B-B14F-4D97-AF65-F5344CB8AC3E}">
@@ -6400,83 +6373,224 @@
           <a:lstStyle/>
           <a:p>
             <a:r>
+              <a:rPr lang="en-US" smtClean="0"/>
+              <a:t>Data Sample (n=5)</a:t>
+            </a:r>
+            <a:endParaRPr lang="en-US" dirty="0"/>
+          </a:p>
+        </p:txBody>
+      </p:sp>
+      <p:pic>
+        <p:nvPicPr>
+          <p:cNvPr id="3" name="Picture 2"/>
+          <p:cNvPicPr>
+            <a:picLocks noChangeAspect="1"/>
+          </p:cNvPicPr>
+          <p:nvPr/>
+        </p:nvPicPr>
+        <p:blipFill rotWithShape="1">
+          <a:blip r:embed="rId2">
+            <a:extLst>
+              <a:ext uri="{28A0092B-C50C-407E-A947-70E740481C1C}">
+                <a14:useLocalDpi xmlns:a14="http://schemas.microsoft.com/office/drawing/2010/main" val="0"/>
+              </a:ext>
+            </a:extLst>
+          </a:blip>
+          <a:srcRect l="2850" t="3475" r="6360" b="13990"/>
+          <a:stretch/>
+        </p:blipFill>
+        <p:spPr>
+          <a:xfrm>
+            <a:off x="2145644" y="2376653"/>
+            <a:ext cx="8696046" cy="2873476"/>
+          </a:xfrm>
+          <a:prstGeom prst="rect">
+            <a:avLst/>
+          </a:prstGeom>
+        </p:spPr>
+      </p:pic>
+      <p:sp>
+        <p:nvSpPr>
+          <p:cNvPr id="4" name="Oval 3"/>
+          <p:cNvSpPr/>
+          <p:nvPr/>
+        </p:nvSpPr>
+        <p:spPr>
+          <a:xfrm>
+            <a:off x="10488122" y="3791712"/>
+            <a:ext cx="353568" cy="1621536"/>
+          </a:xfrm>
+          <a:prstGeom prst="ellipse">
+            <a:avLst/>
+          </a:prstGeom>
+          <a:noFill/>
+          <a:ln w="38100">
+            <a:solidFill>
+              <a:schemeClr val="accent1"/>
+            </a:solidFill>
+          </a:ln>
+        </p:spPr>
+        <p:style>
+          <a:lnRef idx="2">
+            <a:schemeClr val="accent1">
+              <a:shade val="50000"/>
+            </a:schemeClr>
+          </a:lnRef>
+          <a:fillRef idx="1">
+            <a:schemeClr val="accent1"/>
+          </a:fillRef>
+          <a:effectRef idx="0">
+            <a:schemeClr val="accent1"/>
+          </a:effectRef>
+          <a:fontRef idx="minor">
+            <a:schemeClr val="lt1"/>
+          </a:fontRef>
+        </p:style>
+        <p:txBody>
+          <a:bodyPr rtlCol="0" anchor="ctr"/>
+          <a:lstStyle/>
+          <a:p>
+            <a:pPr algn="ctr"/>
+            <a:endParaRPr lang="en-US"/>
+          </a:p>
+        </p:txBody>
+      </p:sp>
+      <p:sp>
+        <p:nvSpPr>
+          <p:cNvPr id="6" name="Rectangle 5"/>
+          <p:cNvSpPr/>
+          <p:nvPr/>
+        </p:nvSpPr>
+        <p:spPr>
+          <a:xfrm>
+            <a:off x="2810182" y="5413248"/>
+            <a:ext cx="7366970" cy="1200329"/>
+          </a:xfrm>
+          <a:prstGeom prst="rect">
+            <a:avLst/>
+          </a:prstGeom>
+        </p:spPr>
+        <p:txBody>
+          <a:bodyPr wrap="square">
+            <a:spAutoFit/>
+          </a:bodyPr>
+          <a:lstStyle/>
+          <a:p>
+            <a:pPr lvl="1"/>
+            <a:r>
               <a:rPr lang="en-US" dirty="0" smtClean="0"/>
-              <a:t>Model Accuracy</a:t>
-            </a:r>
-            <a:endParaRPr lang="en-US" dirty="0"/>
-          </a:p>
-        </p:txBody>
-      </p:sp>
-      <p:sp>
-        <p:nvSpPr>
-          <p:cNvPr id="3" name="Content Placeholder 2"/>
-          <p:cNvSpPr>
-            <a:spLocks noGrp="1"/>
-          </p:cNvSpPr>
-          <p:nvPr>
-            <p:ph idx="1"/>
-          </p:nvPr>
-        </p:nvSpPr>
-        <p:spPr/>
-        <p:txBody>
-          <a:bodyPr>
-            <a:normAutofit/>
+              <a:t>X1 – X5: Credit given, gender, education level, marital status, age</a:t>
+            </a:r>
+          </a:p>
+          <a:p>
+            <a:pPr lvl="1"/>
+            <a:r>
+              <a:rPr lang="en-US" dirty="0" smtClean="0"/>
+              <a:t>X6 </a:t>
+            </a:r>
+            <a:r>
+              <a:rPr lang="en-US" dirty="0"/>
+              <a:t>–X11: </a:t>
+            </a:r>
+            <a:r>
+              <a:rPr lang="en-US" dirty="0" smtClean="0"/>
+              <a:t>Monthly payment status</a:t>
+            </a:r>
+          </a:p>
+          <a:p>
+            <a:pPr lvl="1"/>
+            <a:r>
+              <a:rPr lang="en-US" dirty="0" smtClean="0"/>
+              <a:t>X12 </a:t>
+            </a:r>
+            <a:r>
+              <a:rPr lang="en-US" dirty="0"/>
+              <a:t>– X17: Monthly bill </a:t>
+            </a:r>
+            <a:r>
+              <a:rPr lang="en-US" dirty="0" smtClean="0"/>
+              <a:t>amounts </a:t>
+            </a:r>
+            <a:endParaRPr lang="en-US" dirty="0"/>
+          </a:p>
+          <a:p>
+            <a:pPr lvl="1"/>
+            <a:r>
+              <a:rPr lang="en-US" dirty="0"/>
+              <a:t>X18 – X23: Monthly </a:t>
+            </a:r>
+            <a:r>
+              <a:rPr lang="en-US" dirty="0" smtClean="0"/>
+              <a:t>payments</a:t>
+            </a:r>
+            <a:endParaRPr lang="en-US" dirty="0"/>
+          </a:p>
+        </p:txBody>
+      </p:sp>
+      <p:sp>
+        <p:nvSpPr>
+          <p:cNvPr id="7" name="Rectangle 6"/>
+          <p:cNvSpPr/>
+          <p:nvPr/>
+        </p:nvSpPr>
+        <p:spPr>
+          <a:xfrm>
+            <a:off x="9720026" y="5513832"/>
+            <a:ext cx="2703622" cy="923330"/>
+          </a:xfrm>
+          <a:prstGeom prst="rect">
+            <a:avLst/>
+          </a:prstGeom>
+        </p:spPr>
+        <p:txBody>
+          <a:bodyPr wrap="square">
+            <a:spAutoFit/>
           </a:bodyPr>
           <a:lstStyle/>
           <a:p>
-            <a:r>
-              <a:rPr lang="en-US" dirty="0" smtClean="0"/>
-              <a:t>Standard measure: Error rate</a:t>
-            </a:r>
-            <a:endParaRPr lang="en-US" dirty="0" smtClean="0"/>
-          </a:p>
-          <a:p>
-            <a:r>
-              <a:rPr lang="en-US" dirty="0" smtClean="0"/>
-              <a:t>Best measure: area ratio of lift </a:t>
-            </a:r>
-            <a:r>
-              <a:rPr lang="en-US" dirty="0" smtClean="0"/>
-              <a:t>chart</a:t>
-            </a:r>
-          </a:p>
-          <a:p>
-            <a:r>
-              <a:rPr lang="en-US" dirty="0" smtClean="0"/>
-              <a:t>What is a lift chart?</a:t>
-            </a:r>
-          </a:p>
-          <a:p>
             <a:pPr lvl="1"/>
             <a:r>
-              <a:rPr lang="en-US" dirty="0" smtClean="0"/>
-              <a:t>Any improvement from random guess is </a:t>
-            </a:r>
-            <a:r>
-              <a:rPr lang="en-US" i="1" dirty="0" smtClean="0"/>
-              <a:t>lift</a:t>
+              <a:rPr lang="en-US" i="1" dirty="0" smtClean="0">
+                <a:solidFill>
+                  <a:schemeClr val="accent1"/>
+                </a:solidFill>
+              </a:rPr>
+              <a:t>In this small sample, </a:t>
             </a:r>
           </a:p>
           <a:p>
             <a:pPr lvl="1"/>
             <a:r>
-              <a:rPr lang="en-US" dirty="0" smtClean="0"/>
-              <a:t>Ideal curve has 100% classification accuracy</a:t>
+              <a:rPr lang="en-US" i="1" dirty="0" smtClean="0">
+                <a:solidFill>
+                  <a:schemeClr val="accent1"/>
+                </a:solidFill>
+              </a:rPr>
+              <a:t>3 of 5 cardholders </a:t>
             </a:r>
           </a:p>
           <a:p>
             <a:pPr lvl="1"/>
-            <a:endParaRPr lang="en-US" dirty="0" smtClean="0"/>
-          </a:p>
-          <a:p>
-            <a:endParaRPr lang="en-US" dirty="0" smtClean="0"/>
+            <a:r>
+              <a:rPr lang="en-US" i="1" dirty="0" smtClean="0">
+                <a:solidFill>
+                  <a:schemeClr val="accent1"/>
+                </a:solidFill>
+              </a:rPr>
+              <a:t>defaulted</a:t>
+            </a:r>
+            <a:endParaRPr lang="en-US" i="1" dirty="0">
+              <a:solidFill>
+                <a:schemeClr val="accent1"/>
+              </a:solidFill>
+            </a:endParaRPr>
           </a:p>
         </p:txBody>
       </p:sp>
     </p:spTree>
     <p:extLst>
       <p:ext uri="{BB962C8B-B14F-4D97-AF65-F5344CB8AC3E}">
-        <p14:creationId xmlns:p14="http://schemas.microsoft.com/office/powerpoint/2010/main" val="1252872857"/>
+        <p14:creationId xmlns:p14="http://schemas.microsoft.com/office/powerpoint/2010/main" val="627798131"/>
       </p:ext>
     </p:extLst>
   </p:cSld>
@@ -6527,93 +6641,250 @@
           <a:p>
             <a:r>
               <a:rPr lang="en-US" dirty="0" smtClean="0"/>
-              <a:t>Baseline Methods</a:t>
-            </a:r>
-            <a:endParaRPr lang="en-US" dirty="0"/>
-          </a:p>
-        </p:txBody>
-      </p:sp>
-      <p:sp>
-        <p:nvSpPr>
-          <p:cNvPr id="3" name="Content Placeholder 2"/>
-          <p:cNvSpPr>
-            <a:spLocks noGrp="1"/>
-          </p:cNvSpPr>
+              <a:t>Sample Confusion Matrix</a:t>
+            </a:r>
+            <a:endParaRPr lang="en-US" dirty="0"/>
+          </a:p>
+        </p:txBody>
+      </p:sp>
+      <p:graphicFrame>
+        <p:nvGraphicFramePr>
+          <p:cNvPr id="8" name="Content Placeholder 7"/>
+          <p:cNvGraphicFramePr>
+            <a:graphicFrameLocks noGrp="1"/>
+          </p:cNvGraphicFramePr>
           <p:nvPr>
             <p:ph idx="1"/>
-          </p:nvPr>
-        </p:nvSpPr>
-        <p:spPr/>
-        <p:txBody>
-          <a:bodyPr>
-            <a:normAutofit fontScale="92500" lnSpcReduction="20000"/>
+            <p:extLst>
+              <p:ext uri="{D42A27DB-BD31-4B8C-83A1-F6EECF244321}">
+                <p14:modId xmlns:p14="http://schemas.microsoft.com/office/powerpoint/2010/main" val="1646077204"/>
+              </p:ext>
+            </p:extLst>
+          </p:nvPr>
+        </p:nvGraphicFramePr>
+        <p:xfrm>
+          <a:off x="3703170" y="2651234"/>
+          <a:ext cx="5580994" cy="1828800"/>
+        </p:xfrm>
+        <a:graphic>
+          <a:graphicData uri="http://schemas.openxmlformats.org/drawingml/2006/table">
+            <a:tbl>
+              <a:tblPr firstRow="1" bandRow="1">
+                <a:tableStyleId>{5940675A-B579-460E-94D1-54222C63F5DA}</a:tableStyleId>
+              </a:tblPr>
+              <a:tblGrid>
+                <a:gridCol w="2790497"/>
+                <a:gridCol w="2790497"/>
+              </a:tblGrid>
+              <a:tr h="370840">
+                <a:tc>
+                  <a:txBody>
+                    <a:bodyPr/>
+                    <a:lstStyle/>
+                    <a:p>
+                      <a:r>
+                        <a:rPr lang="en-US" dirty="0" smtClean="0"/>
+                        <a:t>22,296 </a:t>
+                      </a:r>
+                    </a:p>
+                    <a:p>
+                      <a:r>
+                        <a:rPr lang="en-US" dirty="0" smtClean="0"/>
+                        <a:t>(model correctly</a:t>
+                      </a:r>
+                      <a:r>
+                        <a:rPr lang="en-US" baseline="0" dirty="0" smtClean="0"/>
+                        <a:t> </a:t>
+                      </a:r>
+                    </a:p>
+                    <a:p>
+                      <a:r>
+                        <a:rPr lang="en-US" baseline="0" dirty="0" smtClean="0"/>
+                        <a:t>predicted non-default)</a:t>
+                      </a:r>
+                      <a:endParaRPr lang="en-US" dirty="0"/>
+                    </a:p>
+                  </a:txBody>
+                  <a:tcPr anchor="ctr"/>
+                </a:tc>
+                <a:tc>
+                  <a:txBody>
+                    <a:bodyPr/>
+                    <a:lstStyle/>
+                    <a:p>
+                      <a:r>
+                        <a:rPr lang="en-US" dirty="0" smtClean="0"/>
+                        <a:t>1,068</a:t>
+                      </a:r>
+                      <a:r>
+                        <a:rPr lang="en-US" baseline="0" dirty="0" smtClean="0"/>
+                        <a:t> </a:t>
+                      </a:r>
+                    </a:p>
+                    <a:p>
+                      <a:r>
+                        <a:rPr lang="en-US" baseline="0" dirty="0" smtClean="0"/>
+                        <a:t>(false positive)</a:t>
+                      </a:r>
+                      <a:endParaRPr lang="en-US" dirty="0"/>
+                    </a:p>
+                  </a:txBody>
+                  <a:tcPr anchor="ctr"/>
+                </a:tc>
+              </a:tr>
+              <a:tr h="370840">
+                <a:tc>
+                  <a:txBody>
+                    <a:bodyPr/>
+                    <a:lstStyle/>
+                    <a:p>
+                      <a:r>
+                        <a:rPr lang="en-US" dirty="0" smtClean="0"/>
+                        <a:t>4,426 </a:t>
+                      </a:r>
+                    </a:p>
+                    <a:p>
+                      <a:r>
+                        <a:rPr lang="en-US" dirty="0" smtClean="0"/>
+                        <a:t>(false negative)</a:t>
+                      </a:r>
+                      <a:endParaRPr lang="en-US" dirty="0"/>
+                    </a:p>
+                  </a:txBody>
+                  <a:tcPr anchor="ctr"/>
+                </a:tc>
+                <a:tc>
+                  <a:txBody>
+                    <a:bodyPr/>
+                    <a:lstStyle/>
+                    <a:p>
+                      <a:r>
+                        <a:rPr lang="en-US" dirty="0" smtClean="0"/>
+                        <a:t>2,210 </a:t>
+                      </a:r>
+                    </a:p>
+                    <a:p>
+                      <a:r>
+                        <a:rPr lang="en-US" dirty="0" smtClean="0"/>
+                        <a:t>(model correctly </a:t>
+                      </a:r>
+                    </a:p>
+                    <a:p>
+                      <a:r>
+                        <a:rPr lang="en-US" dirty="0" smtClean="0"/>
+                        <a:t>predicted default)</a:t>
+                      </a:r>
+                      <a:endParaRPr lang="en-US" dirty="0"/>
+                    </a:p>
+                  </a:txBody>
+                  <a:tcPr anchor="ctr"/>
+                </a:tc>
+              </a:tr>
+            </a:tbl>
+          </a:graphicData>
+        </a:graphic>
+      </p:graphicFrame>
+      <p:sp>
+        <p:nvSpPr>
+          <p:cNvPr id="9" name="Rectangle 8"/>
+          <p:cNvSpPr/>
+          <p:nvPr/>
+        </p:nvSpPr>
+        <p:spPr>
+          <a:xfrm>
+            <a:off x="7932352" y="4692869"/>
+            <a:ext cx="3308462" cy="923330"/>
+          </a:xfrm>
+          <a:prstGeom prst="rect">
+            <a:avLst/>
+          </a:prstGeom>
+        </p:spPr>
+        <p:txBody>
+          <a:bodyPr wrap="square">
+            <a:spAutoFit/>
           </a:bodyPr>
           <a:lstStyle/>
           <a:p>
-            <a:r>
-              <a:rPr lang="en-US" dirty="0"/>
-              <a:t>Data split into 2 groups, model training and validation</a:t>
-            </a:r>
-          </a:p>
-          <a:p>
-            <a:r>
-              <a:rPr lang="en-US" dirty="0" smtClean="0"/>
-              <a:t>Techniques</a:t>
-            </a:r>
-          </a:p>
-          <a:p>
             <a:pPr lvl="1"/>
             <a:r>
-              <a:rPr lang="en-US" dirty="0" smtClean="0"/>
-              <a:t>K-nearest </a:t>
-            </a:r>
-            <a:r>
-              <a:rPr lang="en-US" dirty="0" smtClean="0"/>
-              <a:t>neighbor</a:t>
+              <a:rPr lang="en-US" i="1" dirty="0" smtClean="0">
+                <a:solidFill>
+                  <a:schemeClr val="accent1"/>
+                </a:solidFill>
+              </a:rPr>
+              <a:t>Error rate of</a:t>
             </a:r>
           </a:p>
           <a:p>
             <a:pPr lvl="1"/>
             <a:r>
-              <a:rPr lang="en-US" dirty="0" smtClean="0"/>
-              <a:t>Logistic regression</a:t>
+              <a:rPr lang="en-US" i="1" dirty="0" smtClean="0">
+                <a:solidFill>
+                  <a:schemeClr val="accent1"/>
+                </a:solidFill>
+              </a:rPr>
+              <a:t>K-Nearest Neighbor model </a:t>
             </a:r>
           </a:p>
           <a:p>
             <a:pPr lvl="1"/>
             <a:r>
-              <a:rPr lang="en-US" dirty="0" smtClean="0"/>
-              <a:t>Discriminant analysis</a:t>
-            </a:r>
-          </a:p>
+              <a:rPr lang="en-US" i="1" dirty="0" smtClean="0">
+                <a:solidFill>
+                  <a:schemeClr val="accent1"/>
+                </a:solidFill>
+              </a:rPr>
+              <a:t>was 18.3%</a:t>
+            </a:r>
+            <a:endParaRPr lang="en-US" i="1" dirty="0">
+              <a:solidFill>
+                <a:schemeClr val="accent1"/>
+              </a:solidFill>
+            </a:endParaRPr>
+          </a:p>
+        </p:txBody>
+      </p:sp>
+      <p:sp>
+        <p:nvSpPr>
+          <p:cNvPr id="11" name="Rectangle 10"/>
+          <p:cNvSpPr/>
+          <p:nvPr/>
+        </p:nvSpPr>
+        <p:spPr>
+          <a:xfrm>
+            <a:off x="2810182" y="5539376"/>
+            <a:ext cx="7366970" cy="830997"/>
+          </a:xfrm>
+          <a:prstGeom prst="rect">
+            <a:avLst/>
+          </a:prstGeom>
+        </p:spPr>
+        <p:txBody>
+          <a:bodyPr wrap="square">
+            <a:spAutoFit/>
+          </a:bodyPr>
+          <a:lstStyle/>
           <a:p>
             <a:pPr lvl="1"/>
             <a:r>
-              <a:rPr lang="en-US" dirty="0" smtClean="0"/>
-              <a:t>Naïve Bayesian</a:t>
+              <a:rPr lang="en-US" sz="2400" b="1" i="1" dirty="0" smtClean="0"/>
+              <a:t>Why is Error rate not the best measure</a:t>
             </a:r>
           </a:p>
           <a:p>
             <a:pPr lvl="1"/>
             <a:r>
-              <a:rPr lang="en-US" dirty="0" smtClean="0"/>
-              <a:t>Neural networks</a:t>
-            </a:r>
-          </a:p>
-          <a:p>
-            <a:pPr lvl="1"/>
-            <a:r>
-              <a:rPr lang="en-US" dirty="0" smtClean="0"/>
-              <a:t>Classification tree</a:t>
-            </a:r>
-            <a:endParaRPr lang="en-US" dirty="0"/>
+              <a:rPr lang="en-US" sz="2400" b="1" i="1" dirty="0" smtClean="0"/>
+              <a:t> of model accuracy here?</a:t>
+            </a:r>
+            <a:endParaRPr lang="en-US" sz="2400" b="1" i="1" dirty="0"/>
           </a:p>
         </p:txBody>
       </p:sp>
     </p:spTree>
     <p:extLst>
       <p:ext uri="{BB962C8B-B14F-4D97-AF65-F5344CB8AC3E}">
-        <p14:creationId xmlns:p14="http://schemas.microsoft.com/office/powerpoint/2010/main" val="1332911498"/>
+        <p14:creationId xmlns:p14="http://schemas.microsoft.com/office/powerpoint/2010/main" val="1313093697"/>
       </p:ext>
     </p:extLst>
   </p:cSld>
@@ -6664,7 +6935,7 @@
           <a:p>
             <a:r>
               <a:rPr lang="en-US" dirty="0" smtClean="0"/>
-              <a:t>New Methods</a:t>
+              <a:t>Model Accuracy</a:t>
             </a:r>
             <a:endParaRPr lang="en-US" dirty="0"/>
           </a:p>
@@ -6680,7 +6951,12 @@
             <p:ph idx="1"/>
           </p:nvPr>
         </p:nvSpPr>
-        <p:spPr/>
+        <p:spPr>
+          <a:xfrm>
+            <a:off x="1484310" y="1594938"/>
+            <a:ext cx="10018713" cy="3124201"/>
+          </a:xfrm>
+        </p:spPr>
         <p:txBody>
           <a:bodyPr>
             <a:normAutofit/>
@@ -6688,44 +6964,43 @@
           <a:lstStyle/>
           <a:p>
             <a:r>
-              <a:rPr lang="en-US" dirty="0"/>
-              <a:t>Feature selection &amp; </a:t>
-            </a:r>
-            <a:r>
               <a:rPr lang="en-US" dirty="0" smtClean="0"/>
-              <a:t>addition</a:t>
+              <a:t>Only 22% of cardholders default, so {</a:t>
+            </a:r>
+            <a:r>
+              <a:rPr lang="en-US" dirty="0" smtClean="0"/>
+              <a:t>ŷ = 0} yields similar error rate to models</a:t>
             </a:r>
             <a:endParaRPr lang="en-US" dirty="0" smtClean="0"/>
           </a:p>
           <a:p>
             <a:r>
               <a:rPr lang="en-US" dirty="0" smtClean="0"/>
-              <a:t>10-fold cross validation versus 50/50 split</a:t>
+              <a:t>Better measures: area </a:t>
+            </a:r>
+            <a:r>
+              <a:rPr lang="en-US" dirty="0" smtClean="0"/>
+              <a:t>ratio of lift </a:t>
+            </a:r>
+            <a:r>
+              <a:rPr lang="en-US" dirty="0" smtClean="0"/>
+              <a:t>chart, area-under-curve of ROC chart</a:t>
             </a:r>
             <a:endParaRPr lang="en-US" dirty="0" smtClean="0"/>
           </a:p>
           <a:p>
-            <a:r>
-              <a:rPr lang="en-US" dirty="0"/>
-              <a:t>[SVM</a:t>
-            </a:r>
-            <a:r>
-              <a:rPr lang="en-US" dirty="0" smtClean="0"/>
-              <a:t>?] , [PCA w/ Random forest?]</a:t>
-            </a:r>
-          </a:p>
-          <a:p>
-            <a:r>
-              <a:rPr lang="en-US" dirty="0" smtClean="0"/>
-              <a:t>Evaluation Measure</a:t>
-            </a:r>
+            <a:pPr lvl="1"/>
+            <a:endParaRPr lang="en-US" dirty="0" smtClean="0"/>
+          </a:p>
+          <a:p>
+            <a:endParaRPr lang="en-US" dirty="0" smtClean="0"/>
           </a:p>
         </p:txBody>
       </p:sp>
     </p:spTree>
     <p:extLst>
       <p:ext uri="{BB962C8B-B14F-4D97-AF65-F5344CB8AC3E}">
-        <p14:creationId xmlns:p14="http://schemas.microsoft.com/office/powerpoint/2010/main" val="1726699464"/>
+        <p14:creationId xmlns:p14="http://schemas.microsoft.com/office/powerpoint/2010/main" val="1252872857"/>
       </p:ext>
     </p:extLst>
   </p:cSld>
@@ -6776,11 +7051,7 @@
           <a:p>
             <a:r>
               <a:rPr lang="en-US" dirty="0" smtClean="0"/>
-              <a:t>Experiment </a:t>
-            </a:r>
-            <a:r>
-              <a:rPr lang="en-US" smtClean="0"/>
-              <a:t>Comparison Analysis</a:t>
+              <a:t>Baseline Methods</a:t>
             </a:r>
             <a:endParaRPr lang="en-US" dirty="0"/>
           </a:p>
@@ -6799,22 +7070,70 @@
         <p:spPr/>
         <p:txBody>
           <a:bodyPr>
-            <a:normAutofit/>
+            <a:normAutofit fontScale="92500" lnSpcReduction="20000"/>
           </a:bodyPr>
           <a:lstStyle/>
           <a:p>
             <a:r>
+              <a:rPr lang="en-US" dirty="0"/>
+              <a:t>Data split into 2 groups, model training and validation</a:t>
+            </a:r>
+          </a:p>
+          <a:p>
+            <a:r>
               <a:rPr lang="en-US" dirty="0" smtClean="0"/>
-              <a:t>[]</a:t>
-            </a:r>
-            <a:endParaRPr lang="en-US" dirty="0" smtClean="0"/>
+              <a:t>Techniques</a:t>
+            </a:r>
+          </a:p>
+          <a:p>
+            <a:pPr lvl="1"/>
+            <a:r>
+              <a:rPr lang="en-US" dirty="0" smtClean="0"/>
+              <a:t>K-nearest neighbor</a:t>
+            </a:r>
+          </a:p>
+          <a:p>
+            <a:pPr lvl="1"/>
+            <a:r>
+              <a:rPr lang="en-US" dirty="0" smtClean="0"/>
+              <a:t>Logistic regression</a:t>
+            </a:r>
+          </a:p>
+          <a:p>
+            <a:pPr lvl="1"/>
+            <a:r>
+              <a:rPr lang="en-US" dirty="0" smtClean="0"/>
+              <a:t>Discriminant analysis</a:t>
+            </a:r>
+          </a:p>
+          <a:p>
+            <a:pPr lvl="1"/>
+            <a:r>
+              <a:rPr lang="en-US" dirty="0" smtClean="0"/>
+              <a:t>Naïve Bayesian</a:t>
+            </a:r>
+          </a:p>
+          <a:p>
+            <a:pPr lvl="1"/>
+            <a:r>
+              <a:rPr lang="en-US" dirty="0" smtClean="0"/>
+              <a:t>Neural networks</a:t>
+            </a:r>
+          </a:p>
+          <a:p>
+            <a:pPr lvl="1"/>
+            <a:r>
+              <a:rPr lang="en-US" dirty="0" smtClean="0"/>
+              <a:t>Classification tree</a:t>
+            </a:r>
+            <a:endParaRPr lang="en-US" dirty="0"/>
           </a:p>
         </p:txBody>
       </p:sp>
     </p:spTree>
     <p:extLst>
       <p:ext uri="{BB962C8B-B14F-4D97-AF65-F5344CB8AC3E}">
-        <p14:creationId xmlns:p14="http://schemas.microsoft.com/office/powerpoint/2010/main" val="941982666"/>
+        <p14:creationId xmlns:p14="http://schemas.microsoft.com/office/powerpoint/2010/main" val="1332911498"/>
       </p:ext>
     </p:extLst>
   </p:cSld>
@@ -6865,7 +7184,7 @@
           <a:p>
             <a:r>
               <a:rPr lang="en-US" dirty="0" smtClean="0"/>
-              <a:t>Conclusion</a:t>
+              <a:t>New Methods</a:t>
             </a:r>
             <a:endParaRPr lang="en-US" dirty="0"/>
           </a:p>
@@ -6889,10 +7208,202 @@
           <a:lstStyle/>
           <a:p>
             <a:r>
+              <a:rPr lang="en-US" dirty="0"/>
+              <a:t>Feature selection &amp; </a:t>
+            </a:r>
+            <a:r>
+              <a:rPr lang="en-US" dirty="0" smtClean="0"/>
+              <a:t>addition</a:t>
+            </a:r>
+          </a:p>
+          <a:p>
+            <a:r>
+              <a:rPr lang="en-US" dirty="0" smtClean="0"/>
+              <a:t>10-fold cross validation versus 50/50 split</a:t>
+            </a:r>
+          </a:p>
+          <a:p>
+            <a:r>
+              <a:rPr lang="en-US" dirty="0"/>
+              <a:t>[SVM</a:t>
+            </a:r>
+            <a:r>
+              <a:rPr lang="en-US" dirty="0" smtClean="0"/>
+              <a:t>?] , [PCA w/ Random forest?]</a:t>
+            </a:r>
+          </a:p>
+          <a:p>
+            <a:r>
+              <a:rPr lang="en-US" dirty="0" smtClean="0"/>
+              <a:t>Evaluation Measure</a:t>
+            </a:r>
+          </a:p>
+        </p:txBody>
+      </p:sp>
+    </p:spTree>
+    <p:extLst>
+      <p:ext uri="{BB962C8B-B14F-4D97-AF65-F5344CB8AC3E}">
+        <p14:creationId xmlns:p14="http://schemas.microsoft.com/office/powerpoint/2010/main" val="1726699464"/>
+      </p:ext>
+    </p:extLst>
+  </p:cSld>
+  <p:clrMapOvr>
+    <a:masterClrMapping/>
+  </p:clrMapOvr>
+  <p:timing>
+    <p:tnLst>
+      <p:par>
+        <p:cTn id="1" dur="indefinite" restart="never" nodeType="tmRoot"/>
+      </p:par>
+    </p:tnLst>
+  </p:timing>
+</p:sld>
+</file>
+
+<file path=ppt/slides/slide8.xml><?xml version="1.0" encoding="utf-8"?>
+<p:sld xmlns:a="http://schemas.openxmlformats.org/drawingml/2006/main" xmlns:r="http://schemas.openxmlformats.org/officeDocument/2006/relationships" xmlns:p="http://schemas.openxmlformats.org/presentationml/2006/main">
+  <p:cSld>
+    <p:spTree>
+      <p:nvGrpSpPr>
+        <p:cNvPr id="1" name=""/>
+        <p:cNvGrpSpPr/>
+        <p:nvPr/>
+      </p:nvGrpSpPr>
+      <p:grpSpPr>
+        <a:xfrm>
+          <a:off x="0" y="0"/>
+          <a:ext cx="0" cy="0"/>
+          <a:chOff x="0" y="0"/>
+          <a:chExt cx="0" cy="0"/>
+        </a:xfrm>
+      </p:grpSpPr>
+      <p:sp>
+        <p:nvSpPr>
+          <p:cNvPr id="2" name="Title 1"/>
+          <p:cNvSpPr>
+            <a:spLocks noGrp="1"/>
+          </p:cNvSpPr>
+          <p:nvPr>
+            <p:ph type="title"/>
+          </p:nvPr>
+        </p:nvSpPr>
+        <p:spPr/>
+        <p:txBody>
+          <a:bodyPr/>
+          <a:lstStyle/>
+          <a:p>
+            <a:r>
+              <a:rPr lang="en-US" dirty="0" smtClean="0"/>
+              <a:t>Experiment </a:t>
+            </a:r>
+            <a:r>
+              <a:rPr lang="en-US" smtClean="0"/>
+              <a:t>Comparison Analysis</a:t>
+            </a:r>
+            <a:endParaRPr lang="en-US" dirty="0"/>
+          </a:p>
+        </p:txBody>
+      </p:sp>
+      <p:sp>
+        <p:nvSpPr>
+          <p:cNvPr id="3" name="Content Placeholder 2"/>
+          <p:cNvSpPr>
+            <a:spLocks noGrp="1"/>
+          </p:cNvSpPr>
+          <p:nvPr>
+            <p:ph idx="1"/>
+          </p:nvPr>
+        </p:nvSpPr>
+        <p:spPr/>
+        <p:txBody>
+          <a:bodyPr>
+            <a:normAutofit/>
+          </a:bodyPr>
+          <a:lstStyle/>
+          <a:p>
+            <a:r>
               <a:rPr lang="en-US" dirty="0" smtClean="0"/>
               <a:t>[]</a:t>
             </a:r>
           </a:p>
+        </p:txBody>
+      </p:sp>
+    </p:spTree>
+    <p:extLst>
+      <p:ext uri="{BB962C8B-B14F-4D97-AF65-F5344CB8AC3E}">
+        <p14:creationId xmlns:p14="http://schemas.microsoft.com/office/powerpoint/2010/main" val="941982666"/>
+      </p:ext>
+    </p:extLst>
+  </p:cSld>
+  <p:clrMapOvr>
+    <a:masterClrMapping/>
+  </p:clrMapOvr>
+  <p:timing>
+    <p:tnLst>
+      <p:par>
+        <p:cTn id="1" dur="indefinite" restart="never" nodeType="tmRoot"/>
+      </p:par>
+    </p:tnLst>
+  </p:timing>
+</p:sld>
+</file>
+
+<file path=ppt/slides/slide9.xml><?xml version="1.0" encoding="utf-8"?>
+<p:sld xmlns:a="http://schemas.openxmlformats.org/drawingml/2006/main" xmlns:r="http://schemas.openxmlformats.org/officeDocument/2006/relationships" xmlns:p="http://schemas.openxmlformats.org/presentationml/2006/main">
+  <p:cSld>
+    <p:spTree>
+      <p:nvGrpSpPr>
+        <p:cNvPr id="1" name=""/>
+        <p:cNvGrpSpPr/>
+        <p:nvPr/>
+      </p:nvGrpSpPr>
+      <p:grpSpPr>
+        <a:xfrm>
+          <a:off x="0" y="0"/>
+          <a:ext cx="0" cy="0"/>
+          <a:chOff x="0" y="0"/>
+          <a:chExt cx="0" cy="0"/>
+        </a:xfrm>
+      </p:grpSpPr>
+      <p:sp>
+        <p:nvSpPr>
+          <p:cNvPr id="2" name="Title 1"/>
+          <p:cNvSpPr>
+            <a:spLocks noGrp="1"/>
+          </p:cNvSpPr>
+          <p:nvPr>
+            <p:ph type="title"/>
+          </p:nvPr>
+        </p:nvSpPr>
+        <p:spPr/>
+        <p:txBody>
+          <a:bodyPr/>
+          <a:lstStyle/>
+          <a:p>
+            <a:r>
+              <a:rPr lang="en-US" dirty="0" smtClean="0"/>
+              <a:t>Conclusion</a:t>
+            </a:r>
+            <a:endParaRPr lang="en-US" dirty="0"/>
+          </a:p>
+        </p:txBody>
+      </p:sp>
+      <p:sp>
+        <p:nvSpPr>
+          <p:cNvPr id="3" name="Content Placeholder 2"/>
+          <p:cNvSpPr>
+            <a:spLocks noGrp="1"/>
+          </p:cNvSpPr>
+          <p:nvPr>
+            <p:ph idx="1"/>
+          </p:nvPr>
+        </p:nvSpPr>
+        <p:spPr/>
+        <p:txBody>
+          <a:bodyPr>
+            <a:normAutofit/>
+          </a:bodyPr>
+          <a:lstStyle/>
           <a:p>
             <a:r>
               <a:rPr lang="en-US" dirty="0" smtClean="0"/>
@@ -6908,6 +7419,12 @@
           <a:p>
             <a:r>
               <a:rPr lang="en-US" dirty="0" smtClean="0"/>
+              <a:t>[]</a:t>
+            </a:r>
+          </a:p>
+          <a:p>
+            <a:r>
+              <a:rPr lang="en-US" dirty="0" smtClean="0"/>
               <a:t>References:</a:t>
             </a:r>
           </a:p>
@@ -6915,15 +7432,7 @@
             <a:pPr lvl="1"/>
             <a:r>
               <a:rPr lang="en-US" dirty="0"/>
-              <a:t>I. </a:t>
-            </a:r>
-            <a:r>
-              <a:rPr lang="en-US" dirty="0" err="1"/>
-              <a:t>Yeh</a:t>
-            </a:r>
-            <a:r>
-              <a:rPr lang="en-US" dirty="0"/>
-              <a:t>, C. Lien, The comparisons of data mining techniques for the predictive accuracy of probability of default of credit card clients, Expert Systems with Applications 36 (2) (2008) 2473–2480</a:t>
+              <a:t>I. Yeh, C. Lien, The comparisons of data mining techniques for the predictive accuracy of probability of default of credit card clients, Expert Systems with Applications 36 (2) (2008) 2473–2480</a:t>
             </a:r>
             <a:r>
               <a:rPr lang="en-US" dirty="0" smtClean="0"/>

--- a/Predicting_Credit_Card_defaults.pptx
+++ b/Predicting_Credit_Card_defaults.pptx
@@ -6451,7 +6451,11 @@
           <a:lstStyle/>
           <a:p>
             <a:pPr algn="ctr"/>
-            <a:endParaRPr lang="en-US"/>
+            <a:endParaRPr lang="en-US">
+              <a:solidFill>
+                <a:schemeClr val="accent2"/>
+              </a:solidFill>
+            </a:endParaRPr>
           </a:p>
         </p:txBody>
       </p:sp>
@@ -6597,6 +6601,18 @@
   <p:clrMapOvr>
     <a:masterClrMapping/>
   </p:clrMapOvr>
+  <mc:AlternateContent xmlns:mc="http://schemas.openxmlformats.org/markup-compatibility/2006">
+    <mc:Choice xmlns:p159="http://schemas.microsoft.com/office/powerpoint/2015/09/main" Requires="p159">
+      <p:transition xmlns:p14="http://schemas.microsoft.com/office/powerpoint/2010/main" spd="slow" p14:dur="2000">
+        <p159:morph option="byObject"/>
+      </p:transition>
+    </mc:Choice>
+    <mc:Fallback>
+      <p:transition spd="slow">
+        <p:fade/>
+      </p:transition>
+    </mc:Fallback>
+  </mc:AlternateContent>
   <p:timing>
     <p:tnLst>
       <p:par>
@@ -6953,7 +6969,7 @@
         </p:nvSpPr>
         <p:spPr>
           <a:xfrm>
-            <a:off x="1484310" y="1594938"/>
+            <a:off x="1484310" y="1298370"/>
             <a:ext cx="10018713" cy="3124201"/>
           </a:xfrm>
         </p:spPr>
@@ -6984,9 +7000,13 @@
             </a:r>
             <a:r>
               <a:rPr lang="en-US" dirty="0" smtClean="0"/>
-              <a:t>chart, area-under-curve of ROC chart</a:t>
-            </a:r>
-            <a:endParaRPr lang="en-US" dirty="0" smtClean="0"/>
+              <a:t>chart, </a:t>
+            </a:r>
+            <a:r>
+              <a:rPr lang="en-US" i="1" dirty="0" smtClean="0"/>
+              <a:t>area-under-curve of ROC chart</a:t>
+            </a:r>
+            <a:endParaRPr lang="en-US" i="1" dirty="0" smtClean="0"/>
           </a:p>
           <a:p>
             <a:pPr lvl="1"/>
@@ -6997,6 +7017,494 @@
           </a:p>
         </p:txBody>
       </p:sp>
+      <p:graphicFrame>
+        <p:nvGraphicFramePr>
+          <p:cNvPr id="4" name="Table 3"/>
+          <p:cNvGraphicFramePr>
+            <a:graphicFrameLocks noGrp="1"/>
+          </p:cNvGraphicFramePr>
+          <p:nvPr>
+            <p:extLst>
+              <p:ext uri="{D42A27DB-BD31-4B8C-83A1-F6EECF244321}">
+                <p14:modId xmlns:p14="http://schemas.microsoft.com/office/powerpoint/2010/main" val="157838099"/>
+              </p:ext>
+            </p:extLst>
+          </p:nvPr>
+        </p:nvGraphicFramePr>
+        <p:xfrm>
+          <a:off x="1484309" y="2978151"/>
+          <a:ext cx="5177664" cy="2225040"/>
+        </p:xfrm>
+        <a:graphic>
+          <a:graphicData uri="http://schemas.openxmlformats.org/drawingml/2006/table">
+            <a:tbl>
+              <a:tblPr firstRow="1" bandRow="1">
+                <a:tableStyleId>{5C22544A-7EE6-4342-B048-85BDC9FD1C3A}</a:tableStyleId>
+              </a:tblPr>
+              <a:tblGrid>
+                <a:gridCol w="2343024"/>
+                <a:gridCol w="1417320"/>
+                <a:gridCol w="1417320"/>
+              </a:tblGrid>
+              <a:tr h="370840">
+                <a:tc>
+                  <a:txBody>
+                    <a:bodyPr/>
+                    <a:lstStyle/>
+                    <a:p>
+                      <a:r>
+                        <a:rPr lang="en-US" dirty="0" smtClean="0"/>
+                        <a:t>Model</a:t>
+                      </a:r>
+                      <a:endParaRPr lang="en-US" dirty="0"/>
+                    </a:p>
+                  </a:txBody>
+                  <a:tcPr/>
+                </a:tc>
+                <a:tc>
+                  <a:txBody>
+                    <a:bodyPr/>
+                    <a:lstStyle/>
+                    <a:p>
+                      <a:r>
+                        <a:rPr lang="en-US" dirty="0" smtClean="0"/>
+                        <a:t>Error_rate</a:t>
+                      </a:r>
+                      <a:endParaRPr lang="en-US" dirty="0"/>
+                    </a:p>
+                  </a:txBody>
+                  <a:tcPr/>
+                </a:tc>
+                <a:tc>
+                  <a:txBody>
+                    <a:bodyPr/>
+                    <a:lstStyle/>
+                    <a:p>
+                      <a:r>
+                        <a:rPr lang="en-US" dirty="0" smtClean="0"/>
+                        <a:t>ROC_AUC </a:t>
+                      </a:r>
+                      <a:endParaRPr lang="en-US" dirty="0"/>
+                    </a:p>
+                  </a:txBody>
+                  <a:tcPr/>
+                </a:tc>
+              </a:tr>
+              <a:tr h="370840">
+                <a:tc>
+                  <a:txBody>
+                    <a:bodyPr/>
+                    <a:lstStyle/>
+                    <a:p>
+                      <a:pPr marL="0" marR="0" lvl="1" indent="0" algn="l" defTabSz="457200" rtl="0" eaLnBrk="1" fontAlgn="auto" latinLnBrk="0" hangingPunct="1">
+                        <a:lnSpc>
+                          <a:spcPct val="100000"/>
+                        </a:lnSpc>
+                        <a:spcBef>
+                          <a:spcPts val="0"/>
+                        </a:spcBef>
+                        <a:spcAft>
+                          <a:spcPts val="0"/>
+                        </a:spcAft>
+                        <a:buClrTx/>
+                        <a:buSzTx/>
+                        <a:buFontTx/>
+                        <a:buNone/>
+                        <a:tabLst/>
+                        <a:defRPr/>
+                      </a:pPr>
+                      <a:r>
+                        <a:rPr lang="en-US" dirty="0" smtClean="0"/>
+                        <a:t>Classification tree</a:t>
+                      </a:r>
+                    </a:p>
+                  </a:txBody>
+                  <a:tcPr/>
+                </a:tc>
+                <a:tc>
+                  <a:txBody>
+                    <a:bodyPr/>
+                    <a:lstStyle/>
+                    <a:p>
+                      <a:r>
+                        <a:rPr lang="en-US" dirty="0" smtClean="0"/>
+                        <a:t>0%</a:t>
+                      </a:r>
+                      <a:endParaRPr lang="en-US" dirty="0"/>
+                    </a:p>
+                  </a:txBody>
+                  <a:tcPr/>
+                </a:tc>
+                <a:tc>
+                  <a:txBody>
+                    <a:bodyPr/>
+                    <a:lstStyle/>
+                    <a:p>
+                      <a:r>
+                        <a:rPr lang="en-US" dirty="0" smtClean="0"/>
+                        <a:t>100%</a:t>
+                      </a:r>
+                      <a:endParaRPr lang="en-US" dirty="0"/>
+                    </a:p>
+                  </a:txBody>
+                  <a:tcPr/>
+                </a:tc>
+              </a:tr>
+              <a:tr h="370840">
+                <a:tc>
+                  <a:txBody>
+                    <a:bodyPr/>
+                    <a:lstStyle/>
+                    <a:p>
+                      <a:r>
+                        <a:rPr lang="en-US" dirty="0" smtClean="0"/>
+                        <a:t>K-Nearest</a:t>
+                      </a:r>
+                      <a:r>
+                        <a:rPr lang="en-US" baseline="0" dirty="0" smtClean="0"/>
+                        <a:t> Neighbor</a:t>
+                      </a:r>
+                      <a:endParaRPr lang="en-US" dirty="0"/>
+                    </a:p>
+                  </a:txBody>
+                  <a:tcPr/>
+                </a:tc>
+                <a:tc>
+                  <a:txBody>
+                    <a:bodyPr/>
+                    <a:lstStyle/>
+                    <a:p>
+                      <a:r>
+                        <a:rPr lang="en-US" dirty="0" smtClean="0"/>
+                        <a:t>18.3%</a:t>
+                      </a:r>
+                      <a:endParaRPr lang="en-US" dirty="0"/>
+                    </a:p>
+                  </a:txBody>
+                  <a:tcPr/>
+                </a:tc>
+                <a:tc>
+                  <a:txBody>
+                    <a:bodyPr/>
+                    <a:lstStyle/>
+                    <a:p>
+                      <a:r>
+                        <a:rPr lang="en-US" dirty="0" smtClean="0"/>
+                        <a:t>84%</a:t>
+                      </a:r>
+                      <a:endParaRPr lang="en-US" dirty="0"/>
+                    </a:p>
+                  </a:txBody>
+                  <a:tcPr/>
+                </a:tc>
+              </a:tr>
+              <a:tr h="370840">
+                <a:tc>
+                  <a:txBody>
+                    <a:bodyPr/>
+                    <a:lstStyle/>
+                    <a:p>
+                      <a:pPr marL="0" marR="0" lvl="1" indent="0" algn="l" defTabSz="457200" rtl="0" eaLnBrk="1" fontAlgn="auto" latinLnBrk="0" hangingPunct="1">
+                        <a:lnSpc>
+                          <a:spcPct val="100000"/>
+                        </a:lnSpc>
+                        <a:spcBef>
+                          <a:spcPts val="0"/>
+                        </a:spcBef>
+                        <a:spcAft>
+                          <a:spcPts val="0"/>
+                        </a:spcAft>
+                        <a:buClrTx/>
+                        <a:buSzTx/>
+                        <a:buFontTx/>
+                        <a:buNone/>
+                        <a:tabLst/>
+                        <a:defRPr/>
+                      </a:pPr>
+                      <a:r>
+                        <a:rPr lang="en-US" dirty="0" smtClean="0"/>
+                        <a:t>Naïve Bayesian</a:t>
+                      </a:r>
+                    </a:p>
+                  </a:txBody>
+                  <a:tcPr/>
+                </a:tc>
+                <a:tc>
+                  <a:txBody>
+                    <a:bodyPr/>
+                    <a:lstStyle/>
+                    <a:p>
+                      <a:r>
+                        <a:rPr lang="en-US" dirty="0" smtClean="0"/>
+                        <a:t>23.0%</a:t>
+                      </a:r>
+                      <a:endParaRPr lang="en-US" dirty="0"/>
+                    </a:p>
+                  </a:txBody>
+                  <a:tcPr/>
+                </a:tc>
+                <a:tc>
+                  <a:txBody>
+                    <a:bodyPr/>
+                    <a:lstStyle/>
+                    <a:p>
+                      <a:r>
+                        <a:rPr lang="en-US" dirty="0" smtClean="0"/>
+                        <a:t>74%</a:t>
+                      </a:r>
+                      <a:endParaRPr lang="en-US" dirty="0"/>
+                    </a:p>
+                  </a:txBody>
+                  <a:tcPr/>
+                </a:tc>
+              </a:tr>
+              <a:tr h="370840">
+                <a:tc>
+                  <a:txBody>
+                    <a:bodyPr/>
+                    <a:lstStyle/>
+                    <a:p>
+                      <a:pPr marL="0" marR="0" lvl="1" indent="0" algn="l" defTabSz="457200" rtl="0" eaLnBrk="1" fontAlgn="auto" latinLnBrk="0" hangingPunct="1">
+                        <a:lnSpc>
+                          <a:spcPct val="100000"/>
+                        </a:lnSpc>
+                        <a:spcBef>
+                          <a:spcPts val="0"/>
+                        </a:spcBef>
+                        <a:spcAft>
+                          <a:spcPts val="0"/>
+                        </a:spcAft>
+                        <a:buClrTx/>
+                        <a:buSzTx/>
+                        <a:buFontTx/>
+                        <a:buNone/>
+                        <a:tabLst/>
+                        <a:defRPr/>
+                      </a:pPr>
+                      <a:r>
+                        <a:rPr lang="en-US" dirty="0" smtClean="0"/>
+                        <a:t>Discriminant analysis</a:t>
+                      </a:r>
+                    </a:p>
+                  </a:txBody>
+                  <a:tcPr/>
+                </a:tc>
+                <a:tc>
+                  <a:txBody>
+                    <a:bodyPr/>
+                    <a:lstStyle/>
+                    <a:p>
+                      <a:r>
+                        <a:rPr lang="en-US" dirty="0" smtClean="0"/>
+                        <a:t>18.8%</a:t>
+                      </a:r>
+                      <a:endParaRPr lang="en-US" dirty="0"/>
+                    </a:p>
+                  </a:txBody>
+                  <a:tcPr/>
+                </a:tc>
+                <a:tc>
+                  <a:txBody>
+                    <a:bodyPr/>
+                    <a:lstStyle/>
+                    <a:p>
+                      <a:r>
+                        <a:rPr lang="en-US" dirty="0" smtClean="0"/>
+                        <a:t>72%</a:t>
+                      </a:r>
+                      <a:endParaRPr lang="en-US" dirty="0"/>
+                    </a:p>
+                  </a:txBody>
+                  <a:tcPr/>
+                </a:tc>
+              </a:tr>
+              <a:tr h="370840">
+                <a:tc>
+                  <a:txBody>
+                    <a:bodyPr/>
+                    <a:lstStyle/>
+                    <a:p>
+                      <a:pPr marL="0" marR="0" lvl="1" indent="0" algn="l" defTabSz="457200" rtl="0" eaLnBrk="1" fontAlgn="auto" latinLnBrk="0" hangingPunct="1">
+                        <a:lnSpc>
+                          <a:spcPct val="100000"/>
+                        </a:lnSpc>
+                        <a:spcBef>
+                          <a:spcPts val="0"/>
+                        </a:spcBef>
+                        <a:spcAft>
+                          <a:spcPts val="0"/>
+                        </a:spcAft>
+                        <a:buClrTx/>
+                        <a:buSzTx/>
+                        <a:buFontTx/>
+                        <a:buNone/>
+                        <a:tabLst/>
+                        <a:defRPr/>
+                      </a:pPr>
+                      <a:r>
+                        <a:rPr lang="en-US" dirty="0" smtClean="0"/>
+                        <a:t>Logistic</a:t>
+                      </a:r>
+                      <a:r>
+                        <a:rPr lang="en-US" baseline="0" dirty="0" smtClean="0"/>
+                        <a:t> Regression</a:t>
+                      </a:r>
+                      <a:endParaRPr lang="en-US" dirty="0" smtClean="0"/>
+                    </a:p>
+                  </a:txBody>
+                  <a:tcPr/>
+                </a:tc>
+                <a:tc>
+                  <a:txBody>
+                    <a:bodyPr/>
+                    <a:lstStyle/>
+                    <a:p>
+                      <a:r>
+                        <a:rPr lang="en-US" dirty="0" smtClean="0"/>
+                        <a:t>22.1%</a:t>
+                      </a:r>
+                      <a:endParaRPr lang="en-US" dirty="0"/>
+                    </a:p>
+                  </a:txBody>
+                  <a:tcPr/>
+                </a:tc>
+                <a:tc>
+                  <a:txBody>
+                    <a:bodyPr/>
+                    <a:lstStyle/>
+                    <a:p>
+                      <a:r>
+                        <a:rPr lang="en-US" dirty="0" smtClean="0"/>
+                        <a:t>65%</a:t>
+                      </a:r>
+                      <a:endParaRPr lang="en-US" dirty="0"/>
+                    </a:p>
+                  </a:txBody>
+                  <a:tcPr/>
+                </a:tc>
+              </a:tr>
+            </a:tbl>
+          </a:graphicData>
+        </a:graphic>
+      </p:graphicFrame>
+      <p:sp>
+        <p:nvSpPr>
+          <p:cNvPr id="5" name="Oval 4"/>
+          <p:cNvSpPr/>
+          <p:nvPr/>
+        </p:nvSpPr>
+        <p:spPr>
+          <a:xfrm>
+            <a:off x="5053914" y="3299253"/>
+            <a:ext cx="1075037" cy="1959638"/>
+          </a:xfrm>
+          <a:prstGeom prst="ellipse">
+            <a:avLst/>
+          </a:prstGeom>
+          <a:noFill/>
+          <a:ln w="38100">
+            <a:solidFill>
+              <a:srgbClr val="00B050"/>
+            </a:solidFill>
+          </a:ln>
+        </p:spPr>
+        <p:style>
+          <a:lnRef idx="2">
+            <a:schemeClr val="accent1">
+              <a:shade val="50000"/>
+            </a:schemeClr>
+          </a:lnRef>
+          <a:fillRef idx="1">
+            <a:schemeClr val="accent1"/>
+          </a:fillRef>
+          <a:effectRef idx="0">
+            <a:schemeClr val="accent1"/>
+          </a:effectRef>
+          <a:fontRef idx="minor">
+            <a:schemeClr val="lt1"/>
+          </a:fontRef>
+        </p:style>
+        <p:txBody>
+          <a:bodyPr rtlCol="0" anchor="ctr"/>
+          <a:lstStyle/>
+          <a:p>
+            <a:pPr algn="ctr"/>
+            <a:endParaRPr lang="en-US">
+              <a:solidFill>
+                <a:schemeClr val="accent2"/>
+              </a:solidFill>
+            </a:endParaRPr>
+          </a:p>
+        </p:txBody>
+      </p:sp>
+      <p:sp>
+        <p:nvSpPr>
+          <p:cNvPr id="6" name="Rectangle 5"/>
+          <p:cNvSpPr/>
+          <p:nvPr/>
+        </p:nvSpPr>
+        <p:spPr>
+          <a:xfrm>
+            <a:off x="4566781" y="5333441"/>
+            <a:ext cx="2703622" cy="646331"/>
+          </a:xfrm>
+          <a:prstGeom prst="rect">
+            <a:avLst/>
+          </a:prstGeom>
+        </p:spPr>
+        <p:txBody>
+          <a:bodyPr wrap="square">
+            <a:spAutoFit/>
+          </a:bodyPr>
+          <a:lstStyle/>
+          <a:p>
+            <a:pPr lvl="1"/>
+            <a:r>
+              <a:rPr lang="en-US" b="1" i="1" dirty="0" smtClean="0">
+                <a:solidFill>
+                  <a:srgbClr val="00B050"/>
+                </a:solidFill>
+              </a:rPr>
+              <a:t>Better measure of model accuracy -&gt;</a:t>
+            </a:r>
+            <a:endParaRPr lang="en-US" b="1" i="1" dirty="0">
+              <a:solidFill>
+                <a:srgbClr val="00B050"/>
+              </a:solidFill>
+            </a:endParaRPr>
+          </a:p>
+        </p:txBody>
+      </p:sp>
+      <p:pic>
+        <p:nvPicPr>
+          <p:cNvPr id="7" name="Picture 6"/>
+          <p:cNvPicPr>
+            <a:picLocks noChangeAspect="1"/>
+          </p:cNvPicPr>
+          <p:nvPr/>
+        </p:nvPicPr>
+        <p:blipFill>
+          <a:blip r:embed="rId2">
+            <a:extLst>
+              <a:ext uri="{28A0092B-C50C-407E-A947-70E740481C1C}">
+                <a14:useLocalDpi xmlns:a14="http://schemas.microsoft.com/office/drawing/2010/main" val="0"/>
+              </a:ext>
+            </a:extLst>
+          </a:blip>
+          <a:stretch>
+            <a:fillRect/>
+          </a:stretch>
+        </p:blipFill>
+        <p:spPr>
+          <a:xfrm>
+            <a:off x="7117492" y="2977977"/>
+            <a:ext cx="5058033" cy="3793525"/>
+          </a:xfrm>
+          <a:prstGeom prst="rect">
+            <a:avLst/>
+          </a:prstGeom>
+        </p:spPr>
+      </p:pic>
     </p:spTree>
     <p:extLst>
       <p:ext uri="{BB962C8B-B14F-4D97-AF65-F5344CB8AC3E}">
@@ -7007,6 +7515,18 @@
   <p:clrMapOvr>
     <a:masterClrMapping/>
   </p:clrMapOvr>
+  <mc:AlternateContent xmlns:mc="http://schemas.openxmlformats.org/markup-compatibility/2006">
+    <mc:Choice xmlns:p159="http://schemas.microsoft.com/office/powerpoint/2015/09/main" Requires="p159">
+      <p:transition xmlns:p14="http://schemas.microsoft.com/office/powerpoint/2010/main" spd="slow" p14:dur="2000">
+        <p159:morph option="byObject"/>
+      </p:transition>
+    </mc:Choice>
+    <mc:Fallback>
+      <p:transition spd="slow">
+        <p:fade/>
+      </p:transition>
+    </mc:Fallback>
+  </mc:AlternateContent>
   <p:timing>
     <p:tnLst>
       <p:par>
@@ -7401,7 +7921,7 @@
         <p:spPr/>
         <p:txBody>
           <a:bodyPr>
-            <a:normAutofit/>
+            <a:normAutofit fontScale="85000" lnSpcReduction="10000"/>
           </a:bodyPr>
           <a:lstStyle/>
           <a:p>
@@ -7421,6 +7941,39 @@
               <a:rPr lang="en-US" dirty="0" smtClean="0"/>
               <a:t>[]</a:t>
             </a:r>
+            <a:endParaRPr lang="en-US" dirty="0" smtClean="0"/>
+          </a:p>
+          <a:p>
+            <a:r>
+              <a:rPr lang="en-US" dirty="0"/>
+              <a:t>Supporting </a:t>
+            </a:r>
+            <a:r>
+              <a:rPr lang="en-US" dirty="0" smtClean="0"/>
+              <a:t>work</a:t>
+            </a:r>
+          </a:p>
+          <a:p>
+            <a:pPr lvl="1"/>
+            <a:r>
+              <a:rPr lang="en-US" dirty="0" smtClean="0">
+                <a:hlinkClick r:id="rId2"/>
+              </a:rPr>
+              <a:t>https</a:t>
+            </a:r>
+            <a:r>
+              <a:rPr lang="en-US" dirty="0">
+                <a:hlinkClick r:id="rId2"/>
+              </a:rPr>
+              <a:t>://github.com/jb08/</a:t>
+            </a:r>
+            <a:r>
+              <a:rPr lang="en-US" dirty="0" err="1">
+                <a:hlinkClick r:id="rId2"/>
+              </a:rPr>
+              <a:t>credit_card_default_ML</a:t>
+            </a:r>
+            <a:endParaRPr lang="en-US" dirty="0" smtClean="0"/>
           </a:p>
           <a:p>
             <a:r>

--- a/Predicting_Credit_Card_defaults.pptx
+++ b/Predicting_Credit_Card_defaults.pptx
@@ -13,7 +13,9 @@
     <p:sldId id="259" r:id="rId7"/>
     <p:sldId id="260" r:id="rId8"/>
     <p:sldId id="261" r:id="rId9"/>
-    <p:sldId id="262" r:id="rId10"/>
+    <p:sldId id="266" r:id="rId10"/>
+    <p:sldId id="268" r:id="rId11"/>
+    <p:sldId id="262" r:id="rId12"/>
   </p:sldIdLst>
   <p:sldSz cx="12192000" cy="6858000"/>
   <p:notesSz cx="6858000" cy="9144000"/>
@@ -6194,6 +6196,292 @@
 </p:sld>
 </file>
 
+<file path=ppt/slides/slide10.xml><?xml version="1.0" encoding="utf-8"?>
+<p:sld xmlns:a="http://schemas.openxmlformats.org/drawingml/2006/main" xmlns:r="http://schemas.openxmlformats.org/officeDocument/2006/relationships" xmlns:p="http://schemas.openxmlformats.org/presentationml/2006/main">
+  <p:cSld>
+    <p:spTree>
+      <p:nvGrpSpPr>
+        <p:cNvPr id="1" name=""/>
+        <p:cNvGrpSpPr/>
+        <p:nvPr/>
+      </p:nvGrpSpPr>
+      <p:grpSpPr>
+        <a:xfrm>
+          <a:off x="0" y="0"/>
+          <a:ext cx="0" cy="0"/>
+          <a:chOff x="0" y="0"/>
+          <a:chExt cx="0" cy="0"/>
+        </a:xfrm>
+      </p:grpSpPr>
+      <p:sp>
+        <p:nvSpPr>
+          <p:cNvPr id="2" name="Title 1"/>
+          <p:cNvSpPr>
+            <a:spLocks noGrp="1"/>
+          </p:cNvSpPr>
+          <p:nvPr>
+            <p:ph type="title"/>
+          </p:nvPr>
+        </p:nvSpPr>
+        <p:spPr/>
+        <p:txBody>
+          <a:bodyPr/>
+          <a:lstStyle/>
+          <a:p>
+            <a:r>
+              <a:rPr lang="en-US" dirty="0"/>
+              <a:t>Experiment: </a:t>
+            </a:r>
+            <a:r>
+              <a:rPr lang="en-US" dirty="0" smtClean="0"/>
+              <a:t>PCA with Random Forest</a:t>
+            </a:r>
+            <a:endParaRPr lang="en-US" dirty="0"/>
+          </a:p>
+        </p:txBody>
+      </p:sp>
+      <p:sp>
+        <p:nvSpPr>
+          <p:cNvPr id="3" name="Content Placeholder 2"/>
+          <p:cNvSpPr>
+            <a:spLocks noGrp="1"/>
+          </p:cNvSpPr>
+          <p:nvPr>
+            <p:ph idx="1"/>
+          </p:nvPr>
+        </p:nvSpPr>
+        <p:spPr>
+          <a:xfrm>
+            <a:off x="1484310" y="3047999"/>
+            <a:ext cx="10018713" cy="3124201"/>
+          </a:xfrm>
+        </p:spPr>
+        <p:txBody>
+          <a:bodyPr>
+            <a:normAutofit/>
+          </a:bodyPr>
+          <a:lstStyle/>
+          <a:p>
+            <a:r>
+              <a:rPr lang="en-US" dirty="0" smtClean="0"/>
+              <a:t>This approach yielded </a:t>
+            </a:r>
+            <a:r>
+              <a:rPr lang="en-US" dirty="0" smtClean="0">
+                <a:solidFill>
+                  <a:srgbClr val="FF0000"/>
+                </a:solidFill>
+              </a:rPr>
+              <a:t>no improvement </a:t>
+            </a:r>
+            <a:r>
+              <a:rPr lang="en-US" dirty="0" smtClean="0"/>
+              <a:t>over the baseline methods</a:t>
+            </a:r>
+            <a:endParaRPr lang="en-US" dirty="0" smtClean="0">
+              <a:solidFill>
+                <a:srgbClr val="00B050"/>
+              </a:solidFill>
+            </a:endParaRPr>
+          </a:p>
+          <a:p>
+            <a:r>
+              <a:rPr lang="en-US" dirty="0" smtClean="0"/>
+              <a:t>[]</a:t>
+            </a:r>
+          </a:p>
+          <a:p>
+            <a:r>
+              <a:rPr lang="en-US" dirty="0" smtClean="0"/>
+              <a:t>[]</a:t>
+            </a:r>
+          </a:p>
+          <a:p>
+            <a:r>
+              <a:rPr lang="en-US" dirty="0" smtClean="0"/>
+              <a:t>[]</a:t>
+            </a:r>
+            <a:endParaRPr lang="en-US" dirty="0" smtClean="0"/>
+          </a:p>
+        </p:txBody>
+      </p:sp>
+    </p:spTree>
+    <p:extLst>
+      <p:ext uri="{BB962C8B-B14F-4D97-AF65-F5344CB8AC3E}">
+        <p14:creationId xmlns:p14="http://schemas.microsoft.com/office/powerpoint/2010/main" val="224420719"/>
+      </p:ext>
+    </p:extLst>
+  </p:cSld>
+  <p:clrMapOvr>
+    <a:masterClrMapping/>
+  </p:clrMapOvr>
+  <p:timing>
+    <p:tnLst>
+      <p:par>
+        <p:cTn id="1" dur="indefinite" restart="never" nodeType="tmRoot"/>
+      </p:par>
+    </p:tnLst>
+  </p:timing>
+</p:sld>
+</file>
+
+<file path=ppt/slides/slide11.xml><?xml version="1.0" encoding="utf-8"?>
+<p:sld xmlns:a="http://schemas.openxmlformats.org/drawingml/2006/main" xmlns:r="http://schemas.openxmlformats.org/officeDocument/2006/relationships" xmlns:p="http://schemas.openxmlformats.org/presentationml/2006/main">
+  <p:cSld>
+    <p:spTree>
+      <p:nvGrpSpPr>
+        <p:cNvPr id="1" name=""/>
+        <p:cNvGrpSpPr/>
+        <p:nvPr/>
+      </p:nvGrpSpPr>
+      <p:grpSpPr>
+        <a:xfrm>
+          <a:off x="0" y="0"/>
+          <a:ext cx="0" cy="0"/>
+          <a:chOff x="0" y="0"/>
+          <a:chExt cx="0" cy="0"/>
+        </a:xfrm>
+      </p:grpSpPr>
+      <p:sp>
+        <p:nvSpPr>
+          <p:cNvPr id="2" name="Title 1"/>
+          <p:cNvSpPr>
+            <a:spLocks noGrp="1"/>
+          </p:cNvSpPr>
+          <p:nvPr>
+            <p:ph type="title"/>
+          </p:nvPr>
+        </p:nvSpPr>
+        <p:spPr/>
+        <p:txBody>
+          <a:bodyPr/>
+          <a:lstStyle/>
+          <a:p>
+            <a:r>
+              <a:rPr lang="en-US" dirty="0" smtClean="0"/>
+              <a:t>Conclusion</a:t>
+            </a:r>
+            <a:endParaRPr lang="en-US" dirty="0"/>
+          </a:p>
+        </p:txBody>
+      </p:sp>
+      <p:sp>
+        <p:nvSpPr>
+          <p:cNvPr id="3" name="Content Placeholder 2"/>
+          <p:cNvSpPr>
+            <a:spLocks noGrp="1"/>
+          </p:cNvSpPr>
+          <p:nvPr>
+            <p:ph idx="1"/>
+          </p:nvPr>
+        </p:nvSpPr>
+        <p:spPr/>
+        <p:txBody>
+          <a:bodyPr>
+            <a:normAutofit fontScale="85000" lnSpcReduction="20000"/>
+          </a:bodyPr>
+          <a:lstStyle/>
+          <a:p>
+            <a:r>
+              <a:rPr lang="en-US" dirty="0" smtClean="0"/>
+              <a:t>Newly available (Jan-16) credit card data yielded opportunity to predict defaults</a:t>
+            </a:r>
+            <a:endParaRPr lang="en-US" dirty="0" smtClean="0"/>
+          </a:p>
+          <a:p>
+            <a:r>
+              <a:rPr lang="en-US" dirty="0"/>
+              <a:t>C</a:t>
+            </a:r>
+            <a:r>
+              <a:rPr lang="en-US" dirty="0" smtClean="0"/>
+              <a:t>onsider the best measure for testing model accuracy (here: lift chart or ROC_AUC)</a:t>
+            </a:r>
+            <a:endParaRPr lang="en-US" dirty="0" smtClean="0"/>
+          </a:p>
+          <a:p>
+            <a:r>
+              <a:rPr lang="en-US" dirty="0" smtClean="0"/>
+              <a:t>Experiments </a:t>
+            </a:r>
+          </a:p>
+          <a:p>
+            <a:pPr lvl="1"/>
+            <a:r>
+              <a:rPr lang="en-US" dirty="0"/>
+              <a:t>Y</a:t>
+            </a:r>
+            <a:r>
+              <a:rPr lang="en-US" dirty="0" smtClean="0"/>
+              <a:t>ielding improvement: 10-fold cross validation</a:t>
+            </a:r>
+          </a:p>
+          <a:p>
+            <a:pPr lvl="1"/>
+            <a:r>
+              <a:rPr lang="en-US" dirty="0" smtClean="0"/>
+              <a:t>No improvement: Feature Selection, PCA with Random Forest</a:t>
+            </a:r>
+            <a:endParaRPr lang="en-US" dirty="0" smtClean="0"/>
+          </a:p>
+          <a:p>
+            <a:r>
+              <a:rPr lang="en-US" dirty="0" smtClean="0"/>
+              <a:t>Data and Code: </a:t>
+            </a:r>
+            <a:r>
+              <a:rPr lang="en-US" dirty="0" smtClean="0">
+                <a:hlinkClick r:id="rId2"/>
+              </a:rPr>
+              <a:t>https</a:t>
+            </a:r>
+            <a:r>
+              <a:rPr lang="en-US" dirty="0">
+                <a:hlinkClick r:id="rId2"/>
+              </a:rPr>
+              <a:t>://github.com/jb08/credit_card_default_ML</a:t>
+            </a:r>
+            <a:endParaRPr lang="en-US" dirty="0" smtClean="0"/>
+          </a:p>
+          <a:p>
+            <a:r>
+              <a:rPr lang="en-US" dirty="0" smtClean="0"/>
+              <a:t>References:</a:t>
+            </a:r>
+          </a:p>
+          <a:p>
+            <a:pPr lvl="1"/>
+            <a:r>
+              <a:rPr lang="en-US" dirty="0"/>
+              <a:t>I. Yeh, C. Lien, The comparisons of data mining techniques for the predictive accuracy of probability of default of credit card clients, Expert Systems with Applications 36 (2) (2008) 2473–2480</a:t>
+            </a:r>
+            <a:r>
+              <a:rPr lang="en-US" dirty="0" smtClean="0"/>
+              <a:t>.</a:t>
+            </a:r>
+          </a:p>
+        </p:txBody>
+      </p:sp>
+    </p:spTree>
+    <p:extLst>
+      <p:ext uri="{BB962C8B-B14F-4D97-AF65-F5344CB8AC3E}">
+        <p14:creationId xmlns:p14="http://schemas.microsoft.com/office/powerpoint/2010/main" val="1760898628"/>
+      </p:ext>
+    </p:extLst>
+  </p:cSld>
+  <p:clrMapOvr>
+    <a:masterClrMapping/>
+  </p:clrMapOvr>
+  <p:timing>
+    <p:tnLst>
+      <p:par>
+        <p:cTn id="1" dur="indefinite" restart="never" nodeType="tmRoot"/>
+      </p:par>
+    </p:tnLst>
+  </p:timing>
+</p:sld>
+</file>
+
 <file path=ppt/slides/slide2.xml><?xml version="1.0" encoding="utf-8"?>
 <p:sld xmlns:a="http://schemas.openxmlformats.org/drawingml/2006/main" xmlns:r="http://schemas.openxmlformats.org/officeDocument/2006/relationships" xmlns:p="http://schemas.openxmlformats.org/presentationml/2006/main">
   <p:cSld>
@@ -6266,37 +6554,29 @@
             </a:r>
             <a:r>
               <a:rPr lang="en-US" dirty="0" smtClean="0"/>
-              <a:t>Taiwanese bank)</a:t>
-            </a:r>
-          </a:p>
-          <a:p>
+              <a:t>Taiwanese </a:t>
+            </a:r>
             <a:r>
               <a:rPr lang="en-US" dirty="0" smtClean="0"/>
-              <a:t>23 explanatory variables</a:t>
+              <a:t>bank)</a:t>
             </a:r>
           </a:p>
           <a:p>
             <a:r>
               <a:rPr lang="en-US" dirty="0" smtClean="0"/>
-              <a:t>1 Response variable</a:t>
-            </a:r>
-          </a:p>
-          <a:p>
-            <a:pPr lvl="1"/>
+              <a:t>22</a:t>
+            </a:r>
             <a:r>
               <a:rPr lang="en-US" dirty="0" smtClean="0"/>
-              <a:t> </a:t>
+              <a:t>% defaulted (</a:t>
             </a:r>
             <a:r>
               <a:rPr lang="en-US" dirty="0" smtClean="0"/>
-              <a:t>Y = 1 (yes defaulted) , Y = 0 (no)</a:t>
-            </a:r>
-          </a:p>
-          <a:p>
-            <a:pPr lvl="1"/>
+              <a:t>6,636 </a:t>
+            </a:r>
             <a:r>
               <a:rPr lang="en-US" dirty="0" smtClean="0"/>
-              <a:t>22% defaulted (6636 / 30,000</a:t>
+              <a:t>/ 30,000</a:t>
             </a:r>
             <a:r>
               <a:rPr lang="en-US" dirty="0" smtClean="0"/>
@@ -6482,52 +6762,96 @@
           <a:p>
             <a:pPr lvl="1"/>
             <a:r>
-              <a:rPr lang="en-US" dirty="0" smtClean="0"/>
+              <a:rPr lang="en-US" dirty="0" smtClean="0">
+                <a:solidFill>
+                  <a:srgbClr val="00B050"/>
+                </a:solidFill>
+              </a:rPr>
               <a:t>X1 – X5: Credit given, gender, education level, marital status, age</a:t>
             </a:r>
           </a:p>
           <a:p>
             <a:pPr lvl="1"/>
             <a:r>
-              <a:rPr lang="en-US" dirty="0" smtClean="0"/>
+              <a:rPr lang="en-US" dirty="0" smtClean="0">
+                <a:solidFill>
+                  <a:schemeClr val="accent5"/>
+                </a:solidFill>
+              </a:rPr>
               <a:t>X6 </a:t>
             </a:r>
             <a:r>
-              <a:rPr lang="en-US" dirty="0"/>
+              <a:rPr lang="en-US" dirty="0">
+                <a:solidFill>
+                  <a:schemeClr val="accent5"/>
+                </a:solidFill>
+              </a:rPr>
               <a:t>–X11: </a:t>
             </a:r>
             <a:r>
-              <a:rPr lang="en-US" dirty="0" smtClean="0"/>
+              <a:rPr lang="en-US" dirty="0" smtClean="0">
+                <a:solidFill>
+                  <a:schemeClr val="accent5"/>
+                </a:solidFill>
+              </a:rPr>
               <a:t>Monthly payment status</a:t>
             </a:r>
           </a:p>
           <a:p>
             <a:pPr lvl="1"/>
             <a:r>
-              <a:rPr lang="en-US" dirty="0" smtClean="0"/>
+              <a:rPr lang="en-US" dirty="0" smtClean="0">
+                <a:solidFill>
+                  <a:schemeClr val="accent3"/>
+                </a:solidFill>
+              </a:rPr>
               <a:t>X12 </a:t>
             </a:r>
             <a:r>
-              <a:rPr lang="en-US" dirty="0"/>
+              <a:rPr lang="en-US" dirty="0">
+                <a:solidFill>
+                  <a:schemeClr val="accent3"/>
+                </a:solidFill>
+              </a:rPr>
               <a:t>– X17: Monthly bill </a:t>
             </a:r>
             <a:r>
-              <a:rPr lang="en-US" dirty="0" smtClean="0"/>
+              <a:rPr lang="en-US" dirty="0" smtClean="0">
+                <a:solidFill>
+                  <a:schemeClr val="accent3"/>
+                </a:solidFill>
+              </a:rPr>
               <a:t>amounts </a:t>
             </a:r>
-            <a:endParaRPr lang="en-US" dirty="0"/>
+            <a:endParaRPr lang="en-US" dirty="0">
+              <a:solidFill>
+                <a:schemeClr val="accent3"/>
+              </a:solidFill>
+            </a:endParaRPr>
           </a:p>
           <a:p>
             <a:pPr lvl="1"/>
             <a:r>
-              <a:rPr lang="en-US" dirty="0"/>
+              <a:rPr lang="en-US" dirty="0">
+                <a:solidFill>
+                  <a:schemeClr val="accent6"/>
+                </a:solidFill>
+              </a:rPr>
               <a:t>X18 – X23: Monthly </a:t>
             </a:r>
             <a:r>
-              <a:rPr lang="en-US" dirty="0" smtClean="0"/>
+              <a:rPr lang="en-US" dirty="0" smtClean="0">
+                <a:solidFill>
+                  <a:schemeClr val="accent6"/>
+                </a:solidFill>
+              </a:rPr>
               <a:t>payments</a:t>
             </a:r>
-            <a:endParaRPr lang="en-US" dirty="0"/>
+            <a:endParaRPr lang="en-US" dirty="0">
+              <a:solidFill>
+                <a:schemeClr val="accent6"/>
+              </a:solidFill>
+            </a:endParaRPr>
           </a:p>
         </p:txBody>
       </p:sp>
@@ -6586,6 +6910,252 @@
             <a:endParaRPr lang="en-US" i="1" dirty="0">
               <a:solidFill>
                 <a:schemeClr val="accent1"/>
+              </a:solidFill>
+            </a:endParaRPr>
+          </a:p>
+        </p:txBody>
+      </p:sp>
+      <p:sp>
+        <p:nvSpPr>
+          <p:cNvPr id="9" name="Rectangle 8"/>
+          <p:cNvSpPr/>
+          <p:nvPr/>
+        </p:nvSpPr>
+        <p:spPr>
+          <a:xfrm>
+            <a:off x="3336324" y="2376653"/>
+            <a:ext cx="2125362" cy="205909"/>
+          </a:xfrm>
+          <a:prstGeom prst="rect">
+            <a:avLst/>
+          </a:prstGeom>
+          <a:noFill/>
+          <a:ln w="28575">
+            <a:solidFill>
+              <a:srgbClr val="00B050"/>
+            </a:solidFill>
+          </a:ln>
+        </p:spPr>
+        <p:style>
+          <a:lnRef idx="2">
+            <a:schemeClr val="accent1">
+              <a:shade val="50000"/>
+            </a:schemeClr>
+          </a:lnRef>
+          <a:fillRef idx="1">
+            <a:schemeClr val="accent1"/>
+          </a:fillRef>
+          <a:effectRef idx="0">
+            <a:schemeClr val="accent1"/>
+          </a:effectRef>
+          <a:fontRef idx="minor">
+            <a:schemeClr val="lt1"/>
+          </a:fontRef>
+        </p:style>
+        <p:txBody>
+          <a:bodyPr rtlCol="0" anchor="ctr"/>
+          <a:lstStyle/>
+          <a:p>
+            <a:pPr algn="ctr"/>
+            <a:endParaRPr lang="en-US"/>
+          </a:p>
+        </p:txBody>
+      </p:sp>
+      <p:sp>
+        <p:nvSpPr>
+          <p:cNvPr id="10" name="Rectangle 9"/>
+          <p:cNvSpPr/>
+          <p:nvPr/>
+        </p:nvSpPr>
+        <p:spPr>
+          <a:xfrm>
+            <a:off x="5608468" y="2376653"/>
+            <a:ext cx="2694284" cy="205909"/>
+          </a:xfrm>
+          <a:prstGeom prst="rect">
+            <a:avLst/>
+          </a:prstGeom>
+          <a:noFill/>
+          <a:ln w="28575">
+            <a:solidFill>
+              <a:schemeClr val="accent5"/>
+            </a:solidFill>
+          </a:ln>
+        </p:spPr>
+        <p:style>
+          <a:lnRef idx="2">
+            <a:schemeClr val="accent1">
+              <a:shade val="50000"/>
+            </a:schemeClr>
+          </a:lnRef>
+          <a:fillRef idx="1">
+            <a:schemeClr val="accent1"/>
+          </a:fillRef>
+          <a:effectRef idx="0">
+            <a:schemeClr val="accent1"/>
+          </a:effectRef>
+          <a:fontRef idx="minor">
+            <a:schemeClr val="lt1"/>
+          </a:fontRef>
+        </p:style>
+        <p:txBody>
+          <a:bodyPr rtlCol="0" anchor="ctr"/>
+          <a:lstStyle/>
+          <a:p>
+            <a:pPr algn="ctr"/>
+            <a:endParaRPr lang="en-US">
+              <a:solidFill>
+                <a:schemeClr val="accent6"/>
+              </a:solidFill>
+            </a:endParaRPr>
+          </a:p>
+        </p:txBody>
+      </p:sp>
+      <p:sp>
+        <p:nvSpPr>
+          <p:cNvPr id="11" name="Rectangle 10"/>
+          <p:cNvSpPr/>
+          <p:nvPr/>
+        </p:nvSpPr>
+        <p:spPr>
+          <a:xfrm>
+            <a:off x="8750956" y="2376653"/>
+            <a:ext cx="1353164" cy="202861"/>
+          </a:xfrm>
+          <a:prstGeom prst="rect">
+            <a:avLst/>
+          </a:prstGeom>
+          <a:noFill/>
+          <a:ln w="28575">
+            <a:solidFill>
+              <a:schemeClr val="accent3"/>
+            </a:solidFill>
+          </a:ln>
+        </p:spPr>
+        <p:style>
+          <a:lnRef idx="2">
+            <a:schemeClr val="accent1">
+              <a:shade val="50000"/>
+            </a:schemeClr>
+          </a:lnRef>
+          <a:fillRef idx="1">
+            <a:schemeClr val="accent1"/>
+          </a:fillRef>
+          <a:effectRef idx="0">
+            <a:schemeClr val="accent1"/>
+          </a:effectRef>
+          <a:fontRef idx="minor">
+            <a:schemeClr val="lt1"/>
+          </a:fontRef>
+        </p:style>
+        <p:txBody>
+          <a:bodyPr rtlCol="0" anchor="ctr"/>
+          <a:lstStyle/>
+          <a:p>
+            <a:pPr algn="ctr"/>
+            <a:endParaRPr lang="en-US">
+              <a:solidFill>
+                <a:schemeClr val="accent6"/>
+              </a:solidFill>
+            </a:endParaRPr>
+          </a:p>
+        </p:txBody>
+      </p:sp>
+      <p:sp>
+        <p:nvSpPr>
+          <p:cNvPr id="12" name="Rectangle 11"/>
+          <p:cNvSpPr/>
+          <p:nvPr/>
+        </p:nvSpPr>
+        <p:spPr>
+          <a:xfrm>
+            <a:off x="3252364" y="3922775"/>
+            <a:ext cx="2755244" cy="197333"/>
+          </a:xfrm>
+          <a:prstGeom prst="rect">
+            <a:avLst/>
+          </a:prstGeom>
+          <a:noFill/>
+          <a:ln w="28575">
+            <a:solidFill>
+              <a:schemeClr val="accent3"/>
+            </a:solidFill>
+          </a:ln>
+        </p:spPr>
+        <p:style>
+          <a:lnRef idx="2">
+            <a:schemeClr val="accent1">
+              <a:shade val="50000"/>
+            </a:schemeClr>
+          </a:lnRef>
+          <a:fillRef idx="1">
+            <a:schemeClr val="accent1"/>
+          </a:fillRef>
+          <a:effectRef idx="0">
+            <a:schemeClr val="accent1"/>
+          </a:effectRef>
+          <a:fontRef idx="minor">
+            <a:schemeClr val="lt1"/>
+          </a:fontRef>
+        </p:style>
+        <p:txBody>
+          <a:bodyPr rtlCol="0" anchor="ctr"/>
+          <a:lstStyle/>
+          <a:p>
+            <a:pPr algn="ctr"/>
+            <a:endParaRPr lang="en-US">
+              <a:solidFill>
+                <a:schemeClr val="accent6"/>
+              </a:solidFill>
+            </a:endParaRPr>
+          </a:p>
+        </p:txBody>
+      </p:sp>
+      <p:sp>
+        <p:nvSpPr>
+          <p:cNvPr id="13" name="Rectangle 12"/>
+          <p:cNvSpPr/>
+          <p:nvPr/>
+        </p:nvSpPr>
+        <p:spPr>
+          <a:xfrm>
+            <a:off x="6355154" y="3922775"/>
+            <a:ext cx="3401448" cy="197332"/>
+          </a:xfrm>
+          <a:prstGeom prst="rect">
+            <a:avLst/>
+          </a:prstGeom>
+          <a:noFill/>
+          <a:ln w="28575">
+            <a:solidFill>
+              <a:schemeClr val="accent6"/>
+            </a:solidFill>
+          </a:ln>
+        </p:spPr>
+        <p:style>
+          <a:lnRef idx="2">
+            <a:schemeClr val="accent1">
+              <a:shade val="50000"/>
+            </a:schemeClr>
+          </a:lnRef>
+          <a:fillRef idx="1">
+            <a:schemeClr val="accent1"/>
+          </a:fillRef>
+          <a:effectRef idx="0">
+            <a:schemeClr val="accent1"/>
+          </a:effectRef>
+          <a:fontRef idx="minor">
+            <a:schemeClr val="lt1"/>
+          </a:fontRef>
+        </p:style>
+        <p:txBody>
+          <a:bodyPr rtlCol="0" anchor="ctr"/>
+          <a:lstStyle/>
+          <a:p>
+            <a:pPr algn="ctr"/>
+            <a:endParaRPr lang="en-US">
+              <a:solidFill>
+                <a:schemeClr val="accent6"/>
               </a:solidFill>
             </a:endParaRPr>
           </a:p>
@@ -6602,15 +7172,11 @@
     <a:masterClrMapping/>
   </p:clrMapOvr>
   <mc:AlternateContent xmlns:mc="http://schemas.openxmlformats.org/markup-compatibility/2006">
-    <mc:Choice xmlns:p159="http://schemas.microsoft.com/office/powerpoint/2015/09/main" Requires="p159">
-      <p:transition xmlns:p14="http://schemas.microsoft.com/office/powerpoint/2010/main" spd="slow" p14:dur="2000">
-        <p159:morph option="byObject"/>
-      </p:transition>
+    <mc:Choice xmlns:p14="http://schemas.microsoft.com/office/powerpoint/2010/main" Requires="p14">
+      <p:transition p14:dur="0"/>
     </mc:Choice>
     <mc:Fallback>
-      <p:transition spd="slow">
-        <p:fade/>
-      </p:transition>
+      <p:transition/>
     </mc:Fallback>
   </mc:AlternateContent>
   <p:timing>
@@ -6657,7 +7223,7 @@
           <a:p>
             <a:r>
               <a:rPr lang="en-US" dirty="0" smtClean="0"/>
-              <a:t>Sample Confusion Matrix</a:t>
+              <a:t>Not all Misclassifications are Equal</a:t>
             </a:r>
             <a:endParaRPr lang="en-US" dirty="0"/>
           </a:p>
@@ -6673,7 +7239,7 @@
             <p:ph idx="1"/>
             <p:extLst>
               <p:ext uri="{D42A27DB-BD31-4B8C-83A1-F6EECF244321}">
-                <p14:modId xmlns:p14="http://schemas.microsoft.com/office/powerpoint/2010/main" val="1646077204"/>
+                <p14:modId xmlns:p14="http://schemas.microsoft.com/office/powerpoint/2010/main" val="246358671"/>
               </p:ext>
             </p:extLst>
           </p:nvPr>
@@ -6699,26 +7265,46 @@
                     <a:lstStyle/>
                     <a:p>
                       <a:r>
-                        <a:rPr lang="en-US" dirty="0" smtClean="0"/>
+                        <a:rPr lang="en-US" dirty="0" smtClean="0">
+                          <a:solidFill>
+                            <a:srgbClr val="00B050"/>
+                          </a:solidFill>
+                        </a:rPr>
                         <a:t>22,296 </a:t>
                       </a:r>
                     </a:p>
                     <a:p>
                       <a:r>
-                        <a:rPr lang="en-US" dirty="0" smtClean="0"/>
+                        <a:rPr lang="en-US" dirty="0" smtClean="0">
+                          <a:solidFill>
+                            <a:srgbClr val="00B050"/>
+                          </a:solidFill>
+                        </a:rPr>
                         <a:t>(model correctly</a:t>
                       </a:r>
                       <a:r>
-                        <a:rPr lang="en-US" baseline="0" dirty="0" smtClean="0"/>
+                        <a:rPr lang="en-US" baseline="0" dirty="0" smtClean="0">
+                          <a:solidFill>
+                            <a:srgbClr val="00B050"/>
+                          </a:solidFill>
+                        </a:rPr>
                         <a:t> </a:t>
                       </a:r>
                     </a:p>
                     <a:p>
                       <a:r>
-                        <a:rPr lang="en-US" baseline="0" dirty="0" smtClean="0"/>
+                        <a:rPr lang="en-US" baseline="0" dirty="0" smtClean="0">
+                          <a:solidFill>
+                            <a:srgbClr val="00B050"/>
+                          </a:solidFill>
+                        </a:rPr>
                         <a:t>predicted non-default)</a:t>
                       </a:r>
-                      <a:endParaRPr lang="en-US" dirty="0"/>
+                      <a:endParaRPr lang="en-US" dirty="0">
+                        <a:solidFill>
+                          <a:srgbClr val="00B050"/>
+                        </a:solidFill>
+                      </a:endParaRPr>
                     </a:p>
                   </a:txBody>
                   <a:tcPr anchor="ctr"/>
@@ -6775,22 +7361,38 @@
                     <a:lstStyle/>
                     <a:p>
                       <a:r>
-                        <a:rPr lang="en-US" dirty="0" smtClean="0"/>
+                        <a:rPr lang="en-US" dirty="0" smtClean="0">
+                          <a:solidFill>
+                            <a:srgbClr val="00B050"/>
+                          </a:solidFill>
+                        </a:rPr>
                         <a:t>2,210 </a:t>
                       </a:r>
                     </a:p>
                     <a:p>
                       <a:r>
-                        <a:rPr lang="en-US" dirty="0" smtClean="0"/>
+                        <a:rPr lang="en-US" dirty="0" smtClean="0">
+                          <a:solidFill>
+                            <a:srgbClr val="00B050"/>
+                          </a:solidFill>
+                        </a:rPr>
                         <a:t>(model correctly </a:t>
                       </a:r>
                     </a:p>
                     <a:p>
                       <a:r>
-                        <a:rPr lang="en-US" dirty="0" smtClean="0"/>
+                        <a:rPr lang="en-US" dirty="0" smtClean="0">
+                          <a:solidFill>
+                            <a:srgbClr val="00B050"/>
+                          </a:solidFill>
+                        </a:rPr>
                         <a:t>predicted default)</a:t>
                       </a:r>
-                      <a:endParaRPr lang="en-US" dirty="0"/>
+                      <a:endParaRPr lang="en-US" dirty="0">
+                        <a:solidFill>
+                          <a:srgbClr val="00B050"/>
+                        </a:solidFill>
+                      </a:endParaRPr>
                     </a:p>
                   </a:txBody>
                   <a:tcPr anchor="ctr"/>
@@ -6845,12 +7447,20 @@
           <a:p>
             <a:pPr lvl="1"/>
             <a:r>
+              <a:rPr lang="en-US" i="1" dirty="0">
+                <a:solidFill>
+                  <a:schemeClr val="accent1"/>
+                </a:solidFill>
+              </a:rPr>
+              <a:t>h</a:t>
+            </a:r>
+            <a:r>
               <a:rPr lang="en-US" i="1" dirty="0" smtClean="0">
                 <a:solidFill>
                   <a:schemeClr val="accent1"/>
                 </a:solidFill>
               </a:rPr>
-              <a:t>was 18.3%</a:t>
+              <a:t>ere was 18.3%</a:t>
             </a:r>
             <a:endParaRPr lang="en-US" i="1" dirty="0">
               <a:solidFill>
@@ -6894,6 +7504,174 @@
               <a:t> of model accuracy here?</a:t>
             </a:r>
             <a:endParaRPr lang="en-US" sz="2400" b="1" i="1" dirty="0"/>
+          </a:p>
+        </p:txBody>
+      </p:sp>
+      <p:sp>
+        <p:nvSpPr>
+          <p:cNvPr id="12" name="Oval 11"/>
+          <p:cNvSpPr/>
+          <p:nvPr/>
+        </p:nvSpPr>
+        <p:spPr>
+          <a:xfrm>
+            <a:off x="6248400" y="2676634"/>
+            <a:ext cx="2044700" cy="841266"/>
+          </a:xfrm>
+          <a:prstGeom prst="ellipse">
+            <a:avLst/>
+          </a:prstGeom>
+          <a:noFill/>
+          <a:ln w="38100">
+            <a:solidFill>
+              <a:srgbClr val="FF0000"/>
+            </a:solidFill>
+          </a:ln>
+        </p:spPr>
+        <p:style>
+          <a:lnRef idx="2">
+            <a:schemeClr val="accent1">
+              <a:shade val="50000"/>
+            </a:schemeClr>
+          </a:lnRef>
+          <a:fillRef idx="1">
+            <a:schemeClr val="accent1"/>
+          </a:fillRef>
+          <a:effectRef idx="0">
+            <a:schemeClr val="accent1"/>
+          </a:effectRef>
+          <a:fontRef idx="minor">
+            <a:schemeClr val="lt1"/>
+          </a:fontRef>
+        </p:style>
+        <p:txBody>
+          <a:bodyPr rtlCol="0" anchor="ctr"/>
+          <a:lstStyle/>
+          <a:p>
+            <a:pPr algn="ctr"/>
+            <a:endParaRPr lang="en-US"/>
+          </a:p>
+        </p:txBody>
+      </p:sp>
+      <p:sp>
+        <p:nvSpPr>
+          <p:cNvPr id="13" name="Rectangle 12"/>
+          <p:cNvSpPr/>
+          <p:nvPr/>
+        </p:nvSpPr>
+        <p:spPr>
+          <a:xfrm>
+            <a:off x="6493666" y="2240369"/>
+            <a:ext cx="5698334" cy="369332"/>
+          </a:xfrm>
+          <a:prstGeom prst="rect">
+            <a:avLst/>
+          </a:prstGeom>
+        </p:spPr>
+        <p:txBody>
+          <a:bodyPr wrap="square">
+            <a:spAutoFit/>
+          </a:bodyPr>
+          <a:lstStyle/>
+          <a:p>
+            <a:pPr lvl="1"/>
+            <a:r>
+              <a:rPr lang="en-US" i="1" dirty="0" smtClean="0">
+                <a:solidFill>
+                  <a:srgbClr val="FF0000"/>
+                </a:solidFill>
+              </a:rPr>
+              <a:t>*Error represents major loss from default on debt</a:t>
+            </a:r>
+            <a:endParaRPr lang="en-US" i="1" dirty="0">
+              <a:solidFill>
+                <a:srgbClr val="FF0000"/>
+              </a:solidFill>
+            </a:endParaRPr>
+          </a:p>
+        </p:txBody>
+      </p:sp>
+      <p:sp>
+        <p:nvSpPr>
+          <p:cNvPr id="14" name="Oval 13"/>
+          <p:cNvSpPr/>
+          <p:nvPr/>
+        </p:nvSpPr>
+        <p:spPr>
+          <a:xfrm>
+            <a:off x="3416300" y="3638768"/>
+            <a:ext cx="2044700" cy="841266"/>
+          </a:xfrm>
+          <a:prstGeom prst="ellipse">
+            <a:avLst/>
+          </a:prstGeom>
+          <a:noFill/>
+          <a:ln w="38100">
+            <a:solidFill>
+              <a:srgbClr val="FF0000"/>
+            </a:solidFill>
+          </a:ln>
+        </p:spPr>
+        <p:style>
+          <a:lnRef idx="2">
+            <a:schemeClr val="accent1">
+              <a:shade val="50000"/>
+            </a:schemeClr>
+          </a:lnRef>
+          <a:fillRef idx="1">
+            <a:schemeClr val="accent1"/>
+          </a:fillRef>
+          <a:effectRef idx="0">
+            <a:schemeClr val="accent1"/>
+          </a:effectRef>
+          <a:fontRef idx="minor">
+            <a:schemeClr val="lt1"/>
+          </a:fontRef>
+        </p:style>
+        <p:txBody>
+          <a:bodyPr rtlCol="0" anchor="ctr"/>
+          <a:lstStyle/>
+          <a:p>
+            <a:pPr algn="ctr"/>
+            <a:endParaRPr lang="en-US"/>
+          </a:p>
+        </p:txBody>
+      </p:sp>
+      <p:sp>
+        <p:nvSpPr>
+          <p:cNvPr id="15" name="Rectangle 14"/>
+          <p:cNvSpPr/>
+          <p:nvPr/>
+        </p:nvSpPr>
+        <p:spPr>
+          <a:xfrm>
+            <a:off x="2810182" y="4562125"/>
+            <a:ext cx="5698334" cy="369332"/>
+          </a:xfrm>
+          <a:prstGeom prst="rect">
+            <a:avLst/>
+          </a:prstGeom>
+        </p:spPr>
+        <p:txBody>
+          <a:bodyPr wrap="square">
+            <a:spAutoFit/>
+          </a:bodyPr>
+          <a:lstStyle/>
+          <a:p>
+            <a:pPr lvl="1"/>
+            <a:r>
+              <a:rPr lang="en-US" i="1" dirty="0" smtClean="0">
+                <a:solidFill>
+                  <a:srgbClr val="FF0000"/>
+                </a:solidFill>
+              </a:rPr>
+              <a:t>*Error represents minor lost revenue</a:t>
+            </a:r>
+            <a:endParaRPr lang="en-US" i="1" dirty="0">
+              <a:solidFill>
+                <a:srgbClr val="FF0000"/>
+              </a:solidFill>
+            </a:endParaRPr>
           </a:p>
         </p:txBody>
       </p:sp>
@@ -6936,29 +7714,6 @@
       </p:grpSpPr>
       <p:sp>
         <p:nvSpPr>
-          <p:cNvPr id="2" name="Title 1"/>
-          <p:cNvSpPr>
-            <a:spLocks noGrp="1"/>
-          </p:cNvSpPr>
-          <p:nvPr>
-            <p:ph type="title"/>
-          </p:nvPr>
-        </p:nvSpPr>
-        <p:spPr/>
-        <p:txBody>
-          <a:bodyPr/>
-          <a:lstStyle/>
-          <a:p>
-            <a:r>
-              <a:rPr lang="en-US" dirty="0" smtClean="0"/>
-              <a:t>Model Accuracy</a:t>
-            </a:r>
-            <a:endParaRPr lang="en-US" dirty="0"/>
-          </a:p>
-        </p:txBody>
-      </p:sp>
-      <p:sp>
-        <p:nvSpPr>
           <p:cNvPr id="3" name="Content Placeholder 2"/>
           <p:cNvSpPr>
             <a:spLocks noGrp="1"/>
@@ -6969,7 +7724,7 @@
         </p:nvSpPr>
         <p:spPr>
           <a:xfrm>
-            <a:off x="1484310" y="1298370"/>
+            <a:off x="1484310" y="1209470"/>
             <a:ext cx="10018713" cy="3124201"/>
           </a:xfrm>
         </p:spPr>
@@ -6992,7 +7747,14 @@
           <a:p>
             <a:r>
               <a:rPr lang="en-US" dirty="0" smtClean="0"/>
-              <a:t>Better measures: area </a:t>
+              <a:t>Better measures: </a:t>
+            </a:r>
+          </a:p>
+          <a:p>
+            <a:pPr lvl="1"/>
+            <a:r>
+              <a:rPr lang="en-US" dirty="0" smtClean="0"/>
+              <a:t>area </a:t>
             </a:r>
             <a:r>
               <a:rPr lang="en-US" dirty="0" smtClean="0"/>
@@ -7000,19 +7762,23 @@
             </a:r>
             <a:r>
               <a:rPr lang="en-US" dirty="0" smtClean="0"/>
-              <a:t>chart, </a:t>
-            </a:r>
-            <a:r>
-              <a:rPr lang="en-US" i="1" dirty="0" smtClean="0"/>
-              <a:t>area-under-curve of ROC chart</a:t>
-            </a:r>
-            <a:endParaRPr lang="en-US" i="1" dirty="0" smtClean="0"/>
+              <a:t>chart / </a:t>
+            </a:r>
+            <a:r>
+              <a:rPr lang="en-US" b="1" i="1" dirty="0" smtClean="0">
+                <a:solidFill>
+                  <a:srgbClr val="00B050"/>
+                </a:solidFill>
+              </a:rPr>
+              <a:t>ROC area under curve</a:t>
+            </a:r>
           </a:p>
           <a:p>
             <a:pPr lvl="1"/>
-            <a:endParaRPr lang="en-US" dirty="0" smtClean="0"/>
-          </a:p>
-          <a:p>
+            <a:r>
+              <a:rPr lang="en-US" dirty="0" smtClean="0"/>
+              <a:t>Sorting Smoothing Method</a:t>
+            </a:r>
             <a:endParaRPr lang="en-US" dirty="0" smtClean="0"/>
           </a:p>
         </p:txBody>
@@ -7026,13 +7792,13 @@
           <p:nvPr>
             <p:extLst>
               <p:ext uri="{D42A27DB-BD31-4B8C-83A1-F6EECF244321}">
-                <p14:modId xmlns:p14="http://schemas.microsoft.com/office/powerpoint/2010/main" val="157838099"/>
+                <p14:modId xmlns:p14="http://schemas.microsoft.com/office/powerpoint/2010/main" val="650805640"/>
               </p:ext>
             </p:extLst>
           </p:nvPr>
         </p:nvGraphicFramePr>
         <p:xfrm>
-          <a:off x="1484309" y="2978151"/>
+          <a:off x="1814509" y="3829051"/>
           <a:ext cx="5177664" cy="2225040"/>
         </p:xfrm>
         <a:graphic>
@@ -7395,7 +8161,7 @@
         </p:nvSpPr>
         <p:spPr>
           <a:xfrm>
-            <a:off x="5053914" y="3299253"/>
+            <a:off x="5384114" y="4150153"/>
             <a:ext cx="1075037" cy="1959638"/>
           </a:xfrm>
           <a:prstGeom prst="ellipse">
@@ -7445,7 +8211,7 @@
         </p:nvSpPr>
         <p:spPr>
           <a:xfrm>
-            <a:off x="4566781" y="5333441"/>
+            <a:off x="4630281" y="6171641"/>
             <a:ext cx="2703622" cy="646331"/>
           </a:xfrm>
           <a:prstGeom prst="rect">
@@ -7505,6 +8271,29 @@
           </a:prstGeom>
         </p:spPr>
       </p:pic>
+      <p:sp>
+        <p:nvSpPr>
+          <p:cNvPr id="9" name="Title 8"/>
+          <p:cNvSpPr>
+            <a:spLocks noGrp="1"/>
+          </p:cNvSpPr>
+          <p:nvPr>
+            <p:ph type="title"/>
+          </p:nvPr>
+        </p:nvSpPr>
+        <p:spPr/>
+        <p:txBody>
+          <a:bodyPr/>
+          <a:lstStyle/>
+          <a:p>
+            <a:r>
+              <a:rPr lang="en-US" dirty="0" smtClean="0"/>
+              <a:t>Model Accuracy</a:t>
+            </a:r>
+            <a:endParaRPr lang="en-US" dirty="0"/>
+          </a:p>
+        </p:txBody>
+      </p:sp>
     </p:spTree>
     <p:extLst>
       <p:ext uri="{BB962C8B-B14F-4D97-AF65-F5344CB8AC3E}">
@@ -7516,15 +8305,11 @@
     <a:masterClrMapping/>
   </p:clrMapOvr>
   <mc:AlternateContent xmlns:mc="http://schemas.openxmlformats.org/markup-compatibility/2006">
-    <mc:Choice xmlns:p159="http://schemas.microsoft.com/office/powerpoint/2015/09/main" Requires="p159">
-      <p:transition xmlns:p14="http://schemas.microsoft.com/office/powerpoint/2010/main" spd="slow" p14:dur="2000">
-        <p159:morph option="byObject"/>
-      </p:transition>
+    <mc:Choice xmlns:p14="http://schemas.microsoft.com/office/powerpoint/2010/main" Requires="p14">
+      <p:transition p14:dur="0"/>
     </mc:Choice>
     <mc:Fallback>
-      <p:transition spd="slow">
-        <p:fade/>
-      </p:transition>
+      <p:transition/>
     </mc:Fallback>
   </mc:AlternateContent>
   <p:timing>
@@ -7637,8 +8422,13 @@
             <a:pPr lvl="1"/>
             <a:r>
               <a:rPr lang="en-US" dirty="0" smtClean="0"/>
-              <a:t>Neural networks</a:t>
-            </a:r>
+              <a:t>Neural </a:t>
+            </a:r>
+            <a:r>
+              <a:rPr lang="en-US" dirty="0" smtClean="0"/>
+              <a:t>networks</a:t>
+            </a:r>
+            <a:endParaRPr lang="en-US" dirty="0" smtClean="0"/>
           </a:p>
           <a:p>
             <a:pPr lvl="1"/>
@@ -7704,7 +8494,7 @@
           <a:p>
             <a:r>
               <a:rPr lang="en-US" dirty="0" smtClean="0"/>
-              <a:t>New Methods</a:t>
+              <a:t>Improvements Attempted</a:t>
             </a:r>
             <a:endParaRPr lang="en-US" dirty="0"/>
           </a:p>
@@ -7727,36 +8517,41 @@
           </a:bodyPr>
           <a:lstStyle/>
           <a:p>
+            <a:pPr>
+              <a:buFont typeface="Arial" charset="0"/>
+              <a:buChar char="•"/>
+            </a:pPr>
             <a:r>
               <a:rPr lang="en-US" dirty="0"/>
-              <a:t>Feature selection &amp; </a:t>
+              <a:t>Feature </a:t>
             </a:r>
             <a:r>
               <a:rPr lang="en-US" dirty="0" smtClean="0"/>
-              <a:t>addition</a:t>
-            </a:r>
+              <a:t>selection</a:t>
+            </a:r>
+            <a:endParaRPr lang="en-US" dirty="0" smtClean="0"/>
           </a:p>
           <a:p>
             <a:r>
               <a:rPr lang="en-US" dirty="0" smtClean="0"/>
-              <a:t>10-fold cross validation versus 50/50 split</a:t>
-            </a:r>
-          </a:p>
-          <a:p>
-            <a:r>
-              <a:rPr lang="en-US" dirty="0"/>
-              <a:t>[SVM</a:t>
-            </a:r>
+              <a:t>10-fold cross validation </a:t>
+            </a:r>
+            <a:endParaRPr lang="en-US" dirty="0" smtClean="0"/>
+          </a:p>
+          <a:p>
             <a:r>
               <a:rPr lang="en-US" dirty="0" smtClean="0"/>
-              <a:t>?] , [PCA w/ Random forest?]</a:t>
-            </a:r>
-          </a:p>
-          <a:p>
+              <a:t>PCA </a:t>
+            </a:r>
             <a:r>
               <a:rPr lang="en-US" dirty="0" smtClean="0"/>
-              <a:t>Evaluation Measure</a:t>
-            </a:r>
+              <a:t>w/ Random </a:t>
+            </a:r>
+            <a:r>
+              <a:rPr lang="en-US" dirty="0" smtClean="0"/>
+              <a:t>forest</a:t>
+            </a:r>
+            <a:endParaRPr lang="en-US" dirty="0" smtClean="0"/>
           </a:p>
         </p:txBody>
       </p:sp>
@@ -7813,12 +8608,12 @@
           <a:lstStyle/>
           <a:p>
             <a:r>
+              <a:rPr lang="en-US" dirty="0"/>
+              <a:t>Experiment: Feature </a:t>
+            </a:r>
+            <a:r>
               <a:rPr lang="en-US" dirty="0" smtClean="0"/>
-              <a:t>Experiment </a:t>
-            </a:r>
-            <a:r>
-              <a:rPr lang="en-US" smtClean="0"/>
-              <a:t>Comparison Analysis</a:t>
+              <a:t>Selection</a:t>
             </a:r>
             <a:endParaRPr lang="en-US" dirty="0"/>
           </a:p>
@@ -7834,20 +8629,487 @@
             <p:ph idx="1"/>
           </p:nvPr>
         </p:nvSpPr>
-        <p:spPr/>
+        <p:spPr>
+          <a:xfrm>
+            <a:off x="1484310" y="3047999"/>
+            <a:ext cx="10018713" cy="3124201"/>
+          </a:xfrm>
+        </p:spPr>
         <p:txBody>
           <a:bodyPr>
             <a:normAutofit/>
           </a:bodyPr>
           <a:lstStyle/>
           <a:p>
+            <a:endParaRPr lang="en-US" dirty="0" smtClean="0"/>
+          </a:p>
+          <a:p>
             <a:r>
               <a:rPr lang="en-US" dirty="0" smtClean="0"/>
-              <a:t>[]</a:t>
-            </a:r>
-          </a:p>
-        </p:txBody>
-      </p:sp>
+              <a:t>A key credit-worthiness metric:</a:t>
+            </a:r>
+          </a:p>
+          <a:p>
+            <a:pPr lvl="1"/>
+            <a:r>
+              <a:rPr lang="en-US" dirty="0" smtClean="0"/>
+              <a:t>Current balance </a:t>
+            </a:r>
+            <a:r>
+              <a:rPr lang="en-US" dirty="0" smtClean="0">
+                <a:solidFill>
+                  <a:schemeClr val="accent1"/>
+                </a:solidFill>
+              </a:rPr>
+              <a:t>(X18)</a:t>
+            </a:r>
+            <a:r>
+              <a:rPr lang="en-US" dirty="0" smtClean="0"/>
+              <a:t> / total credit </a:t>
+            </a:r>
+            <a:r>
+              <a:rPr lang="en-US" dirty="0" smtClean="0">
+                <a:solidFill>
+                  <a:schemeClr val="accent1"/>
+                </a:solidFill>
+              </a:rPr>
+              <a:t>(X1) </a:t>
+            </a:r>
+          </a:p>
+          <a:p>
+            <a:r>
+              <a:rPr lang="en-US" dirty="0" smtClean="0"/>
+              <a:t>Added this explanatory variable for two months as </a:t>
+            </a:r>
+            <a:r>
+              <a:rPr lang="en-US" dirty="0" smtClean="0">
+                <a:solidFill>
+                  <a:schemeClr val="accent1"/>
+                </a:solidFill>
+              </a:rPr>
+              <a:t>X24 </a:t>
+            </a:r>
+            <a:r>
+              <a:rPr lang="en-US" dirty="0" smtClean="0"/>
+              <a:t>and </a:t>
+            </a:r>
+            <a:r>
+              <a:rPr lang="en-US" dirty="0" smtClean="0">
+                <a:solidFill>
+                  <a:schemeClr val="accent1"/>
+                </a:solidFill>
+              </a:rPr>
+              <a:t>X25</a:t>
+            </a:r>
+          </a:p>
+          <a:p>
+            <a:r>
+              <a:rPr lang="en-US" dirty="0" smtClean="0"/>
+              <a:t>However, this resulted in </a:t>
+            </a:r>
+            <a:r>
+              <a:rPr lang="en-US" dirty="0" smtClean="0">
+                <a:solidFill>
+                  <a:srgbClr val="FF0000"/>
+                </a:solidFill>
+              </a:rPr>
+              <a:t>no improvement </a:t>
+            </a:r>
+            <a:r>
+              <a:rPr lang="en-US" dirty="0" smtClean="0"/>
+              <a:t>to accuracy of models</a:t>
+            </a:r>
+          </a:p>
+          <a:p>
+            <a:r>
+              <a:rPr lang="en-US" dirty="0" smtClean="0"/>
+              <a:t>Did not attempt to remove features (23 is a low cardinality already)</a:t>
+            </a:r>
+            <a:endParaRPr lang="en-US" dirty="0" smtClean="0"/>
+          </a:p>
+        </p:txBody>
+      </p:sp>
+      <p:graphicFrame>
+        <p:nvGraphicFramePr>
+          <p:cNvPr id="4" name="Table 3"/>
+          <p:cNvGraphicFramePr>
+            <a:graphicFrameLocks noGrp="1"/>
+          </p:cNvGraphicFramePr>
+          <p:nvPr>
+            <p:extLst>
+              <p:ext uri="{D42A27DB-BD31-4B8C-83A1-F6EECF244321}">
+                <p14:modId xmlns:p14="http://schemas.microsoft.com/office/powerpoint/2010/main" val="1156471966"/>
+              </p:ext>
+            </p:extLst>
+          </p:nvPr>
+        </p:nvGraphicFramePr>
+        <p:xfrm>
+          <a:off x="6869106" y="2012951"/>
+          <a:ext cx="4903794" cy="2494280"/>
+        </p:xfrm>
+        <a:graphic>
+          <a:graphicData uri="http://schemas.openxmlformats.org/drawingml/2006/table">
+            <a:tbl>
+              <a:tblPr firstRow="1" bandRow="1">
+                <a:tableStyleId>{5C22544A-7EE6-4342-B048-85BDC9FD1C3A}</a:tableStyleId>
+              </a:tblPr>
+              <a:tblGrid>
+                <a:gridCol w="2219090"/>
+                <a:gridCol w="1342352"/>
+                <a:gridCol w="1342352"/>
+              </a:tblGrid>
+              <a:tr h="370840">
+                <a:tc>
+                  <a:txBody>
+                    <a:bodyPr/>
+                    <a:lstStyle/>
+                    <a:p>
+                      <a:r>
+                        <a:rPr lang="en-US" dirty="0" smtClean="0"/>
+                        <a:t>Model</a:t>
+                      </a:r>
+                      <a:endParaRPr lang="en-US" dirty="0"/>
+                    </a:p>
+                  </a:txBody>
+                  <a:tcPr/>
+                </a:tc>
+                <a:tc>
+                  <a:txBody>
+                    <a:bodyPr/>
+                    <a:lstStyle/>
+                    <a:p>
+                      <a:r>
+                        <a:rPr lang="en-US" dirty="0" smtClean="0"/>
+                        <a:t>23 variables</a:t>
+                      </a:r>
+                    </a:p>
+                    <a:p>
+                      <a:r>
+                        <a:rPr lang="en-US" dirty="0" smtClean="0"/>
+                        <a:t>ROC_AUC </a:t>
+                      </a:r>
+                      <a:endParaRPr lang="en-US" dirty="0"/>
+                    </a:p>
+                  </a:txBody>
+                  <a:tcPr/>
+                </a:tc>
+                <a:tc>
+                  <a:txBody>
+                    <a:bodyPr/>
+                    <a:lstStyle/>
+                    <a:p>
+                      <a:r>
+                        <a:rPr lang="en-US" dirty="0" smtClean="0"/>
+                        <a:t>25 variables</a:t>
+                      </a:r>
+                    </a:p>
+                    <a:p>
+                      <a:r>
+                        <a:rPr lang="en-US" dirty="0" smtClean="0"/>
+                        <a:t>ROC_AUC </a:t>
+                      </a:r>
+                    </a:p>
+                  </a:txBody>
+                  <a:tcPr/>
+                </a:tc>
+              </a:tr>
+              <a:tr h="370840">
+                <a:tc>
+                  <a:txBody>
+                    <a:bodyPr/>
+                    <a:lstStyle/>
+                    <a:p>
+                      <a:pPr marL="0" marR="0" lvl="1" indent="0" algn="l" defTabSz="457200" rtl="0" eaLnBrk="1" fontAlgn="auto" latinLnBrk="0" hangingPunct="1">
+                        <a:lnSpc>
+                          <a:spcPct val="100000"/>
+                        </a:lnSpc>
+                        <a:spcBef>
+                          <a:spcPts val="0"/>
+                        </a:spcBef>
+                        <a:spcAft>
+                          <a:spcPts val="0"/>
+                        </a:spcAft>
+                        <a:buClrTx/>
+                        <a:buSzTx/>
+                        <a:buFontTx/>
+                        <a:buNone/>
+                        <a:tabLst/>
+                        <a:defRPr/>
+                      </a:pPr>
+                      <a:r>
+                        <a:rPr lang="en-US" dirty="0" smtClean="0"/>
+                        <a:t>Classification tree</a:t>
+                      </a:r>
+                    </a:p>
+                  </a:txBody>
+                  <a:tcPr/>
+                </a:tc>
+                <a:tc>
+                  <a:txBody>
+                    <a:bodyPr/>
+                    <a:lstStyle/>
+                    <a:p>
+                      <a:r>
+                        <a:rPr lang="en-US" dirty="0" smtClean="0"/>
+                        <a:t>100%</a:t>
+                      </a:r>
+                      <a:endParaRPr lang="en-US" dirty="0"/>
+                    </a:p>
+                  </a:txBody>
+                  <a:tcPr/>
+                </a:tc>
+                <a:tc>
+                  <a:txBody>
+                    <a:bodyPr/>
+                    <a:lstStyle/>
+                    <a:p>
+                      <a:r>
+                        <a:rPr lang="en-US" dirty="0" smtClean="0"/>
+                        <a:t>100%</a:t>
+                      </a:r>
+                      <a:endParaRPr lang="en-US" dirty="0"/>
+                    </a:p>
+                  </a:txBody>
+                  <a:tcPr/>
+                </a:tc>
+              </a:tr>
+              <a:tr h="370840">
+                <a:tc>
+                  <a:txBody>
+                    <a:bodyPr/>
+                    <a:lstStyle/>
+                    <a:p>
+                      <a:r>
+                        <a:rPr lang="en-US" dirty="0" smtClean="0"/>
+                        <a:t>K-Nearest</a:t>
+                      </a:r>
+                      <a:r>
+                        <a:rPr lang="en-US" baseline="0" dirty="0" smtClean="0"/>
+                        <a:t> Neighbor</a:t>
+                      </a:r>
+                      <a:endParaRPr lang="en-US" dirty="0"/>
+                    </a:p>
+                  </a:txBody>
+                  <a:tcPr/>
+                </a:tc>
+                <a:tc>
+                  <a:txBody>
+                    <a:bodyPr/>
+                    <a:lstStyle/>
+                    <a:p>
+                      <a:r>
+                        <a:rPr lang="en-US" dirty="0" smtClean="0"/>
+                        <a:t>84%</a:t>
+                      </a:r>
+                      <a:endParaRPr lang="en-US" dirty="0"/>
+                    </a:p>
+                  </a:txBody>
+                  <a:tcPr/>
+                </a:tc>
+                <a:tc>
+                  <a:txBody>
+                    <a:bodyPr/>
+                    <a:lstStyle/>
+                    <a:p>
+                      <a:r>
+                        <a:rPr lang="en-US" dirty="0" smtClean="0"/>
+                        <a:t>84%</a:t>
+                      </a:r>
+                      <a:endParaRPr lang="en-US" dirty="0"/>
+                    </a:p>
+                  </a:txBody>
+                  <a:tcPr/>
+                </a:tc>
+              </a:tr>
+              <a:tr h="370840">
+                <a:tc>
+                  <a:txBody>
+                    <a:bodyPr/>
+                    <a:lstStyle/>
+                    <a:p>
+                      <a:pPr marL="0" marR="0" lvl="1" indent="0" algn="l" defTabSz="457200" rtl="0" eaLnBrk="1" fontAlgn="auto" latinLnBrk="0" hangingPunct="1">
+                        <a:lnSpc>
+                          <a:spcPct val="100000"/>
+                        </a:lnSpc>
+                        <a:spcBef>
+                          <a:spcPts val="0"/>
+                        </a:spcBef>
+                        <a:spcAft>
+                          <a:spcPts val="0"/>
+                        </a:spcAft>
+                        <a:buClrTx/>
+                        <a:buSzTx/>
+                        <a:buFontTx/>
+                        <a:buNone/>
+                        <a:tabLst/>
+                        <a:defRPr/>
+                      </a:pPr>
+                      <a:r>
+                        <a:rPr lang="en-US" dirty="0" smtClean="0"/>
+                        <a:t>Naïve Bayesian</a:t>
+                      </a:r>
+                    </a:p>
+                  </a:txBody>
+                  <a:tcPr/>
+                </a:tc>
+                <a:tc>
+                  <a:txBody>
+                    <a:bodyPr/>
+                    <a:lstStyle/>
+                    <a:p>
+                      <a:r>
+                        <a:rPr lang="en-US" dirty="0" smtClean="0"/>
+                        <a:t>74%</a:t>
+                      </a:r>
+                      <a:endParaRPr lang="en-US" dirty="0"/>
+                    </a:p>
+                  </a:txBody>
+                  <a:tcPr/>
+                </a:tc>
+                <a:tc>
+                  <a:txBody>
+                    <a:bodyPr/>
+                    <a:lstStyle/>
+                    <a:p>
+                      <a:r>
+                        <a:rPr lang="en-US" dirty="0" smtClean="0"/>
+                        <a:t>74%</a:t>
+                      </a:r>
+                      <a:endParaRPr lang="en-US" dirty="0"/>
+                    </a:p>
+                  </a:txBody>
+                  <a:tcPr/>
+                </a:tc>
+              </a:tr>
+              <a:tr h="370840">
+                <a:tc>
+                  <a:txBody>
+                    <a:bodyPr/>
+                    <a:lstStyle/>
+                    <a:p>
+                      <a:pPr marL="0" marR="0" lvl="1" indent="0" algn="l" defTabSz="457200" rtl="0" eaLnBrk="1" fontAlgn="auto" latinLnBrk="0" hangingPunct="1">
+                        <a:lnSpc>
+                          <a:spcPct val="100000"/>
+                        </a:lnSpc>
+                        <a:spcBef>
+                          <a:spcPts val="0"/>
+                        </a:spcBef>
+                        <a:spcAft>
+                          <a:spcPts val="0"/>
+                        </a:spcAft>
+                        <a:buClrTx/>
+                        <a:buSzTx/>
+                        <a:buFontTx/>
+                        <a:buNone/>
+                        <a:tabLst/>
+                        <a:defRPr/>
+                      </a:pPr>
+                      <a:r>
+                        <a:rPr lang="en-US" dirty="0" smtClean="0"/>
+                        <a:t>Discriminant analysis</a:t>
+                      </a:r>
+                    </a:p>
+                  </a:txBody>
+                  <a:tcPr/>
+                </a:tc>
+                <a:tc>
+                  <a:txBody>
+                    <a:bodyPr/>
+                    <a:lstStyle/>
+                    <a:p>
+                      <a:r>
+                        <a:rPr lang="en-US" dirty="0" smtClean="0"/>
+                        <a:t>72%</a:t>
+                      </a:r>
+                      <a:endParaRPr lang="en-US" dirty="0"/>
+                    </a:p>
+                  </a:txBody>
+                  <a:tcPr/>
+                </a:tc>
+                <a:tc>
+                  <a:txBody>
+                    <a:bodyPr/>
+                    <a:lstStyle/>
+                    <a:p>
+                      <a:r>
+                        <a:rPr lang="en-US" dirty="0" smtClean="0"/>
+                        <a:t>72%</a:t>
+                      </a:r>
+                      <a:endParaRPr lang="en-US" dirty="0"/>
+                    </a:p>
+                  </a:txBody>
+                  <a:tcPr/>
+                </a:tc>
+              </a:tr>
+              <a:tr h="370840">
+                <a:tc>
+                  <a:txBody>
+                    <a:bodyPr/>
+                    <a:lstStyle/>
+                    <a:p>
+                      <a:pPr marL="0" marR="0" lvl="1" indent="0" algn="l" defTabSz="457200" rtl="0" eaLnBrk="1" fontAlgn="auto" latinLnBrk="0" hangingPunct="1">
+                        <a:lnSpc>
+                          <a:spcPct val="100000"/>
+                        </a:lnSpc>
+                        <a:spcBef>
+                          <a:spcPts val="0"/>
+                        </a:spcBef>
+                        <a:spcAft>
+                          <a:spcPts val="0"/>
+                        </a:spcAft>
+                        <a:buClrTx/>
+                        <a:buSzTx/>
+                        <a:buFontTx/>
+                        <a:buNone/>
+                        <a:tabLst/>
+                        <a:defRPr/>
+                      </a:pPr>
+                      <a:r>
+                        <a:rPr lang="en-US" dirty="0" smtClean="0"/>
+                        <a:t>Logistic</a:t>
+                      </a:r>
+                      <a:r>
+                        <a:rPr lang="en-US" baseline="0" dirty="0" smtClean="0"/>
+                        <a:t> Regression</a:t>
+                      </a:r>
+                      <a:endParaRPr lang="en-US" dirty="0" smtClean="0"/>
+                    </a:p>
+                  </a:txBody>
+                  <a:tcPr/>
+                </a:tc>
+                <a:tc>
+                  <a:txBody>
+                    <a:bodyPr/>
+                    <a:lstStyle/>
+                    <a:p>
+                      <a:r>
+                        <a:rPr lang="en-US" dirty="0" smtClean="0"/>
+                        <a:t>65%</a:t>
+                      </a:r>
+                      <a:endParaRPr lang="en-US" dirty="0"/>
+                    </a:p>
+                  </a:txBody>
+                  <a:tcPr/>
+                </a:tc>
+                <a:tc>
+                  <a:txBody>
+                    <a:bodyPr/>
+                    <a:lstStyle/>
+                    <a:p>
+                      <a:r>
+                        <a:rPr lang="en-US" dirty="0" smtClean="0"/>
+                        <a:t>65%</a:t>
+                      </a:r>
+                      <a:endParaRPr lang="en-US" dirty="0"/>
+                    </a:p>
+                  </a:txBody>
+                  <a:tcPr/>
+                </a:tc>
+              </a:tr>
+            </a:tbl>
+          </a:graphicData>
+        </a:graphic>
+      </p:graphicFrame>
     </p:spTree>
     <p:extLst>
       <p:ext uri="{BB962C8B-B14F-4D97-AF65-F5344CB8AC3E}">
@@ -7901,8 +9163,12 @@
           <a:lstStyle/>
           <a:p>
             <a:r>
+              <a:rPr lang="en-US" dirty="0"/>
+              <a:t>Experiment: </a:t>
+            </a:r>
+            <a:r>
               <a:rPr lang="en-US" dirty="0" smtClean="0"/>
-              <a:t>Conclusion</a:t>
+              <a:t>10-fold cross validation</a:t>
             </a:r>
             <a:endParaRPr lang="en-US" dirty="0"/>
           </a:p>
@@ -7918,17 +9184,51 @@
             <p:ph idx="1"/>
           </p:nvPr>
         </p:nvSpPr>
-        <p:spPr/>
+        <p:spPr>
+          <a:xfrm>
+            <a:off x="1484310" y="3047999"/>
+            <a:ext cx="10018713" cy="3124201"/>
+          </a:xfrm>
+        </p:spPr>
         <p:txBody>
           <a:bodyPr>
-            <a:normAutofit fontScale="85000" lnSpcReduction="10000"/>
+            <a:normAutofit/>
           </a:bodyPr>
           <a:lstStyle/>
           <a:p>
             <a:r>
               <a:rPr lang="en-US" dirty="0" smtClean="0"/>
-              <a:t>[]</a:t>
-            </a:r>
+              <a:t>10-fold cross validation</a:t>
+            </a:r>
+            <a:r>
+              <a:rPr lang="en-US" dirty="0" smtClean="0">
+                <a:solidFill>
+                  <a:srgbClr val="00B050"/>
+                </a:solidFill>
+              </a:rPr>
+              <a:t> improved </a:t>
+            </a:r>
+            <a:r>
+              <a:rPr lang="en-US" dirty="0" smtClean="0"/>
+              <a:t>error rates by </a:t>
+            </a:r>
+            <a:r>
+              <a:rPr lang="en-US" dirty="0" smtClean="0">
+                <a:solidFill>
+                  <a:srgbClr val="00B050"/>
+                </a:solidFill>
+              </a:rPr>
+              <a:t>200bp </a:t>
+            </a:r>
+            <a:r>
+              <a:rPr lang="en-US" dirty="0" smtClean="0"/>
+              <a:t>over 50/50 split</a:t>
+            </a:r>
+            <a:endParaRPr lang="en-US" dirty="0" smtClean="0">
+              <a:solidFill>
+                <a:srgbClr val="00B050"/>
+              </a:solidFill>
+            </a:endParaRPr>
           </a:p>
           <a:p>
             <a:r>
@@ -7941,63 +9241,20 @@
               <a:rPr lang="en-US" dirty="0" smtClean="0"/>
               <a:t>[]</a:t>
             </a:r>
+          </a:p>
+          <a:p>
+            <a:r>
+              <a:rPr lang="en-US" dirty="0" smtClean="0"/>
+              <a:t>[]</a:t>
+            </a:r>
             <a:endParaRPr lang="en-US" dirty="0" smtClean="0"/>
-          </a:p>
-          <a:p>
-            <a:r>
-              <a:rPr lang="en-US" dirty="0"/>
-              <a:t>Supporting </a:t>
-            </a:r>
-            <a:r>
-              <a:rPr lang="en-US" dirty="0" smtClean="0"/>
-              <a:t>work</a:t>
-            </a:r>
-          </a:p>
-          <a:p>
-            <a:pPr lvl="1"/>
-            <a:r>
-              <a:rPr lang="en-US" dirty="0" smtClean="0">
-                <a:hlinkClick r:id="rId2"/>
-              </a:rPr>
-              <a:t>https</a:t>
-            </a:r>
-            <a:r>
-              <a:rPr lang="en-US" dirty="0">
-                <a:hlinkClick r:id="rId2"/>
-              </a:rPr>
-              <a:t>://github.com/jb08/</a:t>
-            </a:r>
-            <a:r>
-              <a:rPr lang="en-US" dirty="0" err="1">
-                <a:hlinkClick r:id="rId2"/>
-              </a:rPr>
-              <a:t>credit_card_default_ML</a:t>
-            </a:r>
-            <a:endParaRPr lang="en-US" dirty="0" smtClean="0"/>
-          </a:p>
-          <a:p>
-            <a:r>
-              <a:rPr lang="en-US" dirty="0" smtClean="0"/>
-              <a:t>References:</a:t>
-            </a:r>
-          </a:p>
-          <a:p>
-            <a:pPr lvl="1"/>
-            <a:r>
-              <a:rPr lang="en-US" dirty="0"/>
-              <a:t>I. Yeh, C. Lien, The comparisons of data mining techniques for the predictive accuracy of probability of default of credit card clients, Expert Systems with Applications 36 (2) (2008) 2473–2480</a:t>
-            </a:r>
-            <a:r>
-              <a:rPr lang="en-US" dirty="0" smtClean="0"/>
-              <a:t>.</a:t>
-            </a:r>
           </a:p>
         </p:txBody>
       </p:sp>
     </p:spTree>
     <p:extLst>
       <p:ext uri="{BB962C8B-B14F-4D97-AF65-F5344CB8AC3E}">
-        <p14:creationId xmlns:p14="http://schemas.microsoft.com/office/powerpoint/2010/main" val="1760898628"/>
+        <p14:creationId xmlns:p14="http://schemas.microsoft.com/office/powerpoint/2010/main" val="1010262402"/>
       </p:ext>
     </p:extLst>
   </p:cSld>

--- a/Predicting_Credit_Card_defaults.pptx
+++ b/Predicting_Credit_Card_defaults.pptx
@@ -12,10 +12,12 @@
     <p:sldId id="258" r:id="rId6"/>
     <p:sldId id="259" r:id="rId7"/>
     <p:sldId id="260" r:id="rId8"/>
-    <p:sldId id="261" r:id="rId9"/>
-    <p:sldId id="266" r:id="rId10"/>
-    <p:sldId id="268" r:id="rId11"/>
-    <p:sldId id="262" r:id="rId12"/>
+    <p:sldId id="271" r:id="rId9"/>
+    <p:sldId id="272" r:id="rId10"/>
+    <p:sldId id="269" r:id="rId11"/>
+    <p:sldId id="266" r:id="rId12"/>
+    <p:sldId id="268" r:id="rId13"/>
+    <p:sldId id="262" r:id="rId14"/>
   </p:sldIdLst>
   <p:sldSz cx="12192000" cy="6858000"/>
   <p:notesSz cx="6858000" cy="9144000"/>
@@ -6230,11 +6232,11 @@
           <a:p>
             <a:r>
               <a:rPr lang="en-US" dirty="0"/>
-              <a:t>Experiment: </a:t>
+              <a:t>Experiment: Feature </a:t>
             </a:r>
             <a:r>
               <a:rPr lang="en-US" dirty="0" smtClean="0"/>
-              <a:t>PCA with Random Forest</a:t>
+              <a:t>Selection (3 of 3)</a:t>
             </a:r>
             <a:endParaRPr lang="en-US" dirty="0"/>
           </a:p>
@@ -6262,1522 +6264,53 @@
           </a:bodyPr>
           <a:lstStyle/>
           <a:p>
+            <a:endParaRPr lang="en-US" dirty="0" smtClean="0"/>
+          </a:p>
+          <a:p>
+            <a:endParaRPr lang="en-US" dirty="0" smtClean="0"/>
+          </a:p>
+          <a:p>
             <a:r>
               <a:rPr lang="en-US" dirty="0" smtClean="0"/>
-              <a:t>This approach yielded </a:t>
+              <a:t>This </a:t>
             </a:r>
             <a:r>
               <a:rPr lang="en-US" dirty="0" smtClean="0">
                 <a:solidFill>
+                  <a:srgbClr val="00B050"/>
+                </a:solidFill>
+              </a:rPr>
+              <a:t>improved Classification tree</a:t>
+            </a:r>
+            <a:r>
+              <a:rPr lang="en-US" dirty="0" smtClean="0">
+                <a:solidFill>
                   <a:srgbClr val="FF0000"/>
                 </a:solidFill>
               </a:rPr>
-              <a:t>no improvement </a:t>
+              <a:t> </a:t>
             </a:r>
             <a:r>
               <a:rPr lang="en-US" dirty="0" smtClean="0"/>
-              <a:t>over the baseline methods</a:t>
-            </a:r>
-            <a:endParaRPr lang="en-US" dirty="0" smtClean="0">
-              <a:solidFill>
-                <a:srgbClr val="00B050"/>
-              </a:solidFill>
-            </a:endParaRPr>
-          </a:p>
-          <a:p>
+              <a:t>model, but </a:t>
+            </a:r>
+            <a:r>
+              <a:rPr lang="en-US" dirty="0" smtClean="0">
+                <a:solidFill>
+                  <a:srgbClr val="FF0000"/>
+                </a:solidFill>
+              </a:rPr>
+              <a:t>no improvement</a:t>
+            </a:r>
             <a:r>
               <a:rPr lang="en-US" dirty="0" smtClean="0"/>
-              <a:t>[]</a:t>
+              <a:t> on others</a:t>
             </a:r>
           </a:p>
           <a:p>
             <a:r>
               <a:rPr lang="en-US" dirty="0" smtClean="0"/>
-              <a:t>[]</a:t>
-            </a:r>
-          </a:p>
-          <a:p>
-            <a:r>
-              <a:rPr lang="en-US" dirty="0" smtClean="0"/>
-              <a:t>[]</a:t>
-            </a:r>
-            <a:endParaRPr lang="en-US" dirty="0" smtClean="0"/>
-          </a:p>
-        </p:txBody>
-      </p:sp>
-    </p:spTree>
-    <p:extLst>
-      <p:ext uri="{BB962C8B-B14F-4D97-AF65-F5344CB8AC3E}">
-        <p14:creationId xmlns:p14="http://schemas.microsoft.com/office/powerpoint/2010/main" val="224420719"/>
-      </p:ext>
-    </p:extLst>
-  </p:cSld>
-  <p:clrMapOvr>
-    <a:masterClrMapping/>
-  </p:clrMapOvr>
-  <p:timing>
-    <p:tnLst>
-      <p:par>
-        <p:cTn id="1" dur="indefinite" restart="never" nodeType="tmRoot"/>
-      </p:par>
-    </p:tnLst>
-  </p:timing>
-</p:sld>
-</file>
-
-<file path=ppt/slides/slide11.xml><?xml version="1.0" encoding="utf-8"?>
-<p:sld xmlns:a="http://schemas.openxmlformats.org/drawingml/2006/main" xmlns:r="http://schemas.openxmlformats.org/officeDocument/2006/relationships" xmlns:p="http://schemas.openxmlformats.org/presentationml/2006/main">
-  <p:cSld>
-    <p:spTree>
-      <p:nvGrpSpPr>
-        <p:cNvPr id="1" name=""/>
-        <p:cNvGrpSpPr/>
-        <p:nvPr/>
-      </p:nvGrpSpPr>
-      <p:grpSpPr>
-        <a:xfrm>
-          <a:off x="0" y="0"/>
-          <a:ext cx="0" cy="0"/>
-          <a:chOff x="0" y="0"/>
-          <a:chExt cx="0" cy="0"/>
-        </a:xfrm>
-      </p:grpSpPr>
-      <p:sp>
-        <p:nvSpPr>
-          <p:cNvPr id="2" name="Title 1"/>
-          <p:cNvSpPr>
-            <a:spLocks noGrp="1"/>
-          </p:cNvSpPr>
-          <p:nvPr>
-            <p:ph type="title"/>
-          </p:nvPr>
-        </p:nvSpPr>
-        <p:spPr/>
-        <p:txBody>
-          <a:bodyPr/>
-          <a:lstStyle/>
-          <a:p>
-            <a:r>
-              <a:rPr lang="en-US" dirty="0" smtClean="0"/>
-              <a:t>Conclusion</a:t>
-            </a:r>
-            <a:endParaRPr lang="en-US" dirty="0"/>
-          </a:p>
-        </p:txBody>
-      </p:sp>
-      <p:sp>
-        <p:nvSpPr>
-          <p:cNvPr id="3" name="Content Placeholder 2"/>
-          <p:cNvSpPr>
-            <a:spLocks noGrp="1"/>
-          </p:cNvSpPr>
-          <p:nvPr>
-            <p:ph idx="1"/>
-          </p:nvPr>
-        </p:nvSpPr>
-        <p:spPr/>
-        <p:txBody>
-          <a:bodyPr>
-            <a:normAutofit fontScale="85000" lnSpcReduction="20000"/>
-          </a:bodyPr>
-          <a:lstStyle/>
-          <a:p>
-            <a:r>
-              <a:rPr lang="en-US" dirty="0" smtClean="0"/>
-              <a:t>Newly available (Jan-16) credit card data yielded opportunity to predict defaults</a:t>
-            </a:r>
-            <a:endParaRPr lang="en-US" dirty="0" smtClean="0"/>
-          </a:p>
-          <a:p>
-            <a:r>
-              <a:rPr lang="en-US" dirty="0"/>
-              <a:t>C</a:t>
-            </a:r>
-            <a:r>
-              <a:rPr lang="en-US" dirty="0" smtClean="0"/>
-              <a:t>onsider the best measure for testing model accuracy (here: lift chart or ROC_AUC)</a:t>
-            </a:r>
-            <a:endParaRPr lang="en-US" dirty="0" smtClean="0"/>
-          </a:p>
-          <a:p>
-            <a:r>
-              <a:rPr lang="en-US" dirty="0" smtClean="0"/>
-              <a:t>Experiments </a:t>
-            </a:r>
-          </a:p>
-          <a:p>
-            <a:pPr lvl="1"/>
-            <a:r>
-              <a:rPr lang="en-US" dirty="0"/>
-              <a:t>Y</a:t>
-            </a:r>
-            <a:r>
-              <a:rPr lang="en-US" dirty="0" smtClean="0"/>
-              <a:t>ielding improvement: 10-fold cross validation</a:t>
-            </a:r>
-          </a:p>
-          <a:p>
-            <a:pPr lvl="1"/>
-            <a:r>
-              <a:rPr lang="en-US" dirty="0" smtClean="0"/>
-              <a:t>No improvement: Feature Selection, PCA with Random Forest</a:t>
-            </a:r>
-            <a:endParaRPr lang="en-US" dirty="0" smtClean="0"/>
-          </a:p>
-          <a:p>
-            <a:r>
-              <a:rPr lang="en-US" dirty="0" smtClean="0"/>
-              <a:t>Data and Code: </a:t>
-            </a:r>
-            <a:r>
-              <a:rPr lang="en-US" dirty="0" smtClean="0">
-                <a:hlinkClick r:id="rId2"/>
-              </a:rPr>
-              <a:t>https</a:t>
-            </a:r>
-            <a:r>
-              <a:rPr lang="en-US" dirty="0">
-                <a:hlinkClick r:id="rId2"/>
-              </a:rPr>
-              <a:t>://github.com/jb08/credit_card_default_ML</a:t>
-            </a:r>
-            <a:endParaRPr lang="en-US" dirty="0" smtClean="0"/>
-          </a:p>
-          <a:p>
-            <a:r>
-              <a:rPr lang="en-US" dirty="0" smtClean="0"/>
-              <a:t>References:</a:t>
-            </a:r>
-          </a:p>
-          <a:p>
-            <a:pPr lvl="1"/>
-            <a:r>
-              <a:rPr lang="en-US" dirty="0"/>
-              <a:t>I. Yeh, C. Lien, The comparisons of data mining techniques for the predictive accuracy of probability of default of credit card clients, Expert Systems with Applications 36 (2) (2008) 2473–2480</a:t>
-            </a:r>
-            <a:r>
-              <a:rPr lang="en-US" dirty="0" smtClean="0"/>
-              <a:t>.</a:t>
-            </a:r>
-          </a:p>
-        </p:txBody>
-      </p:sp>
-    </p:spTree>
-    <p:extLst>
-      <p:ext uri="{BB962C8B-B14F-4D97-AF65-F5344CB8AC3E}">
-        <p14:creationId xmlns:p14="http://schemas.microsoft.com/office/powerpoint/2010/main" val="1760898628"/>
-      </p:ext>
-    </p:extLst>
-  </p:cSld>
-  <p:clrMapOvr>
-    <a:masterClrMapping/>
-  </p:clrMapOvr>
-  <p:timing>
-    <p:tnLst>
-      <p:par>
-        <p:cTn id="1" dur="indefinite" restart="never" nodeType="tmRoot"/>
-      </p:par>
-    </p:tnLst>
-  </p:timing>
-</p:sld>
-</file>
-
-<file path=ppt/slides/slide2.xml><?xml version="1.0" encoding="utf-8"?>
-<p:sld xmlns:a="http://schemas.openxmlformats.org/drawingml/2006/main" xmlns:r="http://schemas.openxmlformats.org/officeDocument/2006/relationships" xmlns:p="http://schemas.openxmlformats.org/presentationml/2006/main">
-  <p:cSld>
-    <p:spTree>
-      <p:nvGrpSpPr>
-        <p:cNvPr id="1" name=""/>
-        <p:cNvGrpSpPr/>
-        <p:nvPr/>
-      </p:nvGrpSpPr>
-      <p:grpSpPr>
-        <a:xfrm>
-          <a:off x="0" y="0"/>
-          <a:ext cx="0" cy="0"/>
-          <a:chOff x="0" y="0"/>
-          <a:chExt cx="0" cy="0"/>
-        </a:xfrm>
-      </p:grpSpPr>
-      <p:sp>
-        <p:nvSpPr>
-          <p:cNvPr id="2" name="Title 1"/>
-          <p:cNvSpPr>
-            <a:spLocks noGrp="1"/>
-          </p:cNvSpPr>
-          <p:nvPr>
-            <p:ph type="title"/>
-          </p:nvPr>
-        </p:nvSpPr>
-        <p:spPr/>
-        <p:txBody>
-          <a:bodyPr/>
-          <a:lstStyle/>
-          <a:p>
-            <a:r>
-              <a:rPr lang="en-US" dirty="0" smtClean="0"/>
-              <a:t>Description of the Data</a:t>
-            </a:r>
-            <a:endParaRPr lang="en-US" dirty="0"/>
-          </a:p>
-        </p:txBody>
-      </p:sp>
-      <p:sp>
-        <p:nvSpPr>
-          <p:cNvPr id="3" name="Content Placeholder 2"/>
-          <p:cNvSpPr>
-            <a:spLocks noGrp="1"/>
-          </p:cNvSpPr>
-          <p:nvPr>
-            <p:ph idx="1"/>
-          </p:nvPr>
-        </p:nvSpPr>
-        <p:spPr>
-          <a:xfrm>
-            <a:off x="1484310" y="2666999"/>
-            <a:ext cx="10018713" cy="3754349"/>
-          </a:xfrm>
-        </p:spPr>
-        <p:txBody>
-          <a:bodyPr>
-            <a:normAutofit/>
-          </a:bodyPr>
-          <a:lstStyle/>
-          <a:p>
-            <a:r>
-              <a:rPr lang="en-US" dirty="0" smtClean="0"/>
-              <a:t>n = 30,000 (</a:t>
-            </a:r>
-            <a:r>
-              <a:rPr lang="en-US" dirty="0"/>
-              <a:t>source: </a:t>
-            </a:r>
-            <a:r>
-              <a:rPr lang="en-US" dirty="0" smtClean="0"/>
-              <a:t>Taiwanese </a:t>
-            </a:r>
-            <a:r>
-              <a:rPr lang="en-US" dirty="0" smtClean="0"/>
-              <a:t>bank)</a:t>
-            </a:r>
-          </a:p>
-          <a:p>
-            <a:r>
-              <a:rPr lang="en-US" dirty="0" smtClean="0"/>
-              <a:t>22</a:t>
-            </a:r>
-            <a:r>
-              <a:rPr lang="en-US" dirty="0" smtClean="0"/>
-              <a:t>% defaulted (</a:t>
-            </a:r>
-            <a:r>
-              <a:rPr lang="en-US" dirty="0" smtClean="0"/>
-              <a:t>6,636 </a:t>
-            </a:r>
-            <a:r>
-              <a:rPr lang="en-US" dirty="0" smtClean="0"/>
-              <a:t>/ 30,000</a:t>
-            </a:r>
-            <a:r>
-              <a:rPr lang="en-US" dirty="0" smtClean="0"/>
-              <a:t>)</a:t>
-            </a:r>
-          </a:p>
-          <a:p>
-            <a:r>
-              <a:rPr lang="en-US" dirty="0" smtClean="0"/>
-              <a:t>Source of data: </a:t>
-            </a:r>
-            <a:r>
-              <a:rPr lang="en-US" i="1" dirty="0" smtClean="0"/>
-              <a:t>UC-Irvine Machine Learning Repository</a:t>
-            </a:r>
-            <a:r>
-              <a:rPr lang="en-US" dirty="0" smtClean="0"/>
-              <a:t>, Jan-16</a:t>
-            </a:r>
-            <a:endParaRPr lang="en-US" dirty="0" smtClean="0"/>
-          </a:p>
-        </p:txBody>
-      </p:sp>
-    </p:spTree>
-    <p:extLst>
-      <p:ext uri="{BB962C8B-B14F-4D97-AF65-F5344CB8AC3E}">
-        <p14:creationId xmlns:p14="http://schemas.microsoft.com/office/powerpoint/2010/main" val="2141363607"/>
-      </p:ext>
-    </p:extLst>
-  </p:cSld>
-  <p:clrMapOvr>
-    <a:masterClrMapping/>
-  </p:clrMapOvr>
-  <p:timing>
-    <p:tnLst>
-      <p:par>
-        <p:cTn id="1" dur="indefinite" restart="never" nodeType="tmRoot"/>
-      </p:par>
-    </p:tnLst>
-  </p:timing>
-</p:sld>
-</file>
-
-<file path=ppt/slides/slide3.xml><?xml version="1.0" encoding="utf-8"?>
-<p:sld xmlns:a="http://schemas.openxmlformats.org/drawingml/2006/main" xmlns:r="http://schemas.openxmlformats.org/officeDocument/2006/relationships" xmlns:p="http://schemas.openxmlformats.org/presentationml/2006/main">
-  <p:cSld>
-    <p:spTree>
-      <p:nvGrpSpPr>
-        <p:cNvPr id="1" name=""/>
-        <p:cNvGrpSpPr/>
-        <p:nvPr/>
-      </p:nvGrpSpPr>
-      <p:grpSpPr>
-        <a:xfrm>
-          <a:off x="0" y="0"/>
-          <a:ext cx="0" cy="0"/>
-          <a:chOff x="0" y="0"/>
-          <a:chExt cx="0" cy="0"/>
-        </a:xfrm>
-      </p:grpSpPr>
-      <p:sp>
-        <p:nvSpPr>
-          <p:cNvPr id="2" name="Title 1"/>
-          <p:cNvSpPr>
-            <a:spLocks noGrp="1"/>
-          </p:cNvSpPr>
-          <p:nvPr>
-            <p:ph type="title"/>
-          </p:nvPr>
-        </p:nvSpPr>
-        <p:spPr/>
-        <p:txBody>
-          <a:bodyPr/>
-          <a:lstStyle/>
-          <a:p>
-            <a:r>
-              <a:rPr lang="en-US" smtClean="0"/>
-              <a:t>Data Sample (n=5)</a:t>
-            </a:r>
-            <a:endParaRPr lang="en-US" dirty="0"/>
-          </a:p>
-        </p:txBody>
-      </p:sp>
-      <p:pic>
-        <p:nvPicPr>
-          <p:cNvPr id="3" name="Picture 2"/>
-          <p:cNvPicPr>
-            <a:picLocks noChangeAspect="1"/>
-          </p:cNvPicPr>
-          <p:nvPr/>
-        </p:nvPicPr>
-        <p:blipFill rotWithShape="1">
-          <a:blip r:embed="rId2">
-            <a:extLst>
-              <a:ext uri="{28A0092B-C50C-407E-A947-70E740481C1C}">
-                <a14:useLocalDpi xmlns:a14="http://schemas.microsoft.com/office/drawing/2010/main" val="0"/>
-              </a:ext>
-            </a:extLst>
-          </a:blip>
-          <a:srcRect l="2850" t="3475" r="6360" b="13990"/>
-          <a:stretch/>
-        </p:blipFill>
-        <p:spPr>
-          <a:xfrm>
-            <a:off x="2145644" y="2376653"/>
-            <a:ext cx="8696046" cy="2873476"/>
-          </a:xfrm>
-          <a:prstGeom prst="rect">
-            <a:avLst/>
-          </a:prstGeom>
-        </p:spPr>
-      </p:pic>
-      <p:sp>
-        <p:nvSpPr>
-          <p:cNvPr id="4" name="Oval 3"/>
-          <p:cNvSpPr/>
-          <p:nvPr/>
-        </p:nvSpPr>
-        <p:spPr>
-          <a:xfrm>
-            <a:off x="10488122" y="3791712"/>
-            <a:ext cx="353568" cy="1621536"/>
-          </a:xfrm>
-          <a:prstGeom prst="ellipse">
-            <a:avLst/>
-          </a:prstGeom>
-          <a:noFill/>
-          <a:ln w="38100">
-            <a:solidFill>
-              <a:schemeClr val="accent1"/>
-            </a:solidFill>
-          </a:ln>
-        </p:spPr>
-        <p:style>
-          <a:lnRef idx="2">
-            <a:schemeClr val="accent1">
-              <a:shade val="50000"/>
-            </a:schemeClr>
-          </a:lnRef>
-          <a:fillRef idx="1">
-            <a:schemeClr val="accent1"/>
-          </a:fillRef>
-          <a:effectRef idx="0">
-            <a:schemeClr val="accent1"/>
-          </a:effectRef>
-          <a:fontRef idx="minor">
-            <a:schemeClr val="lt1"/>
-          </a:fontRef>
-        </p:style>
-        <p:txBody>
-          <a:bodyPr rtlCol="0" anchor="ctr"/>
-          <a:lstStyle/>
-          <a:p>
-            <a:pPr algn="ctr"/>
-            <a:endParaRPr lang="en-US">
-              <a:solidFill>
-                <a:schemeClr val="accent2"/>
-              </a:solidFill>
-            </a:endParaRPr>
-          </a:p>
-        </p:txBody>
-      </p:sp>
-      <p:sp>
-        <p:nvSpPr>
-          <p:cNvPr id="6" name="Rectangle 5"/>
-          <p:cNvSpPr/>
-          <p:nvPr/>
-        </p:nvSpPr>
-        <p:spPr>
-          <a:xfrm>
-            <a:off x="2810182" y="5413248"/>
-            <a:ext cx="7366970" cy="1200329"/>
-          </a:xfrm>
-          <a:prstGeom prst="rect">
-            <a:avLst/>
-          </a:prstGeom>
-        </p:spPr>
-        <p:txBody>
-          <a:bodyPr wrap="square">
-            <a:spAutoFit/>
-          </a:bodyPr>
-          <a:lstStyle/>
-          <a:p>
-            <a:pPr lvl="1"/>
-            <a:r>
-              <a:rPr lang="en-US" dirty="0" smtClean="0">
-                <a:solidFill>
-                  <a:srgbClr val="00B050"/>
-                </a:solidFill>
-              </a:rPr>
-              <a:t>X1 – X5: Credit given, gender, education level, marital status, age</a:t>
-            </a:r>
-          </a:p>
-          <a:p>
-            <a:pPr lvl="1"/>
-            <a:r>
-              <a:rPr lang="en-US" dirty="0" smtClean="0">
-                <a:solidFill>
-                  <a:schemeClr val="accent5"/>
-                </a:solidFill>
-              </a:rPr>
-              <a:t>X6 </a:t>
-            </a:r>
-            <a:r>
-              <a:rPr lang="en-US" dirty="0">
-                <a:solidFill>
-                  <a:schemeClr val="accent5"/>
-                </a:solidFill>
-              </a:rPr>
-              <a:t>–X11: </a:t>
-            </a:r>
-            <a:r>
-              <a:rPr lang="en-US" dirty="0" smtClean="0">
-                <a:solidFill>
-                  <a:schemeClr val="accent5"/>
-                </a:solidFill>
-              </a:rPr>
-              <a:t>Monthly payment status</a:t>
-            </a:r>
-          </a:p>
-          <a:p>
-            <a:pPr lvl="1"/>
-            <a:r>
-              <a:rPr lang="en-US" dirty="0" smtClean="0">
-                <a:solidFill>
-                  <a:schemeClr val="accent3"/>
-                </a:solidFill>
-              </a:rPr>
-              <a:t>X12 </a:t>
-            </a:r>
-            <a:r>
-              <a:rPr lang="en-US" dirty="0">
-                <a:solidFill>
-                  <a:schemeClr val="accent3"/>
-                </a:solidFill>
-              </a:rPr>
-              <a:t>– X17: Monthly bill </a:t>
-            </a:r>
-            <a:r>
-              <a:rPr lang="en-US" dirty="0" smtClean="0">
-                <a:solidFill>
-                  <a:schemeClr val="accent3"/>
-                </a:solidFill>
-              </a:rPr>
-              <a:t>amounts </a:t>
-            </a:r>
-            <a:endParaRPr lang="en-US" dirty="0">
-              <a:solidFill>
-                <a:schemeClr val="accent3"/>
-              </a:solidFill>
-            </a:endParaRPr>
-          </a:p>
-          <a:p>
-            <a:pPr lvl="1"/>
-            <a:r>
-              <a:rPr lang="en-US" dirty="0">
-                <a:solidFill>
-                  <a:schemeClr val="accent6"/>
-                </a:solidFill>
-              </a:rPr>
-              <a:t>X18 – X23: Monthly </a:t>
-            </a:r>
-            <a:r>
-              <a:rPr lang="en-US" dirty="0" smtClean="0">
-                <a:solidFill>
-                  <a:schemeClr val="accent6"/>
-                </a:solidFill>
-              </a:rPr>
-              <a:t>payments</a:t>
-            </a:r>
-            <a:endParaRPr lang="en-US" dirty="0">
-              <a:solidFill>
-                <a:schemeClr val="accent6"/>
-              </a:solidFill>
-            </a:endParaRPr>
-          </a:p>
-        </p:txBody>
-      </p:sp>
-      <p:sp>
-        <p:nvSpPr>
-          <p:cNvPr id="7" name="Rectangle 6"/>
-          <p:cNvSpPr/>
-          <p:nvPr/>
-        </p:nvSpPr>
-        <p:spPr>
-          <a:xfrm>
-            <a:off x="9720026" y="5513832"/>
-            <a:ext cx="2703622" cy="923330"/>
-          </a:xfrm>
-          <a:prstGeom prst="rect">
-            <a:avLst/>
-          </a:prstGeom>
-        </p:spPr>
-        <p:txBody>
-          <a:bodyPr wrap="square">
-            <a:spAutoFit/>
-          </a:bodyPr>
-          <a:lstStyle/>
-          <a:p>
-            <a:pPr lvl="1"/>
-            <a:r>
-              <a:rPr lang="en-US" i="1" dirty="0" smtClean="0">
-                <a:solidFill>
-                  <a:schemeClr val="accent1"/>
-                </a:solidFill>
-              </a:rPr>
-              <a:t>In this small sample, </a:t>
-            </a:r>
-          </a:p>
-          <a:p>
-            <a:pPr lvl="1"/>
-            <a:r>
-              <a:rPr lang="en-US" i="1" dirty="0" smtClean="0">
-                <a:solidFill>
-                  <a:schemeClr val="accent1"/>
-                </a:solidFill>
-              </a:rPr>
-              <a:t>3 of 5 cardholders </a:t>
-            </a:r>
-          </a:p>
-          <a:p>
-            <a:pPr lvl="1"/>
-            <a:r>
-              <a:rPr lang="en-US" i="1" dirty="0" smtClean="0">
-                <a:solidFill>
-                  <a:schemeClr val="accent1"/>
-                </a:solidFill>
-              </a:rPr>
-              <a:t>defaulted</a:t>
-            </a:r>
-            <a:endParaRPr lang="en-US" i="1" dirty="0">
-              <a:solidFill>
-                <a:schemeClr val="accent1"/>
-              </a:solidFill>
-            </a:endParaRPr>
-          </a:p>
-        </p:txBody>
-      </p:sp>
-      <p:sp>
-        <p:nvSpPr>
-          <p:cNvPr id="9" name="Rectangle 8"/>
-          <p:cNvSpPr/>
-          <p:nvPr/>
-        </p:nvSpPr>
-        <p:spPr>
-          <a:xfrm>
-            <a:off x="3336324" y="2376653"/>
-            <a:ext cx="2125362" cy="205909"/>
-          </a:xfrm>
-          <a:prstGeom prst="rect">
-            <a:avLst/>
-          </a:prstGeom>
-          <a:noFill/>
-          <a:ln w="28575">
-            <a:solidFill>
-              <a:srgbClr val="00B050"/>
-            </a:solidFill>
-          </a:ln>
-        </p:spPr>
-        <p:style>
-          <a:lnRef idx="2">
-            <a:schemeClr val="accent1">
-              <a:shade val="50000"/>
-            </a:schemeClr>
-          </a:lnRef>
-          <a:fillRef idx="1">
-            <a:schemeClr val="accent1"/>
-          </a:fillRef>
-          <a:effectRef idx="0">
-            <a:schemeClr val="accent1"/>
-          </a:effectRef>
-          <a:fontRef idx="minor">
-            <a:schemeClr val="lt1"/>
-          </a:fontRef>
-        </p:style>
-        <p:txBody>
-          <a:bodyPr rtlCol="0" anchor="ctr"/>
-          <a:lstStyle/>
-          <a:p>
-            <a:pPr algn="ctr"/>
-            <a:endParaRPr lang="en-US"/>
-          </a:p>
-        </p:txBody>
-      </p:sp>
-      <p:sp>
-        <p:nvSpPr>
-          <p:cNvPr id="10" name="Rectangle 9"/>
-          <p:cNvSpPr/>
-          <p:nvPr/>
-        </p:nvSpPr>
-        <p:spPr>
-          <a:xfrm>
-            <a:off x="5608468" y="2376653"/>
-            <a:ext cx="2694284" cy="205909"/>
-          </a:xfrm>
-          <a:prstGeom prst="rect">
-            <a:avLst/>
-          </a:prstGeom>
-          <a:noFill/>
-          <a:ln w="28575">
-            <a:solidFill>
-              <a:schemeClr val="accent5"/>
-            </a:solidFill>
-          </a:ln>
-        </p:spPr>
-        <p:style>
-          <a:lnRef idx="2">
-            <a:schemeClr val="accent1">
-              <a:shade val="50000"/>
-            </a:schemeClr>
-          </a:lnRef>
-          <a:fillRef idx="1">
-            <a:schemeClr val="accent1"/>
-          </a:fillRef>
-          <a:effectRef idx="0">
-            <a:schemeClr val="accent1"/>
-          </a:effectRef>
-          <a:fontRef idx="minor">
-            <a:schemeClr val="lt1"/>
-          </a:fontRef>
-        </p:style>
-        <p:txBody>
-          <a:bodyPr rtlCol="0" anchor="ctr"/>
-          <a:lstStyle/>
-          <a:p>
-            <a:pPr algn="ctr"/>
-            <a:endParaRPr lang="en-US">
-              <a:solidFill>
-                <a:schemeClr val="accent6"/>
-              </a:solidFill>
-            </a:endParaRPr>
-          </a:p>
-        </p:txBody>
-      </p:sp>
-      <p:sp>
-        <p:nvSpPr>
-          <p:cNvPr id="11" name="Rectangle 10"/>
-          <p:cNvSpPr/>
-          <p:nvPr/>
-        </p:nvSpPr>
-        <p:spPr>
-          <a:xfrm>
-            <a:off x="8750956" y="2376653"/>
-            <a:ext cx="1353164" cy="202861"/>
-          </a:xfrm>
-          <a:prstGeom prst="rect">
-            <a:avLst/>
-          </a:prstGeom>
-          <a:noFill/>
-          <a:ln w="28575">
-            <a:solidFill>
-              <a:schemeClr val="accent3"/>
-            </a:solidFill>
-          </a:ln>
-        </p:spPr>
-        <p:style>
-          <a:lnRef idx="2">
-            <a:schemeClr val="accent1">
-              <a:shade val="50000"/>
-            </a:schemeClr>
-          </a:lnRef>
-          <a:fillRef idx="1">
-            <a:schemeClr val="accent1"/>
-          </a:fillRef>
-          <a:effectRef idx="0">
-            <a:schemeClr val="accent1"/>
-          </a:effectRef>
-          <a:fontRef idx="minor">
-            <a:schemeClr val="lt1"/>
-          </a:fontRef>
-        </p:style>
-        <p:txBody>
-          <a:bodyPr rtlCol="0" anchor="ctr"/>
-          <a:lstStyle/>
-          <a:p>
-            <a:pPr algn="ctr"/>
-            <a:endParaRPr lang="en-US">
-              <a:solidFill>
-                <a:schemeClr val="accent6"/>
-              </a:solidFill>
-            </a:endParaRPr>
-          </a:p>
-        </p:txBody>
-      </p:sp>
-      <p:sp>
-        <p:nvSpPr>
-          <p:cNvPr id="12" name="Rectangle 11"/>
-          <p:cNvSpPr/>
-          <p:nvPr/>
-        </p:nvSpPr>
-        <p:spPr>
-          <a:xfrm>
-            <a:off x="3252364" y="3922775"/>
-            <a:ext cx="2755244" cy="197333"/>
-          </a:xfrm>
-          <a:prstGeom prst="rect">
-            <a:avLst/>
-          </a:prstGeom>
-          <a:noFill/>
-          <a:ln w="28575">
-            <a:solidFill>
-              <a:schemeClr val="accent3"/>
-            </a:solidFill>
-          </a:ln>
-        </p:spPr>
-        <p:style>
-          <a:lnRef idx="2">
-            <a:schemeClr val="accent1">
-              <a:shade val="50000"/>
-            </a:schemeClr>
-          </a:lnRef>
-          <a:fillRef idx="1">
-            <a:schemeClr val="accent1"/>
-          </a:fillRef>
-          <a:effectRef idx="0">
-            <a:schemeClr val="accent1"/>
-          </a:effectRef>
-          <a:fontRef idx="minor">
-            <a:schemeClr val="lt1"/>
-          </a:fontRef>
-        </p:style>
-        <p:txBody>
-          <a:bodyPr rtlCol="0" anchor="ctr"/>
-          <a:lstStyle/>
-          <a:p>
-            <a:pPr algn="ctr"/>
-            <a:endParaRPr lang="en-US">
-              <a:solidFill>
-                <a:schemeClr val="accent6"/>
-              </a:solidFill>
-            </a:endParaRPr>
-          </a:p>
-        </p:txBody>
-      </p:sp>
-      <p:sp>
-        <p:nvSpPr>
-          <p:cNvPr id="13" name="Rectangle 12"/>
-          <p:cNvSpPr/>
-          <p:nvPr/>
-        </p:nvSpPr>
-        <p:spPr>
-          <a:xfrm>
-            <a:off x="6355154" y="3922775"/>
-            <a:ext cx="3401448" cy="197332"/>
-          </a:xfrm>
-          <a:prstGeom prst="rect">
-            <a:avLst/>
-          </a:prstGeom>
-          <a:noFill/>
-          <a:ln w="28575">
-            <a:solidFill>
-              <a:schemeClr val="accent6"/>
-            </a:solidFill>
-          </a:ln>
-        </p:spPr>
-        <p:style>
-          <a:lnRef idx="2">
-            <a:schemeClr val="accent1">
-              <a:shade val="50000"/>
-            </a:schemeClr>
-          </a:lnRef>
-          <a:fillRef idx="1">
-            <a:schemeClr val="accent1"/>
-          </a:fillRef>
-          <a:effectRef idx="0">
-            <a:schemeClr val="accent1"/>
-          </a:effectRef>
-          <a:fontRef idx="minor">
-            <a:schemeClr val="lt1"/>
-          </a:fontRef>
-        </p:style>
-        <p:txBody>
-          <a:bodyPr rtlCol="0" anchor="ctr"/>
-          <a:lstStyle/>
-          <a:p>
-            <a:pPr algn="ctr"/>
-            <a:endParaRPr lang="en-US">
-              <a:solidFill>
-                <a:schemeClr val="accent6"/>
-              </a:solidFill>
-            </a:endParaRPr>
-          </a:p>
-        </p:txBody>
-      </p:sp>
-    </p:spTree>
-    <p:extLst>
-      <p:ext uri="{BB962C8B-B14F-4D97-AF65-F5344CB8AC3E}">
-        <p14:creationId xmlns:p14="http://schemas.microsoft.com/office/powerpoint/2010/main" val="627798131"/>
-      </p:ext>
-    </p:extLst>
-  </p:cSld>
-  <p:clrMapOvr>
-    <a:masterClrMapping/>
-  </p:clrMapOvr>
-  <mc:AlternateContent xmlns:mc="http://schemas.openxmlformats.org/markup-compatibility/2006">
-    <mc:Choice xmlns:p14="http://schemas.microsoft.com/office/powerpoint/2010/main" Requires="p14">
-      <p:transition p14:dur="0"/>
-    </mc:Choice>
-    <mc:Fallback>
-      <p:transition/>
-    </mc:Fallback>
-  </mc:AlternateContent>
-  <p:timing>
-    <p:tnLst>
-      <p:par>
-        <p:cTn id="1" dur="indefinite" restart="never" nodeType="tmRoot"/>
-      </p:par>
-    </p:tnLst>
-  </p:timing>
-</p:sld>
-</file>
-
-<file path=ppt/slides/slide4.xml><?xml version="1.0" encoding="utf-8"?>
-<p:sld xmlns:a="http://schemas.openxmlformats.org/drawingml/2006/main" xmlns:r="http://schemas.openxmlformats.org/officeDocument/2006/relationships" xmlns:p="http://schemas.openxmlformats.org/presentationml/2006/main">
-  <p:cSld>
-    <p:spTree>
-      <p:nvGrpSpPr>
-        <p:cNvPr id="1" name=""/>
-        <p:cNvGrpSpPr/>
-        <p:nvPr/>
-      </p:nvGrpSpPr>
-      <p:grpSpPr>
-        <a:xfrm>
-          <a:off x="0" y="0"/>
-          <a:ext cx="0" cy="0"/>
-          <a:chOff x="0" y="0"/>
-          <a:chExt cx="0" cy="0"/>
-        </a:xfrm>
-      </p:grpSpPr>
-      <p:sp>
-        <p:nvSpPr>
-          <p:cNvPr id="2" name="Title 1"/>
-          <p:cNvSpPr>
-            <a:spLocks noGrp="1"/>
-          </p:cNvSpPr>
-          <p:nvPr>
-            <p:ph type="title"/>
-          </p:nvPr>
-        </p:nvSpPr>
-        <p:spPr/>
-        <p:txBody>
-          <a:bodyPr/>
-          <a:lstStyle/>
-          <a:p>
-            <a:r>
-              <a:rPr lang="en-US" dirty="0" smtClean="0"/>
-              <a:t>Not all Misclassifications are Equal</a:t>
-            </a:r>
-            <a:endParaRPr lang="en-US" dirty="0"/>
-          </a:p>
-        </p:txBody>
-      </p:sp>
-      <p:graphicFrame>
-        <p:nvGraphicFramePr>
-          <p:cNvPr id="8" name="Content Placeholder 7"/>
-          <p:cNvGraphicFramePr>
-            <a:graphicFrameLocks noGrp="1"/>
-          </p:cNvGraphicFramePr>
-          <p:nvPr>
-            <p:ph idx="1"/>
-            <p:extLst>
-              <p:ext uri="{D42A27DB-BD31-4B8C-83A1-F6EECF244321}">
-                <p14:modId xmlns:p14="http://schemas.microsoft.com/office/powerpoint/2010/main" val="246358671"/>
-              </p:ext>
-            </p:extLst>
-          </p:nvPr>
-        </p:nvGraphicFramePr>
-        <p:xfrm>
-          <a:off x="3703170" y="2651234"/>
-          <a:ext cx="5580994" cy="1828800"/>
-        </p:xfrm>
-        <a:graphic>
-          <a:graphicData uri="http://schemas.openxmlformats.org/drawingml/2006/table">
-            <a:tbl>
-              <a:tblPr firstRow="1" bandRow="1">
-                <a:tableStyleId>{5940675A-B579-460E-94D1-54222C63F5DA}</a:tableStyleId>
-              </a:tblPr>
-              <a:tblGrid>
-                <a:gridCol w="2790497"/>
-                <a:gridCol w="2790497"/>
-              </a:tblGrid>
-              <a:tr h="370840">
-                <a:tc>
-                  <a:txBody>
-                    <a:bodyPr/>
-                    <a:lstStyle/>
-                    <a:p>
-                      <a:r>
-                        <a:rPr lang="en-US" dirty="0" smtClean="0">
-                          <a:solidFill>
-                            <a:srgbClr val="00B050"/>
-                          </a:solidFill>
-                        </a:rPr>
-                        <a:t>22,296 </a:t>
-                      </a:r>
-                    </a:p>
-                    <a:p>
-                      <a:r>
-                        <a:rPr lang="en-US" dirty="0" smtClean="0">
-                          <a:solidFill>
-                            <a:srgbClr val="00B050"/>
-                          </a:solidFill>
-                        </a:rPr>
-                        <a:t>(model correctly</a:t>
-                      </a:r>
-                      <a:r>
-                        <a:rPr lang="en-US" baseline="0" dirty="0" smtClean="0">
-                          <a:solidFill>
-                            <a:srgbClr val="00B050"/>
-                          </a:solidFill>
-                        </a:rPr>
-                        <a:t> </a:t>
-                      </a:r>
-                    </a:p>
-                    <a:p>
-                      <a:r>
-                        <a:rPr lang="en-US" baseline="0" dirty="0" smtClean="0">
-                          <a:solidFill>
-                            <a:srgbClr val="00B050"/>
-                          </a:solidFill>
-                        </a:rPr>
-                        <a:t>predicted non-default)</a:t>
-                      </a:r>
-                      <a:endParaRPr lang="en-US" dirty="0">
-                        <a:solidFill>
-                          <a:srgbClr val="00B050"/>
-                        </a:solidFill>
-                      </a:endParaRPr>
-                    </a:p>
-                  </a:txBody>
-                  <a:tcPr anchor="ctr"/>
-                </a:tc>
-                <a:tc>
-                  <a:txBody>
-                    <a:bodyPr/>
-                    <a:lstStyle/>
-                    <a:p>
-                      <a:r>
-                        <a:rPr lang="en-US" dirty="0" smtClean="0"/>
-                        <a:t>1,068</a:t>
-                      </a:r>
-                      <a:r>
-                        <a:rPr lang="en-US" baseline="0" dirty="0" smtClean="0"/>
-                        <a:t> </a:t>
-                      </a:r>
-                    </a:p>
-                    <a:p>
-                      <a:r>
-                        <a:rPr lang="en-US" baseline="0" dirty="0" smtClean="0"/>
-                        <a:t>(false positive)</a:t>
-                      </a:r>
-                      <a:endParaRPr lang="en-US" dirty="0"/>
-                    </a:p>
-                  </a:txBody>
-                  <a:tcPr anchor="ctr"/>
-                </a:tc>
-              </a:tr>
-              <a:tr h="370840">
-                <a:tc>
-                  <a:txBody>
-                    <a:bodyPr/>
-                    <a:lstStyle/>
-                    <a:p>
-                      <a:r>
-                        <a:rPr lang="en-US" dirty="0" smtClean="0"/>
-                        <a:t>4,426 </a:t>
-                      </a:r>
-                    </a:p>
-                    <a:p>
-                      <a:r>
-                        <a:rPr lang="en-US" dirty="0" smtClean="0"/>
-                        <a:t>(false negative)</a:t>
-                      </a:r>
-                      <a:endParaRPr lang="en-US" dirty="0"/>
-                    </a:p>
-                  </a:txBody>
-                  <a:tcPr anchor="ctr"/>
-                </a:tc>
-                <a:tc>
-                  <a:txBody>
-                    <a:bodyPr/>
-                    <a:lstStyle/>
-                    <a:p>
-                      <a:r>
-                        <a:rPr lang="en-US" dirty="0" smtClean="0">
-                          <a:solidFill>
-                            <a:srgbClr val="00B050"/>
-                          </a:solidFill>
-                        </a:rPr>
-                        <a:t>2,210 </a:t>
-                      </a:r>
-                    </a:p>
-                    <a:p>
-                      <a:r>
-                        <a:rPr lang="en-US" dirty="0" smtClean="0">
-                          <a:solidFill>
-                            <a:srgbClr val="00B050"/>
-                          </a:solidFill>
-                        </a:rPr>
-                        <a:t>(model correctly </a:t>
-                      </a:r>
-                    </a:p>
-                    <a:p>
-                      <a:r>
-                        <a:rPr lang="en-US" dirty="0" smtClean="0">
-                          <a:solidFill>
-                            <a:srgbClr val="00B050"/>
-                          </a:solidFill>
-                        </a:rPr>
-                        <a:t>predicted default)</a:t>
-                      </a:r>
-                      <a:endParaRPr lang="en-US" dirty="0">
-                        <a:solidFill>
-                          <a:srgbClr val="00B050"/>
-                        </a:solidFill>
-                      </a:endParaRPr>
-                    </a:p>
-                  </a:txBody>
-                  <a:tcPr anchor="ctr"/>
-                </a:tc>
-              </a:tr>
-            </a:tbl>
-          </a:graphicData>
-        </a:graphic>
-      </p:graphicFrame>
-      <p:sp>
-        <p:nvSpPr>
-          <p:cNvPr id="9" name="Rectangle 8"/>
-          <p:cNvSpPr/>
-          <p:nvPr/>
-        </p:nvSpPr>
-        <p:spPr>
-          <a:xfrm>
-            <a:off x="7932352" y="4692869"/>
-            <a:ext cx="3308462" cy="923330"/>
-          </a:xfrm>
-          <a:prstGeom prst="rect">
-            <a:avLst/>
-          </a:prstGeom>
-        </p:spPr>
-        <p:txBody>
-          <a:bodyPr wrap="square">
-            <a:spAutoFit/>
-          </a:bodyPr>
-          <a:lstStyle/>
-          <a:p>
-            <a:pPr lvl="1"/>
-            <a:r>
-              <a:rPr lang="en-US" i="1" dirty="0" smtClean="0">
-                <a:solidFill>
-                  <a:schemeClr val="accent1"/>
-                </a:solidFill>
-              </a:rPr>
-              <a:t>Error rate of</a:t>
-            </a:r>
-          </a:p>
-          <a:p>
-            <a:pPr lvl="1"/>
-            <a:r>
-              <a:rPr lang="en-US" i="1" dirty="0" smtClean="0">
-                <a:solidFill>
-                  <a:schemeClr val="accent1"/>
-                </a:solidFill>
-              </a:rPr>
-              <a:t>K-Nearest Neighbor model </a:t>
-            </a:r>
-          </a:p>
-          <a:p>
-            <a:pPr lvl="1"/>
-            <a:r>
-              <a:rPr lang="en-US" i="1" dirty="0">
-                <a:solidFill>
-                  <a:schemeClr val="accent1"/>
-                </a:solidFill>
-              </a:rPr>
-              <a:t>h</a:t>
-            </a:r>
-            <a:r>
-              <a:rPr lang="en-US" i="1" dirty="0" smtClean="0">
-                <a:solidFill>
-                  <a:schemeClr val="accent1"/>
-                </a:solidFill>
-              </a:rPr>
-              <a:t>ere was 18.3%</a:t>
-            </a:r>
-            <a:endParaRPr lang="en-US" i="1" dirty="0">
-              <a:solidFill>
-                <a:schemeClr val="accent1"/>
-              </a:solidFill>
-            </a:endParaRPr>
-          </a:p>
-        </p:txBody>
-      </p:sp>
-      <p:sp>
-        <p:nvSpPr>
-          <p:cNvPr id="11" name="Rectangle 10"/>
-          <p:cNvSpPr/>
-          <p:nvPr/>
-        </p:nvSpPr>
-        <p:spPr>
-          <a:xfrm>
-            <a:off x="2810182" y="5539376"/>
-            <a:ext cx="7366970" cy="830997"/>
-          </a:xfrm>
-          <a:prstGeom prst="rect">
-            <a:avLst/>
-          </a:prstGeom>
-        </p:spPr>
-        <p:txBody>
-          <a:bodyPr wrap="square">
-            <a:spAutoFit/>
-          </a:bodyPr>
-          <a:lstStyle/>
-          <a:p>
-            <a:pPr lvl="1"/>
-            <a:r>
-              <a:rPr lang="en-US" sz="2400" b="1" i="1" dirty="0" smtClean="0"/>
-              <a:t>Why is Error rate not the best measure</a:t>
-            </a:r>
-          </a:p>
-          <a:p>
-            <a:pPr lvl="1"/>
-            <a:r>
-              <a:rPr lang="en-US" sz="2400" b="1" i="1" dirty="0" smtClean="0"/>
-              <a:t> of model accuracy here?</a:t>
-            </a:r>
-            <a:endParaRPr lang="en-US" sz="2400" b="1" i="1" dirty="0"/>
-          </a:p>
-        </p:txBody>
-      </p:sp>
-      <p:sp>
-        <p:nvSpPr>
-          <p:cNvPr id="12" name="Oval 11"/>
-          <p:cNvSpPr/>
-          <p:nvPr/>
-        </p:nvSpPr>
-        <p:spPr>
-          <a:xfrm>
-            <a:off x="6248400" y="2676634"/>
-            <a:ext cx="2044700" cy="841266"/>
-          </a:xfrm>
-          <a:prstGeom prst="ellipse">
-            <a:avLst/>
-          </a:prstGeom>
-          <a:noFill/>
-          <a:ln w="38100">
-            <a:solidFill>
-              <a:srgbClr val="FF0000"/>
-            </a:solidFill>
-          </a:ln>
-        </p:spPr>
-        <p:style>
-          <a:lnRef idx="2">
-            <a:schemeClr val="accent1">
-              <a:shade val="50000"/>
-            </a:schemeClr>
-          </a:lnRef>
-          <a:fillRef idx="1">
-            <a:schemeClr val="accent1"/>
-          </a:fillRef>
-          <a:effectRef idx="0">
-            <a:schemeClr val="accent1"/>
-          </a:effectRef>
-          <a:fontRef idx="minor">
-            <a:schemeClr val="lt1"/>
-          </a:fontRef>
-        </p:style>
-        <p:txBody>
-          <a:bodyPr rtlCol="0" anchor="ctr"/>
-          <a:lstStyle/>
-          <a:p>
-            <a:pPr algn="ctr"/>
-            <a:endParaRPr lang="en-US"/>
-          </a:p>
-        </p:txBody>
-      </p:sp>
-      <p:sp>
-        <p:nvSpPr>
-          <p:cNvPr id="13" name="Rectangle 12"/>
-          <p:cNvSpPr/>
-          <p:nvPr/>
-        </p:nvSpPr>
-        <p:spPr>
-          <a:xfrm>
-            <a:off x="6493666" y="2240369"/>
-            <a:ext cx="5698334" cy="369332"/>
-          </a:xfrm>
-          <a:prstGeom prst="rect">
-            <a:avLst/>
-          </a:prstGeom>
-        </p:spPr>
-        <p:txBody>
-          <a:bodyPr wrap="square">
-            <a:spAutoFit/>
-          </a:bodyPr>
-          <a:lstStyle/>
-          <a:p>
-            <a:pPr lvl="1"/>
-            <a:r>
-              <a:rPr lang="en-US" i="1" dirty="0" smtClean="0">
-                <a:solidFill>
-                  <a:srgbClr val="FF0000"/>
-                </a:solidFill>
-              </a:rPr>
-              <a:t>*Error represents major loss from default on debt</a:t>
-            </a:r>
-            <a:endParaRPr lang="en-US" i="1" dirty="0">
-              <a:solidFill>
-                <a:srgbClr val="FF0000"/>
-              </a:solidFill>
-            </a:endParaRPr>
-          </a:p>
-        </p:txBody>
-      </p:sp>
-      <p:sp>
-        <p:nvSpPr>
-          <p:cNvPr id="14" name="Oval 13"/>
-          <p:cNvSpPr/>
-          <p:nvPr/>
-        </p:nvSpPr>
-        <p:spPr>
-          <a:xfrm>
-            <a:off x="3416300" y="3638768"/>
-            <a:ext cx="2044700" cy="841266"/>
-          </a:xfrm>
-          <a:prstGeom prst="ellipse">
-            <a:avLst/>
-          </a:prstGeom>
-          <a:noFill/>
-          <a:ln w="38100">
-            <a:solidFill>
-              <a:srgbClr val="FF0000"/>
-            </a:solidFill>
-          </a:ln>
-        </p:spPr>
-        <p:style>
-          <a:lnRef idx="2">
-            <a:schemeClr val="accent1">
-              <a:shade val="50000"/>
-            </a:schemeClr>
-          </a:lnRef>
-          <a:fillRef idx="1">
-            <a:schemeClr val="accent1"/>
-          </a:fillRef>
-          <a:effectRef idx="0">
-            <a:schemeClr val="accent1"/>
-          </a:effectRef>
-          <a:fontRef idx="minor">
-            <a:schemeClr val="lt1"/>
-          </a:fontRef>
-        </p:style>
-        <p:txBody>
-          <a:bodyPr rtlCol="0" anchor="ctr"/>
-          <a:lstStyle/>
-          <a:p>
-            <a:pPr algn="ctr"/>
-            <a:endParaRPr lang="en-US"/>
-          </a:p>
-        </p:txBody>
-      </p:sp>
-      <p:sp>
-        <p:nvSpPr>
-          <p:cNvPr id="15" name="Rectangle 14"/>
-          <p:cNvSpPr/>
-          <p:nvPr/>
-        </p:nvSpPr>
-        <p:spPr>
-          <a:xfrm>
-            <a:off x="2810182" y="4562125"/>
-            <a:ext cx="5698334" cy="369332"/>
-          </a:xfrm>
-          <a:prstGeom prst="rect">
-            <a:avLst/>
-          </a:prstGeom>
-        </p:spPr>
-        <p:txBody>
-          <a:bodyPr wrap="square">
-            <a:spAutoFit/>
-          </a:bodyPr>
-          <a:lstStyle/>
-          <a:p>
-            <a:pPr lvl="1"/>
-            <a:r>
-              <a:rPr lang="en-US" i="1" dirty="0" smtClean="0">
-                <a:solidFill>
-                  <a:srgbClr val="FF0000"/>
-                </a:solidFill>
-              </a:rPr>
-              <a:t>*Error represents minor lost revenue</a:t>
-            </a:r>
-            <a:endParaRPr lang="en-US" i="1" dirty="0">
-              <a:solidFill>
-                <a:srgbClr val="FF0000"/>
-              </a:solidFill>
-            </a:endParaRPr>
-          </a:p>
-        </p:txBody>
-      </p:sp>
-    </p:spTree>
-    <p:extLst>
-      <p:ext uri="{BB962C8B-B14F-4D97-AF65-F5344CB8AC3E}">
-        <p14:creationId xmlns:p14="http://schemas.microsoft.com/office/powerpoint/2010/main" val="1313093697"/>
-      </p:ext>
-    </p:extLst>
-  </p:cSld>
-  <p:clrMapOvr>
-    <a:masterClrMapping/>
-  </p:clrMapOvr>
-  <p:timing>
-    <p:tnLst>
-      <p:par>
-        <p:cTn id="1" dur="indefinite" restart="never" nodeType="tmRoot"/>
-      </p:par>
-    </p:tnLst>
-  </p:timing>
-</p:sld>
-</file>
-
-<file path=ppt/slides/slide5.xml><?xml version="1.0" encoding="utf-8"?>
-<p:sld xmlns:a="http://schemas.openxmlformats.org/drawingml/2006/main" xmlns:r="http://schemas.openxmlformats.org/officeDocument/2006/relationships" xmlns:p="http://schemas.openxmlformats.org/presentationml/2006/main">
-  <p:cSld>
-    <p:spTree>
-      <p:nvGrpSpPr>
-        <p:cNvPr id="1" name=""/>
-        <p:cNvGrpSpPr/>
-        <p:nvPr/>
-      </p:nvGrpSpPr>
-      <p:grpSpPr>
-        <a:xfrm>
-          <a:off x="0" y="0"/>
-          <a:ext cx="0" cy="0"/>
-          <a:chOff x="0" y="0"/>
-          <a:chExt cx="0" cy="0"/>
-        </a:xfrm>
-      </p:grpSpPr>
-      <p:sp>
-        <p:nvSpPr>
-          <p:cNvPr id="3" name="Content Placeholder 2"/>
-          <p:cNvSpPr>
-            <a:spLocks noGrp="1"/>
-          </p:cNvSpPr>
-          <p:nvPr>
-            <p:ph idx="1"/>
-          </p:nvPr>
-        </p:nvSpPr>
-        <p:spPr>
-          <a:xfrm>
-            <a:off x="1484310" y="1209470"/>
-            <a:ext cx="10018713" cy="3124201"/>
-          </a:xfrm>
-        </p:spPr>
-        <p:txBody>
-          <a:bodyPr>
-            <a:normAutofit/>
-          </a:bodyPr>
-          <a:lstStyle/>
-          <a:p>
-            <a:r>
-              <a:rPr lang="en-US" dirty="0" smtClean="0"/>
-              <a:t>Only 22% of cardholders default, so {</a:t>
-            </a:r>
-            <a:r>
-              <a:rPr lang="en-US" dirty="0" smtClean="0"/>
-              <a:t>ŷ = 0} yields similar error rate to models</a:t>
-            </a:r>
-            <a:endParaRPr lang="en-US" dirty="0" smtClean="0"/>
-          </a:p>
-          <a:p>
-            <a:r>
-              <a:rPr lang="en-US" dirty="0" smtClean="0"/>
-              <a:t>Better measures: </a:t>
-            </a:r>
-          </a:p>
-          <a:p>
-            <a:pPr lvl="1"/>
-            <a:r>
-              <a:rPr lang="en-US" dirty="0" smtClean="0"/>
-              <a:t>area </a:t>
-            </a:r>
-            <a:r>
-              <a:rPr lang="en-US" dirty="0" smtClean="0"/>
-              <a:t>ratio of lift </a:t>
-            </a:r>
-            <a:r>
-              <a:rPr lang="en-US" dirty="0" smtClean="0"/>
-              <a:t>chart / </a:t>
-            </a:r>
-            <a:r>
-              <a:rPr lang="en-US" b="1" i="1" dirty="0" smtClean="0">
-                <a:solidFill>
-                  <a:srgbClr val="00B050"/>
-                </a:solidFill>
-              </a:rPr>
-              <a:t>ROC area under curve</a:t>
-            </a:r>
-          </a:p>
-          <a:p>
-            <a:pPr lvl="1"/>
-            <a:r>
-              <a:rPr lang="en-US" dirty="0" smtClean="0"/>
-              <a:t>Sorting Smoothing Method</a:t>
+              <a:t>Did not attempt to remove features (23 is a low cardinality already)</a:t>
             </a:r>
             <a:endParaRPr lang="en-US" dirty="0" smtClean="0"/>
           </a:p>
@@ -7789,959 +6322,7 @@
           <p:cNvGraphicFramePr>
             <a:graphicFrameLocks noGrp="1"/>
           </p:cNvGraphicFramePr>
-          <p:nvPr>
-            <p:extLst>
-              <p:ext uri="{D42A27DB-BD31-4B8C-83A1-F6EECF244321}">
-                <p14:modId xmlns:p14="http://schemas.microsoft.com/office/powerpoint/2010/main" val="650805640"/>
-              </p:ext>
-            </p:extLst>
-          </p:nvPr>
-        </p:nvGraphicFramePr>
-        <p:xfrm>
-          <a:off x="1814509" y="3829051"/>
-          <a:ext cx="5177664" cy="2225040"/>
-        </p:xfrm>
-        <a:graphic>
-          <a:graphicData uri="http://schemas.openxmlformats.org/drawingml/2006/table">
-            <a:tbl>
-              <a:tblPr firstRow="1" bandRow="1">
-                <a:tableStyleId>{5C22544A-7EE6-4342-B048-85BDC9FD1C3A}</a:tableStyleId>
-              </a:tblPr>
-              <a:tblGrid>
-                <a:gridCol w="2343024"/>
-                <a:gridCol w="1417320"/>
-                <a:gridCol w="1417320"/>
-              </a:tblGrid>
-              <a:tr h="370840">
-                <a:tc>
-                  <a:txBody>
-                    <a:bodyPr/>
-                    <a:lstStyle/>
-                    <a:p>
-                      <a:r>
-                        <a:rPr lang="en-US" dirty="0" smtClean="0"/>
-                        <a:t>Model</a:t>
-                      </a:r>
-                      <a:endParaRPr lang="en-US" dirty="0"/>
-                    </a:p>
-                  </a:txBody>
-                  <a:tcPr/>
-                </a:tc>
-                <a:tc>
-                  <a:txBody>
-                    <a:bodyPr/>
-                    <a:lstStyle/>
-                    <a:p>
-                      <a:r>
-                        <a:rPr lang="en-US" dirty="0" smtClean="0"/>
-                        <a:t>Error_rate</a:t>
-                      </a:r>
-                      <a:endParaRPr lang="en-US" dirty="0"/>
-                    </a:p>
-                  </a:txBody>
-                  <a:tcPr/>
-                </a:tc>
-                <a:tc>
-                  <a:txBody>
-                    <a:bodyPr/>
-                    <a:lstStyle/>
-                    <a:p>
-                      <a:r>
-                        <a:rPr lang="en-US" dirty="0" smtClean="0"/>
-                        <a:t>ROC_AUC </a:t>
-                      </a:r>
-                      <a:endParaRPr lang="en-US" dirty="0"/>
-                    </a:p>
-                  </a:txBody>
-                  <a:tcPr/>
-                </a:tc>
-              </a:tr>
-              <a:tr h="370840">
-                <a:tc>
-                  <a:txBody>
-                    <a:bodyPr/>
-                    <a:lstStyle/>
-                    <a:p>
-                      <a:pPr marL="0" marR="0" lvl="1" indent="0" algn="l" defTabSz="457200" rtl="0" eaLnBrk="1" fontAlgn="auto" latinLnBrk="0" hangingPunct="1">
-                        <a:lnSpc>
-                          <a:spcPct val="100000"/>
-                        </a:lnSpc>
-                        <a:spcBef>
-                          <a:spcPts val="0"/>
-                        </a:spcBef>
-                        <a:spcAft>
-                          <a:spcPts val="0"/>
-                        </a:spcAft>
-                        <a:buClrTx/>
-                        <a:buSzTx/>
-                        <a:buFontTx/>
-                        <a:buNone/>
-                        <a:tabLst/>
-                        <a:defRPr/>
-                      </a:pPr>
-                      <a:r>
-                        <a:rPr lang="en-US" dirty="0" smtClean="0"/>
-                        <a:t>Classification tree</a:t>
-                      </a:r>
-                    </a:p>
-                  </a:txBody>
-                  <a:tcPr/>
-                </a:tc>
-                <a:tc>
-                  <a:txBody>
-                    <a:bodyPr/>
-                    <a:lstStyle/>
-                    <a:p>
-                      <a:r>
-                        <a:rPr lang="en-US" dirty="0" smtClean="0"/>
-                        <a:t>0%</a:t>
-                      </a:r>
-                      <a:endParaRPr lang="en-US" dirty="0"/>
-                    </a:p>
-                  </a:txBody>
-                  <a:tcPr/>
-                </a:tc>
-                <a:tc>
-                  <a:txBody>
-                    <a:bodyPr/>
-                    <a:lstStyle/>
-                    <a:p>
-                      <a:r>
-                        <a:rPr lang="en-US" dirty="0" smtClean="0"/>
-                        <a:t>100%</a:t>
-                      </a:r>
-                      <a:endParaRPr lang="en-US" dirty="0"/>
-                    </a:p>
-                  </a:txBody>
-                  <a:tcPr/>
-                </a:tc>
-              </a:tr>
-              <a:tr h="370840">
-                <a:tc>
-                  <a:txBody>
-                    <a:bodyPr/>
-                    <a:lstStyle/>
-                    <a:p>
-                      <a:r>
-                        <a:rPr lang="en-US" dirty="0" smtClean="0"/>
-                        <a:t>K-Nearest</a:t>
-                      </a:r>
-                      <a:r>
-                        <a:rPr lang="en-US" baseline="0" dirty="0" smtClean="0"/>
-                        <a:t> Neighbor</a:t>
-                      </a:r>
-                      <a:endParaRPr lang="en-US" dirty="0"/>
-                    </a:p>
-                  </a:txBody>
-                  <a:tcPr/>
-                </a:tc>
-                <a:tc>
-                  <a:txBody>
-                    <a:bodyPr/>
-                    <a:lstStyle/>
-                    <a:p>
-                      <a:r>
-                        <a:rPr lang="en-US" dirty="0" smtClean="0"/>
-                        <a:t>18.3%</a:t>
-                      </a:r>
-                      <a:endParaRPr lang="en-US" dirty="0"/>
-                    </a:p>
-                  </a:txBody>
-                  <a:tcPr/>
-                </a:tc>
-                <a:tc>
-                  <a:txBody>
-                    <a:bodyPr/>
-                    <a:lstStyle/>
-                    <a:p>
-                      <a:r>
-                        <a:rPr lang="en-US" dirty="0" smtClean="0"/>
-                        <a:t>84%</a:t>
-                      </a:r>
-                      <a:endParaRPr lang="en-US" dirty="0"/>
-                    </a:p>
-                  </a:txBody>
-                  <a:tcPr/>
-                </a:tc>
-              </a:tr>
-              <a:tr h="370840">
-                <a:tc>
-                  <a:txBody>
-                    <a:bodyPr/>
-                    <a:lstStyle/>
-                    <a:p>
-                      <a:pPr marL="0" marR="0" lvl="1" indent="0" algn="l" defTabSz="457200" rtl="0" eaLnBrk="1" fontAlgn="auto" latinLnBrk="0" hangingPunct="1">
-                        <a:lnSpc>
-                          <a:spcPct val="100000"/>
-                        </a:lnSpc>
-                        <a:spcBef>
-                          <a:spcPts val="0"/>
-                        </a:spcBef>
-                        <a:spcAft>
-                          <a:spcPts val="0"/>
-                        </a:spcAft>
-                        <a:buClrTx/>
-                        <a:buSzTx/>
-                        <a:buFontTx/>
-                        <a:buNone/>
-                        <a:tabLst/>
-                        <a:defRPr/>
-                      </a:pPr>
-                      <a:r>
-                        <a:rPr lang="en-US" dirty="0" smtClean="0"/>
-                        <a:t>Naïve Bayesian</a:t>
-                      </a:r>
-                    </a:p>
-                  </a:txBody>
-                  <a:tcPr/>
-                </a:tc>
-                <a:tc>
-                  <a:txBody>
-                    <a:bodyPr/>
-                    <a:lstStyle/>
-                    <a:p>
-                      <a:r>
-                        <a:rPr lang="en-US" dirty="0" smtClean="0"/>
-                        <a:t>23.0%</a:t>
-                      </a:r>
-                      <a:endParaRPr lang="en-US" dirty="0"/>
-                    </a:p>
-                  </a:txBody>
-                  <a:tcPr/>
-                </a:tc>
-                <a:tc>
-                  <a:txBody>
-                    <a:bodyPr/>
-                    <a:lstStyle/>
-                    <a:p>
-                      <a:r>
-                        <a:rPr lang="en-US" dirty="0" smtClean="0"/>
-                        <a:t>74%</a:t>
-                      </a:r>
-                      <a:endParaRPr lang="en-US" dirty="0"/>
-                    </a:p>
-                  </a:txBody>
-                  <a:tcPr/>
-                </a:tc>
-              </a:tr>
-              <a:tr h="370840">
-                <a:tc>
-                  <a:txBody>
-                    <a:bodyPr/>
-                    <a:lstStyle/>
-                    <a:p>
-                      <a:pPr marL="0" marR="0" lvl="1" indent="0" algn="l" defTabSz="457200" rtl="0" eaLnBrk="1" fontAlgn="auto" latinLnBrk="0" hangingPunct="1">
-                        <a:lnSpc>
-                          <a:spcPct val="100000"/>
-                        </a:lnSpc>
-                        <a:spcBef>
-                          <a:spcPts val="0"/>
-                        </a:spcBef>
-                        <a:spcAft>
-                          <a:spcPts val="0"/>
-                        </a:spcAft>
-                        <a:buClrTx/>
-                        <a:buSzTx/>
-                        <a:buFontTx/>
-                        <a:buNone/>
-                        <a:tabLst/>
-                        <a:defRPr/>
-                      </a:pPr>
-                      <a:r>
-                        <a:rPr lang="en-US" dirty="0" smtClean="0"/>
-                        <a:t>Discriminant analysis</a:t>
-                      </a:r>
-                    </a:p>
-                  </a:txBody>
-                  <a:tcPr/>
-                </a:tc>
-                <a:tc>
-                  <a:txBody>
-                    <a:bodyPr/>
-                    <a:lstStyle/>
-                    <a:p>
-                      <a:r>
-                        <a:rPr lang="en-US" dirty="0" smtClean="0"/>
-                        <a:t>18.8%</a:t>
-                      </a:r>
-                      <a:endParaRPr lang="en-US" dirty="0"/>
-                    </a:p>
-                  </a:txBody>
-                  <a:tcPr/>
-                </a:tc>
-                <a:tc>
-                  <a:txBody>
-                    <a:bodyPr/>
-                    <a:lstStyle/>
-                    <a:p>
-                      <a:r>
-                        <a:rPr lang="en-US" dirty="0" smtClean="0"/>
-                        <a:t>72%</a:t>
-                      </a:r>
-                      <a:endParaRPr lang="en-US" dirty="0"/>
-                    </a:p>
-                  </a:txBody>
-                  <a:tcPr/>
-                </a:tc>
-              </a:tr>
-              <a:tr h="370840">
-                <a:tc>
-                  <a:txBody>
-                    <a:bodyPr/>
-                    <a:lstStyle/>
-                    <a:p>
-                      <a:pPr marL="0" marR="0" lvl="1" indent="0" algn="l" defTabSz="457200" rtl="0" eaLnBrk="1" fontAlgn="auto" latinLnBrk="0" hangingPunct="1">
-                        <a:lnSpc>
-                          <a:spcPct val="100000"/>
-                        </a:lnSpc>
-                        <a:spcBef>
-                          <a:spcPts val="0"/>
-                        </a:spcBef>
-                        <a:spcAft>
-                          <a:spcPts val="0"/>
-                        </a:spcAft>
-                        <a:buClrTx/>
-                        <a:buSzTx/>
-                        <a:buFontTx/>
-                        <a:buNone/>
-                        <a:tabLst/>
-                        <a:defRPr/>
-                      </a:pPr>
-                      <a:r>
-                        <a:rPr lang="en-US" dirty="0" smtClean="0"/>
-                        <a:t>Logistic</a:t>
-                      </a:r>
-                      <a:r>
-                        <a:rPr lang="en-US" baseline="0" dirty="0" smtClean="0"/>
-                        <a:t> Regression</a:t>
-                      </a:r>
-                      <a:endParaRPr lang="en-US" dirty="0" smtClean="0"/>
-                    </a:p>
-                  </a:txBody>
-                  <a:tcPr/>
-                </a:tc>
-                <a:tc>
-                  <a:txBody>
-                    <a:bodyPr/>
-                    <a:lstStyle/>
-                    <a:p>
-                      <a:r>
-                        <a:rPr lang="en-US" dirty="0" smtClean="0"/>
-                        <a:t>22.1%</a:t>
-                      </a:r>
-                      <a:endParaRPr lang="en-US" dirty="0"/>
-                    </a:p>
-                  </a:txBody>
-                  <a:tcPr/>
-                </a:tc>
-                <a:tc>
-                  <a:txBody>
-                    <a:bodyPr/>
-                    <a:lstStyle/>
-                    <a:p>
-                      <a:r>
-                        <a:rPr lang="en-US" dirty="0" smtClean="0"/>
-                        <a:t>65%</a:t>
-                      </a:r>
-                      <a:endParaRPr lang="en-US" dirty="0"/>
-                    </a:p>
-                  </a:txBody>
-                  <a:tcPr/>
-                </a:tc>
-              </a:tr>
-            </a:tbl>
-          </a:graphicData>
-        </a:graphic>
-      </p:graphicFrame>
-      <p:sp>
-        <p:nvSpPr>
-          <p:cNvPr id="5" name="Oval 4"/>
-          <p:cNvSpPr/>
           <p:nvPr/>
-        </p:nvSpPr>
-        <p:spPr>
-          <a:xfrm>
-            <a:off x="5384114" y="4150153"/>
-            <a:ext cx="1075037" cy="1959638"/>
-          </a:xfrm>
-          <a:prstGeom prst="ellipse">
-            <a:avLst/>
-          </a:prstGeom>
-          <a:noFill/>
-          <a:ln w="38100">
-            <a:solidFill>
-              <a:srgbClr val="00B050"/>
-            </a:solidFill>
-          </a:ln>
-        </p:spPr>
-        <p:style>
-          <a:lnRef idx="2">
-            <a:schemeClr val="accent1">
-              <a:shade val="50000"/>
-            </a:schemeClr>
-          </a:lnRef>
-          <a:fillRef idx="1">
-            <a:schemeClr val="accent1"/>
-          </a:fillRef>
-          <a:effectRef idx="0">
-            <a:schemeClr val="accent1"/>
-          </a:effectRef>
-          <a:fontRef idx="minor">
-            <a:schemeClr val="lt1"/>
-          </a:fontRef>
-        </p:style>
-        <p:txBody>
-          <a:bodyPr rtlCol="0" anchor="ctr"/>
-          <a:lstStyle/>
-          <a:p>
-            <a:pPr algn="ctr"/>
-            <a:endParaRPr lang="en-US">
-              <a:solidFill>
-                <a:schemeClr val="accent2"/>
-              </a:solidFill>
-            </a:endParaRPr>
-          </a:p>
-        </p:txBody>
-      </p:sp>
-      <p:sp>
-        <p:nvSpPr>
-          <p:cNvPr id="6" name="Rectangle 5"/>
-          <p:cNvSpPr/>
-          <p:nvPr/>
-        </p:nvSpPr>
-        <p:spPr>
-          <a:xfrm>
-            <a:off x="4630281" y="6171641"/>
-            <a:ext cx="2703622" cy="646331"/>
-          </a:xfrm>
-          <a:prstGeom prst="rect">
-            <a:avLst/>
-          </a:prstGeom>
-        </p:spPr>
-        <p:txBody>
-          <a:bodyPr wrap="square">
-            <a:spAutoFit/>
-          </a:bodyPr>
-          <a:lstStyle/>
-          <a:p>
-            <a:pPr lvl="1"/>
-            <a:r>
-              <a:rPr lang="en-US" b="1" i="1" dirty="0" smtClean="0">
-                <a:solidFill>
-                  <a:srgbClr val="00B050"/>
-                </a:solidFill>
-              </a:rPr>
-              <a:t>Better measure of model accuracy -&gt;</a:t>
-            </a:r>
-            <a:endParaRPr lang="en-US" b="1" i="1" dirty="0">
-              <a:solidFill>
-                <a:srgbClr val="00B050"/>
-              </a:solidFill>
-            </a:endParaRPr>
-          </a:p>
-        </p:txBody>
-      </p:sp>
-      <p:pic>
-        <p:nvPicPr>
-          <p:cNvPr id="7" name="Picture 6"/>
-          <p:cNvPicPr>
-            <a:picLocks noChangeAspect="1"/>
-          </p:cNvPicPr>
-          <p:nvPr/>
-        </p:nvPicPr>
-        <p:blipFill>
-          <a:blip r:embed="rId2">
-            <a:extLst>
-              <a:ext uri="{28A0092B-C50C-407E-A947-70E740481C1C}">
-                <a14:useLocalDpi xmlns:a14="http://schemas.microsoft.com/office/drawing/2010/main" val="0"/>
-              </a:ext>
-            </a:extLst>
-          </a:blip>
-          <a:stretch>
-            <a:fillRect/>
-          </a:stretch>
-        </p:blipFill>
-        <p:spPr>
-          <a:xfrm>
-            <a:off x="7117492" y="2977977"/>
-            <a:ext cx="5058033" cy="3793525"/>
-          </a:xfrm>
-          <a:prstGeom prst="rect">
-            <a:avLst/>
-          </a:prstGeom>
-        </p:spPr>
-      </p:pic>
-      <p:sp>
-        <p:nvSpPr>
-          <p:cNvPr id="9" name="Title 8"/>
-          <p:cNvSpPr>
-            <a:spLocks noGrp="1"/>
-          </p:cNvSpPr>
-          <p:nvPr>
-            <p:ph type="title"/>
-          </p:nvPr>
-        </p:nvSpPr>
-        <p:spPr/>
-        <p:txBody>
-          <a:bodyPr/>
-          <a:lstStyle/>
-          <a:p>
-            <a:r>
-              <a:rPr lang="en-US" dirty="0" smtClean="0"/>
-              <a:t>Model Accuracy</a:t>
-            </a:r>
-            <a:endParaRPr lang="en-US" dirty="0"/>
-          </a:p>
-        </p:txBody>
-      </p:sp>
-    </p:spTree>
-    <p:extLst>
-      <p:ext uri="{BB962C8B-B14F-4D97-AF65-F5344CB8AC3E}">
-        <p14:creationId xmlns:p14="http://schemas.microsoft.com/office/powerpoint/2010/main" val="1252872857"/>
-      </p:ext>
-    </p:extLst>
-  </p:cSld>
-  <p:clrMapOvr>
-    <a:masterClrMapping/>
-  </p:clrMapOvr>
-  <mc:AlternateContent xmlns:mc="http://schemas.openxmlformats.org/markup-compatibility/2006">
-    <mc:Choice xmlns:p14="http://schemas.microsoft.com/office/powerpoint/2010/main" Requires="p14">
-      <p:transition p14:dur="0"/>
-    </mc:Choice>
-    <mc:Fallback>
-      <p:transition/>
-    </mc:Fallback>
-  </mc:AlternateContent>
-  <p:timing>
-    <p:tnLst>
-      <p:par>
-        <p:cTn id="1" dur="indefinite" restart="never" nodeType="tmRoot"/>
-      </p:par>
-    </p:tnLst>
-  </p:timing>
-</p:sld>
-</file>
-
-<file path=ppt/slides/slide6.xml><?xml version="1.0" encoding="utf-8"?>
-<p:sld xmlns:a="http://schemas.openxmlformats.org/drawingml/2006/main" xmlns:r="http://schemas.openxmlformats.org/officeDocument/2006/relationships" xmlns:p="http://schemas.openxmlformats.org/presentationml/2006/main">
-  <p:cSld>
-    <p:spTree>
-      <p:nvGrpSpPr>
-        <p:cNvPr id="1" name=""/>
-        <p:cNvGrpSpPr/>
-        <p:nvPr/>
-      </p:nvGrpSpPr>
-      <p:grpSpPr>
-        <a:xfrm>
-          <a:off x="0" y="0"/>
-          <a:ext cx="0" cy="0"/>
-          <a:chOff x="0" y="0"/>
-          <a:chExt cx="0" cy="0"/>
-        </a:xfrm>
-      </p:grpSpPr>
-      <p:sp>
-        <p:nvSpPr>
-          <p:cNvPr id="2" name="Title 1"/>
-          <p:cNvSpPr>
-            <a:spLocks noGrp="1"/>
-          </p:cNvSpPr>
-          <p:nvPr>
-            <p:ph type="title"/>
-          </p:nvPr>
-        </p:nvSpPr>
-        <p:spPr/>
-        <p:txBody>
-          <a:bodyPr/>
-          <a:lstStyle/>
-          <a:p>
-            <a:r>
-              <a:rPr lang="en-US" dirty="0" smtClean="0"/>
-              <a:t>Baseline Methods</a:t>
-            </a:r>
-            <a:endParaRPr lang="en-US" dirty="0"/>
-          </a:p>
-        </p:txBody>
-      </p:sp>
-      <p:sp>
-        <p:nvSpPr>
-          <p:cNvPr id="3" name="Content Placeholder 2"/>
-          <p:cNvSpPr>
-            <a:spLocks noGrp="1"/>
-          </p:cNvSpPr>
-          <p:nvPr>
-            <p:ph idx="1"/>
-          </p:nvPr>
-        </p:nvSpPr>
-        <p:spPr/>
-        <p:txBody>
-          <a:bodyPr>
-            <a:normAutofit fontScale="92500" lnSpcReduction="20000"/>
-          </a:bodyPr>
-          <a:lstStyle/>
-          <a:p>
-            <a:r>
-              <a:rPr lang="en-US" dirty="0"/>
-              <a:t>Data split into 2 groups, model training and validation</a:t>
-            </a:r>
-          </a:p>
-          <a:p>
-            <a:r>
-              <a:rPr lang="en-US" dirty="0" smtClean="0"/>
-              <a:t>Techniques</a:t>
-            </a:r>
-          </a:p>
-          <a:p>
-            <a:pPr lvl="1"/>
-            <a:r>
-              <a:rPr lang="en-US" dirty="0" smtClean="0"/>
-              <a:t>K-nearest neighbor</a:t>
-            </a:r>
-          </a:p>
-          <a:p>
-            <a:pPr lvl="1"/>
-            <a:r>
-              <a:rPr lang="en-US" dirty="0" smtClean="0"/>
-              <a:t>Logistic regression</a:t>
-            </a:r>
-          </a:p>
-          <a:p>
-            <a:pPr lvl="1"/>
-            <a:r>
-              <a:rPr lang="en-US" dirty="0" smtClean="0"/>
-              <a:t>Discriminant analysis</a:t>
-            </a:r>
-          </a:p>
-          <a:p>
-            <a:pPr lvl="1"/>
-            <a:r>
-              <a:rPr lang="en-US" dirty="0" smtClean="0"/>
-              <a:t>Naïve Bayesian</a:t>
-            </a:r>
-          </a:p>
-          <a:p>
-            <a:pPr lvl="1"/>
-            <a:r>
-              <a:rPr lang="en-US" dirty="0" smtClean="0"/>
-              <a:t>Neural </a:t>
-            </a:r>
-            <a:r>
-              <a:rPr lang="en-US" dirty="0" smtClean="0"/>
-              <a:t>networks</a:t>
-            </a:r>
-            <a:endParaRPr lang="en-US" dirty="0" smtClean="0"/>
-          </a:p>
-          <a:p>
-            <a:pPr lvl="1"/>
-            <a:r>
-              <a:rPr lang="en-US" dirty="0" smtClean="0"/>
-              <a:t>Classification tree</a:t>
-            </a:r>
-            <a:endParaRPr lang="en-US" dirty="0"/>
-          </a:p>
-        </p:txBody>
-      </p:sp>
-    </p:spTree>
-    <p:extLst>
-      <p:ext uri="{BB962C8B-B14F-4D97-AF65-F5344CB8AC3E}">
-        <p14:creationId xmlns:p14="http://schemas.microsoft.com/office/powerpoint/2010/main" val="1332911498"/>
-      </p:ext>
-    </p:extLst>
-  </p:cSld>
-  <p:clrMapOvr>
-    <a:masterClrMapping/>
-  </p:clrMapOvr>
-  <p:timing>
-    <p:tnLst>
-      <p:par>
-        <p:cTn id="1" dur="indefinite" restart="never" nodeType="tmRoot"/>
-      </p:par>
-    </p:tnLst>
-  </p:timing>
-</p:sld>
-</file>
-
-<file path=ppt/slides/slide7.xml><?xml version="1.0" encoding="utf-8"?>
-<p:sld xmlns:a="http://schemas.openxmlformats.org/drawingml/2006/main" xmlns:r="http://schemas.openxmlformats.org/officeDocument/2006/relationships" xmlns:p="http://schemas.openxmlformats.org/presentationml/2006/main">
-  <p:cSld>
-    <p:spTree>
-      <p:nvGrpSpPr>
-        <p:cNvPr id="1" name=""/>
-        <p:cNvGrpSpPr/>
-        <p:nvPr/>
-      </p:nvGrpSpPr>
-      <p:grpSpPr>
-        <a:xfrm>
-          <a:off x="0" y="0"/>
-          <a:ext cx="0" cy="0"/>
-          <a:chOff x="0" y="0"/>
-          <a:chExt cx="0" cy="0"/>
-        </a:xfrm>
-      </p:grpSpPr>
-      <p:sp>
-        <p:nvSpPr>
-          <p:cNvPr id="2" name="Title 1"/>
-          <p:cNvSpPr>
-            <a:spLocks noGrp="1"/>
-          </p:cNvSpPr>
-          <p:nvPr>
-            <p:ph type="title"/>
-          </p:nvPr>
-        </p:nvSpPr>
-        <p:spPr/>
-        <p:txBody>
-          <a:bodyPr/>
-          <a:lstStyle/>
-          <a:p>
-            <a:r>
-              <a:rPr lang="en-US" dirty="0" smtClean="0"/>
-              <a:t>Improvements Attempted</a:t>
-            </a:r>
-            <a:endParaRPr lang="en-US" dirty="0"/>
-          </a:p>
-        </p:txBody>
-      </p:sp>
-      <p:sp>
-        <p:nvSpPr>
-          <p:cNvPr id="3" name="Content Placeholder 2"/>
-          <p:cNvSpPr>
-            <a:spLocks noGrp="1"/>
-          </p:cNvSpPr>
-          <p:nvPr>
-            <p:ph idx="1"/>
-          </p:nvPr>
-        </p:nvSpPr>
-        <p:spPr/>
-        <p:txBody>
-          <a:bodyPr>
-            <a:normAutofit/>
-          </a:bodyPr>
-          <a:lstStyle/>
-          <a:p>
-            <a:pPr>
-              <a:buFont typeface="Arial" charset="0"/>
-              <a:buChar char="•"/>
-            </a:pPr>
-            <a:r>
-              <a:rPr lang="en-US" dirty="0"/>
-              <a:t>Feature </a:t>
-            </a:r>
-            <a:r>
-              <a:rPr lang="en-US" dirty="0" smtClean="0"/>
-              <a:t>selection</a:t>
-            </a:r>
-            <a:endParaRPr lang="en-US" dirty="0" smtClean="0"/>
-          </a:p>
-          <a:p>
-            <a:r>
-              <a:rPr lang="en-US" dirty="0" smtClean="0"/>
-              <a:t>10-fold cross validation </a:t>
-            </a:r>
-            <a:endParaRPr lang="en-US" dirty="0" smtClean="0"/>
-          </a:p>
-          <a:p>
-            <a:r>
-              <a:rPr lang="en-US" dirty="0" smtClean="0"/>
-              <a:t>PCA </a:t>
-            </a:r>
-            <a:r>
-              <a:rPr lang="en-US" dirty="0" smtClean="0"/>
-              <a:t>w/ Random </a:t>
-            </a:r>
-            <a:r>
-              <a:rPr lang="en-US" dirty="0" smtClean="0"/>
-              <a:t>forest</a:t>
-            </a:r>
-            <a:endParaRPr lang="en-US" dirty="0" smtClean="0"/>
-          </a:p>
-        </p:txBody>
-      </p:sp>
-    </p:spTree>
-    <p:extLst>
-      <p:ext uri="{BB962C8B-B14F-4D97-AF65-F5344CB8AC3E}">
-        <p14:creationId xmlns:p14="http://schemas.microsoft.com/office/powerpoint/2010/main" val="1726699464"/>
-      </p:ext>
-    </p:extLst>
-  </p:cSld>
-  <p:clrMapOvr>
-    <a:masterClrMapping/>
-  </p:clrMapOvr>
-  <p:timing>
-    <p:tnLst>
-      <p:par>
-        <p:cTn id="1" dur="indefinite" restart="never" nodeType="tmRoot"/>
-      </p:par>
-    </p:tnLst>
-  </p:timing>
-</p:sld>
-</file>
-
-<file path=ppt/slides/slide8.xml><?xml version="1.0" encoding="utf-8"?>
-<p:sld xmlns:a="http://schemas.openxmlformats.org/drawingml/2006/main" xmlns:r="http://schemas.openxmlformats.org/officeDocument/2006/relationships" xmlns:p="http://schemas.openxmlformats.org/presentationml/2006/main">
-  <p:cSld>
-    <p:spTree>
-      <p:nvGrpSpPr>
-        <p:cNvPr id="1" name=""/>
-        <p:cNvGrpSpPr/>
-        <p:nvPr/>
-      </p:nvGrpSpPr>
-      <p:grpSpPr>
-        <a:xfrm>
-          <a:off x="0" y="0"/>
-          <a:ext cx="0" cy="0"/>
-          <a:chOff x="0" y="0"/>
-          <a:chExt cx="0" cy="0"/>
-        </a:xfrm>
-      </p:grpSpPr>
-      <p:sp>
-        <p:nvSpPr>
-          <p:cNvPr id="2" name="Title 1"/>
-          <p:cNvSpPr>
-            <a:spLocks noGrp="1"/>
-          </p:cNvSpPr>
-          <p:nvPr>
-            <p:ph type="title"/>
-          </p:nvPr>
-        </p:nvSpPr>
-        <p:spPr/>
-        <p:txBody>
-          <a:bodyPr/>
-          <a:lstStyle/>
-          <a:p>
-            <a:r>
-              <a:rPr lang="en-US" dirty="0"/>
-              <a:t>Experiment: Feature </a:t>
-            </a:r>
-            <a:r>
-              <a:rPr lang="en-US" dirty="0" smtClean="0"/>
-              <a:t>Selection</a:t>
-            </a:r>
-            <a:endParaRPr lang="en-US" dirty="0"/>
-          </a:p>
-        </p:txBody>
-      </p:sp>
-      <p:sp>
-        <p:nvSpPr>
-          <p:cNvPr id="3" name="Content Placeholder 2"/>
-          <p:cNvSpPr>
-            <a:spLocks noGrp="1"/>
-          </p:cNvSpPr>
-          <p:nvPr>
-            <p:ph idx="1"/>
-          </p:nvPr>
-        </p:nvSpPr>
-        <p:spPr>
-          <a:xfrm>
-            <a:off x="1484310" y="3047999"/>
-            <a:ext cx="10018713" cy="3124201"/>
-          </a:xfrm>
-        </p:spPr>
-        <p:txBody>
-          <a:bodyPr>
-            <a:normAutofit/>
-          </a:bodyPr>
-          <a:lstStyle/>
-          <a:p>
-            <a:endParaRPr lang="en-US" dirty="0" smtClean="0"/>
-          </a:p>
-          <a:p>
-            <a:r>
-              <a:rPr lang="en-US" dirty="0" smtClean="0"/>
-              <a:t>A key credit-worthiness metric:</a:t>
-            </a:r>
-          </a:p>
-          <a:p>
-            <a:pPr lvl="1"/>
-            <a:r>
-              <a:rPr lang="en-US" dirty="0" smtClean="0"/>
-              <a:t>Current balance </a:t>
-            </a:r>
-            <a:r>
-              <a:rPr lang="en-US" dirty="0" smtClean="0">
-                <a:solidFill>
-                  <a:schemeClr val="accent1"/>
-                </a:solidFill>
-              </a:rPr>
-              <a:t>(X18)</a:t>
-            </a:r>
-            <a:r>
-              <a:rPr lang="en-US" dirty="0" smtClean="0"/>
-              <a:t> / total credit </a:t>
-            </a:r>
-            <a:r>
-              <a:rPr lang="en-US" dirty="0" smtClean="0">
-                <a:solidFill>
-                  <a:schemeClr val="accent1"/>
-                </a:solidFill>
-              </a:rPr>
-              <a:t>(X1) </a:t>
-            </a:r>
-          </a:p>
-          <a:p>
-            <a:r>
-              <a:rPr lang="en-US" dirty="0" smtClean="0"/>
-              <a:t>Added this explanatory variable for two months as </a:t>
-            </a:r>
-            <a:r>
-              <a:rPr lang="en-US" dirty="0" smtClean="0">
-                <a:solidFill>
-                  <a:schemeClr val="accent1"/>
-                </a:solidFill>
-              </a:rPr>
-              <a:t>X24 </a:t>
-            </a:r>
-            <a:r>
-              <a:rPr lang="en-US" dirty="0" smtClean="0"/>
-              <a:t>and </a:t>
-            </a:r>
-            <a:r>
-              <a:rPr lang="en-US" dirty="0" smtClean="0">
-                <a:solidFill>
-                  <a:schemeClr val="accent1"/>
-                </a:solidFill>
-              </a:rPr>
-              <a:t>X25</a:t>
-            </a:r>
-          </a:p>
-          <a:p>
-            <a:r>
-              <a:rPr lang="en-US" dirty="0" smtClean="0"/>
-              <a:t>However, this resulted in </a:t>
-            </a:r>
-            <a:r>
-              <a:rPr lang="en-US" dirty="0" smtClean="0">
-                <a:solidFill>
-                  <a:srgbClr val="FF0000"/>
-                </a:solidFill>
-              </a:rPr>
-              <a:t>no improvement </a:t>
-            </a:r>
-            <a:r>
-              <a:rPr lang="en-US" dirty="0" smtClean="0"/>
-              <a:t>to accuracy of models</a:t>
-            </a:r>
-          </a:p>
-          <a:p>
-            <a:r>
-              <a:rPr lang="en-US" dirty="0" smtClean="0"/>
-              <a:t>Did not attempt to remove features (23 is a low cardinality already)</a:t>
-            </a:r>
-            <a:endParaRPr lang="en-US" dirty="0" smtClean="0"/>
-          </a:p>
-        </p:txBody>
-      </p:sp>
-      <p:graphicFrame>
-        <p:nvGraphicFramePr>
-          <p:cNvPr id="4" name="Table 3"/>
-          <p:cNvGraphicFramePr>
-            <a:graphicFrameLocks noGrp="1"/>
-          </p:cNvGraphicFramePr>
-          <p:nvPr>
-            <p:extLst>
-              <p:ext uri="{D42A27DB-BD31-4B8C-83A1-F6EECF244321}">
-                <p14:modId xmlns:p14="http://schemas.microsoft.com/office/powerpoint/2010/main" val="1156471966"/>
-              </p:ext>
-            </p:extLst>
-          </p:nvPr>
         </p:nvGraphicFramePr>
         <p:xfrm>
           <a:off x="6869106" y="2012951"/>
@@ -9113,7 +6694,2700 @@
     </p:spTree>
     <p:extLst>
       <p:ext uri="{BB962C8B-B14F-4D97-AF65-F5344CB8AC3E}">
-        <p14:creationId xmlns:p14="http://schemas.microsoft.com/office/powerpoint/2010/main" val="941982666"/>
+        <p14:creationId xmlns:p14="http://schemas.microsoft.com/office/powerpoint/2010/main" val="901033499"/>
+      </p:ext>
+    </p:extLst>
+  </p:cSld>
+  <p:clrMapOvr>
+    <a:masterClrMapping/>
+  </p:clrMapOvr>
+  <p:timing>
+    <p:tnLst>
+      <p:par>
+        <p:cTn id="1" dur="indefinite" restart="never" nodeType="tmRoot"/>
+      </p:par>
+    </p:tnLst>
+  </p:timing>
+</p:sld>
+</file>
+
+<file path=ppt/slides/slide11.xml><?xml version="1.0" encoding="utf-8"?>
+<p:sld xmlns:a="http://schemas.openxmlformats.org/drawingml/2006/main" xmlns:r="http://schemas.openxmlformats.org/officeDocument/2006/relationships" xmlns:p="http://schemas.openxmlformats.org/presentationml/2006/main">
+  <p:cSld>
+    <p:spTree>
+      <p:nvGrpSpPr>
+        <p:cNvPr id="1" name=""/>
+        <p:cNvGrpSpPr/>
+        <p:nvPr/>
+      </p:nvGrpSpPr>
+      <p:grpSpPr>
+        <a:xfrm>
+          <a:off x="0" y="0"/>
+          <a:ext cx="0" cy="0"/>
+          <a:chOff x="0" y="0"/>
+          <a:chExt cx="0" cy="0"/>
+        </a:xfrm>
+      </p:grpSpPr>
+      <p:sp>
+        <p:nvSpPr>
+          <p:cNvPr id="2" name="Title 1"/>
+          <p:cNvSpPr>
+            <a:spLocks noGrp="1"/>
+          </p:cNvSpPr>
+          <p:nvPr>
+            <p:ph type="title"/>
+          </p:nvPr>
+        </p:nvSpPr>
+        <p:spPr/>
+        <p:txBody>
+          <a:bodyPr/>
+          <a:lstStyle/>
+          <a:p>
+            <a:r>
+              <a:rPr lang="en-US" dirty="0"/>
+              <a:t>Experiment: </a:t>
+            </a:r>
+            <a:r>
+              <a:rPr lang="en-US" dirty="0" smtClean="0"/>
+              <a:t>10-fold cross validation</a:t>
+            </a:r>
+            <a:endParaRPr lang="en-US" dirty="0"/>
+          </a:p>
+        </p:txBody>
+      </p:sp>
+      <p:sp>
+        <p:nvSpPr>
+          <p:cNvPr id="3" name="Content Placeholder 2"/>
+          <p:cNvSpPr>
+            <a:spLocks noGrp="1"/>
+          </p:cNvSpPr>
+          <p:nvPr>
+            <p:ph idx="1"/>
+          </p:nvPr>
+        </p:nvSpPr>
+        <p:spPr>
+          <a:xfrm>
+            <a:off x="1484310" y="3047999"/>
+            <a:ext cx="10018713" cy="3124201"/>
+          </a:xfrm>
+        </p:spPr>
+        <p:txBody>
+          <a:bodyPr>
+            <a:normAutofit/>
+          </a:bodyPr>
+          <a:lstStyle/>
+          <a:p>
+            <a:r>
+              <a:rPr lang="en-US" dirty="0" smtClean="0"/>
+              <a:t>10-fold cross validation</a:t>
+            </a:r>
+            <a:r>
+              <a:rPr lang="en-US" dirty="0" smtClean="0">
+                <a:solidFill>
+                  <a:srgbClr val="00B050"/>
+                </a:solidFill>
+              </a:rPr>
+              <a:t> improved </a:t>
+            </a:r>
+            <a:r>
+              <a:rPr lang="en-US" dirty="0" smtClean="0"/>
+              <a:t>error rates by </a:t>
+            </a:r>
+            <a:r>
+              <a:rPr lang="en-US" dirty="0" smtClean="0">
+                <a:solidFill>
+                  <a:srgbClr val="00B050"/>
+                </a:solidFill>
+              </a:rPr>
+              <a:t>200bp </a:t>
+            </a:r>
+            <a:r>
+              <a:rPr lang="en-US" dirty="0" smtClean="0"/>
+              <a:t>over 50/50 split</a:t>
+            </a:r>
+            <a:endParaRPr lang="en-US" dirty="0" smtClean="0">
+              <a:solidFill>
+                <a:srgbClr val="00B050"/>
+              </a:solidFill>
+            </a:endParaRPr>
+          </a:p>
+          <a:p>
+            <a:r>
+              <a:rPr lang="en-US" dirty="0" smtClean="0"/>
+              <a:t>[]</a:t>
+            </a:r>
+          </a:p>
+          <a:p>
+            <a:r>
+              <a:rPr lang="en-US" dirty="0" smtClean="0"/>
+              <a:t>[]</a:t>
+            </a:r>
+          </a:p>
+          <a:p>
+            <a:r>
+              <a:rPr lang="en-US" dirty="0" smtClean="0"/>
+              <a:t>[]</a:t>
+            </a:r>
+            <a:endParaRPr lang="en-US" dirty="0" smtClean="0"/>
+          </a:p>
+        </p:txBody>
+      </p:sp>
+    </p:spTree>
+    <p:extLst>
+      <p:ext uri="{BB962C8B-B14F-4D97-AF65-F5344CB8AC3E}">
+        <p14:creationId xmlns:p14="http://schemas.microsoft.com/office/powerpoint/2010/main" val="1010262402"/>
+      </p:ext>
+    </p:extLst>
+  </p:cSld>
+  <p:clrMapOvr>
+    <a:masterClrMapping/>
+  </p:clrMapOvr>
+  <p:timing>
+    <p:tnLst>
+      <p:par>
+        <p:cTn id="1" dur="indefinite" restart="never" nodeType="tmRoot"/>
+      </p:par>
+    </p:tnLst>
+  </p:timing>
+</p:sld>
+</file>
+
+<file path=ppt/slides/slide12.xml><?xml version="1.0" encoding="utf-8"?>
+<p:sld xmlns:a="http://schemas.openxmlformats.org/drawingml/2006/main" xmlns:r="http://schemas.openxmlformats.org/officeDocument/2006/relationships" xmlns:p="http://schemas.openxmlformats.org/presentationml/2006/main">
+  <p:cSld>
+    <p:spTree>
+      <p:nvGrpSpPr>
+        <p:cNvPr id="1" name=""/>
+        <p:cNvGrpSpPr/>
+        <p:nvPr/>
+      </p:nvGrpSpPr>
+      <p:grpSpPr>
+        <a:xfrm>
+          <a:off x="0" y="0"/>
+          <a:ext cx="0" cy="0"/>
+          <a:chOff x="0" y="0"/>
+          <a:chExt cx="0" cy="0"/>
+        </a:xfrm>
+      </p:grpSpPr>
+      <p:sp>
+        <p:nvSpPr>
+          <p:cNvPr id="2" name="Title 1"/>
+          <p:cNvSpPr>
+            <a:spLocks noGrp="1"/>
+          </p:cNvSpPr>
+          <p:nvPr>
+            <p:ph type="title"/>
+          </p:nvPr>
+        </p:nvSpPr>
+        <p:spPr/>
+        <p:txBody>
+          <a:bodyPr/>
+          <a:lstStyle/>
+          <a:p>
+            <a:r>
+              <a:rPr lang="en-US" dirty="0"/>
+              <a:t>Experiment: </a:t>
+            </a:r>
+            <a:r>
+              <a:rPr lang="en-US" dirty="0" smtClean="0"/>
+              <a:t>PCA with Random Forest</a:t>
+            </a:r>
+            <a:endParaRPr lang="en-US" dirty="0"/>
+          </a:p>
+        </p:txBody>
+      </p:sp>
+      <p:sp>
+        <p:nvSpPr>
+          <p:cNvPr id="3" name="Content Placeholder 2"/>
+          <p:cNvSpPr>
+            <a:spLocks noGrp="1"/>
+          </p:cNvSpPr>
+          <p:nvPr>
+            <p:ph idx="1"/>
+          </p:nvPr>
+        </p:nvSpPr>
+        <p:spPr>
+          <a:xfrm>
+            <a:off x="1484310" y="3047999"/>
+            <a:ext cx="10018713" cy="3124201"/>
+          </a:xfrm>
+        </p:spPr>
+        <p:txBody>
+          <a:bodyPr>
+            <a:normAutofit/>
+          </a:bodyPr>
+          <a:lstStyle/>
+          <a:p>
+            <a:r>
+              <a:rPr lang="en-US" dirty="0" smtClean="0"/>
+              <a:t>This approach yielded </a:t>
+            </a:r>
+            <a:r>
+              <a:rPr lang="en-US" dirty="0" smtClean="0">
+                <a:solidFill>
+                  <a:srgbClr val="FF0000"/>
+                </a:solidFill>
+              </a:rPr>
+              <a:t>no improvement </a:t>
+            </a:r>
+            <a:r>
+              <a:rPr lang="en-US" dirty="0" smtClean="0"/>
+              <a:t>over the baseline methods</a:t>
+            </a:r>
+            <a:endParaRPr lang="en-US" dirty="0" smtClean="0">
+              <a:solidFill>
+                <a:srgbClr val="00B050"/>
+              </a:solidFill>
+            </a:endParaRPr>
+          </a:p>
+          <a:p>
+            <a:r>
+              <a:rPr lang="en-US" dirty="0" smtClean="0"/>
+              <a:t>[]</a:t>
+            </a:r>
+          </a:p>
+          <a:p>
+            <a:r>
+              <a:rPr lang="en-US" dirty="0" smtClean="0"/>
+              <a:t>[]</a:t>
+            </a:r>
+          </a:p>
+          <a:p>
+            <a:r>
+              <a:rPr lang="en-US" dirty="0" smtClean="0"/>
+              <a:t>[]</a:t>
+            </a:r>
+            <a:endParaRPr lang="en-US" dirty="0" smtClean="0"/>
+          </a:p>
+        </p:txBody>
+      </p:sp>
+    </p:spTree>
+    <p:extLst>
+      <p:ext uri="{BB962C8B-B14F-4D97-AF65-F5344CB8AC3E}">
+        <p14:creationId xmlns:p14="http://schemas.microsoft.com/office/powerpoint/2010/main" val="224420719"/>
+      </p:ext>
+    </p:extLst>
+  </p:cSld>
+  <p:clrMapOvr>
+    <a:masterClrMapping/>
+  </p:clrMapOvr>
+  <p:timing>
+    <p:tnLst>
+      <p:par>
+        <p:cTn id="1" dur="indefinite" restart="never" nodeType="tmRoot"/>
+      </p:par>
+    </p:tnLst>
+  </p:timing>
+</p:sld>
+</file>
+
+<file path=ppt/slides/slide13.xml><?xml version="1.0" encoding="utf-8"?>
+<p:sld xmlns:a="http://schemas.openxmlformats.org/drawingml/2006/main" xmlns:r="http://schemas.openxmlformats.org/officeDocument/2006/relationships" xmlns:p="http://schemas.openxmlformats.org/presentationml/2006/main">
+  <p:cSld>
+    <p:spTree>
+      <p:nvGrpSpPr>
+        <p:cNvPr id="1" name=""/>
+        <p:cNvGrpSpPr/>
+        <p:nvPr/>
+      </p:nvGrpSpPr>
+      <p:grpSpPr>
+        <a:xfrm>
+          <a:off x="0" y="0"/>
+          <a:ext cx="0" cy="0"/>
+          <a:chOff x="0" y="0"/>
+          <a:chExt cx="0" cy="0"/>
+        </a:xfrm>
+      </p:grpSpPr>
+      <p:sp>
+        <p:nvSpPr>
+          <p:cNvPr id="2" name="Title 1"/>
+          <p:cNvSpPr>
+            <a:spLocks noGrp="1"/>
+          </p:cNvSpPr>
+          <p:nvPr>
+            <p:ph type="title"/>
+          </p:nvPr>
+        </p:nvSpPr>
+        <p:spPr/>
+        <p:txBody>
+          <a:bodyPr/>
+          <a:lstStyle/>
+          <a:p>
+            <a:r>
+              <a:rPr lang="en-US" dirty="0" smtClean="0"/>
+              <a:t>Conclusion</a:t>
+            </a:r>
+            <a:endParaRPr lang="en-US" dirty="0"/>
+          </a:p>
+        </p:txBody>
+      </p:sp>
+      <p:sp>
+        <p:nvSpPr>
+          <p:cNvPr id="3" name="Content Placeholder 2"/>
+          <p:cNvSpPr>
+            <a:spLocks noGrp="1"/>
+          </p:cNvSpPr>
+          <p:nvPr>
+            <p:ph idx="1"/>
+          </p:nvPr>
+        </p:nvSpPr>
+        <p:spPr/>
+        <p:txBody>
+          <a:bodyPr>
+            <a:normAutofit fontScale="92500"/>
+          </a:bodyPr>
+          <a:lstStyle/>
+          <a:p>
+            <a:r>
+              <a:rPr lang="en-US" dirty="0" smtClean="0"/>
+              <a:t>Newly available (Jan-16) credit card data yielded opportunity to predict defaults</a:t>
+            </a:r>
+            <a:endParaRPr lang="en-US" dirty="0" smtClean="0"/>
+          </a:p>
+          <a:p>
+            <a:r>
+              <a:rPr lang="en-US" dirty="0"/>
+              <a:t>C</a:t>
+            </a:r>
+            <a:r>
+              <a:rPr lang="en-US" dirty="0" smtClean="0"/>
+              <a:t>onsider the best measure for testing model accuracy (here: lift chart or ROC_AUC)</a:t>
+            </a:r>
+            <a:endParaRPr lang="en-US" dirty="0" smtClean="0"/>
+          </a:p>
+          <a:p>
+            <a:r>
+              <a:rPr lang="en-US" dirty="0" smtClean="0"/>
+              <a:t>Experiments </a:t>
+            </a:r>
+          </a:p>
+          <a:p>
+            <a:pPr lvl="1"/>
+            <a:r>
+              <a:rPr lang="en-US" dirty="0" smtClean="0"/>
+              <a:t>I</a:t>
+            </a:r>
+            <a:r>
+              <a:rPr lang="en-US" dirty="0" smtClean="0"/>
+              <a:t>mprovement: </a:t>
+            </a:r>
+            <a:r>
+              <a:rPr lang="en-US" dirty="0" smtClean="0">
+                <a:solidFill>
+                  <a:srgbClr val="00B050"/>
+                </a:solidFill>
+              </a:rPr>
+              <a:t>10-fold Cross </a:t>
+            </a:r>
+            <a:r>
+              <a:rPr lang="en-US" dirty="0">
+                <a:solidFill>
+                  <a:srgbClr val="00B050"/>
+                </a:solidFill>
+              </a:rPr>
+              <a:t>V</a:t>
+            </a:r>
+            <a:r>
+              <a:rPr lang="en-US" dirty="0" smtClean="0">
+                <a:solidFill>
+                  <a:srgbClr val="00B050"/>
+                </a:solidFill>
+              </a:rPr>
+              <a:t>alidation</a:t>
+            </a:r>
+          </a:p>
+          <a:p>
+            <a:pPr lvl="1"/>
+            <a:r>
+              <a:rPr lang="en-US" dirty="0" smtClean="0"/>
+              <a:t>No improvement: </a:t>
+            </a:r>
+            <a:r>
+              <a:rPr lang="en-US" dirty="0" smtClean="0">
+                <a:solidFill>
+                  <a:srgbClr val="FF0000"/>
+                </a:solidFill>
+              </a:rPr>
+              <a:t>Feature Selection, PCA with Random Forest</a:t>
+            </a:r>
+            <a:endParaRPr lang="en-US" dirty="0" smtClean="0">
+              <a:solidFill>
+                <a:srgbClr val="FF0000"/>
+              </a:solidFill>
+            </a:endParaRPr>
+          </a:p>
+          <a:p>
+            <a:r>
+              <a:rPr lang="en-US" dirty="0" smtClean="0"/>
+              <a:t>Data and Code: </a:t>
+            </a:r>
+            <a:r>
+              <a:rPr lang="en-US" dirty="0" smtClean="0">
+                <a:hlinkClick r:id="rId2"/>
+              </a:rPr>
+              <a:t>https</a:t>
+            </a:r>
+            <a:r>
+              <a:rPr lang="en-US" dirty="0">
+                <a:hlinkClick r:id="rId2"/>
+              </a:rPr>
+              <a:t>://</a:t>
+            </a:r>
+            <a:r>
+              <a:rPr lang="en-US" dirty="0" smtClean="0">
+                <a:hlinkClick r:id="rId2"/>
+              </a:rPr>
+              <a:t>github.com/jb08/credit_card_default_ML</a:t>
+            </a:r>
+            <a:endParaRPr lang="en-US" dirty="0" smtClean="0"/>
+          </a:p>
+        </p:txBody>
+      </p:sp>
+    </p:spTree>
+    <p:extLst>
+      <p:ext uri="{BB962C8B-B14F-4D97-AF65-F5344CB8AC3E}">
+        <p14:creationId xmlns:p14="http://schemas.microsoft.com/office/powerpoint/2010/main" val="1760898628"/>
+      </p:ext>
+    </p:extLst>
+  </p:cSld>
+  <p:clrMapOvr>
+    <a:masterClrMapping/>
+  </p:clrMapOvr>
+  <p:timing>
+    <p:tnLst>
+      <p:par>
+        <p:cTn id="1" dur="indefinite" restart="never" nodeType="tmRoot"/>
+      </p:par>
+    </p:tnLst>
+  </p:timing>
+</p:sld>
+</file>
+
+<file path=ppt/slides/slide2.xml><?xml version="1.0" encoding="utf-8"?>
+<p:sld xmlns:a="http://schemas.openxmlformats.org/drawingml/2006/main" xmlns:r="http://schemas.openxmlformats.org/officeDocument/2006/relationships" xmlns:p="http://schemas.openxmlformats.org/presentationml/2006/main">
+  <p:cSld>
+    <p:spTree>
+      <p:nvGrpSpPr>
+        <p:cNvPr id="1" name=""/>
+        <p:cNvGrpSpPr/>
+        <p:nvPr/>
+      </p:nvGrpSpPr>
+      <p:grpSpPr>
+        <a:xfrm>
+          <a:off x="0" y="0"/>
+          <a:ext cx="0" cy="0"/>
+          <a:chOff x="0" y="0"/>
+          <a:chExt cx="0" cy="0"/>
+        </a:xfrm>
+      </p:grpSpPr>
+      <p:sp>
+        <p:nvSpPr>
+          <p:cNvPr id="2" name="Title 1"/>
+          <p:cNvSpPr>
+            <a:spLocks noGrp="1"/>
+          </p:cNvSpPr>
+          <p:nvPr>
+            <p:ph type="title"/>
+          </p:nvPr>
+        </p:nvSpPr>
+        <p:spPr/>
+        <p:txBody>
+          <a:bodyPr/>
+          <a:lstStyle/>
+          <a:p>
+            <a:r>
+              <a:rPr lang="en-US" dirty="0" smtClean="0"/>
+              <a:t>Description of the Data</a:t>
+            </a:r>
+            <a:endParaRPr lang="en-US" dirty="0"/>
+          </a:p>
+        </p:txBody>
+      </p:sp>
+      <p:sp>
+        <p:nvSpPr>
+          <p:cNvPr id="3" name="Content Placeholder 2"/>
+          <p:cNvSpPr>
+            <a:spLocks noGrp="1"/>
+          </p:cNvSpPr>
+          <p:nvPr>
+            <p:ph idx="1"/>
+          </p:nvPr>
+        </p:nvSpPr>
+        <p:spPr>
+          <a:xfrm>
+            <a:off x="1484310" y="2666999"/>
+            <a:ext cx="10018713" cy="3754349"/>
+          </a:xfrm>
+        </p:spPr>
+        <p:txBody>
+          <a:bodyPr>
+            <a:normAutofit/>
+          </a:bodyPr>
+          <a:lstStyle/>
+          <a:p>
+            <a:r>
+              <a:rPr lang="en-US" dirty="0" smtClean="0"/>
+              <a:t>n = 30,000 (</a:t>
+            </a:r>
+            <a:r>
+              <a:rPr lang="en-US" dirty="0"/>
+              <a:t>source: </a:t>
+            </a:r>
+            <a:r>
+              <a:rPr lang="en-US" dirty="0" smtClean="0"/>
+              <a:t>Taiwanese </a:t>
+            </a:r>
+            <a:r>
+              <a:rPr lang="en-US" dirty="0" smtClean="0"/>
+              <a:t>bank)</a:t>
+            </a:r>
+          </a:p>
+          <a:p>
+            <a:r>
+              <a:rPr lang="en-US" dirty="0" smtClean="0"/>
+              <a:t>22</a:t>
+            </a:r>
+            <a:r>
+              <a:rPr lang="en-US" dirty="0" smtClean="0"/>
+              <a:t>% defaulted (</a:t>
+            </a:r>
+            <a:r>
+              <a:rPr lang="en-US" dirty="0" smtClean="0"/>
+              <a:t>6,636 </a:t>
+            </a:r>
+            <a:r>
+              <a:rPr lang="en-US" dirty="0" smtClean="0"/>
+              <a:t>/ 30,000</a:t>
+            </a:r>
+            <a:r>
+              <a:rPr lang="en-US" dirty="0" smtClean="0"/>
+              <a:t>)</a:t>
+            </a:r>
+          </a:p>
+          <a:p>
+            <a:r>
+              <a:rPr lang="en-US" dirty="0" smtClean="0"/>
+              <a:t>Source of data: </a:t>
+            </a:r>
+            <a:r>
+              <a:rPr lang="en-US" i="1" dirty="0" smtClean="0"/>
+              <a:t>UC-Irvine Machine Learning Repository</a:t>
+            </a:r>
+            <a:r>
+              <a:rPr lang="en-US" dirty="0" smtClean="0"/>
+              <a:t>, Jan-16</a:t>
+            </a:r>
+            <a:endParaRPr lang="en-US" dirty="0" smtClean="0"/>
+          </a:p>
+        </p:txBody>
+      </p:sp>
+    </p:spTree>
+    <p:extLst>
+      <p:ext uri="{BB962C8B-B14F-4D97-AF65-F5344CB8AC3E}">
+        <p14:creationId xmlns:p14="http://schemas.microsoft.com/office/powerpoint/2010/main" val="2141363607"/>
+      </p:ext>
+    </p:extLst>
+  </p:cSld>
+  <p:clrMapOvr>
+    <a:masterClrMapping/>
+  </p:clrMapOvr>
+  <p:timing>
+    <p:tnLst>
+      <p:par>
+        <p:cTn id="1" dur="indefinite" restart="never" nodeType="tmRoot"/>
+      </p:par>
+    </p:tnLst>
+  </p:timing>
+</p:sld>
+</file>
+
+<file path=ppt/slides/slide3.xml><?xml version="1.0" encoding="utf-8"?>
+<p:sld xmlns:a="http://schemas.openxmlformats.org/drawingml/2006/main" xmlns:r="http://schemas.openxmlformats.org/officeDocument/2006/relationships" xmlns:p="http://schemas.openxmlformats.org/presentationml/2006/main">
+  <p:cSld>
+    <p:spTree>
+      <p:nvGrpSpPr>
+        <p:cNvPr id="1" name=""/>
+        <p:cNvGrpSpPr/>
+        <p:nvPr/>
+      </p:nvGrpSpPr>
+      <p:grpSpPr>
+        <a:xfrm>
+          <a:off x="0" y="0"/>
+          <a:ext cx="0" cy="0"/>
+          <a:chOff x="0" y="0"/>
+          <a:chExt cx="0" cy="0"/>
+        </a:xfrm>
+      </p:grpSpPr>
+      <p:sp>
+        <p:nvSpPr>
+          <p:cNvPr id="2" name="Title 1"/>
+          <p:cNvSpPr>
+            <a:spLocks noGrp="1"/>
+          </p:cNvSpPr>
+          <p:nvPr>
+            <p:ph type="title"/>
+          </p:nvPr>
+        </p:nvSpPr>
+        <p:spPr/>
+        <p:txBody>
+          <a:bodyPr/>
+          <a:lstStyle/>
+          <a:p>
+            <a:r>
+              <a:rPr lang="en-US" smtClean="0"/>
+              <a:t>Data Sample (n=5)</a:t>
+            </a:r>
+            <a:endParaRPr lang="en-US" dirty="0"/>
+          </a:p>
+        </p:txBody>
+      </p:sp>
+      <p:pic>
+        <p:nvPicPr>
+          <p:cNvPr id="3" name="Picture 2"/>
+          <p:cNvPicPr>
+            <a:picLocks noChangeAspect="1"/>
+          </p:cNvPicPr>
+          <p:nvPr/>
+        </p:nvPicPr>
+        <p:blipFill rotWithShape="1">
+          <a:blip r:embed="rId2">
+            <a:extLst>
+              <a:ext uri="{28A0092B-C50C-407E-A947-70E740481C1C}">
+                <a14:useLocalDpi xmlns:a14="http://schemas.microsoft.com/office/drawing/2010/main" val="0"/>
+              </a:ext>
+            </a:extLst>
+          </a:blip>
+          <a:srcRect l="2850" t="3475" r="6360" b="13990"/>
+          <a:stretch/>
+        </p:blipFill>
+        <p:spPr>
+          <a:xfrm>
+            <a:off x="2145644" y="2376653"/>
+            <a:ext cx="8696046" cy="2873476"/>
+          </a:xfrm>
+          <a:prstGeom prst="rect">
+            <a:avLst/>
+          </a:prstGeom>
+        </p:spPr>
+      </p:pic>
+      <p:sp>
+        <p:nvSpPr>
+          <p:cNvPr id="4" name="Oval 3"/>
+          <p:cNvSpPr/>
+          <p:nvPr/>
+        </p:nvSpPr>
+        <p:spPr>
+          <a:xfrm>
+            <a:off x="10488122" y="3791712"/>
+            <a:ext cx="353568" cy="1621536"/>
+          </a:xfrm>
+          <a:prstGeom prst="ellipse">
+            <a:avLst/>
+          </a:prstGeom>
+          <a:noFill/>
+          <a:ln w="38100">
+            <a:solidFill>
+              <a:schemeClr val="accent1"/>
+            </a:solidFill>
+          </a:ln>
+        </p:spPr>
+        <p:style>
+          <a:lnRef idx="2">
+            <a:schemeClr val="accent1">
+              <a:shade val="50000"/>
+            </a:schemeClr>
+          </a:lnRef>
+          <a:fillRef idx="1">
+            <a:schemeClr val="accent1"/>
+          </a:fillRef>
+          <a:effectRef idx="0">
+            <a:schemeClr val="accent1"/>
+          </a:effectRef>
+          <a:fontRef idx="minor">
+            <a:schemeClr val="lt1"/>
+          </a:fontRef>
+        </p:style>
+        <p:txBody>
+          <a:bodyPr rtlCol="0" anchor="ctr"/>
+          <a:lstStyle/>
+          <a:p>
+            <a:pPr algn="ctr"/>
+            <a:endParaRPr lang="en-US">
+              <a:solidFill>
+                <a:schemeClr val="accent2"/>
+              </a:solidFill>
+            </a:endParaRPr>
+          </a:p>
+        </p:txBody>
+      </p:sp>
+      <p:sp>
+        <p:nvSpPr>
+          <p:cNvPr id="6" name="Rectangle 5"/>
+          <p:cNvSpPr/>
+          <p:nvPr/>
+        </p:nvSpPr>
+        <p:spPr>
+          <a:xfrm>
+            <a:off x="2810182" y="5413248"/>
+            <a:ext cx="7366970" cy="1200329"/>
+          </a:xfrm>
+          <a:prstGeom prst="rect">
+            <a:avLst/>
+          </a:prstGeom>
+        </p:spPr>
+        <p:txBody>
+          <a:bodyPr wrap="square">
+            <a:spAutoFit/>
+          </a:bodyPr>
+          <a:lstStyle/>
+          <a:p>
+            <a:pPr lvl="1"/>
+            <a:r>
+              <a:rPr lang="en-US" dirty="0" smtClean="0">
+                <a:solidFill>
+                  <a:srgbClr val="00B050"/>
+                </a:solidFill>
+              </a:rPr>
+              <a:t>X1 – X5: Credit given, gender, education level, marital status, age</a:t>
+            </a:r>
+          </a:p>
+          <a:p>
+            <a:pPr lvl="1"/>
+            <a:r>
+              <a:rPr lang="en-US" dirty="0" smtClean="0">
+                <a:solidFill>
+                  <a:schemeClr val="accent5"/>
+                </a:solidFill>
+              </a:rPr>
+              <a:t>X6 </a:t>
+            </a:r>
+            <a:r>
+              <a:rPr lang="en-US" dirty="0">
+                <a:solidFill>
+                  <a:schemeClr val="accent5"/>
+                </a:solidFill>
+              </a:rPr>
+              <a:t>–X11: </a:t>
+            </a:r>
+            <a:r>
+              <a:rPr lang="en-US" dirty="0" smtClean="0">
+                <a:solidFill>
+                  <a:schemeClr val="accent5"/>
+                </a:solidFill>
+              </a:rPr>
+              <a:t>Monthly payment status</a:t>
+            </a:r>
+          </a:p>
+          <a:p>
+            <a:pPr lvl="1"/>
+            <a:r>
+              <a:rPr lang="en-US" dirty="0" smtClean="0">
+                <a:solidFill>
+                  <a:schemeClr val="accent3"/>
+                </a:solidFill>
+              </a:rPr>
+              <a:t>X12 </a:t>
+            </a:r>
+            <a:r>
+              <a:rPr lang="en-US" dirty="0">
+                <a:solidFill>
+                  <a:schemeClr val="accent3"/>
+                </a:solidFill>
+              </a:rPr>
+              <a:t>– X17: Monthly bill </a:t>
+            </a:r>
+            <a:r>
+              <a:rPr lang="en-US" dirty="0" smtClean="0">
+                <a:solidFill>
+                  <a:schemeClr val="accent3"/>
+                </a:solidFill>
+              </a:rPr>
+              <a:t>amounts </a:t>
+            </a:r>
+            <a:endParaRPr lang="en-US" dirty="0">
+              <a:solidFill>
+                <a:schemeClr val="accent3"/>
+              </a:solidFill>
+            </a:endParaRPr>
+          </a:p>
+          <a:p>
+            <a:pPr lvl="1"/>
+            <a:r>
+              <a:rPr lang="en-US" dirty="0">
+                <a:solidFill>
+                  <a:schemeClr val="accent6"/>
+                </a:solidFill>
+              </a:rPr>
+              <a:t>X18 – X23: Monthly </a:t>
+            </a:r>
+            <a:r>
+              <a:rPr lang="en-US" dirty="0" smtClean="0">
+                <a:solidFill>
+                  <a:schemeClr val="accent6"/>
+                </a:solidFill>
+              </a:rPr>
+              <a:t>payments</a:t>
+            </a:r>
+            <a:endParaRPr lang="en-US" dirty="0">
+              <a:solidFill>
+                <a:schemeClr val="accent6"/>
+              </a:solidFill>
+            </a:endParaRPr>
+          </a:p>
+        </p:txBody>
+      </p:sp>
+      <p:sp>
+        <p:nvSpPr>
+          <p:cNvPr id="7" name="Rectangle 6"/>
+          <p:cNvSpPr/>
+          <p:nvPr/>
+        </p:nvSpPr>
+        <p:spPr>
+          <a:xfrm>
+            <a:off x="9720026" y="5513832"/>
+            <a:ext cx="2703622" cy="923330"/>
+          </a:xfrm>
+          <a:prstGeom prst="rect">
+            <a:avLst/>
+          </a:prstGeom>
+        </p:spPr>
+        <p:txBody>
+          <a:bodyPr wrap="square">
+            <a:spAutoFit/>
+          </a:bodyPr>
+          <a:lstStyle/>
+          <a:p>
+            <a:pPr lvl="1"/>
+            <a:r>
+              <a:rPr lang="en-US" i="1" dirty="0" smtClean="0">
+                <a:solidFill>
+                  <a:schemeClr val="accent1"/>
+                </a:solidFill>
+              </a:rPr>
+              <a:t>In this small sample, </a:t>
+            </a:r>
+          </a:p>
+          <a:p>
+            <a:pPr lvl="1"/>
+            <a:r>
+              <a:rPr lang="en-US" i="1" dirty="0" smtClean="0">
+                <a:solidFill>
+                  <a:schemeClr val="accent1"/>
+                </a:solidFill>
+              </a:rPr>
+              <a:t>3 of 5 cardholders </a:t>
+            </a:r>
+          </a:p>
+          <a:p>
+            <a:pPr lvl="1"/>
+            <a:r>
+              <a:rPr lang="en-US" i="1" dirty="0" smtClean="0">
+                <a:solidFill>
+                  <a:schemeClr val="accent1"/>
+                </a:solidFill>
+              </a:rPr>
+              <a:t>defaulted</a:t>
+            </a:r>
+            <a:endParaRPr lang="en-US" i="1" dirty="0">
+              <a:solidFill>
+                <a:schemeClr val="accent1"/>
+              </a:solidFill>
+            </a:endParaRPr>
+          </a:p>
+        </p:txBody>
+      </p:sp>
+      <p:sp>
+        <p:nvSpPr>
+          <p:cNvPr id="9" name="Rectangle 8"/>
+          <p:cNvSpPr/>
+          <p:nvPr/>
+        </p:nvSpPr>
+        <p:spPr>
+          <a:xfrm>
+            <a:off x="3336324" y="2376653"/>
+            <a:ext cx="2125362" cy="205909"/>
+          </a:xfrm>
+          <a:prstGeom prst="rect">
+            <a:avLst/>
+          </a:prstGeom>
+          <a:noFill/>
+          <a:ln w="28575">
+            <a:solidFill>
+              <a:srgbClr val="00B050"/>
+            </a:solidFill>
+          </a:ln>
+        </p:spPr>
+        <p:style>
+          <a:lnRef idx="2">
+            <a:schemeClr val="accent1">
+              <a:shade val="50000"/>
+            </a:schemeClr>
+          </a:lnRef>
+          <a:fillRef idx="1">
+            <a:schemeClr val="accent1"/>
+          </a:fillRef>
+          <a:effectRef idx="0">
+            <a:schemeClr val="accent1"/>
+          </a:effectRef>
+          <a:fontRef idx="minor">
+            <a:schemeClr val="lt1"/>
+          </a:fontRef>
+        </p:style>
+        <p:txBody>
+          <a:bodyPr rtlCol="0" anchor="ctr"/>
+          <a:lstStyle/>
+          <a:p>
+            <a:pPr algn="ctr"/>
+            <a:endParaRPr lang="en-US"/>
+          </a:p>
+        </p:txBody>
+      </p:sp>
+      <p:sp>
+        <p:nvSpPr>
+          <p:cNvPr id="10" name="Rectangle 9"/>
+          <p:cNvSpPr/>
+          <p:nvPr/>
+        </p:nvSpPr>
+        <p:spPr>
+          <a:xfrm>
+            <a:off x="5608468" y="2376653"/>
+            <a:ext cx="2694284" cy="205909"/>
+          </a:xfrm>
+          <a:prstGeom prst="rect">
+            <a:avLst/>
+          </a:prstGeom>
+          <a:noFill/>
+          <a:ln w="28575">
+            <a:solidFill>
+              <a:schemeClr val="accent5"/>
+            </a:solidFill>
+          </a:ln>
+        </p:spPr>
+        <p:style>
+          <a:lnRef idx="2">
+            <a:schemeClr val="accent1">
+              <a:shade val="50000"/>
+            </a:schemeClr>
+          </a:lnRef>
+          <a:fillRef idx="1">
+            <a:schemeClr val="accent1"/>
+          </a:fillRef>
+          <a:effectRef idx="0">
+            <a:schemeClr val="accent1"/>
+          </a:effectRef>
+          <a:fontRef idx="minor">
+            <a:schemeClr val="lt1"/>
+          </a:fontRef>
+        </p:style>
+        <p:txBody>
+          <a:bodyPr rtlCol="0" anchor="ctr"/>
+          <a:lstStyle/>
+          <a:p>
+            <a:pPr algn="ctr"/>
+            <a:endParaRPr lang="en-US">
+              <a:solidFill>
+                <a:schemeClr val="accent6"/>
+              </a:solidFill>
+            </a:endParaRPr>
+          </a:p>
+        </p:txBody>
+      </p:sp>
+      <p:sp>
+        <p:nvSpPr>
+          <p:cNvPr id="11" name="Rectangle 10"/>
+          <p:cNvSpPr/>
+          <p:nvPr/>
+        </p:nvSpPr>
+        <p:spPr>
+          <a:xfrm>
+            <a:off x="8750956" y="2376653"/>
+            <a:ext cx="1353164" cy="202861"/>
+          </a:xfrm>
+          <a:prstGeom prst="rect">
+            <a:avLst/>
+          </a:prstGeom>
+          <a:noFill/>
+          <a:ln w="28575">
+            <a:solidFill>
+              <a:schemeClr val="accent3"/>
+            </a:solidFill>
+          </a:ln>
+        </p:spPr>
+        <p:style>
+          <a:lnRef idx="2">
+            <a:schemeClr val="accent1">
+              <a:shade val="50000"/>
+            </a:schemeClr>
+          </a:lnRef>
+          <a:fillRef idx="1">
+            <a:schemeClr val="accent1"/>
+          </a:fillRef>
+          <a:effectRef idx="0">
+            <a:schemeClr val="accent1"/>
+          </a:effectRef>
+          <a:fontRef idx="minor">
+            <a:schemeClr val="lt1"/>
+          </a:fontRef>
+        </p:style>
+        <p:txBody>
+          <a:bodyPr rtlCol="0" anchor="ctr"/>
+          <a:lstStyle/>
+          <a:p>
+            <a:pPr algn="ctr"/>
+            <a:endParaRPr lang="en-US">
+              <a:solidFill>
+                <a:schemeClr val="accent6"/>
+              </a:solidFill>
+            </a:endParaRPr>
+          </a:p>
+        </p:txBody>
+      </p:sp>
+      <p:sp>
+        <p:nvSpPr>
+          <p:cNvPr id="12" name="Rectangle 11"/>
+          <p:cNvSpPr/>
+          <p:nvPr/>
+        </p:nvSpPr>
+        <p:spPr>
+          <a:xfrm>
+            <a:off x="3252364" y="3922775"/>
+            <a:ext cx="2755244" cy="197333"/>
+          </a:xfrm>
+          <a:prstGeom prst="rect">
+            <a:avLst/>
+          </a:prstGeom>
+          <a:noFill/>
+          <a:ln w="28575">
+            <a:solidFill>
+              <a:schemeClr val="accent3"/>
+            </a:solidFill>
+          </a:ln>
+        </p:spPr>
+        <p:style>
+          <a:lnRef idx="2">
+            <a:schemeClr val="accent1">
+              <a:shade val="50000"/>
+            </a:schemeClr>
+          </a:lnRef>
+          <a:fillRef idx="1">
+            <a:schemeClr val="accent1"/>
+          </a:fillRef>
+          <a:effectRef idx="0">
+            <a:schemeClr val="accent1"/>
+          </a:effectRef>
+          <a:fontRef idx="minor">
+            <a:schemeClr val="lt1"/>
+          </a:fontRef>
+        </p:style>
+        <p:txBody>
+          <a:bodyPr rtlCol="0" anchor="ctr"/>
+          <a:lstStyle/>
+          <a:p>
+            <a:pPr algn="ctr"/>
+            <a:endParaRPr lang="en-US">
+              <a:solidFill>
+                <a:schemeClr val="accent6"/>
+              </a:solidFill>
+            </a:endParaRPr>
+          </a:p>
+        </p:txBody>
+      </p:sp>
+      <p:sp>
+        <p:nvSpPr>
+          <p:cNvPr id="13" name="Rectangle 12"/>
+          <p:cNvSpPr/>
+          <p:nvPr/>
+        </p:nvSpPr>
+        <p:spPr>
+          <a:xfrm>
+            <a:off x="6355154" y="3922775"/>
+            <a:ext cx="3401448" cy="197332"/>
+          </a:xfrm>
+          <a:prstGeom prst="rect">
+            <a:avLst/>
+          </a:prstGeom>
+          <a:noFill/>
+          <a:ln w="28575">
+            <a:solidFill>
+              <a:schemeClr val="accent6"/>
+            </a:solidFill>
+          </a:ln>
+        </p:spPr>
+        <p:style>
+          <a:lnRef idx="2">
+            <a:schemeClr val="accent1">
+              <a:shade val="50000"/>
+            </a:schemeClr>
+          </a:lnRef>
+          <a:fillRef idx="1">
+            <a:schemeClr val="accent1"/>
+          </a:fillRef>
+          <a:effectRef idx="0">
+            <a:schemeClr val="accent1"/>
+          </a:effectRef>
+          <a:fontRef idx="minor">
+            <a:schemeClr val="lt1"/>
+          </a:fontRef>
+        </p:style>
+        <p:txBody>
+          <a:bodyPr rtlCol="0" anchor="ctr"/>
+          <a:lstStyle/>
+          <a:p>
+            <a:pPr algn="ctr"/>
+            <a:endParaRPr lang="en-US">
+              <a:solidFill>
+                <a:schemeClr val="accent6"/>
+              </a:solidFill>
+            </a:endParaRPr>
+          </a:p>
+        </p:txBody>
+      </p:sp>
+    </p:spTree>
+    <p:extLst>
+      <p:ext uri="{BB962C8B-B14F-4D97-AF65-F5344CB8AC3E}">
+        <p14:creationId xmlns:p14="http://schemas.microsoft.com/office/powerpoint/2010/main" val="627798131"/>
+      </p:ext>
+    </p:extLst>
+  </p:cSld>
+  <p:clrMapOvr>
+    <a:masterClrMapping/>
+  </p:clrMapOvr>
+  <mc:AlternateContent xmlns:mc="http://schemas.openxmlformats.org/markup-compatibility/2006">
+    <mc:Choice xmlns:p14="http://schemas.microsoft.com/office/powerpoint/2010/main" Requires="p14">
+      <p:transition p14:dur="0"/>
+    </mc:Choice>
+    <mc:Fallback>
+      <p:transition/>
+    </mc:Fallback>
+  </mc:AlternateContent>
+  <p:timing>
+    <p:tnLst>
+      <p:par>
+        <p:cTn id="1" dur="indefinite" restart="never" nodeType="tmRoot"/>
+      </p:par>
+    </p:tnLst>
+  </p:timing>
+</p:sld>
+</file>
+
+<file path=ppt/slides/slide4.xml><?xml version="1.0" encoding="utf-8"?>
+<p:sld xmlns:a="http://schemas.openxmlformats.org/drawingml/2006/main" xmlns:r="http://schemas.openxmlformats.org/officeDocument/2006/relationships" xmlns:p="http://schemas.openxmlformats.org/presentationml/2006/main">
+  <p:cSld>
+    <p:spTree>
+      <p:nvGrpSpPr>
+        <p:cNvPr id="1" name=""/>
+        <p:cNvGrpSpPr/>
+        <p:nvPr/>
+      </p:nvGrpSpPr>
+      <p:grpSpPr>
+        <a:xfrm>
+          <a:off x="0" y="0"/>
+          <a:ext cx="0" cy="0"/>
+          <a:chOff x="0" y="0"/>
+          <a:chExt cx="0" cy="0"/>
+        </a:xfrm>
+      </p:grpSpPr>
+      <p:sp>
+        <p:nvSpPr>
+          <p:cNvPr id="2" name="Title 1"/>
+          <p:cNvSpPr>
+            <a:spLocks noGrp="1"/>
+          </p:cNvSpPr>
+          <p:nvPr>
+            <p:ph type="title"/>
+          </p:nvPr>
+        </p:nvSpPr>
+        <p:spPr/>
+        <p:txBody>
+          <a:bodyPr/>
+          <a:lstStyle/>
+          <a:p>
+            <a:r>
+              <a:rPr lang="en-US" dirty="0" smtClean="0"/>
+              <a:t>Not all Misclassifications are Equal</a:t>
+            </a:r>
+            <a:endParaRPr lang="en-US" dirty="0"/>
+          </a:p>
+        </p:txBody>
+      </p:sp>
+      <p:graphicFrame>
+        <p:nvGraphicFramePr>
+          <p:cNvPr id="8" name="Content Placeholder 7"/>
+          <p:cNvGraphicFramePr>
+            <a:graphicFrameLocks noGrp="1"/>
+          </p:cNvGraphicFramePr>
+          <p:nvPr>
+            <p:ph idx="1"/>
+            <p:extLst>
+              <p:ext uri="{D42A27DB-BD31-4B8C-83A1-F6EECF244321}">
+                <p14:modId xmlns:p14="http://schemas.microsoft.com/office/powerpoint/2010/main" val="246358671"/>
+              </p:ext>
+            </p:extLst>
+          </p:nvPr>
+        </p:nvGraphicFramePr>
+        <p:xfrm>
+          <a:off x="3703170" y="2651234"/>
+          <a:ext cx="5580994" cy="1828800"/>
+        </p:xfrm>
+        <a:graphic>
+          <a:graphicData uri="http://schemas.openxmlformats.org/drawingml/2006/table">
+            <a:tbl>
+              <a:tblPr firstRow="1" bandRow="1">
+                <a:tableStyleId>{5940675A-B579-460E-94D1-54222C63F5DA}</a:tableStyleId>
+              </a:tblPr>
+              <a:tblGrid>
+                <a:gridCol w="2790497"/>
+                <a:gridCol w="2790497"/>
+              </a:tblGrid>
+              <a:tr h="370840">
+                <a:tc>
+                  <a:txBody>
+                    <a:bodyPr/>
+                    <a:lstStyle/>
+                    <a:p>
+                      <a:r>
+                        <a:rPr lang="en-US" dirty="0" smtClean="0">
+                          <a:solidFill>
+                            <a:srgbClr val="00B050"/>
+                          </a:solidFill>
+                        </a:rPr>
+                        <a:t>22,296 </a:t>
+                      </a:r>
+                    </a:p>
+                    <a:p>
+                      <a:r>
+                        <a:rPr lang="en-US" dirty="0" smtClean="0">
+                          <a:solidFill>
+                            <a:srgbClr val="00B050"/>
+                          </a:solidFill>
+                        </a:rPr>
+                        <a:t>(model correctly</a:t>
+                      </a:r>
+                      <a:r>
+                        <a:rPr lang="en-US" baseline="0" dirty="0" smtClean="0">
+                          <a:solidFill>
+                            <a:srgbClr val="00B050"/>
+                          </a:solidFill>
+                        </a:rPr>
+                        <a:t> </a:t>
+                      </a:r>
+                    </a:p>
+                    <a:p>
+                      <a:r>
+                        <a:rPr lang="en-US" baseline="0" dirty="0" smtClean="0">
+                          <a:solidFill>
+                            <a:srgbClr val="00B050"/>
+                          </a:solidFill>
+                        </a:rPr>
+                        <a:t>predicted non-default)</a:t>
+                      </a:r>
+                      <a:endParaRPr lang="en-US" dirty="0">
+                        <a:solidFill>
+                          <a:srgbClr val="00B050"/>
+                        </a:solidFill>
+                      </a:endParaRPr>
+                    </a:p>
+                  </a:txBody>
+                  <a:tcPr anchor="ctr"/>
+                </a:tc>
+                <a:tc>
+                  <a:txBody>
+                    <a:bodyPr/>
+                    <a:lstStyle/>
+                    <a:p>
+                      <a:r>
+                        <a:rPr lang="en-US" dirty="0" smtClean="0"/>
+                        <a:t>1,068</a:t>
+                      </a:r>
+                      <a:r>
+                        <a:rPr lang="en-US" baseline="0" dirty="0" smtClean="0"/>
+                        <a:t> </a:t>
+                      </a:r>
+                    </a:p>
+                    <a:p>
+                      <a:r>
+                        <a:rPr lang="en-US" baseline="0" dirty="0" smtClean="0"/>
+                        <a:t>(false positive)</a:t>
+                      </a:r>
+                      <a:endParaRPr lang="en-US" dirty="0"/>
+                    </a:p>
+                  </a:txBody>
+                  <a:tcPr anchor="ctr"/>
+                </a:tc>
+              </a:tr>
+              <a:tr h="370840">
+                <a:tc>
+                  <a:txBody>
+                    <a:bodyPr/>
+                    <a:lstStyle/>
+                    <a:p>
+                      <a:r>
+                        <a:rPr lang="en-US" dirty="0" smtClean="0"/>
+                        <a:t>4,426 </a:t>
+                      </a:r>
+                    </a:p>
+                    <a:p>
+                      <a:r>
+                        <a:rPr lang="en-US" dirty="0" smtClean="0"/>
+                        <a:t>(false negative)</a:t>
+                      </a:r>
+                      <a:endParaRPr lang="en-US" dirty="0"/>
+                    </a:p>
+                  </a:txBody>
+                  <a:tcPr anchor="ctr"/>
+                </a:tc>
+                <a:tc>
+                  <a:txBody>
+                    <a:bodyPr/>
+                    <a:lstStyle/>
+                    <a:p>
+                      <a:r>
+                        <a:rPr lang="en-US" dirty="0" smtClean="0">
+                          <a:solidFill>
+                            <a:srgbClr val="00B050"/>
+                          </a:solidFill>
+                        </a:rPr>
+                        <a:t>2,210 </a:t>
+                      </a:r>
+                    </a:p>
+                    <a:p>
+                      <a:r>
+                        <a:rPr lang="en-US" dirty="0" smtClean="0">
+                          <a:solidFill>
+                            <a:srgbClr val="00B050"/>
+                          </a:solidFill>
+                        </a:rPr>
+                        <a:t>(model correctly </a:t>
+                      </a:r>
+                    </a:p>
+                    <a:p>
+                      <a:r>
+                        <a:rPr lang="en-US" dirty="0" smtClean="0">
+                          <a:solidFill>
+                            <a:srgbClr val="00B050"/>
+                          </a:solidFill>
+                        </a:rPr>
+                        <a:t>predicted default)</a:t>
+                      </a:r>
+                      <a:endParaRPr lang="en-US" dirty="0">
+                        <a:solidFill>
+                          <a:srgbClr val="00B050"/>
+                        </a:solidFill>
+                      </a:endParaRPr>
+                    </a:p>
+                  </a:txBody>
+                  <a:tcPr anchor="ctr"/>
+                </a:tc>
+              </a:tr>
+            </a:tbl>
+          </a:graphicData>
+        </a:graphic>
+      </p:graphicFrame>
+      <p:sp>
+        <p:nvSpPr>
+          <p:cNvPr id="9" name="Rectangle 8"/>
+          <p:cNvSpPr/>
+          <p:nvPr/>
+        </p:nvSpPr>
+        <p:spPr>
+          <a:xfrm>
+            <a:off x="7932352" y="4692869"/>
+            <a:ext cx="3308462" cy="923330"/>
+          </a:xfrm>
+          <a:prstGeom prst="rect">
+            <a:avLst/>
+          </a:prstGeom>
+        </p:spPr>
+        <p:txBody>
+          <a:bodyPr wrap="square">
+            <a:spAutoFit/>
+          </a:bodyPr>
+          <a:lstStyle/>
+          <a:p>
+            <a:pPr lvl="1"/>
+            <a:r>
+              <a:rPr lang="en-US" i="1" dirty="0" smtClean="0">
+                <a:solidFill>
+                  <a:schemeClr val="accent1"/>
+                </a:solidFill>
+              </a:rPr>
+              <a:t>Error rate of</a:t>
+            </a:r>
+          </a:p>
+          <a:p>
+            <a:pPr lvl="1"/>
+            <a:r>
+              <a:rPr lang="en-US" i="1" dirty="0" smtClean="0">
+                <a:solidFill>
+                  <a:schemeClr val="accent1"/>
+                </a:solidFill>
+              </a:rPr>
+              <a:t>K-Nearest Neighbor model </a:t>
+            </a:r>
+          </a:p>
+          <a:p>
+            <a:pPr lvl="1"/>
+            <a:r>
+              <a:rPr lang="en-US" i="1" dirty="0">
+                <a:solidFill>
+                  <a:schemeClr val="accent1"/>
+                </a:solidFill>
+              </a:rPr>
+              <a:t>h</a:t>
+            </a:r>
+            <a:r>
+              <a:rPr lang="en-US" i="1" dirty="0" smtClean="0">
+                <a:solidFill>
+                  <a:schemeClr val="accent1"/>
+                </a:solidFill>
+              </a:rPr>
+              <a:t>ere was 18.3%</a:t>
+            </a:r>
+            <a:endParaRPr lang="en-US" i="1" dirty="0">
+              <a:solidFill>
+                <a:schemeClr val="accent1"/>
+              </a:solidFill>
+            </a:endParaRPr>
+          </a:p>
+        </p:txBody>
+      </p:sp>
+      <p:sp>
+        <p:nvSpPr>
+          <p:cNvPr id="11" name="Rectangle 10"/>
+          <p:cNvSpPr/>
+          <p:nvPr/>
+        </p:nvSpPr>
+        <p:spPr>
+          <a:xfrm>
+            <a:off x="2810182" y="5539376"/>
+            <a:ext cx="7366970" cy="830997"/>
+          </a:xfrm>
+          <a:prstGeom prst="rect">
+            <a:avLst/>
+          </a:prstGeom>
+        </p:spPr>
+        <p:txBody>
+          <a:bodyPr wrap="square">
+            <a:spAutoFit/>
+          </a:bodyPr>
+          <a:lstStyle/>
+          <a:p>
+            <a:pPr lvl="1"/>
+            <a:r>
+              <a:rPr lang="en-US" sz="2400" b="1" i="1" dirty="0" smtClean="0"/>
+              <a:t>Why is Error rate not the best measure</a:t>
+            </a:r>
+          </a:p>
+          <a:p>
+            <a:pPr lvl="1"/>
+            <a:r>
+              <a:rPr lang="en-US" sz="2400" b="1" i="1" dirty="0" smtClean="0"/>
+              <a:t> of model accuracy here?</a:t>
+            </a:r>
+            <a:endParaRPr lang="en-US" sz="2400" b="1" i="1" dirty="0"/>
+          </a:p>
+        </p:txBody>
+      </p:sp>
+      <p:sp>
+        <p:nvSpPr>
+          <p:cNvPr id="12" name="Oval 11"/>
+          <p:cNvSpPr/>
+          <p:nvPr/>
+        </p:nvSpPr>
+        <p:spPr>
+          <a:xfrm>
+            <a:off x="6248400" y="2676634"/>
+            <a:ext cx="2044700" cy="841266"/>
+          </a:xfrm>
+          <a:prstGeom prst="ellipse">
+            <a:avLst/>
+          </a:prstGeom>
+          <a:noFill/>
+          <a:ln w="38100">
+            <a:solidFill>
+              <a:srgbClr val="FF0000"/>
+            </a:solidFill>
+          </a:ln>
+        </p:spPr>
+        <p:style>
+          <a:lnRef idx="2">
+            <a:schemeClr val="accent1">
+              <a:shade val="50000"/>
+            </a:schemeClr>
+          </a:lnRef>
+          <a:fillRef idx="1">
+            <a:schemeClr val="accent1"/>
+          </a:fillRef>
+          <a:effectRef idx="0">
+            <a:schemeClr val="accent1"/>
+          </a:effectRef>
+          <a:fontRef idx="minor">
+            <a:schemeClr val="lt1"/>
+          </a:fontRef>
+        </p:style>
+        <p:txBody>
+          <a:bodyPr rtlCol="0" anchor="ctr"/>
+          <a:lstStyle/>
+          <a:p>
+            <a:pPr algn="ctr"/>
+            <a:endParaRPr lang="en-US"/>
+          </a:p>
+        </p:txBody>
+      </p:sp>
+      <p:sp>
+        <p:nvSpPr>
+          <p:cNvPr id="13" name="Rectangle 12"/>
+          <p:cNvSpPr/>
+          <p:nvPr/>
+        </p:nvSpPr>
+        <p:spPr>
+          <a:xfrm>
+            <a:off x="6493666" y="2240369"/>
+            <a:ext cx="5698334" cy="369332"/>
+          </a:xfrm>
+          <a:prstGeom prst="rect">
+            <a:avLst/>
+          </a:prstGeom>
+        </p:spPr>
+        <p:txBody>
+          <a:bodyPr wrap="square">
+            <a:spAutoFit/>
+          </a:bodyPr>
+          <a:lstStyle/>
+          <a:p>
+            <a:pPr lvl="1"/>
+            <a:r>
+              <a:rPr lang="en-US" i="1" dirty="0" smtClean="0">
+                <a:solidFill>
+                  <a:srgbClr val="FF0000"/>
+                </a:solidFill>
+              </a:rPr>
+              <a:t>*Error represents major loss from default on debt</a:t>
+            </a:r>
+            <a:endParaRPr lang="en-US" i="1" dirty="0">
+              <a:solidFill>
+                <a:srgbClr val="FF0000"/>
+              </a:solidFill>
+            </a:endParaRPr>
+          </a:p>
+        </p:txBody>
+      </p:sp>
+      <p:sp>
+        <p:nvSpPr>
+          <p:cNvPr id="14" name="Oval 13"/>
+          <p:cNvSpPr/>
+          <p:nvPr/>
+        </p:nvSpPr>
+        <p:spPr>
+          <a:xfrm>
+            <a:off x="3416300" y="3638768"/>
+            <a:ext cx="2044700" cy="841266"/>
+          </a:xfrm>
+          <a:prstGeom prst="ellipse">
+            <a:avLst/>
+          </a:prstGeom>
+          <a:noFill/>
+          <a:ln w="38100">
+            <a:solidFill>
+              <a:srgbClr val="FF0000"/>
+            </a:solidFill>
+          </a:ln>
+        </p:spPr>
+        <p:style>
+          <a:lnRef idx="2">
+            <a:schemeClr val="accent1">
+              <a:shade val="50000"/>
+            </a:schemeClr>
+          </a:lnRef>
+          <a:fillRef idx="1">
+            <a:schemeClr val="accent1"/>
+          </a:fillRef>
+          <a:effectRef idx="0">
+            <a:schemeClr val="accent1"/>
+          </a:effectRef>
+          <a:fontRef idx="minor">
+            <a:schemeClr val="lt1"/>
+          </a:fontRef>
+        </p:style>
+        <p:txBody>
+          <a:bodyPr rtlCol="0" anchor="ctr"/>
+          <a:lstStyle/>
+          <a:p>
+            <a:pPr algn="ctr"/>
+            <a:endParaRPr lang="en-US"/>
+          </a:p>
+        </p:txBody>
+      </p:sp>
+      <p:sp>
+        <p:nvSpPr>
+          <p:cNvPr id="15" name="Rectangle 14"/>
+          <p:cNvSpPr/>
+          <p:nvPr/>
+        </p:nvSpPr>
+        <p:spPr>
+          <a:xfrm>
+            <a:off x="2810182" y="4562125"/>
+            <a:ext cx="5698334" cy="369332"/>
+          </a:xfrm>
+          <a:prstGeom prst="rect">
+            <a:avLst/>
+          </a:prstGeom>
+        </p:spPr>
+        <p:txBody>
+          <a:bodyPr wrap="square">
+            <a:spAutoFit/>
+          </a:bodyPr>
+          <a:lstStyle/>
+          <a:p>
+            <a:pPr lvl="1"/>
+            <a:r>
+              <a:rPr lang="en-US" i="1" dirty="0" smtClean="0">
+                <a:solidFill>
+                  <a:srgbClr val="FF0000"/>
+                </a:solidFill>
+              </a:rPr>
+              <a:t>*Error represents minor lost revenue</a:t>
+            </a:r>
+            <a:endParaRPr lang="en-US" i="1" dirty="0">
+              <a:solidFill>
+                <a:srgbClr val="FF0000"/>
+              </a:solidFill>
+            </a:endParaRPr>
+          </a:p>
+        </p:txBody>
+      </p:sp>
+    </p:spTree>
+    <p:extLst>
+      <p:ext uri="{BB962C8B-B14F-4D97-AF65-F5344CB8AC3E}">
+        <p14:creationId xmlns:p14="http://schemas.microsoft.com/office/powerpoint/2010/main" val="1313093697"/>
+      </p:ext>
+    </p:extLst>
+  </p:cSld>
+  <p:clrMapOvr>
+    <a:masterClrMapping/>
+  </p:clrMapOvr>
+  <p:timing>
+    <p:tnLst>
+      <p:par>
+        <p:cTn id="1" dur="indefinite" restart="never" nodeType="tmRoot"/>
+      </p:par>
+    </p:tnLst>
+  </p:timing>
+</p:sld>
+</file>
+
+<file path=ppt/slides/slide5.xml><?xml version="1.0" encoding="utf-8"?>
+<p:sld xmlns:a="http://schemas.openxmlformats.org/drawingml/2006/main" xmlns:r="http://schemas.openxmlformats.org/officeDocument/2006/relationships" xmlns:p="http://schemas.openxmlformats.org/presentationml/2006/main">
+  <p:cSld>
+    <p:spTree>
+      <p:nvGrpSpPr>
+        <p:cNvPr id="1" name=""/>
+        <p:cNvGrpSpPr/>
+        <p:nvPr/>
+      </p:nvGrpSpPr>
+      <p:grpSpPr>
+        <a:xfrm>
+          <a:off x="0" y="0"/>
+          <a:ext cx="0" cy="0"/>
+          <a:chOff x="0" y="0"/>
+          <a:chExt cx="0" cy="0"/>
+        </a:xfrm>
+      </p:grpSpPr>
+      <p:sp>
+        <p:nvSpPr>
+          <p:cNvPr id="3" name="Content Placeholder 2"/>
+          <p:cNvSpPr>
+            <a:spLocks noGrp="1"/>
+          </p:cNvSpPr>
+          <p:nvPr>
+            <p:ph idx="1"/>
+          </p:nvPr>
+        </p:nvSpPr>
+        <p:spPr>
+          <a:xfrm>
+            <a:off x="1484310" y="1209470"/>
+            <a:ext cx="10018713" cy="3124201"/>
+          </a:xfrm>
+        </p:spPr>
+        <p:txBody>
+          <a:bodyPr>
+            <a:normAutofit/>
+          </a:bodyPr>
+          <a:lstStyle/>
+          <a:p>
+            <a:r>
+              <a:rPr lang="en-US" dirty="0" smtClean="0"/>
+              <a:t>Only 22% of cardholders default, so {</a:t>
+            </a:r>
+            <a:r>
+              <a:rPr lang="en-US" dirty="0" smtClean="0"/>
+              <a:t>ŷ = 0} yields similar error rate to models</a:t>
+            </a:r>
+            <a:endParaRPr lang="en-US" dirty="0" smtClean="0"/>
+          </a:p>
+          <a:p>
+            <a:r>
+              <a:rPr lang="en-US" dirty="0" smtClean="0"/>
+              <a:t>Better measures: </a:t>
+            </a:r>
+          </a:p>
+          <a:p>
+            <a:pPr lvl="1"/>
+            <a:r>
+              <a:rPr lang="en-US" dirty="0" smtClean="0"/>
+              <a:t>area </a:t>
+            </a:r>
+            <a:r>
+              <a:rPr lang="en-US" dirty="0" smtClean="0"/>
+              <a:t>ratio of lift </a:t>
+            </a:r>
+            <a:r>
+              <a:rPr lang="en-US" dirty="0" smtClean="0"/>
+              <a:t>chart / </a:t>
+            </a:r>
+            <a:r>
+              <a:rPr lang="en-US" b="1" i="1" dirty="0" smtClean="0">
+                <a:solidFill>
+                  <a:srgbClr val="00B050"/>
+                </a:solidFill>
+              </a:rPr>
+              <a:t>ROC area under curve</a:t>
+            </a:r>
+          </a:p>
+          <a:p>
+            <a:pPr lvl="1"/>
+            <a:r>
+              <a:rPr lang="en-US" dirty="0" smtClean="0"/>
+              <a:t>Sorting Smoothing Method</a:t>
+            </a:r>
+            <a:endParaRPr lang="en-US" dirty="0" smtClean="0"/>
+          </a:p>
+        </p:txBody>
+      </p:sp>
+      <p:graphicFrame>
+        <p:nvGraphicFramePr>
+          <p:cNvPr id="4" name="Table 3"/>
+          <p:cNvGraphicFramePr>
+            <a:graphicFrameLocks noGrp="1"/>
+          </p:cNvGraphicFramePr>
+          <p:nvPr>
+            <p:extLst>
+              <p:ext uri="{D42A27DB-BD31-4B8C-83A1-F6EECF244321}">
+                <p14:modId xmlns:p14="http://schemas.microsoft.com/office/powerpoint/2010/main" val="650805640"/>
+              </p:ext>
+            </p:extLst>
+          </p:nvPr>
+        </p:nvGraphicFramePr>
+        <p:xfrm>
+          <a:off x="1814509" y="3829051"/>
+          <a:ext cx="5177664" cy="2225040"/>
+        </p:xfrm>
+        <a:graphic>
+          <a:graphicData uri="http://schemas.openxmlformats.org/drawingml/2006/table">
+            <a:tbl>
+              <a:tblPr firstRow="1" bandRow="1">
+                <a:tableStyleId>{5C22544A-7EE6-4342-B048-85BDC9FD1C3A}</a:tableStyleId>
+              </a:tblPr>
+              <a:tblGrid>
+                <a:gridCol w="2343024"/>
+                <a:gridCol w="1417320"/>
+                <a:gridCol w="1417320"/>
+              </a:tblGrid>
+              <a:tr h="370840">
+                <a:tc>
+                  <a:txBody>
+                    <a:bodyPr/>
+                    <a:lstStyle/>
+                    <a:p>
+                      <a:r>
+                        <a:rPr lang="en-US" dirty="0" smtClean="0"/>
+                        <a:t>Model</a:t>
+                      </a:r>
+                      <a:endParaRPr lang="en-US" dirty="0"/>
+                    </a:p>
+                  </a:txBody>
+                  <a:tcPr/>
+                </a:tc>
+                <a:tc>
+                  <a:txBody>
+                    <a:bodyPr/>
+                    <a:lstStyle/>
+                    <a:p>
+                      <a:r>
+                        <a:rPr lang="en-US" dirty="0" smtClean="0"/>
+                        <a:t>Error_rate</a:t>
+                      </a:r>
+                      <a:endParaRPr lang="en-US" dirty="0"/>
+                    </a:p>
+                  </a:txBody>
+                  <a:tcPr/>
+                </a:tc>
+                <a:tc>
+                  <a:txBody>
+                    <a:bodyPr/>
+                    <a:lstStyle/>
+                    <a:p>
+                      <a:r>
+                        <a:rPr lang="en-US" dirty="0" smtClean="0"/>
+                        <a:t>ROC_AUC </a:t>
+                      </a:r>
+                      <a:endParaRPr lang="en-US" dirty="0"/>
+                    </a:p>
+                  </a:txBody>
+                  <a:tcPr/>
+                </a:tc>
+              </a:tr>
+              <a:tr h="370840">
+                <a:tc>
+                  <a:txBody>
+                    <a:bodyPr/>
+                    <a:lstStyle/>
+                    <a:p>
+                      <a:pPr marL="0" marR="0" lvl="1" indent="0" algn="l" defTabSz="457200" rtl="0" eaLnBrk="1" fontAlgn="auto" latinLnBrk="0" hangingPunct="1">
+                        <a:lnSpc>
+                          <a:spcPct val="100000"/>
+                        </a:lnSpc>
+                        <a:spcBef>
+                          <a:spcPts val="0"/>
+                        </a:spcBef>
+                        <a:spcAft>
+                          <a:spcPts val="0"/>
+                        </a:spcAft>
+                        <a:buClrTx/>
+                        <a:buSzTx/>
+                        <a:buFontTx/>
+                        <a:buNone/>
+                        <a:tabLst/>
+                        <a:defRPr/>
+                      </a:pPr>
+                      <a:r>
+                        <a:rPr lang="en-US" dirty="0" smtClean="0"/>
+                        <a:t>Classification tree</a:t>
+                      </a:r>
+                    </a:p>
+                  </a:txBody>
+                  <a:tcPr/>
+                </a:tc>
+                <a:tc>
+                  <a:txBody>
+                    <a:bodyPr/>
+                    <a:lstStyle/>
+                    <a:p>
+                      <a:r>
+                        <a:rPr lang="en-US" dirty="0" smtClean="0"/>
+                        <a:t>0%</a:t>
+                      </a:r>
+                      <a:endParaRPr lang="en-US" dirty="0"/>
+                    </a:p>
+                  </a:txBody>
+                  <a:tcPr/>
+                </a:tc>
+                <a:tc>
+                  <a:txBody>
+                    <a:bodyPr/>
+                    <a:lstStyle/>
+                    <a:p>
+                      <a:r>
+                        <a:rPr lang="en-US" dirty="0" smtClean="0"/>
+                        <a:t>100%</a:t>
+                      </a:r>
+                      <a:endParaRPr lang="en-US" dirty="0"/>
+                    </a:p>
+                  </a:txBody>
+                  <a:tcPr/>
+                </a:tc>
+              </a:tr>
+              <a:tr h="370840">
+                <a:tc>
+                  <a:txBody>
+                    <a:bodyPr/>
+                    <a:lstStyle/>
+                    <a:p>
+                      <a:r>
+                        <a:rPr lang="en-US" dirty="0" smtClean="0"/>
+                        <a:t>K-Nearest</a:t>
+                      </a:r>
+                      <a:r>
+                        <a:rPr lang="en-US" baseline="0" dirty="0" smtClean="0"/>
+                        <a:t> Neighbor</a:t>
+                      </a:r>
+                      <a:endParaRPr lang="en-US" dirty="0"/>
+                    </a:p>
+                  </a:txBody>
+                  <a:tcPr/>
+                </a:tc>
+                <a:tc>
+                  <a:txBody>
+                    <a:bodyPr/>
+                    <a:lstStyle/>
+                    <a:p>
+                      <a:r>
+                        <a:rPr lang="en-US" dirty="0" smtClean="0"/>
+                        <a:t>18.3%</a:t>
+                      </a:r>
+                      <a:endParaRPr lang="en-US" dirty="0"/>
+                    </a:p>
+                  </a:txBody>
+                  <a:tcPr/>
+                </a:tc>
+                <a:tc>
+                  <a:txBody>
+                    <a:bodyPr/>
+                    <a:lstStyle/>
+                    <a:p>
+                      <a:r>
+                        <a:rPr lang="en-US" dirty="0" smtClean="0"/>
+                        <a:t>84%</a:t>
+                      </a:r>
+                      <a:endParaRPr lang="en-US" dirty="0"/>
+                    </a:p>
+                  </a:txBody>
+                  <a:tcPr/>
+                </a:tc>
+              </a:tr>
+              <a:tr h="370840">
+                <a:tc>
+                  <a:txBody>
+                    <a:bodyPr/>
+                    <a:lstStyle/>
+                    <a:p>
+                      <a:pPr marL="0" marR="0" lvl="1" indent="0" algn="l" defTabSz="457200" rtl="0" eaLnBrk="1" fontAlgn="auto" latinLnBrk="0" hangingPunct="1">
+                        <a:lnSpc>
+                          <a:spcPct val="100000"/>
+                        </a:lnSpc>
+                        <a:spcBef>
+                          <a:spcPts val="0"/>
+                        </a:spcBef>
+                        <a:spcAft>
+                          <a:spcPts val="0"/>
+                        </a:spcAft>
+                        <a:buClrTx/>
+                        <a:buSzTx/>
+                        <a:buFontTx/>
+                        <a:buNone/>
+                        <a:tabLst/>
+                        <a:defRPr/>
+                      </a:pPr>
+                      <a:r>
+                        <a:rPr lang="en-US" dirty="0" smtClean="0"/>
+                        <a:t>Naïve Bayesian</a:t>
+                      </a:r>
+                    </a:p>
+                  </a:txBody>
+                  <a:tcPr/>
+                </a:tc>
+                <a:tc>
+                  <a:txBody>
+                    <a:bodyPr/>
+                    <a:lstStyle/>
+                    <a:p>
+                      <a:r>
+                        <a:rPr lang="en-US" dirty="0" smtClean="0"/>
+                        <a:t>23.0%</a:t>
+                      </a:r>
+                      <a:endParaRPr lang="en-US" dirty="0"/>
+                    </a:p>
+                  </a:txBody>
+                  <a:tcPr/>
+                </a:tc>
+                <a:tc>
+                  <a:txBody>
+                    <a:bodyPr/>
+                    <a:lstStyle/>
+                    <a:p>
+                      <a:r>
+                        <a:rPr lang="en-US" dirty="0" smtClean="0"/>
+                        <a:t>74%</a:t>
+                      </a:r>
+                      <a:endParaRPr lang="en-US" dirty="0"/>
+                    </a:p>
+                  </a:txBody>
+                  <a:tcPr/>
+                </a:tc>
+              </a:tr>
+              <a:tr h="370840">
+                <a:tc>
+                  <a:txBody>
+                    <a:bodyPr/>
+                    <a:lstStyle/>
+                    <a:p>
+                      <a:pPr marL="0" marR="0" lvl="1" indent="0" algn="l" defTabSz="457200" rtl="0" eaLnBrk="1" fontAlgn="auto" latinLnBrk="0" hangingPunct="1">
+                        <a:lnSpc>
+                          <a:spcPct val="100000"/>
+                        </a:lnSpc>
+                        <a:spcBef>
+                          <a:spcPts val="0"/>
+                        </a:spcBef>
+                        <a:spcAft>
+                          <a:spcPts val="0"/>
+                        </a:spcAft>
+                        <a:buClrTx/>
+                        <a:buSzTx/>
+                        <a:buFontTx/>
+                        <a:buNone/>
+                        <a:tabLst/>
+                        <a:defRPr/>
+                      </a:pPr>
+                      <a:r>
+                        <a:rPr lang="en-US" dirty="0" smtClean="0"/>
+                        <a:t>Discriminant analysis</a:t>
+                      </a:r>
+                    </a:p>
+                  </a:txBody>
+                  <a:tcPr/>
+                </a:tc>
+                <a:tc>
+                  <a:txBody>
+                    <a:bodyPr/>
+                    <a:lstStyle/>
+                    <a:p>
+                      <a:r>
+                        <a:rPr lang="en-US" dirty="0" smtClean="0"/>
+                        <a:t>18.8%</a:t>
+                      </a:r>
+                      <a:endParaRPr lang="en-US" dirty="0"/>
+                    </a:p>
+                  </a:txBody>
+                  <a:tcPr/>
+                </a:tc>
+                <a:tc>
+                  <a:txBody>
+                    <a:bodyPr/>
+                    <a:lstStyle/>
+                    <a:p>
+                      <a:r>
+                        <a:rPr lang="en-US" dirty="0" smtClean="0"/>
+                        <a:t>72%</a:t>
+                      </a:r>
+                      <a:endParaRPr lang="en-US" dirty="0"/>
+                    </a:p>
+                  </a:txBody>
+                  <a:tcPr/>
+                </a:tc>
+              </a:tr>
+              <a:tr h="370840">
+                <a:tc>
+                  <a:txBody>
+                    <a:bodyPr/>
+                    <a:lstStyle/>
+                    <a:p>
+                      <a:pPr marL="0" marR="0" lvl="1" indent="0" algn="l" defTabSz="457200" rtl="0" eaLnBrk="1" fontAlgn="auto" latinLnBrk="0" hangingPunct="1">
+                        <a:lnSpc>
+                          <a:spcPct val="100000"/>
+                        </a:lnSpc>
+                        <a:spcBef>
+                          <a:spcPts val="0"/>
+                        </a:spcBef>
+                        <a:spcAft>
+                          <a:spcPts val="0"/>
+                        </a:spcAft>
+                        <a:buClrTx/>
+                        <a:buSzTx/>
+                        <a:buFontTx/>
+                        <a:buNone/>
+                        <a:tabLst/>
+                        <a:defRPr/>
+                      </a:pPr>
+                      <a:r>
+                        <a:rPr lang="en-US" dirty="0" smtClean="0"/>
+                        <a:t>Logistic</a:t>
+                      </a:r>
+                      <a:r>
+                        <a:rPr lang="en-US" baseline="0" dirty="0" smtClean="0"/>
+                        <a:t> Regression</a:t>
+                      </a:r>
+                      <a:endParaRPr lang="en-US" dirty="0" smtClean="0"/>
+                    </a:p>
+                  </a:txBody>
+                  <a:tcPr/>
+                </a:tc>
+                <a:tc>
+                  <a:txBody>
+                    <a:bodyPr/>
+                    <a:lstStyle/>
+                    <a:p>
+                      <a:r>
+                        <a:rPr lang="en-US" dirty="0" smtClean="0"/>
+                        <a:t>22.1%</a:t>
+                      </a:r>
+                      <a:endParaRPr lang="en-US" dirty="0"/>
+                    </a:p>
+                  </a:txBody>
+                  <a:tcPr/>
+                </a:tc>
+                <a:tc>
+                  <a:txBody>
+                    <a:bodyPr/>
+                    <a:lstStyle/>
+                    <a:p>
+                      <a:r>
+                        <a:rPr lang="en-US" dirty="0" smtClean="0"/>
+                        <a:t>65%</a:t>
+                      </a:r>
+                      <a:endParaRPr lang="en-US" dirty="0"/>
+                    </a:p>
+                  </a:txBody>
+                  <a:tcPr/>
+                </a:tc>
+              </a:tr>
+            </a:tbl>
+          </a:graphicData>
+        </a:graphic>
+      </p:graphicFrame>
+      <p:sp>
+        <p:nvSpPr>
+          <p:cNvPr id="5" name="Oval 4"/>
+          <p:cNvSpPr/>
+          <p:nvPr/>
+        </p:nvSpPr>
+        <p:spPr>
+          <a:xfrm>
+            <a:off x="5384114" y="4150153"/>
+            <a:ext cx="1075037" cy="1959638"/>
+          </a:xfrm>
+          <a:prstGeom prst="ellipse">
+            <a:avLst/>
+          </a:prstGeom>
+          <a:noFill/>
+          <a:ln w="38100">
+            <a:solidFill>
+              <a:srgbClr val="00B050"/>
+            </a:solidFill>
+          </a:ln>
+        </p:spPr>
+        <p:style>
+          <a:lnRef idx="2">
+            <a:schemeClr val="accent1">
+              <a:shade val="50000"/>
+            </a:schemeClr>
+          </a:lnRef>
+          <a:fillRef idx="1">
+            <a:schemeClr val="accent1"/>
+          </a:fillRef>
+          <a:effectRef idx="0">
+            <a:schemeClr val="accent1"/>
+          </a:effectRef>
+          <a:fontRef idx="minor">
+            <a:schemeClr val="lt1"/>
+          </a:fontRef>
+        </p:style>
+        <p:txBody>
+          <a:bodyPr rtlCol="0" anchor="ctr"/>
+          <a:lstStyle/>
+          <a:p>
+            <a:pPr algn="ctr"/>
+            <a:endParaRPr lang="en-US">
+              <a:solidFill>
+                <a:schemeClr val="accent2"/>
+              </a:solidFill>
+            </a:endParaRPr>
+          </a:p>
+        </p:txBody>
+      </p:sp>
+      <p:sp>
+        <p:nvSpPr>
+          <p:cNvPr id="6" name="Rectangle 5"/>
+          <p:cNvSpPr/>
+          <p:nvPr/>
+        </p:nvSpPr>
+        <p:spPr>
+          <a:xfrm>
+            <a:off x="4630281" y="6171641"/>
+            <a:ext cx="2703622" cy="646331"/>
+          </a:xfrm>
+          <a:prstGeom prst="rect">
+            <a:avLst/>
+          </a:prstGeom>
+        </p:spPr>
+        <p:txBody>
+          <a:bodyPr wrap="square">
+            <a:spAutoFit/>
+          </a:bodyPr>
+          <a:lstStyle/>
+          <a:p>
+            <a:pPr lvl="1"/>
+            <a:r>
+              <a:rPr lang="en-US" b="1" i="1" dirty="0" smtClean="0">
+                <a:solidFill>
+                  <a:srgbClr val="00B050"/>
+                </a:solidFill>
+              </a:rPr>
+              <a:t>Better measure of model accuracy -&gt;</a:t>
+            </a:r>
+            <a:endParaRPr lang="en-US" b="1" i="1" dirty="0">
+              <a:solidFill>
+                <a:srgbClr val="00B050"/>
+              </a:solidFill>
+            </a:endParaRPr>
+          </a:p>
+        </p:txBody>
+      </p:sp>
+      <p:pic>
+        <p:nvPicPr>
+          <p:cNvPr id="7" name="Picture 6"/>
+          <p:cNvPicPr>
+            <a:picLocks noChangeAspect="1"/>
+          </p:cNvPicPr>
+          <p:nvPr/>
+        </p:nvPicPr>
+        <p:blipFill>
+          <a:blip r:embed="rId2">
+            <a:extLst>
+              <a:ext uri="{28A0092B-C50C-407E-A947-70E740481C1C}">
+                <a14:useLocalDpi xmlns:a14="http://schemas.microsoft.com/office/drawing/2010/main" val="0"/>
+              </a:ext>
+            </a:extLst>
+          </a:blip>
+          <a:stretch>
+            <a:fillRect/>
+          </a:stretch>
+        </p:blipFill>
+        <p:spPr>
+          <a:xfrm>
+            <a:off x="7117492" y="2977977"/>
+            <a:ext cx="5058033" cy="3793525"/>
+          </a:xfrm>
+          <a:prstGeom prst="rect">
+            <a:avLst/>
+          </a:prstGeom>
+        </p:spPr>
+      </p:pic>
+      <p:sp>
+        <p:nvSpPr>
+          <p:cNvPr id="9" name="Title 8"/>
+          <p:cNvSpPr>
+            <a:spLocks noGrp="1"/>
+          </p:cNvSpPr>
+          <p:nvPr>
+            <p:ph type="title"/>
+          </p:nvPr>
+        </p:nvSpPr>
+        <p:spPr/>
+        <p:txBody>
+          <a:bodyPr/>
+          <a:lstStyle/>
+          <a:p>
+            <a:r>
+              <a:rPr lang="en-US" dirty="0" smtClean="0"/>
+              <a:t>Model Accuracy</a:t>
+            </a:r>
+            <a:endParaRPr lang="en-US" dirty="0"/>
+          </a:p>
+        </p:txBody>
+      </p:sp>
+    </p:spTree>
+    <p:extLst>
+      <p:ext uri="{BB962C8B-B14F-4D97-AF65-F5344CB8AC3E}">
+        <p14:creationId xmlns:p14="http://schemas.microsoft.com/office/powerpoint/2010/main" val="1252872857"/>
+      </p:ext>
+    </p:extLst>
+  </p:cSld>
+  <p:clrMapOvr>
+    <a:masterClrMapping/>
+  </p:clrMapOvr>
+  <mc:AlternateContent xmlns:mc="http://schemas.openxmlformats.org/markup-compatibility/2006">
+    <mc:Choice xmlns:p14="http://schemas.microsoft.com/office/powerpoint/2010/main" Requires="p14">
+      <p:transition p14:dur="0"/>
+    </mc:Choice>
+    <mc:Fallback>
+      <p:transition/>
+    </mc:Fallback>
+  </mc:AlternateContent>
+  <p:timing>
+    <p:tnLst>
+      <p:par>
+        <p:cTn id="1" dur="indefinite" restart="never" nodeType="tmRoot"/>
+      </p:par>
+    </p:tnLst>
+  </p:timing>
+</p:sld>
+</file>
+
+<file path=ppt/slides/slide6.xml><?xml version="1.0" encoding="utf-8"?>
+<p:sld xmlns:a="http://schemas.openxmlformats.org/drawingml/2006/main" xmlns:r="http://schemas.openxmlformats.org/officeDocument/2006/relationships" xmlns:p="http://schemas.openxmlformats.org/presentationml/2006/main">
+  <p:cSld>
+    <p:spTree>
+      <p:nvGrpSpPr>
+        <p:cNvPr id="1" name=""/>
+        <p:cNvGrpSpPr/>
+        <p:nvPr/>
+      </p:nvGrpSpPr>
+      <p:grpSpPr>
+        <a:xfrm>
+          <a:off x="0" y="0"/>
+          <a:ext cx="0" cy="0"/>
+          <a:chOff x="0" y="0"/>
+          <a:chExt cx="0" cy="0"/>
+        </a:xfrm>
+      </p:grpSpPr>
+      <p:sp>
+        <p:nvSpPr>
+          <p:cNvPr id="2" name="Title 1"/>
+          <p:cNvSpPr>
+            <a:spLocks noGrp="1"/>
+          </p:cNvSpPr>
+          <p:nvPr>
+            <p:ph type="title"/>
+          </p:nvPr>
+        </p:nvSpPr>
+        <p:spPr/>
+        <p:txBody>
+          <a:bodyPr/>
+          <a:lstStyle/>
+          <a:p>
+            <a:r>
+              <a:rPr lang="en-US" dirty="0" smtClean="0"/>
+              <a:t>Baseline Methods</a:t>
+            </a:r>
+            <a:endParaRPr lang="en-US" dirty="0"/>
+          </a:p>
+        </p:txBody>
+      </p:sp>
+      <p:sp>
+        <p:nvSpPr>
+          <p:cNvPr id="3" name="Content Placeholder 2"/>
+          <p:cNvSpPr>
+            <a:spLocks noGrp="1"/>
+          </p:cNvSpPr>
+          <p:nvPr>
+            <p:ph idx="1"/>
+          </p:nvPr>
+        </p:nvSpPr>
+        <p:spPr/>
+        <p:txBody>
+          <a:bodyPr>
+            <a:normAutofit fontScale="92500" lnSpcReduction="20000"/>
+          </a:bodyPr>
+          <a:lstStyle/>
+          <a:p>
+            <a:r>
+              <a:rPr lang="en-US" dirty="0"/>
+              <a:t>Data split into 2 groups, model training and validation</a:t>
+            </a:r>
+          </a:p>
+          <a:p>
+            <a:r>
+              <a:rPr lang="en-US" dirty="0" smtClean="0"/>
+              <a:t>Techniques</a:t>
+            </a:r>
+          </a:p>
+          <a:p>
+            <a:pPr lvl="1"/>
+            <a:r>
+              <a:rPr lang="en-US" dirty="0" smtClean="0"/>
+              <a:t>K-nearest neighbor</a:t>
+            </a:r>
+          </a:p>
+          <a:p>
+            <a:pPr lvl="1"/>
+            <a:r>
+              <a:rPr lang="en-US" dirty="0" smtClean="0"/>
+              <a:t>Logistic regression</a:t>
+            </a:r>
+          </a:p>
+          <a:p>
+            <a:pPr lvl="1"/>
+            <a:r>
+              <a:rPr lang="en-US" dirty="0" smtClean="0"/>
+              <a:t>Discriminant analysis</a:t>
+            </a:r>
+          </a:p>
+          <a:p>
+            <a:pPr lvl="1"/>
+            <a:r>
+              <a:rPr lang="en-US" dirty="0" smtClean="0"/>
+              <a:t>Naïve Bayesian</a:t>
+            </a:r>
+          </a:p>
+          <a:p>
+            <a:pPr lvl="1"/>
+            <a:r>
+              <a:rPr lang="en-US" dirty="0" smtClean="0"/>
+              <a:t>Neural </a:t>
+            </a:r>
+            <a:r>
+              <a:rPr lang="en-US" dirty="0" smtClean="0"/>
+              <a:t>networks</a:t>
+            </a:r>
+            <a:endParaRPr lang="en-US" dirty="0" smtClean="0"/>
+          </a:p>
+          <a:p>
+            <a:pPr lvl="1"/>
+            <a:r>
+              <a:rPr lang="en-US" dirty="0" smtClean="0"/>
+              <a:t>Classification tree</a:t>
+            </a:r>
+            <a:endParaRPr lang="en-US" dirty="0"/>
+          </a:p>
+        </p:txBody>
+      </p:sp>
+    </p:spTree>
+    <p:extLst>
+      <p:ext uri="{BB962C8B-B14F-4D97-AF65-F5344CB8AC3E}">
+        <p14:creationId xmlns:p14="http://schemas.microsoft.com/office/powerpoint/2010/main" val="1332911498"/>
+      </p:ext>
+    </p:extLst>
+  </p:cSld>
+  <p:clrMapOvr>
+    <a:masterClrMapping/>
+  </p:clrMapOvr>
+  <p:timing>
+    <p:tnLst>
+      <p:par>
+        <p:cTn id="1" dur="indefinite" restart="never" nodeType="tmRoot"/>
+      </p:par>
+    </p:tnLst>
+  </p:timing>
+</p:sld>
+</file>
+
+<file path=ppt/slides/slide7.xml><?xml version="1.0" encoding="utf-8"?>
+<p:sld xmlns:a="http://schemas.openxmlformats.org/drawingml/2006/main" xmlns:r="http://schemas.openxmlformats.org/officeDocument/2006/relationships" xmlns:p="http://schemas.openxmlformats.org/presentationml/2006/main">
+  <p:cSld>
+    <p:spTree>
+      <p:nvGrpSpPr>
+        <p:cNvPr id="1" name=""/>
+        <p:cNvGrpSpPr/>
+        <p:nvPr/>
+      </p:nvGrpSpPr>
+      <p:grpSpPr>
+        <a:xfrm>
+          <a:off x="0" y="0"/>
+          <a:ext cx="0" cy="0"/>
+          <a:chOff x="0" y="0"/>
+          <a:chExt cx="0" cy="0"/>
+        </a:xfrm>
+      </p:grpSpPr>
+      <p:sp>
+        <p:nvSpPr>
+          <p:cNvPr id="2" name="Title 1"/>
+          <p:cNvSpPr>
+            <a:spLocks noGrp="1"/>
+          </p:cNvSpPr>
+          <p:nvPr>
+            <p:ph type="title"/>
+          </p:nvPr>
+        </p:nvSpPr>
+        <p:spPr/>
+        <p:txBody>
+          <a:bodyPr/>
+          <a:lstStyle/>
+          <a:p>
+            <a:r>
+              <a:rPr lang="en-US" dirty="0" smtClean="0"/>
+              <a:t>Improvements Attempted</a:t>
+            </a:r>
+            <a:endParaRPr lang="en-US" dirty="0"/>
+          </a:p>
+        </p:txBody>
+      </p:sp>
+      <p:sp>
+        <p:nvSpPr>
+          <p:cNvPr id="3" name="Content Placeholder 2"/>
+          <p:cNvSpPr>
+            <a:spLocks noGrp="1"/>
+          </p:cNvSpPr>
+          <p:nvPr>
+            <p:ph idx="1"/>
+          </p:nvPr>
+        </p:nvSpPr>
+        <p:spPr/>
+        <p:txBody>
+          <a:bodyPr>
+            <a:normAutofit/>
+          </a:bodyPr>
+          <a:lstStyle/>
+          <a:p>
+            <a:pPr>
+              <a:buFont typeface="Arial" charset="0"/>
+              <a:buChar char="•"/>
+            </a:pPr>
+            <a:r>
+              <a:rPr lang="en-US" dirty="0"/>
+              <a:t>Feature </a:t>
+            </a:r>
+            <a:r>
+              <a:rPr lang="en-US" dirty="0" smtClean="0"/>
+              <a:t>selection</a:t>
+            </a:r>
+            <a:endParaRPr lang="en-US" dirty="0" smtClean="0"/>
+          </a:p>
+          <a:p>
+            <a:r>
+              <a:rPr lang="en-US" dirty="0" smtClean="0"/>
+              <a:t>10-fold cross validation </a:t>
+            </a:r>
+            <a:endParaRPr lang="en-US" dirty="0" smtClean="0"/>
+          </a:p>
+          <a:p>
+            <a:r>
+              <a:rPr lang="en-US" dirty="0" smtClean="0"/>
+              <a:t>PCA </a:t>
+            </a:r>
+            <a:r>
+              <a:rPr lang="en-US" dirty="0" smtClean="0"/>
+              <a:t>w/ Random </a:t>
+            </a:r>
+            <a:r>
+              <a:rPr lang="en-US" dirty="0" smtClean="0"/>
+              <a:t>forest</a:t>
+            </a:r>
+            <a:endParaRPr lang="en-US" dirty="0" smtClean="0"/>
+          </a:p>
+        </p:txBody>
+      </p:sp>
+    </p:spTree>
+    <p:extLst>
+      <p:ext uri="{BB962C8B-B14F-4D97-AF65-F5344CB8AC3E}">
+        <p14:creationId xmlns:p14="http://schemas.microsoft.com/office/powerpoint/2010/main" val="1726699464"/>
+      </p:ext>
+    </p:extLst>
+  </p:cSld>
+  <p:clrMapOvr>
+    <a:masterClrMapping/>
+  </p:clrMapOvr>
+  <p:timing>
+    <p:tnLst>
+      <p:par>
+        <p:cTn id="1" dur="indefinite" restart="never" nodeType="tmRoot"/>
+      </p:par>
+    </p:tnLst>
+  </p:timing>
+</p:sld>
+</file>
+
+<file path=ppt/slides/slide8.xml><?xml version="1.0" encoding="utf-8"?>
+<p:sld xmlns:a="http://schemas.openxmlformats.org/drawingml/2006/main" xmlns:r="http://schemas.openxmlformats.org/officeDocument/2006/relationships" xmlns:p="http://schemas.openxmlformats.org/presentationml/2006/main">
+  <p:cSld>
+    <p:spTree>
+      <p:nvGrpSpPr>
+        <p:cNvPr id="1" name=""/>
+        <p:cNvGrpSpPr/>
+        <p:nvPr/>
+      </p:nvGrpSpPr>
+      <p:grpSpPr>
+        <a:xfrm>
+          <a:off x="0" y="0"/>
+          <a:ext cx="0" cy="0"/>
+          <a:chOff x="0" y="0"/>
+          <a:chExt cx="0" cy="0"/>
+        </a:xfrm>
+      </p:grpSpPr>
+      <p:sp>
+        <p:nvSpPr>
+          <p:cNvPr id="2" name="Title 1"/>
+          <p:cNvSpPr>
+            <a:spLocks noGrp="1"/>
+          </p:cNvSpPr>
+          <p:nvPr>
+            <p:ph type="title"/>
+          </p:nvPr>
+        </p:nvSpPr>
+        <p:spPr/>
+        <p:txBody>
+          <a:bodyPr/>
+          <a:lstStyle/>
+          <a:p>
+            <a:r>
+              <a:rPr lang="en-US"/>
+              <a:t>Experiment: Feature Selection (1 of 2)</a:t>
+            </a:r>
+          </a:p>
+        </p:txBody>
+      </p:sp>
+      <p:pic>
+        <p:nvPicPr>
+          <p:cNvPr id="6" name="Picture 5"/>
+          <p:cNvPicPr>
+            <a:picLocks noChangeAspect="1"/>
+          </p:cNvPicPr>
+          <p:nvPr/>
+        </p:nvPicPr>
+        <p:blipFill>
+          <a:blip r:embed="rId2">
+            <a:duotone>
+              <a:prstClr val="black"/>
+              <a:srgbClr val="D9C3A5">
+                <a:tint val="50000"/>
+                <a:satMod val="180000"/>
+              </a:srgbClr>
+            </a:duotone>
+            <a:extLst>
+              <a:ext uri="{28A0092B-C50C-407E-A947-70E740481C1C}">
+                <a14:useLocalDpi xmlns:a14="http://schemas.microsoft.com/office/drawing/2010/main" val="0"/>
+              </a:ext>
+            </a:extLst>
+          </a:blip>
+          <a:stretch>
+            <a:fillRect/>
+          </a:stretch>
+        </p:blipFill>
+        <p:spPr>
+          <a:xfrm>
+            <a:off x="1499616" y="2066544"/>
+            <a:ext cx="9985248" cy="3762802"/>
+          </a:xfrm>
+          <a:prstGeom prst="rect">
+            <a:avLst/>
+          </a:prstGeom>
+          <a:solidFill>
+            <a:schemeClr val="accent1"/>
+          </a:solidFill>
+        </p:spPr>
+      </p:pic>
+      <p:sp>
+        <p:nvSpPr>
+          <p:cNvPr id="5" name="Rectangle 4"/>
+          <p:cNvSpPr/>
+          <p:nvPr/>
+        </p:nvSpPr>
+        <p:spPr>
+          <a:xfrm>
+            <a:off x="1087052" y="2065862"/>
+            <a:ext cx="2291148" cy="646331"/>
+          </a:xfrm>
+          <a:prstGeom prst="rect">
+            <a:avLst/>
+          </a:prstGeom>
+        </p:spPr>
+        <p:txBody>
+          <a:bodyPr wrap="square">
+            <a:spAutoFit/>
+          </a:bodyPr>
+          <a:lstStyle/>
+          <a:p>
+            <a:pPr lvl="1"/>
+            <a:r>
+              <a:rPr lang="en-US" b="1" i="1" u="sng" dirty="0" smtClean="0">
+                <a:solidFill>
+                  <a:schemeClr val="accent1"/>
+                </a:solidFill>
+              </a:rPr>
+              <a:t>Baseline Data</a:t>
+            </a:r>
+          </a:p>
+          <a:p>
+            <a:pPr lvl="1"/>
+            <a:r>
+              <a:rPr lang="en-US" b="1" i="1" u="sng" dirty="0" smtClean="0">
+                <a:solidFill>
+                  <a:schemeClr val="accent1"/>
+                </a:solidFill>
+              </a:rPr>
+              <a:t>Decision Tree</a:t>
+            </a:r>
+            <a:endParaRPr lang="en-US" b="1" i="1" u="sng" dirty="0">
+              <a:solidFill>
+                <a:schemeClr val="accent1"/>
+              </a:solidFill>
+            </a:endParaRPr>
+          </a:p>
+        </p:txBody>
+      </p:sp>
+    </p:spTree>
+    <p:extLst>
+      <p:ext uri="{BB962C8B-B14F-4D97-AF65-F5344CB8AC3E}">
+        <p14:creationId xmlns:p14="http://schemas.microsoft.com/office/powerpoint/2010/main" val="318153057"/>
       </p:ext>
     </p:extLst>
   </p:cSld>
@@ -9163,98 +9437,226 @@
           <a:lstStyle/>
           <a:p>
             <a:r>
-              <a:rPr lang="en-US" dirty="0"/>
-              <a:t>Experiment: </a:t>
-            </a:r>
-            <a:r>
-              <a:rPr lang="en-US" dirty="0" smtClean="0"/>
-              <a:t>10-fold cross validation</a:t>
-            </a:r>
-            <a:endParaRPr lang="en-US" dirty="0"/>
-          </a:p>
-        </p:txBody>
-      </p:sp>
-      <p:sp>
-        <p:nvSpPr>
-          <p:cNvPr id="3" name="Content Placeholder 2"/>
-          <p:cNvSpPr>
-            <a:spLocks noGrp="1"/>
-          </p:cNvSpPr>
-          <p:nvPr>
-            <p:ph idx="1"/>
-          </p:nvPr>
-        </p:nvSpPr>
+              <a:rPr lang="en-US"/>
+              <a:t>Experiment: Feature </a:t>
+            </a:r>
+            <a:r>
+              <a:rPr lang="en-US"/>
+              <a:t>Selection </a:t>
+            </a:r>
+            <a:r>
+              <a:rPr lang="en-US" smtClean="0"/>
+              <a:t>(2 </a:t>
+            </a:r>
+            <a:r>
+              <a:rPr lang="en-US"/>
+              <a:t>of 2)</a:t>
+            </a:r>
+          </a:p>
+        </p:txBody>
+      </p:sp>
+      <p:pic>
+        <p:nvPicPr>
+          <p:cNvPr id="7" name="Picture 6"/>
+          <p:cNvPicPr preferRelativeResize="0">
+            <a:picLocks/>
+          </p:cNvPicPr>
+          <p:nvPr/>
+        </p:nvPicPr>
+        <p:blipFill>
+          <a:blip r:embed="rId2">
+            <a:duotone>
+              <a:prstClr val="black"/>
+              <a:srgbClr val="D9C3A5">
+                <a:tint val="50000"/>
+                <a:satMod val="180000"/>
+              </a:srgbClr>
+            </a:duotone>
+            <a:extLst>
+              <a:ext uri="{28A0092B-C50C-407E-A947-70E740481C1C}">
+                <a14:useLocalDpi xmlns:a14="http://schemas.microsoft.com/office/drawing/2010/main" val="0"/>
+              </a:ext>
+            </a:extLst>
+          </a:blip>
+          <a:stretch>
+            <a:fillRect/>
+          </a:stretch>
+        </p:blipFill>
         <p:spPr>
           <a:xfrm>
-            <a:off x="1484310" y="3047999"/>
-            <a:ext cx="10018713" cy="3124201"/>
+            <a:off x="1499616" y="2066544"/>
+            <a:ext cx="9985248" cy="3767328"/>
           </a:xfrm>
+          <a:prstGeom prst="rect">
+            <a:avLst/>
+          </a:prstGeom>
         </p:spPr>
-        <p:txBody>
-          <a:bodyPr>
-            <a:normAutofit/>
+      </p:pic>
+      <p:sp>
+        <p:nvSpPr>
+          <p:cNvPr id="5" name="Rectangle 4"/>
+          <p:cNvSpPr/>
+          <p:nvPr/>
+        </p:nvSpPr>
+        <p:spPr>
+          <a:xfrm>
+            <a:off x="1087052" y="2065862"/>
+            <a:ext cx="2837248" cy="646331"/>
+          </a:xfrm>
+          <a:prstGeom prst="rect">
+            <a:avLst/>
+          </a:prstGeom>
+        </p:spPr>
+        <p:txBody>
+          <a:bodyPr wrap="square">
+            <a:spAutoFit/>
           </a:bodyPr>
           <a:lstStyle/>
           <a:p>
-            <a:r>
-              <a:rPr lang="en-US" dirty="0" smtClean="0"/>
-              <a:t>10-fold cross validation</a:t>
-            </a:r>
-            <a:r>
-              <a:rPr lang="en-US" dirty="0" smtClean="0">
+            <a:pPr lvl="1"/>
+            <a:r>
+              <a:rPr lang="en-US" b="1" i="1" u="sng" dirty="0" smtClean="0">
+                <a:solidFill>
+                  <a:schemeClr val="accent1"/>
+                </a:solidFill>
+              </a:rPr>
+              <a:t>Feature Selected Data</a:t>
+            </a:r>
+          </a:p>
+          <a:p>
+            <a:pPr lvl="1"/>
+            <a:r>
+              <a:rPr lang="en-US" b="1" i="1" u="sng" dirty="0" smtClean="0">
+                <a:solidFill>
+                  <a:schemeClr val="accent1"/>
+                </a:solidFill>
+              </a:rPr>
+              <a:t>Decision Tree</a:t>
+            </a:r>
+            <a:endParaRPr lang="en-US" b="1" i="1" u="sng" dirty="0">
+              <a:solidFill>
+                <a:schemeClr val="accent1"/>
+              </a:solidFill>
+            </a:endParaRPr>
+          </a:p>
+        </p:txBody>
+      </p:sp>
+      <p:sp>
+        <p:nvSpPr>
+          <p:cNvPr id="8" name="Oval 7"/>
+          <p:cNvSpPr/>
+          <p:nvPr/>
+        </p:nvSpPr>
+        <p:spPr>
+          <a:xfrm>
+            <a:off x="9017000" y="3682999"/>
+            <a:ext cx="1473200" cy="800102"/>
+          </a:xfrm>
+          <a:prstGeom prst="ellipse">
+            <a:avLst/>
+          </a:prstGeom>
+          <a:noFill/>
+          <a:ln w="38100">
+            <a:solidFill>
+              <a:srgbClr val="00B050"/>
+            </a:solidFill>
+          </a:ln>
+        </p:spPr>
+        <p:style>
+          <a:lnRef idx="2">
+            <a:schemeClr val="accent1">
+              <a:shade val="50000"/>
+            </a:schemeClr>
+          </a:lnRef>
+          <a:fillRef idx="1">
+            <a:schemeClr val="accent1"/>
+          </a:fillRef>
+          <a:effectRef idx="0">
+            <a:schemeClr val="accent1"/>
+          </a:effectRef>
+          <a:fontRef idx="minor">
+            <a:schemeClr val="lt1"/>
+          </a:fontRef>
+        </p:style>
+        <p:txBody>
+          <a:bodyPr rtlCol="0" anchor="ctr"/>
+          <a:lstStyle/>
+          <a:p>
+            <a:pPr algn="ctr"/>
+            <a:endParaRPr lang="en-US">
+              <a:solidFill>
+                <a:schemeClr val="accent2"/>
+              </a:solidFill>
+            </a:endParaRPr>
+          </a:p>
+        </p:txBody>
+      </p:sp>
+      <p:sp>
+        <p:nvSpPr>
+          <p:cNvPr id="9" name="Rectangle 8"/>
+          <p:cNvSpPr/>
+          <p:nvPr/>
+        </p:nvSpPr>
+        <p:spPr>
+          <a:xfrm>
+            <a:off x="9220200" y="3067733"/>
+            <a:ext cx="2569464" cy="646331"/>
+          </a:xfrm>
+          <a:prstGeom prst="rect">
+            <a:avLst/>
+          </a:prstGeom>
+        </p:spPr>
+        <p:txBody>
+          <a:bodyPr wrap="square">
+            <a:spAutoFit/>
+          </a:bodyPr>
+          <a:lstStyle/>
+          <a:p>
+            <a:pPr lvl="1"/>
+            <a:r>
+              <a:rPr lang="en-US" b="1" i="1">
                 <a:solidFill>
                   <a:srgbClr val="00B050"/>
                 </a:solidFill>
               </a:rPr>
-              <a:t> improved </a:t>
-            </a:r>
-            <a:r>
-              <a:rPr lang="en-US" dirty="0" smtClean="0"/>
-              <a:t>error rates by </a:t>
-            </a:r>
-            <a:r>
-              <a:rPr lang="en-US" dirty="0" smtClean="0">
+              <a:t>c</a:t>
+            </a:r>
+            <a:r>
+              <a:rPr lang="en-US" b="1" i="1" smtClean="0">
                 <a:solidFill>
                   <a:srgbClr val="00B050"/>
                 </a:solidFill>
               </a:rPr>
-              <a:t>200bp </a:t>
-            </a:r>
-            <a:r>
-              <a:rPr lang="en-US" dirty="0" smtClean="0"/>
-              <a:t>over 50/50 split</a:t>
-            </a:r>
-            <a:endParaRPr lang="en-US" dirty="0" smtClean="0">
+              <a:t>redit_balance</a:t>
+            </a:r>
+            <a:r>
+              <a:rPr lang="en-US" b="1" i="1" dirty="0" smtClean="0">
+                <a:solidFill>
+                  <a:srgbClr val="00B050"/>
+                </a:solidFill>
+              </a:rPr>
+              <a:t> / </a:t>
+            </a:r>
+            <a:r>
+              <a:rPr lang="en-US" b="1" i="1" smtClean="0">
+                <a:solidFill>
+                  <a:srgbClr val="00B050"/>
+                </a:solidFill>
+              </a:rPr>
+              <a:t>max_credit</a:t>
+            </a:r>
+            <a:endParaRPr lang="en-US" b="1" i="1" dirty="0">
               <a:solidFill>
                 <a:srgbClr val="00B050"/>
               </a:solidFill>
             </a:endParaRPr>
           </a:p>
-          <a:p>
-            <a:r>
-              <a:rPr lang="en-US" dirty="0" smtClean="0"/>
-              <a:t>[]</a:t>
-            </a:r>
-          </a:p>
-          <a:p>
-            <a:r>
-              <a:rPr lang="en-US" dirty="0" smtClean="0"/>
-              <a:t>[]</a:t>
-            </a:r>
-          </a:p>
-          <a:p>
-            <a:r>
-              <a:rPr lang="en-US" dirty="0" smtClean="0"/>
-              <a:t>[]</a:t>
-            </a:r>
-            <a:endParaRPr lang="en-US" dirty="0" smtClean="0"/>
-          </a:p>
         </p:txBody>
       </p:sp>
     </p:spTree>
     <p:extLst>
       <p:ext uri="{BB962C8B-B14F-4D97-AF65-F5344CB8AC3E}">
-        <p14:creationId xmlns:p14="http://schemas.microsoft.com/office/powerpoint/2010/main" val="1010262402"/>
+        <p14:creationId xmlns:p14="http://schemas.microsoft.com/office/powerpoint/2010/main" val="1334948905"/>
       </p:ext>
     </p:extLst>
   </p:cSld>

--- a/Predicting_Credit_Card_defaults.pptx
+++ b/Predicting_Credit_Card_defaults.pptx
@@ -6264,6 +6264,9 @@
           </a:bodyPr>
           <a:lstStyle/>
           <a:p>
+            <a:pPr marL="0" indent="0">
+              <a:buNone/>
+            </a:pPr>
             <a:endParaRPr lang="en-US" dirty="0" smtClean="0"/>
           </a:p>
           <a:p>
@@ -6312,7 +6315,6 @@
               <a:rPr lang="en-US" dirty="0" smtClean="0"/>
               <a:t>Did not attempt to remove features (23 is a low cardinality already)</a:t>
             </a:r>
-            <a:endParaRPr lang="en-US" dirty="0" smtClean="0"/>
           </a:p>
         </p:txBody>
       </p:sp>
@@ -6322,10 +6324,16 @@
           <p:cNvGraphicFramePr>
             <a:graphicFrameLocks noGrp="1"/>
           </p:cNvGraphicFramePr>
-          <p:nvPr/>
+          <p:nvPr>
+            <p:extLst>
+              <p:ext uri="{D42A27DB-BD31-4B8C-83A1-F6EECF244321}">
+                <p14:modId xmlns:p14="http://schemas.microsoft.com/office/powerpoint/2010/main" val="2135607710"/>
+              </p:ext>
+            </p:extLst>
+          </p:nvPr>
         </p:nvGraphicFramePr>
         <p:xfrm>
-          <a:off x="6869106" y="2012951"/>
+          <a:off x="4041769" y="1985656"/>
           <a:ext cx="4903794" cy="2494280"/>
         </p:xfrm>
         <a:graphic>
@@ -6432,7 +6440,7 @@
                     <a:p>
                       <a:r>
                         <a:rPr lang="en-US" dirty="0" smtClean="0"/>
-                        <a:t>100%</a:t>
+                        <a:t>61%</a:t>
                       </a:r>
                       <a:endParaRPr lang="en-US" dirty="0"/>
                     </a:p>
@@ -6446,7 +6454,7 @@
                     <a:p>
                       <a:r>
                         <a:rPr lang="en-US" dirty="0" smtClean="0"/>
-                        <a:t>100%</a:t>
+                        <a:t>61%</a:t>
                       </a:r>
                       <a:endParaRPr lang="en-US" dirty="0"/>
                     </a:p>
@@ -6480,7 +6488,7 @@
                     <a:p>
                       <a:r>
                         <a:rPr lang="en-US" dirty="0" smtClean="0"/>
-                        <a:t>84%</a:t>
+                        <a:t>61%</a:t>
                       </a:r>
                       <a:endParaRPr lang="en-US" dirty="0"/>
                     </a:p>
@@ -6494,7 +6502,7 @@
                     <a:p>
                       <a:r>
                         <a:rPr lang="en-US" dirty="0" smtClean="0"/>
-                        <a:t>84%</a:t>
+                        <a:t>61%</a:t>
                       </a:r>
                       <a:endParaRPr lang="en-US" dirty="0"/>
                     </a:p>
@@ -6540,7 +6548,7 @@
                     <a:p>
                       <a:r>
                         <a:rPr lang="en-US" dirty="0" smtClean="0"/>
-                        <a:t>74%</a:t>
+                        <a:t>75%</a:t>
                       </a:r>
                       <a:endParaRPr lang="en-US" dirty="0"/>
                     </a:p>
@@ -6554,7 +6562,7 @@
                     <a:p>
                       <a:r>
                         <a:rPr lang="en-US" dirty="0" smtClean="0"/>
-                        <a:t>74%</a:t>
+                        <a:t>75%</a:t>
                       </a:r>
                       <a:endParaRPr lang="en-US" dirty="0"/>
                     </a:p>
@@ -6600,7 +6608,7 @@
                     <a:p>
                       <a:r>
                         <a:rPr lang="en-US" dirty="0" smtClean="0"/>
-                        <a:t>72%</a:t>
+                        <a:t>73%</a:t>
                       </a:r>
                       <a:endParaRPr lang="en-US" dirty="0"/>
                     </a:p>
@@ -6614,7 +6622,7 @@
                     <a:p>
                       <a:r>
                         <a:rPr lang="en-US" dirty="0" smtClean="0"/>
-                        <a:t>72%</a:t>
+                        <a:t>73%</a:t>
                       </a:r>
                       <a:endParaRPr lang="en-US" dirty="0"/>
                     </a:p>
@@ -6665,7 +6673,7 @@
                     <a:p>
                       <a:r>
                         <a:rPr lang="en-US" dirty="0" smtClean="0"/>
-                        <a:t>65%</a:t>
+                        <a:t>66%</a:t>
                       </a:r>
                       <a:endParaRPr lang="en-US" dirty="0"/>
                     </a:p>
@@ -6679,7 +6687,7 @@
                     <a:p>
                       <a:r>
                         <a:rPr lang="en-US" dirty="0" smtClean="0"/>
-                        <a:t>65%</a:t>
+                        <a:t>66%</a:t>
                       </a:r>
                       <a:endParaRPr lang="en-US" dirty="0"/>
                     </a:p>
@@ -6828,7 +6836,6 @@
               <a:rPr lang="en-US" dirty="0" smtClean="0"/>
               <a:t>[]</a:t>
             </a:r>
-            <a:endParaRPr lang="en-US" dirty="0" smtClean="0"/>
           </a:p>
         </p:txBody>
       </p:sp>
@@ -6890,7 +6897,7 @@
             </a:r>
             <a:r>
               <a:rPr lang="en-US" dirty="0" smtClean="0"/>
-              <a:t>PCA with Random Forest</a:t>
+              <a:t>PCA</a:t>
             </a:r>
             <a:endParaRPr lang="en-US" dirty="0"/>
           </a:p>
@@ -6957,7 +6964,6 @@
               <a:rPr lang="en-US" dirty="0" smtClean="0"/>
               <a:t>[]</a:t>
             </a:r>
-            <a:endParaRPr lang="en-US" dirty="0" smtClean="0"/>
           </a:p>
         </p:txBody>
       </p:sp>
@@ -7034,7 +7040,7 @@
         <p:spPr/>
         <p:txBody>
           <a:bodyPr>
-            <a:normAutofit fontScale="92500"/>
+            <a:normAutofit fontScale="85000" lnSpcReduction="10000"/>
           </a:bodyPr>
           <a:lstStyle/>
           <a:p>
@@ -7042,7 +7048,6 @@
               <a:rPr lang="en-US" dirty="0" smtClean="0"/>
               <a:t>Newly available (Jan-16) credit card data yielded opportunity to predict defaults</a:t>
             </a:r>
-            <a:endParaRPr lang="en-US" dirty="0" smtClean="0"/>
           </a:p>
           <a:p>
             <a:r>
@@ -7053,7 +7058,6 @@
               <a:rPr lang="en-US" dirty="0" smtClean="0"/>
               <a:t>onsider the best measure for testing model accuracy (here: lift chart or ROC_AUC)</a:t>
             </a:r>
-            <a:endParaRPr lang="en-US" dirty="0" smtClean="0"/>
           </a:p>
           <a:p>
             <a:r>
@@ -7065,11 +7069,7 @@
             <a:pPr lvl="1"/>
             <a:r>
               <a:rPr lang="en-US" dirty="0" smtClean="0"/>
-              <a:t>I</a:t>
-            </a:r>
-            <a:r>
-              <a:rPr lang="en-US" dirty="0" smtClean="0"/>
-              <a:t>mprovement: </a:t>
+              <a:t>Improvement: </a:t>
             </a:r>
             <a:r>
               <a:rPr lang="en-US" dirty="0" smtClean="0">
@@ -7108,7 +7108,15 @@
                   <a:srgbClr val="FF0000"/>
                 </a:solidFill>
               </a:rPr>
-              <a:t>Feature Selection, PCA with Random Forest</a:t>
+              <a:t>Feature Selection, </a:t>
+            </a:r>
+            <a:r>
+              <a:rPr lang="en-US" dirty="0" smtClean="0">
+                <a:solidFill>
+                  <a:srgbClr val="FF0000"/>
+                </a:solidFill>
+              </a:rPr>
+              <a:t>PCA</a:t>
             </a:r>
             <a:endParaRPr lang="en-US" dirty="0" smtClean="0">
               <a:solidFill>
@@ -7139,6 +7147,48 @@
               </a:rPr>
               <a:t>github.com/jb08/credit_card_default_ML</a:t>
             </a:r>
+            <a:endParaRPr lang="en-US" dirty="0" smtClean="0"/>
+          </a:p>
+          <a:p>
+            <a:r>
+              <a:rPr lang="en-US" dirty="0" smtClean="0"/>
+              <a:t>Paper reference:  The </a:t>
+            </a:r>
+            <a:r>
+              <a:rPr lang="en-US" dirty="0"/>
+              <a:t>comparisons of data mining techniques for the predictive accuracy of probability of default of credit card clients </a:t>
+            </a:r>
+            <a:r>
+              <a:rPr lang="en-US" dirty="0" smtClean="0"/>
+              <a:t> </a:t>
+            </a:r>
+            <a:r>
+              <a:rPr lang="en-US" dirty="0"/>
+              <a:t>I-Cheng </a:t>
+            </a:r>
+            <a:r>
+              <a:rPr lang="en-US" dirty="0" err="1"/>
+              <a:t>Yeh</a:t>
+            </a:r>
+            <a:r>
+              <a:rPr lang="en-US" dirty="0"/>
+              <a:t> a,*, </a:t>
+            </a:r>
+            <a:r>
+              <a:rPr lang="en-US" dirty="0" err="1"/>
+              <a:t>Che</a:t>
+            </a:r>
+            <a:r>
+              <a:rPr lang="en-US" dirty="0"/>
+              <a:t>-hui Lien </a:t>
+            </a:r>
+            <a:r>
+              <a:rPr lang="en-US" dirty="0" smtClean="0"/>
+              <a:t>b</a:t>
+            </a:r>
+            <a:endParaRPr lang="en-US" dirty="0"/>
+          </a:p>
+          <a:p>
             <a:endParaRPr lang="en-US" dirty="0" smtClean="0"/>
           </a:p>
         </p:txBody>
@@ -7235,33 +7285,13 @@
             </a:r>
             <a:r>
               <a:rPr lang="en-US" dirty="0" smtClean="0"/>
-              <a:t>Taiwanese </a:t>
-            </a:r>
+              <a:t>Taiwanese bank)</a:t>
+            </a:r>
+          </a:p>
+          <a:p>
             <a:r>
               <a:rPr lang="en-US" dirty="0" smtClean="0"/>
-              <a:t>bank)</a:t>
-            </a:r>
-          </a:p>
-          <a:p>
-            <a:r>
-              <a:rPr lang="en-US" dirty="0" smtClean="0"/>
-              <a:t>22</a:t>
-            </a:r>
-            <a:r>
-              <a:rPr lang="en-US" dirty="0" smtClean="0"/>
-              <a:t>% defaulted (</a:t>
-            </a:r>
-            <a:r>
-              <a:rPr lang="en-US" dirty="0" smtClean="0"/>
-              <a:t>6,636 </a:t>
-            </a:r>
-            <a:r>
-              <a:rPr lang="en-US" dirty="0" smtClean="0"/>
-              <a:t>/ 30,000</a:t>
-            </a:r>
-            <a:r>
-              <a:rPr lang="en-US" dirty="0" smtClean="0"/>
-              <a:t>)</a:t>
+              <a:t>22% defaulted (6,636 / 30,000)</a:t>
             </a:r>
           </a:p>
           <a:p>
@@ -7277,7 +7307,6 @@
               <a:rPr lang="en-US" dirty="0" smtClean="0"/>
               <a:t>, Jan-16</a:t>
             </a:r>
-            <a:endParaRPr lang="en-US" dirty="0" smtClean="0"/>
           </a:p>
         </p:txBody>
       </p:sp>
@@ -7852,11 +7881,11 @@
   <p:clrMapOvr>
     <a:masterClrMapping/>
   </p:clrMapOvr>
-  <mc:AlternateContent xmlns:mc="http://schemas.openxmlformats.org/markup-compatibility/2006">
-    <mc:Choice xmlns:p14="http://schemas.microsoft.com/office/powerpoint/2010/main" Requires="p14">
+  <mc:AlternateContent xmlns:mc="http://schemas.openxmlformats.org/markup-compatibility/2006" xmlns:p14="http://schemas.microsoft.com/office/powerpoint/2010/main">
+    <mc:Choice Requires="p14">
       <p:transition p14:dur="0"/>
     </mc:Choice>
-    <mc:Fallback>
+    <mc:Fallback xmlns="">
       <p:transition/>
     </mc:Fallback>
   </mc:AlternateContent>
@@ -8405,7 +8434,7 @@
         </p:nvSpPr>
         <p:spPr>
           <a:xfrm>
-            <a:off x="1484310" y="1209470"/>
+            <a:off x="1484310" y="1069770"/>
             <a:ext cx="10018713" cy="3124201"/>
           </a:xfrm>
         </p:spPr>
@@ -8417,13 +8446,8 @@
           <a:p>
             <a:r>
               <a:rPr lang="en-US" dirty="0" smtClean="0"/>
-              <a:t>Only 22% of cardholders default, so {</a:t>
-            </a:r>
-            <a:r>
-              <a:rPr lang="en-US" dirty="0" smtClean="0"/>
-              <a:t>ŷ = 0} yields similar error rate to models</a:t>
-            </a:r>
-            <a:endParaRPr lang="en-US" dirty="0" smtClean="0"/>
+              <a:t>Only 22% of cardholders default, so {ŷ = 0} yields similar error rate to models</a:t>
+            </a:r>
           </a:p>
           <a:p>
             <a:r>
@@ -8435,15 +8459,7 @@
             <a:pPr lvl="1"/>
             <a:r>
               <a:rPr lang="en-US" dirty="0" smtClean="0"/>
-              <a:t>area </a:t>
-            </a:r>
-            <a:r>
-              <a:rPr lang="en-US" dirty="0" smtClean="0"/>
-              <a:t>ratio of lift </a:t>
-            </a:r>
-            <a:r>
-              <a:rPr lang="en-US" dirty="0" smtClean="0"/>
-              <a:t>chart / </a:t>
+              <a:t>area ratio of lift chart / </a:t>
             </a:r>
             <a:r>
               <a:rPr lang="en-US" b="1" i="1" dirty="0" smtClean="0">
@@ -8451,16 +8467,21 @@
                   <a:srgbClr val="00B050"/>
                 </a:solidFill>
               </a:rPr>
-              <a:t>ROC area under curve</a:t>
-            </a:r>
-          </a:p>
-          <a:p>
-            <a:pPr lvl="1"/>
-            <a:r>
-              <a:rPr lang="en-US" dirty="0" smtClean="0"/>
-              <a:t>Sorting Smoothing Method</a:t>
-            </a:r>
-            <a:endParaRPr lang="en-US" dirty="0" smtClean="0"/>
+              <a:t>ROC area under </a:t>
+            </a:r>
+            <a:r>
+              <a:rPr lang="en-US" b="1" i="1" dirty="0" smtClean="0">
+                <a:solidFill>
+                  <a:srgbClr val="00B050"/>
+                </a:solidFill>
+              </a:rPr>
+              <a:t>curve</a:t>
+            </a:r>
+            <a:endParaRPr lang="en-US" b="1" i="1" dirty="0" smtClean="0">
+              <a:solidFill>
+                <a:srgbClr val="00B050"/>
+              </a:solidFill>
+            </a:endParaRPr>
           </a:p>
         </p:txBody>
       </p:sp>
@@ -8473,7 +8494,7 @@
           <p:nvPr>
             <p:extLst>
               <p:ext uri="{D42A27DB-BD31-4B8C-83A1-F6EECF244321}">
-                <p14:modId xmlns:p14="http://schemas.microsoft.com/office/powerpoint/2010/main" val="650805640"/>
+                <p14:modId xmlns:p14="http://schemas.microsoft.com/office/powerpoint/2010/main" val="1189264436"/>
               </p:ext>
             </p:extLst>
           </p:nvPr>
@@ -8575,7 +8596,7 @@
                     <a:p>
                       <a:r>
                         <a:rPr lang="en-US" dirty="0" smtClean="0"/>
-                        <a:t>0%</a:t>
+                        <a:t>27.3%</a:t>
                       </a:r>
                       <a:endParaRPr lang="en-US" dirty="0"/>
                     </a:p>
@@ -8589,7 +8610,7 @@
                     <a:p>
                       <a:r>
                         <a:rPr lang="en-US" dirty="0" smtClean="0"/>
-                        <a:t>100%</a:t>
+                        <a:t>61%</a:t>
                       </a:r>
                       <a:endParaRPr lang="en-US" dirty="0"/>
                     </a:p>
@@ -8623,7 +8644,7 @@
                     <a:p>
                       <a:r>
                         <a:rPr lang="en-US" dirty="0" smtClean="0"/>
-                        <a:t>18.3%</a:t>
+                        <a:t>24.6%</a:t>
                       </a:r>
                       <a:endParaRPr lang="en-US" dirty="0"/>
                     </a:p>
@@ -8637,7 +8658,7 @@
                     <a:p>
                       <a:r>
                         <a:rPr lang="en-US" dirty="0" smtClean="0"/>
-                        <a:t>84%</a:t>
+                        <a:t>61%</a:t>
                       </a:r>
                       <a:endParaRPr lang="en-US" dirty="0"/>
                     </a:p>
@@ -8683,7 +8704,7 @@
                     <a:p>
                       <a:r>
                         <a:rPr lang="en-US" dirty="0" smtClean="0"/>
-                        <a:t>23.0%</a:t>
+                        <a:t>21.7%</a:t>
                       </a:r>
                       <a:endParaRPr lang="en-US" dirty="0"/>
                     </a:p>
@@ -8697,7 +8718,7 @@
                     <a:p>
                       <a:r>
                         <a:rPr lang="en-US" dirty="0" smtClean="0"/>
-                        <a:t>74%</a:t>
+                        <a:t>75%</a:t>
                       </a:r>
                       <a:endParaRPr lang="en-US" dirty="0"/>
                     </a:p>
@@ -8743,7 +8764,7 @@
                     <a:p>
                       <a:r>
                         <a:rPr lang="en-US" dirty="0" smtClean="0"/>
-                        <a:t>18.8%</a:t>
+                        <a:t>18.2%</a:t>
                       </a:r>
                       <a:endParaRPr lang="en-US" dirty="0"/>
                     </a:p>
@@ -8757,7 +8778,7 @@
                     <a:p>
                       <a:r>
                         <a:rPr lang="en-US" dirty="0" smtClean="0"/>
-                        <a:t>72%</a:t>
+                        <a:t>73%</a:t>
                       </a:r>
                       <a:endParaRPr lang="en-US" dirty="0"/>
                     </a:p>
@@ -8808,7 +8829,7 @@
                     <a:p>
                       <a:r>
                         <a:rPr lang="en-US" dirty="0" smtClean="0"/>
-                        <a:t>22.1%</a:t>
+                        <a:t>21.7%</a:t>
                       </a:r>
                       <a:endParaRPr lang="en-US" dirty="0"/>
                     </a:p>
@@ -8822,7 +8843,7 @@
                     <a:p>
                       <a:r>
                         <a:rPr lang="en-US" dirty="0" smtClean="0"/>
-                        <a:t>65%</a:t>
+                        <a:t>66%</a:t>
                       </a:r>
                       <a:endParaRPr lang="en-US" dirty="0"/>
                     </a:p>
@@ -8922,9 +8943,32 @@
           </a:p>
         </p:txBody>
       </p:sp>
+      <p:sp>
+        <p:nvSpPr>
+          <p:cNvPr id="9" name="Title 8"/>
+          <p:cNvSpPr>
+            <a:spLocks noGrp="1"/>
+          </p:cNvSpPr>
+          <p:nvPr>
+            <p:ph type="title"/>
+          </p:nvPr>
+        </p:nvSpPr>
+        <p:spPr/>
+        <p:txBody>
+          <a:bodyPr/>
+          <a:lstStyle/>
+          <a:p>
+            <a:r>
+              <a:rPr lang="en-US" dirty="0" smtClean="0"/>
+              <a:t>Model Accuracy</a:t>
+            </a:r>
+            <a:endParaRPr lang="en-US" dirty="0"/>
+          </a:p>
+        </p:txBody>
+      </p:sp>
       <p:pic>
         <p:nvPicPr>
-          <p:cNvPr id="7" name="Picture 6"/>
+          <p:cNvPr id="2" name="Picture 1"/>
           <p:cNvPicPr>
             <a:picLocks noChangeAspect="1"/>
           </p:cNvPicPr>
@@ -8944,37 +8988,14 @@
         </p:blipFill>
         <p:spPr>
           <a:xfrm>
-            <a:off x="7117492" y="2977977"/>
-            <a:ext cx="5058033" cy="3793525"/>
+            <a:off x="7213600" y="3074671"/>
+            <a:ext cx="4978400" cy="3733800"/>
           </a:xfrm>
           <a:prstGeom prst="rect">
             <a:avLst/>
           </a:prstGeom>
         </p:spPr>
       </p:pic>
-      <p:sp>
-        <p:nvSpPr>
-          <p:cNvPr id="9" name="Title 8"/>
-          <p:cNvSpPr>
-            <a:spLocks noGrp="1"/>
-          </p:cNvSpPr>
-          <p:nvPr>
-            <p:ph type="title"/>
-          </p:nvPr>
-        </p:nvSpPr>
-        <p:spPr/>
-        <p:txBody>
-          <a:bodyPr/>
-          <a:lstStyle/>
-          <a:p>
-            <a:r>
-              <a:rPr lang="en-US" dirty="0" smtClean="0"/>
-              <a:t>Model Accuracy</a:t>
-            </a:r>
-            <a:endParaRPr lang="en-US" dirty="0"/>
-          </a:p>
-        </p:txBody>
-      </p:sp>
     </p:spTree>
     <p:extLst>
       <p:ext uri="{BB962C8B-B14F-4D97-AF65-F5344CB8AC3E}">
@@ -8985,11 +9006,11 @@
   <p:clrMapOvr>
     <a:masterClrMapping/>
   </p:clrMapOvr>
-  <mc:AlternateContent xmlns:mc="http://schemas.openxmlformats.org/markup-compatibility/2006">
-    <mc:Choice xmlns:p14="http://schemas.microsoft.com/office/powerpoint/2010/main" Requires="p14">
+  <mc:AlternateContent xmlns:mc="http://schemas.openxmlformats.org/markup-compatibility/2006" xmlns:p14="http://schemas.microsoft.com/office/powerpoint/2010/main">
+    <mc:Choice Requires="p14">
       <p:transition p14:dur="0"/>
     </mc:Choice>
-    <mc:Fallback>
+    <mc:Fallback xmlns="">
       <p:transition/>
     </mc:Fallback>
   </mc:AlternateContent>
@@ -9056,7 +9077,7 @@
         <p:spPr/>
         <p:txBody>
           <a:bodyPr>
-            <a:normAutofit fontScale="92500" lnSpcReduction="20000"/>
+            <a:normAutofit lnSpcReduction="10000"/>
           </a:bodyPr>
           <a:lstStyle/>
           <a:p>
@@ -9096,26 +9117,22 @@
             <a:pPr lvl="1"/>
             <a:r>
               <a:rPr lang="en-US" dirty="0" smtClean="0"/>
-              <a:t>Naïve Bayesian</a:t>
+              <a:t>Naïve </a:t>
+            </a:r>
+            <a:r>
+              <a:rPr lang="en-US" dirty="0" smtClean="0"/>
+              <a:t>Bayesian</a:t>
             </a:r>
           </a:p>
           <a:p>
             <a:pPr lvl="1"/>
             <a:r>
               <a:rPr lang="en-US" dirty="0" smtClean="0"/>
-              <a:t>Neural </a:t>
+              <a:t>Classification </a:t>
             </a:r>
             <a:r>
               <a:rPr lang="en-US" dirty="0" smtClean="0"/>
-              <a:t>networks</a:t>
-            </a:r>
-            <a:endParaRPr lang="en-US" dirty="0" smtClean="0"/>
-          </a:p>
-          <a:p>
-            <a:pPr lvl="1"/>
-            <a:r>
-              <a:rPr lang="en-US" dirty="0" smtClean="0"/>
-              <a:t>Classification tree</a:t>
+              <a:t>tree</a:t>
             </a:r>
             <a:endParaRPr lang="en-US" dirty="0"/>
           </a:p>
@@ -9210,27 +9227,17 @@
               <a:rPr lang="en-US" dirty="0" smtClean="0"/>
               <a:t>selection</a:t>
             </a:r>
-            <a:endParaRPr lang="en-US" dirty="0" smtClean="0"/>
           </a:p>
           <a:p>
             <a:r>
               <a:rPr lang="en-US" dirty="0" smtClean="0"/>
               <a:t>10-fold cross validation </a:t>
             </a:r>
-            <a:endParaRPr lang="en-US" dirty="0" smtClean="0"/>
           </a:p>
           <a:p>
             <a:r>
               <a:rPr lang="en-US" dirty="0" smtClean="0"/>
-              <a:t>PCA </a:t>
-            </a:r>
-            <a:r>
-              <a:rPr lang="en-US" dirty="0" smtClean="0"/>
-              <a:t>w/ Random </a:t>
-            </a:r>
-            <a:r>
-              <a:rPr lang="en-US" dirty="0" smtClean="0"/>
-              <a:t>forest</a:t>
+              <a:t>PCA</a:t>
             </a:r>
             <a:endParaRPr lang="en-US" dirty="0" smtClean="0"/>
           </a:p>
@@ -9297,7 +9304,7 @@
       </p:sp>
       <p:pic>
         <p:nvPicPr>
-          <p:cNvPr id="6" name="Picture 5"/>
+          <p:cNvPr id="3" name="Picture 2"/>
           <p:cNvPicPr>
             <a:picLocks noChangeAspect="1"/>
           </p:cNvPicPr>
@@ -9324,15 +9331,12 @@
         </p:blipFill>
         <p:spPr>
           <a:xfrm>
-            <a:off x="1499616" y="2066544"/>
-            <a:ext cx="9985248" cy="3762802"/>
+            <a:off x="2657858" y="1874678"/>
+            <a:ext cx="7476741" cy="4742022"/>
           </a:xfrm>
           <a:prstGeom prst="rect">
             <a:avLst/>
           </a:prstGeom>
-          <a:solidFill>
-            <a:schemeClr val="accent1"/>
-          </a:solidFill>
         </p:spPr>
       </p:pic>
       <p:sp>
@@ -9343,7 +9347,7 @@
         </p:nvSpPr>
         <p:spPr>
           <a:xfrm>
-            <a:off x="1087052" y="2065862"/>
+            <a:off x="2179252" y="1964262"/>
             <a:ext cx="2291148" cy="646331"/>
           </a:xfrm>
           <a:prstGeom prst="rect">
@@ -9438,11 +9442,7 @@
           <a:p>
             <a:r>
               <a:rPr lang="en-US"/>
-              <a:t>Experiment: Feature </a:t>
-            </a:r>
-            <a:r>
-              <a:rPr lang="en-US"/>
-              <a:t>Selection </a:t>
+              <a:t>Experiment: Feature Selection </a:t>
             </a:r>
             <a:r>
               <a:rPr lang="en-US" smtClean="0"/>
@@ -9457,9 +9457,9 @@
       </p:sp>
       <p:pic>
         <p:nvPicPr>
-          <p:cNvPr id="7" name="Picture 6"/>
-          <p:cNvPicPr preferRelativeResize="0">
-            <a:picLocks/>
+          <p:cNvPr id="3" name="Picture 2"/>
+          <p:cNvPicPr>
+            <a:picLocks noChangeAspect="1"/>
           </p:cNvPicPr>
           <p:nvPr/>
         </p:nvPicPr>
@@ -9484,8 +9484,8 @@
         </p:blipFill>
         <p:spPr>
           <a:xfrm>
-            <a:off x="1499616" y="2066544"/>
-            <a:ext cx="9985248" cy="3767328"/>
+            <a:off x="2810542" y="1989662"/>
+            <a:ext cx="7363395" cy="4618938"/>
           </a:xfrm>
           <a:prstGeom prst="rect">
             <a:avLst/>
@@ -9494,63 +9494,14 @@
       </p:pic>
       <p:sp>
         <p:nvSpPr>
-          <p:cNvPr id="5" name="Rectangle 4"/>
-          <p:cNvSpPr/>
-          <p:nvPr/>
-        </p:nvSpPr>
-        <p:spPr>
-          <a:xfrm>
-            <a:off x="1087052" y="2065862"/>
-            <a:ext cx="2837248" cy="646331"/>
-          </a:xfrm>
-          <a:prstGeom prst="rect">
-            <a:avLst/>
-          </a:prstGeom>
-        </p:spPr>
-        <p:txBody>
-          <a:bodyPr wrap="square">
-            <a:spAutoFit/>
-          </a:bodyPr>
-          <a:lstStyle/>
-          <a:p>
-            <a:pPr lvl="1"/>
-            <a:r>
-              <a:rPr lang="en-US" b="1" i="1" u="sng" dirty="0" smtClean="0">
-                <a:solidFill>
-                  <a:schemeClr val="accent1"/>
-                </a:solidFill>
-              </a:rPr>
-              <a:t>Feature Selected Data</a:t>
-            </a:r>
-          </a:p>
-          <a:p>
-            <a:pPr lvl="1"/>
-            <a:r>
-              <a:rPr lang="en-US" b="1" i="1" u="sng" dirty="0" smtClean="0">
-                <a:solidFill>
-                  <a:schemeClr val="accent1"/>
-                </a:solidFill>
-              </a:rPr>
-              <a:t>Decision Tree</a:t>
-            </a:r>
-            <a:endParaRPr lang="en-US" b="1" i="1" u="sng" dirty="0">
-              <a:solidFill>
-                <a:schemeClr val="accent1"/>
-              </a:solidFill>
-            </a:endParaRPr>
-          </a:p>
-        </p:txBody>
-      </p:sp>
-      <p:sp>
-        <p:nvSpPr>
           <p:cNvPr id="8" name="Oval 7"/>
           <p:cNvSpPr/>
           <p:nvPr/>
         </p:nvSpPr>
         <p:spPr>
           <a:xfrm>
-            <a:off x="9017000" y="3682999"/>
-            <a:ext cx="1473200" cy="800102"/>
+            <a:off x="6262226" y="3202849"/>
+            <a:ext cx="1980074" cy="1419951"/>
           </a:xfrm>
           <a:prstGeom prst="ellipse">
             <a:avLst/>
@@ -9599,7 +9550,7 @@
         </p:nvSpPr>
         <p:spPr>
           <a:xfrm>
-            <a:off x="9220200" y="3067733"/>
+            <a:off x="7688293" y="2203363"/>
             <a:ext cx="2569464" cy="646331"/>
           </a:xfrm>
           <a:prstGeom prst="rect">
@@ -9614,7 +9565,7 @@
           <a:p>
             <a:pPr lvl="1"/>
             <a:r>
-              <a:rPr lang="en-US" b="1" i="1">
+              <a:rPr lang="en-US" b="1" i="1" dirty="0" err="1">
                 <a:solidFill>
                   <a:srgbClr val="00B050"/>
                 </a:solidFill>
@@ -9622,7 +9573,7 @@
               <a:t>c</a:t>
             </a:r>
             <a:r>
-              <a:rPr lang="en-US" b="1" i="1" smtClean="0">
+              <a:rPr lang="en-US" b="1" i="1" dirty="0" err="1" smtClean="0">
                 <a:solidFill>
                   <a:srgbClr val="00B050"/>
                 </a:solidFill>
@@ -9638,16 +9589,243 @@
               <a:t> / </a:t>
             </a:r>
             <a:r>
-              <a:rPr lang="en-US" b="1" i="1" smtClean="0">
+              <a:rPr lang="en-US" b="1" i="1" dirty="0" err="1" smtClean="0">
                 <a:solidFill>
                   <a:srgbClr val="00B050"/>
                 </a:solidFill>
               </a:rPr>
               <a:t>max_credit</a:t>
+            </a:r>
+            <a:r>
+              <a:rPr lang="en-US" b="1" i="1" dirty="0" smtClean="0">
+                <a:solidFill>
+                  <a:srgbClr val="00B050"/>
+                </a:solidFill>
+              </a:rPr>
+              <a:t> in Sept</a:t>
             </a:r>
             <a:endParaRPr lang="en-US" b="1" i="1" dirty="0">
               <a:solidFill>
                 <a:srgbClr val="00B050"/>
+              </a:solidFill>
+            </a:endParaRPr>
+          </a:p>
+        </p:txBody>
+      </p:sp>
+      <p:sp>
+        <p:nvSpPr>
+          <p:cNvPr id="5" name="Rectangle 4"/>
+          <p:cNvSpPr/>
+          <p:nvPr/>
+        </p:nvSpPr>
+        <p:spPr>
+          <a:xfrm>
+            <a:off x="2268152" y="2065862"/>
+            <a:ext cx="2837248" cy="646331"/>
+          </a:xfrm>
+          <a:prstGeom prst="rect">
+            <a:avLst/>
+          </a:prstGeom>
+        </p:spPr>
+        <p:txBody>
+          <a:bodyPr wrap="square">
+            <a:spAutoFit/>
+          </a:bodyPr>
+          <a:lstStyle/>
+          <a:p>
+            <a:pPr lvl="1"/>
+            <a:r>
+              <a:rPr lang="en-US" b="1" i="1" u="sng" dirty="0" smtClean="0">
+                <a:solidFill>
+                  <a:schemeClr val="accent1"/>
+                </a:solidFill>
+              </a:rPr>
+              <a:t>Feature Selected Data</a:t>
+            </a:r>
+          </a:p>
+          <a:p>
+            <a:pPr lvl="1"/>
+            <a:r>
+              <a:rPr lang="en-US" b="1" i="1" u="sng" dirty="0" smtClean="0">
+                <a:solidFill>
+                  <a:schemeClr val="accent1"/>
+                </a:solidFill>
+              </a:rPr>
+              <a:t>Decision Tree</a:t>
+            </a:r>
+            <a:endParaRPr lang="en-US" b="1" i="1" u="sng" dirty="0">
+              <a:solidFill>
+                <a:schemeClr val="accent1"/>
+              </a:solidFill>
+            </a:endParaRPr>
+          </a:p>
+        </p:txBody>
+      </p:sp>
+      <p:sp>
+        <p:nvSpPr>
+          <p:cNvPr id="10" name="Oval 9"/>
+          <p:cNvSpPr/>
+          <p:nvPr/>
+        </p:nvSpPr>
+        <p:spPr>
+          <a:xfrm>
+            <a:off x="6238008" y="4582911"/>
+            <a:ext cx="1980074" cy="1419951"/>
+          </a:xfrm>
+          <a:prstGeom prst="ellipse">
+            <a:avLst/>
+          </a:prstGeom>
+          <a:noFill/>
+          <a:ln w="38100">
+            <a:solidFill>
+              <a:srgbClr val="00B050"/>
+            </a:solidFill>
+          </a:ln>
+        </p:spPr>
+        <p:style>
+          <a:lnRef idx="2">
+            <a:schemeClr val="accent1">
+              <a:shade val="50000"/>
+            </a:schemeClr>
+          </a:lnRef>
+          <a:fillRef idx="1">
+            <a:schemeClr val="accent1"/>
+          </a:fillRef>
+          <a:effectRef idx="0">
+            <a:schemeClr val="accent1"/>
+          </a:effectRef>
+          <a:fontRef idx="minor">
+            <a:schemeClr val="lt1"/>
+          </a:fontRef>
+        </p:style>
+        <p:txBody>
+          <a:bodyPr rtlCol="0" anchor="ctr"/>
+          <a:lstStyle/>
+          <a:p>
+            <a:pPr algn="ctr"/>
+            <a:endParaRPr lang="en-US">
+              <a:solidFill>
+                <a:schemeClr val="accent2"/>
+              </a:solidFill>
+            </a:endParaRPr>
+          </a:p>
+        </p:txBody>
+      </p:sp>
+      <p:sp>
+        <p:nvSpPr>
+          <p:cNvPr id="11" name="Oval 10"/>
+          <p:cNvSpPr/>
+          <p:nvPr/>
+        </p:nvSpPr>
+        <p:spPr>
+          <a:xfrm>
+            <a:off x="8066808" y="4582910"/>
+            <a:ext cx="1980074" cy="1419951"/>
+          </a:xfrm>
+          <a:prstGeom prst="ellipse">
+            <a:avLst/>
+          </a:prstGeom>
+          <a:noFill/>
+          <a:ln w="38100">
+            <a:solidFill>
+              <a:schemeClr val="accent1"/>
+            </a:solidFill>
+          </a:ln>
+        </p:spPr>
+        <p:style>
+          <a:lnRef idx="2">
+            <a:schemeClr val="accent1">
+              <a:shade val="50000"/>
+            </a:schemeClr>
+          </a:lnRef>
+          <a:fillRef idx="1">
+            <a:schemeClr val="accent1"/>
+          </a:fillRef>
+          <a:effectRef idx="0">
+            <a:schemeClr val="accent1"/>
+          </a:effectRef>
+          <a:fontRef idx="minor">
+            <a:schemeClr val="lt1"/>
+          </a:fontRef>
+        </p:style>
+        <p:txBody>
+          <a:bodyPr rtlCol="0" anchor="ctr"/>
+          <a:lstStyle/>
+          <a:p>
+            <a:pPr algn="ctr"/>
+            <a:endParaRPr lang="en-US">
+              <a:solidFill>
+                <a:schemeClr val="accent2"/>
+              </a:solidFill>
+            </a:endParaRPr>
+          </a:p>
+        </p:txBody>
+      </p:sp>
+      <p:sp>
+        <p:nvSpPr>
+          <p:cNvPr id="12" name="Rectangle 11"/>
+          <p:cNvSpPr/>
+          <p:nvPr/>
+        </p:nvSpPr>
+        <p:spPr>
+          <a:xfrm>
+            <a:off x="7646383" y="2981841"/>
+            <a:ext cx="2569464" cy="646331"/>
+          </a:xfrm>
+          <a:prstGeom prst="rect">
+            <a:avLst/>
+          </a:prstGeom>
+        </p:spPr>
+        <p:txBody>
+          <a:bodyPr wrap="square">
+            <a:spAutoFit/>
+          </a:bodyPr>
+          <a:lstStyle/>
+          <a:p>
+            <a:pPr lvl="1"/>
+            <a:r>
+              <a:rPr lang="en-US" b="1" i="1" dirty="0" err="1">
+                <a:solidFill>
+                  <a:schemeClr val="accent1"/>
+                </a:solidFill>
+              </a:rPr>
+              <a:t>c</a:t>
+            </a:r>
+            <a:r>
+              <a:rPr lang="en-US" b="1" i="1" dirty="0" err="1" smtClean="0">
+                <a:solidFill>
+                  <a:schemeClr val="accent1"/>
+                </a:solidFill>
+              </a:rPr>
+              <a:t>redit_balance</a:t>
+            </a:r>
+            <a:r>
+              <a:rPr lang="en-US" b="1" i="1" dirty="0" smtClean="0">
+                <a:solidFill>
+                  <a:schemeClr val="accent1"/>
+                </a:solidFill>
+              </a:rPr>
+              <a:t> / </a:t>
+            </a:r>
+            <a:r>
+              <a:rPr lang="en-US" b="1" i="1" dirty="0" err="1" smtClean="0">
+                <a:solidFill>
+                  <a:schemeClr val="accent1"/>
+                </a:solidFill>
+              </a:rPr>
+              <a:t>max_credit</a:t>
+            </a:r>
+            <a:r>
+              <a:rPr lang="en-US" b="1" i="1" dirty="0" smtClean="0">
+                <a:solidFill>
+                  <a:schemeClr val="accent1"/>
+                </a:solidFill>
+              </a:rPr>
+              <a:t> in Aug</a:t>
+            </a:r>
+            <a:endParaRPr lang="en-US" b="1" i="1" dirty="0">
+              <a:solidFill>
+                <a:schemeClr val="accent1"/>
               </a:solidFill>
             </a:endParaRPr>
           </a:p>

--- a/Predicting_Credit_Card_defaults.pptx
+++ b/Predicting_Credit_Card_defaults.pptx
@@ -6775,8 +6775,8 @@
         </p:nvSpPr>
         <p:spPr>
           <a:xfrm>
-            <a:off x="1484310" y="3047999"/>
-            <a:ext cx="10018713" cy="3124201"/>
+            <a:off x="1484311" y="4800751"/>
+            <a:ext cx="10018713" cy="1119117"/>
           </a:xfrm>
         </p:spPr>
         <p:txBody>
@@ -6811,34 +6811,650 @@
             </a:r>
             <a:r>
               <a:rPr lang="en-US" dirty="0" smtClean="0"/>
-              <a:t>over 50/50 split</a:t>
-            </a:r>
-            <a:endParaRPr lang="en-US" dirty="0" smtClean="0">
-              <a:solidFill>
-                <a:srgbClr val="00B050"/>
-              </a:solidFill>
-            </a:endParaRPr>
-          </a:p>
-          <a:p>
+              <a:t>over 50/50 </a:t>
+            </a:r>
             <a:r>
               <a:rPr lang="en-US" dirty="0" smtClean="0"/>
-              <a:t>[]</a:t>
-            </a:r>
-          </a:p>
-          <a:p>
-            <a:r>
-              <a:rPr lang="en-US" dirty="0" smtClean="0"/>
-              <a:t>[]</a:t>
-            </a:r>
-          </a:p>
-          <a:p>
-            <a:r>
-              <a:rPr lang="en-US" dirty="0" smtClean="0"/>
-              <a:t>[]</a:t>
-            </a:r>
-          </a:p>
-        </p:txBody>
-      </p:sp>
+              <a:t>split</a:t>
+            </a:r>
+            <a:endParaRPr lang="en-US" dirty="0" smtClean="0"/>
+          </a:p>
+        </p:txBody>
+      </p:sp>
+      <p:graphicFrame>
+        <p:nvGraphicFramePr>
+          <p:cNvPr id="5" name="Table 4"/>
+          <p:cNvGraphicFramePr>
+            <a:graphicFrameLocks noGrp="1"/>
+          </p:cNvGraphicFramePr>
+          <p:nvPr>
+            <p:extLst>
+              <p:ext uri="{D42A27DB-BD31-4B8C-83A1-F6EECF244321}">
+                <p14:modId xmlns:p14="http://schemas.microsoft.com/office/powerpoint/2010/main" val="2058172778"/>
+              </p:ext>
+            </p:extLst>
+          </p:nvPr>
+        </p:nvGraphicFramePr>
+        <p:xfrm>
+          <a:off x="1583140" y="2101757"/>
+          <a:ext cx="9034817" cy="2607807"/>
+        </p:xfrm>
+        <a:graphic>
+          <a:graphicData uri="http://schemas.openxmlformats.org/drawingml/2006/table">
+            <a:tbl>
+              <a:tblPr firstRow="1" bandRow="1">
+                <a:tableStyleId>{5C22544A-7EE6-4342-B048-85BDC9FD1C3A}</a:tableStyleId>
+              </a:tblPr>
+              <a:tblGrid>
+                <a:gridCol w="2493328"/>
+                <a:gridCol w="1512806"/>
+                <a:gridCol w="1722919"/>
+                <a:gridCol w="1599795"/>
+                <a:gridCol w="1705969"/>
+              </a:tblGrid>
+              <a:tr h="736977">
+                <a:tc>
+                  <a:txBody>
+                    <a:bodyPr/>
+                    <a:lstStyle/>
+                    <a:p>
+                      <a:r>
+                        <a:rPr lang="en-US" dirty="0" smtClean="0"/>
+                        <a:t>Model</a:t>
+                      </a:r>
+                      <a:endParaRPr lang="en-US" dirty="0"/>
+                    </a:p>
+                  </a:txBody>
+                  <a:tcPr/>
+                </a:tc>
+                <a:tc>
+                  <a:txBody>
+                    <a:bodyPr/>
+                    <a:lstStyle/>
+                    <a:p>
+                      <a:r>
+                        <a:rPr lang="en-US" dirty="0" smtClean="0"/>
+                        <a:t>50/50</a:t>
+                      </a:r>
+                      <a:r>
+                        <a:rPr lang="en-US" baseline="0" dirty="0" smtClean="0"/>
+                        <a:t> split</a:t>
+                      </a:r>
+                      <a:endParaRPr lang="en-US" dirty="0" smtClean="0"/>
+                    </a:p>
+                    <a:p>
+                      <a:r>
+                        <a:rPr lang="en-US" dirty="0" smtClean="0"/>
+                        <a:t>ROC_AUC </a:t>
+                      </a:r>
+                      <a:endParaRPr lang="en-US" dirty="0"/>
+                    </a:p>
+                  </a:txBody>
+                  <a:tcPr/>
+                </a:tc>
+                <a:tc>
+                  <a:txBody>
+                    <a:bodyPr/>
+                    <a:lstStyle/>
+                    <a:p>
+                      <a:r>
+                        <a:rPr lang="en-US" dirty="0" smtClean="0"/>
+                        <a:t>10</a:t>
+                      </a:r>
+                      <a:r>
+                        <a:rPr lang="en-US" baseline="0" dirty="0" smtClean="0"/>
+                        <a:t>-fold cross</a:t>
+                      </a:r>
+                      <a:endParaRPr lang="en-US" dirty="0" smtClean="0"/>
+                    </a:p>
+                    <a:p>
+                      <a:r>
+                        <a:rPr lang="en-US" dirty="0" smtClean="0"/>
+                        <a:t>ROC_AUC </a:t>
+                      </a:r>
+                    </a:p>
+                  </a:txBody>
+                  <a:tcPr/>
+                </a:tc>
+                <a:tc>
+                  <a:txBody>
+                    <a:bodyPr/>
+                    <a:lstStyle/>
+                    <a:p>
+                      <a:pPr marL="0" marR="0" indent="0" algn="l" defTabSz="457200" rtl="0" eaLnBrk="1" fontAlgn="auto" latinLnBrk="0" hangingPunct="1">
+                        <a:lnSpc>
+                          <a:spcPct val="100000"/>
+                        </a:lnSpc>
+                        <a:spcBef>
+                          <a:spcPts val="0"/>
+                        </a:spcBef>
+                        <a:spcAft>
+                          <a:spcPts val="0"/>
+                        </a:spcAft>
+                        <a:buClrTx/>
+                        <a:buSzTx/>
+                        <a:buFontTx/>
+                        <a:buNone/>
+                        <a:tabLst/>
+                        <a:defRPr/>
+                      </a:pPr>
+                      <a:r>
+                        <a:rPr lang="en-US" dirty="0" smtClean="0"/>
+                        <a:t>50/50</a:t>
+                      </a:r>
+                      <a:r>
+                        <a:rPr lang="en-US" baseline="0" dirty="0" smtClean="0"/>
+                        <a:t> split</a:t>
+                      </a:r>
+                      <a:endParaRPr lang="en-US" dirty="0" smtClean="0"/>
+                    </a:p>
+                    <a:p>
+                      <a:r>
+                        <a:rPr lang="en-US" dirty="0" err="1" smtClean="0"/>
+                        <a:t>Error_rate</a:t>
+                      </a:r>
+                      <a:endParaRPr lang="en-US" dirty="0" smtClean="0"/>
+                    </a:p>
+                  </a:txBody>
+                  <a:tcPr/>
+                </a:tc>
+                <a:tc>
+                  <a:txBody>
+                    <a:bodyPr/>
+                    <a:lstStyle/>
+                    <a:p>
+                      <a:pPr marL="0" marR="0" indent="0" algn="l" defTabSz="457200" rtl="0" eaLnBrk="1" fontAlgn="auto" latinLnBrk="0" hangingPunct="1">
+                        <a:lnSpc>
+                          <a:spcPct val="100000"/>
+                        </a:lnSpc>
+                        <a:spcBef>
+                          <a:spcPts val="0"/>
+                        </a:spcBef>
+                        <a:spcAft>
+                          <a:spcPts val="0"/>
+                        </a:spcAft>
+                        <a:buClrTx/>
+                        <a:buSzTx/>
+                        <a:buFontTx/>
+                        <a:buNone/>
+                        <a:tabLst/>
+                        <a:defRPr/>
+                      </a:pPr>
+                      <a:r>
+                        <a:rPr lang="en-US" dirty="0" smtClean="0"/>
+                        <a:t>10</a:t>
+                      </a:r>
+                      <a:r>
+                        <a:rPr lang="en-US" baseline="0" dirty="0" smtClean="0"/>
+                        <a:t>-fold cross</a:t>
+                      </a:r>
+                      <a:endParaRPr lang="en-US" dirty="0" smtClean="0"/>
+                    </a:p>
+                    <a:p>
+                      <a:pPr marL="0" marR="0" indent="0" algn="l" defTabSz="457200" rtl="0" eaLnBrk="1" fontAlgn="auto" latinLnBrk="0" hangingPunct="1">
+                        <a:lnSpc>
+                          <a:spcPct val="100000"/>
+                        </a:lnSpc>
+                        <a:spcBef>
+                          <a:spcPts val="0"/>
+                        </a:spcBef>
+                        <a:spcAft>
+                          <a:spcPts val="0"/>
+                        </a:spcAft>
+                        <a:buClrTx/>
+                        <a:buSzTx/>
+                        <a:buFontTx/>
+                        <a:buNone/>
+                        <a:tabLst/>
+                        <a:defRPr/>
+                      </a:pPr>
+                      <a:r>
+                        <a:rPr lang="en-US" dirty="0" err="1" smtClean="0"/>
+                        <a:t>Error_rate</a:t>
+                      </a:r>
+                      <a:endParaRPr lang="en-US" dirty="0" smtClean="0"/>
+                    </a:p>
+                  </a:txBody>
+                  <a:tcPr/>
+                </a:tc>
+              </a:tr>
+              <a:tr h="374166">
+                <a:tc>
+                  <a:txBody>
+                    <a:bodyPr/>
+                    <a:lstStyle/>
+                    <a:p>
+                      <a:pPr marL="0" marR="0" lvl="1" indent="0" algn="l" defTabSz="457200" rtl="0" eaLnBrk="1" fontAlgn="auto" latinLnBrk="0" hangingPunct="1">
+                        <a:lnSpc>
+                          <a:spcPct val="100000"/>
+                        </a:lnSpc>
+                        <a:spcBef>
+                          <a:spcPts val="0"/>
+                        </a:spcBef>
+                        <a:spcAft>
+                          <a:spcPts val="0"/>
+                        </a:spcAft>
+                        <a:buClrTx/>
+                        <a:buSzTx/>
+                        <a:buFontTx/>
+                        <a:buNone/>
+                        <a:tabLst/>
+                        <a:defRPr/>
+                      </a:pPr>
+                      <a:r>
+                        <a:rPr lang="en-US" dirty="0" smtClean="0"/>
+                        <a:t>Classification tree</a:t>
+                      </a:r>
+                    </a:p>
+                  </a:txBody>
+                  <a:tcPr/>
+                </a:tc>
+                <a:tc>
+                  <a:txBody>
+                    <a:bodyPr/>
+                    <a:lstStyle/>
+                    <a:p>
+                      <a:r>
+                        <a:rPr lang="en-US" dirty="0" smtClean="0"/>
+                        <a:t>61%</a:t>
+                      </a:r>
+                      <a:endParaRPr lang="en-US" dirty="0"/>
+                    </a:p>
+                  </a:txBody>
+                  <a:tcPr/>
+                </a:tc>
+                <a:tc>
+                  <a:txBody>
+                    <a:bodyPr/>
+                    <a:lstStyle/>
+                    <a:p>
+                      <a:r>
+                        <a:rPr lang="en-US" dirty="0" smtClean="0"/>
+                        <a:t>60%</a:t>
+                      </a:r>
+                      <a:endParaRPr lang="en-US" dirty="0"/>
+                    </a:p>
+                  </a:txBody>
+                  <a:tcPr/>
+                </a:tc>
+                <a:tc>
+                  <a:txBody>
+                    <a:bodyPr/>
+                    <a:lstStyle/>
+                    <a:p>
+                      <a:r>
+                        <a:rPr lang="en-US" dirty="0" smtClean="0"/>
+                        <a:t>27.3%</a:t>
+                      </a:r>
+                      <a:endParaRPr lang="en-US" dirty="0"/>
+                    </a:p>
+                  </a:txBody>
+                  <a:tcPr/>
+                </a:tc>
+                <a:tc>
+                  <a:txBody>
+                    <a:bodyPr/>
+                    <a:lstStyle/>
+                    <a:p>
+                      <a:r>
+                        <a:rPr lang="en-US" dirty="0" smtClean="0"/>
+                        <a:t>24.5%</a:t>
+                      </a:r>
+                      <a:endParaRPr lang="en-US" dirty="0"/>
+                    </a:p>
+                  </a:txBody>
+                  <a:tcPr/>
+                </a:tc>
+              </a:tr>
+              <a:tr h="374166">
+                <a:tc>
+                  <a:txBody>
+                    <a:bodyPr/>
+                    <a:lstStyle/>
+                    <a:p>
+                      <a:r>
+                        <a:rPr lang="en-US" dirty="0" smtClean="0"/>
+                        <a:t>K-Nearest</a:t>
+                      </a:r>
+                      <a:r>
+                        <a:rPr lang="en-US" baseline="0" dirty="0" smtClean="0"/>
+                        <a:t> Neighbor</a:t>
+                      </a:r>
+                      <a:endParaRPr lang="en-US" dirty="0"/>
+                    </a:p>
+                  </a:txBody>
+                  <a:tcPr/>
+                </a:tc>
+                <a:tc>
+                  <a:txBody>
+                    <a:bodyPr/>
+                    <a:lstStyle/>
+                    <a:p>
+                      <a:r>
+                        <a:rPr lang="en-US" dirty="0" smtClean="0"/>
+                        <a:t>61%</a:t>
+                      </a:r>
+                      <a:endParaRPr lang="en-US" dirty="0"/>
+                    </a:p>
+                  </a:txBody>
+                  <a:tcPr/>
+                </a:tc>
+                <a:tc>
+                  <a:txBody>
+                    <a:bodyPr/>
+                    <a:lstStyle/>
+                    <a:p>
+                      <a:r>
+                        <a:rPr lang="en-US" dirty="0" smtClean="0"/>
+                        <a:t>61%</a:t>
+                      </a:r>
+                      <a:endParaRPr lang="en-US" dirty="0"/>
+                    </a:p>
+                  </a:txBody>
+                  <a:tcPr/>
+                </a:tc>
+                <a:tc>
+                  <a:txBody>
+                    <a:bodyPr/>
+                    <a:lstStyle/>
+                    <a:p>
+                      <a:r>
+                        <a:rPr lang="en-US" dirty="0" smtClean="0"/>
+                        <a:t>24.6%</a:t>
+                      </a:r>
+                      <a:endParaRPr lang="en-US" dirty="0"/>
+                    </a:p>
+                  </a:txBody>
+                  <a:tcPr/>
+                </a:tc>
+                <a:tc>
+                  <a:txBody>
+                    <a:bodyPr/>
+                    <a:lstStyle/>
+                    <a:p>
+                      <a:r>
+                        <a:rPr lang="en-US" dirty="0" smtClean="0"/>
+                        <a:t>24.3%</a:t>
+                      </a:r>
+                      <a:endParaRPr lang="en-US" dirty="0"/>
+                    </a:p>
+                  </a:txBody>
+                  <a:tcPr/>
+                </a:tc>
+              </a:tr>
+              <a:tr h="374166">
+                <a:tc>
+                  <a:txBody>
+                    <a:bodyPr/>
+                    <a:lstStyle/>
+                    <a:p>
+                      <a:pPr marL="0" marR="0" lvl="1" indent="0" algn="l" defTabSz="457200" rtl="0" eaLnBrk="1" fontAlgn="auto" latinLnBrk="0" hangingPunct="1">
+                        <a:lnSpc>
+                          <a:spcPct val="100000"/>
+                        </a:lnSpc>
+                        <a:spcBef>
+                          <a:spcPts val="0"/>
+                        </a:spcBef>
+                        <a:spcAft>
+                          <a:spcPts val="0"/>
+                        </a:spcAft>
+                        <a:buClrTx/>
+                        <a:buSzTx/>
+                        <a:buFontTx/>
+                        <a:buNone/>
+                        <a:tabLst/>
+                        <a:defRPr/>
+                      </a:pPr>
+                      <a:r>
+                        <a:rPr lang="en-US" dirty="0" smtClean="0"/>
+                        <a:t>Naïve Bayesian</a:t>
+                      </a:r>
+                    </a:p>
+                  </a:txBody>
+                  <a:tcPr/>
+                </a:tc>
+                <a:tc>
+                  <a:txBody>
+                    <a:bodyPr/>
+                    <a:lstStyle/>
+                    <a:p>
+                      <a:r>
+                        <a:rPr lang="en-US" dirty="0" smtClean="0"/>
+                        <a:t>75%</a:t>
+                      </a:r>
+                      <a:endParaRPr lang="en-US" dirty="0"/>
+                    </a:p>
+                  </a:txBody>
+                  <a:tcPr/>
+                </a:tc>
+                <a:tc>
+                  <a:txBody>
+                    <a:bodyPr/>
+                    <a:lstStyle/>
+                    <a:p>
+                      <a:r>
+                        <a:rPr lang="en-US" dirty="0" smtClean="0"/>
+                        <a:t>73%</a:t>
+                      </a:r>
+                      <a:endParaRPr lang="en-US" dirty="0"/>
+                    </a:p>
+                  </a:txBody>
+                  <a:tcPr/>
+                </a:tc>
+                <a:tc>
+                  <a:txBody>
+                    <a:bodyPr/>
+                    <a:lstStyle/>
+                    <a:p>
+                      <a:r>
+                        <a:rPr lang="en-US" dirty="0" smtClean="0"/>
+                        <a:t>21.7%</a:t>
+                      </a:r>
+                      <a:endParaRPr lang="en-US" dirty="0"/>
+                    </a:p>
+                  </a:txBody>
+                  <a:tcPr/>
+                </a:tc>
+                <a:tc>
+                  <a:txBody>
+                    <a:bodyPr/>
+                    <a:lstStyle/>
+                    <a:p>
+                      <a:r>
+                        <a:rPr lang="en-US" dirty="0" smtClean="0"/>
+                        <a:t>21.5%</a:t>
+                      </a:r>
+                      <a:endParaRPr lang="en-US" dirty="0"/>
+                    </a:p>
+                  </a:txBody>
+                  <a:tcPr/>
+                </a:tc>
+              </a:tr>
+              <a:tr h="374166">
+                <a:tc>
+                  <a:txBody>
+                    <a:bodyPr/>
+                    <a:lstStyle/>
+                    <a:p>
+                      <a:pPr marL="0" marR="0" lvl="1" indent="0" algn="l" defTabSz="457200" rtl="0" eaLnBrk="1" fontAlgn="auto" latinLnBrk="0" hangingPunct="1">
+                        <a:lnSpc>
+                          <a:spcPct val="100000"/>
+                        </a:lnSpc>
+                        <a:spcBef>
+                          <a:spcPts val="0"/>
+                        </a:spcBef>
+                        <a:spcAft>
+                          <a:spcPts val="0"/>
+                        </a:spcAft>
+                        <a:buClrTx/>
+                        <a:buSzTx/>
+                        <a:buFontTx/>
+                        <a:buNone/>
+                        <a:tabLst/>
+                        <a:defRPr/>
+                      </a:pPr>
+                      <a:r>
+                        <a:rPr lang="en-US" dirty="0" smtClean="0"/>
+                        <a:t>Discriminant analysis</a:t>
+                      </a:r>
+                    </a:p>
+                  </a:txBody>
+                  <a:tcPr/>
+                </a:tc>
+                <a:tc>
+                  <a:txBody>
+                    <a:bodyPr/>
+                    <a:lstStyle/>
+                    <a:p>
+                      <a:r>
+                        <a:rPr lang="en-US" dirty="0" smtClean="0"/>
+                        <a:t>73%</a:t>
+                      </a:r>
+                      <a:endParaRPr lang="en-US" dirty="0"/>
+                    </a:p>
+                  </a:txBody>
+                  <a:tcPr/>
+                </a:tc>
+                <a:tc>
+                  <a:txBody>
+                    <a:bodyPr/>
+                    <a:lstStyle/>
+                    <a:p>
+                      <a:r>
+                        <a:rPr lang="en-US" dirty="0" smtClean="0"/>
+                        <a:t>69%</a:t>
+                      </a:r>
+                      <a:endParaRPr lang="en-US" dirty="0"/>
+                    </a:p>
+                  </a:txBody>
+                  <a:tcPr/>
+                </a:tc>
+                <a:tc>
+                  <a:txBody>
+                    <a:bodyPr/>
+                    <a:lstStyle/>
+                    <a:p>
+                      <a:r>
+                        <a:rPr lang="en-US" dirty="0" smtClean="0"/>
+                        <a:t>18.2%</a:t>
+                      </a:r>
+                      <a:endParaRPr lang="en-US" dirty="0"/>
+                    </a:p>
+                  </a:txBody>
+                  <a:tcPr/>
+                </a:tc>
+                <a:tc>
+                  <a:txBody>
+                    <a:bodyPr/>
+                    <a:lstStyle/>
+                    <a:p>
+                      <a:r>
+                        <a:rPr lang="en-US" dirty="0" smtClean="0"/>
+                        <a:t>18.0%</a:t>
+                      </a:r>
+                      <a:endParaRPr lang="en-US" dirty="0"/>
+                    </a:p>
+                  </a:txBody>
+                  <a:tcPr/>
+                </a:tc>
+              </a:tr>
+              <a:tr h="374166">
+                <a:tc>
+                  <a:txBody>
+                    <a:bodyPr/>
+                    <a:lstStyle/>
+                    <a:p>
+                      <a:pPr marL="0" marR="0" lvl="1" indent="0" algn="l" defTabSz="457200" rtl="0" eaLnBrk="1" fontAlgn="auto" latinLnBrk="0" hangingPunct="1">
+                        <a:lnSpc>
+                          <a:spcPct val="100000"/>
+                        </a:lnSpc>
+                        <a:spcBef>
+                          <a:spcPts val="0"/>
+                        </a:spcBef>
+                        <a:spcAft>
+                          <a:spcPts val="0"/>
+                        </a:spcAft>
+                        <a:buClrTx/>
+                        <a:buSzTx/>
+                        <a:buFontTx/>
+                        <a:buNone/>
+                        <a:tabLst/>
+                        <a:defRPr/>
+                      </a:pPr>
+                      <a:r>
+                        <a:rPr lang="en-US" dirty="0" smtClean="0"/>
+                        <a:t>Logistic</a:t>
+                      </a:r>
+                      <a:r>
+                        <a:rPr lang="en-US" baseline="0" dirty="0" smtClean="0"/>
+                        <a:t> Regression</a:t>
+                      </a:r>
+                      <a:endParaRPr lang="en-US" dirty="0" smtClean="0"/>
+                    </a:p>
+                  </a:txBody>
+                  <a:tcPr/>
+                </a:tc>
+                <a:tc>
+                  <a:txBody>
+                    <a:bodyPr/>
+                    <a:lstStyle/>
+                    <a:p>
+                      <a:r>
+                        <a:rPr lang="en-US" dirty="0" smtClean="0"/>
+                        <a:t>66%</a:t>
+                      </a:r>
+                      <a:endParaRPr lang="en-US" dirty="0"/>
+                    </a:p>
+                  </a:txBody>
+                  <a:tcPr/>
+                </a:tc>
+                <a:tc>
+                  <a:txBody>
+                    <a:bodyPr/>
+                    <a:lstStyle/>
+                    <a:p>
+                      <a:r>
+                        <a:rPr lang="en-US" dirty="0" smtClean="0"/>
+                        <a:t>62%</a:t>
+                      </a:r>
+                      <a:endParaRPr lang="en-US" dirty="0"/>
+                    </a:p>
+                  </a:txBody>
+                  <a:tcPr/>
+                </a:tc>
+                <a:tc>
+                  <a:txBody>
+                    <a:bodyPr/>
+                    <a:lstStyle/>
+                    <a:p>
+                      <a:r>
+                        <a:rPr lang="en-US" dirty="0" smtClean="0"/>
+                        <a:t>21.7%</a:t>
+                      </a:r>
+                      <a:endParaRPr lang="en-US" dirty="0"/>
+                    </a:p>
+                  </a:txBody>
+                  <a:tcPr/>
+                </a:tc>
+                <a:tc>
+                  <a:txBody>
+                    <a:bodyPr/>
+                    <a:lstStyle/>
+                    <a:p>
+                      <a:r>
+                        <a:rPr lang="en-US" dirty="0" smtClean="0"/>
+                        <a:t>21.5%</a:t>
+                      </a:r>
+                      <a:endParaRPr lang="en-US" dirty="0"/>
+                    </a:p>
+                  </a:txBody>
+                  <a:tcPr/>
+                </a:tc>
+              </a:tr>
+            </a:tbl>
+          </a:graphicData>
+        </a:graphic>
+      </p:graphicFrame>
     </p:spTree>
     <p:extLst>
       <p:ext uri="{BB962C8B-B14F-4D97-AF65-F5344CB8AC3E}">
@@ -6915,7 +7531,7 @@
         </p:nvSpPr>
         <p:spPr>
           <a:xfrm>
-            <a:off x="1484310" y="3047999"/>
+            <a:off x="1484310" y="3948751"/>
             <a:ext cx="10018713" cy="3124201"/>
           </a:xfrm>
         </p:spPr>
@@ -6932,41 +7548,728 @@
             <a:r>
               <a:rPr lang="en-US" dirty="0" smtClean="0">
                 <a:solidFill>
+                  <a:srgbClr val="00B050"/>
+                </a:solidFill>
+              </a:rPr>
+              <a:t>distinct </a:t>
+            </a:r>
+            <a:r>
+              <a:rPr lang="en-US" dirty="0" smtClean="0">
+                <a:solidFill>
+                  <a:srgbClr val="00B050"/>
+                </a:solidFill>
+              </a:rPr>
+              <a:t>improvement</a:t>
+            </a:r>
+            <a:r>
+              <a:rPr lang="en-US" dirty="0" smtClean="0"/>
+              <a:t> in ROC_AUC</a:t>
+            </a:r>
+          </a:p>
+          <a:p>
+            <a:r>
+              <a:rPr lang="en-US" dirty="0"/>
+              <a:t>This approach yielded</a:t>
+            </a:r>
+            <a:r>
+              <a:rPr lang="en-US" dirty="0">
+                <a:solidFill>
                   <a:srgbClr val="FF0000"/>
                 </a:solidFill>
               </a:rPr>
-              <a:t>no improvement </a:t>
+              <a:t> worse </a:t>
+            </a:r>
+            <a:r>
+              <a:rPr lang="en-US" altLang="zh-CN" dirty="0" smtClean="0">
+                <a:solidFill>
+                  <a:srgbClr val="FF0000"/>
+                </a:solidFill>
+              </a:rPr>
+              <a:t>performance</a:t>
+            </a:r>
+            <a:r>
+              <a:rPr lang="zh-CN" altLang="en-US" dirty="0" smtClean="0">
+                <a:solidFill>
+                  <a:srgbClr val="FF0000"/>
+                </a:solidFill>
+              </a:rPr>
+              <a:t> </a:t>
             </a:r>
             <a:r>
               <a:rPr lang="en-US" dirty="0" smtClean="0"/>
-              <a:t>over the baseline methods</a:t>
-            </a:r>
+              <a:t>in </a:t>
+            </a:r>
+            <a:r>
+              <a:rPr lang="en-US" dirty="0" err="1" smtClean="0"/>
+              <a:t>Error_</a:t>
+            </a:r>
+            <a:r>
+              <a:rPr lang="en-US" altLang="zh-CN" dirty="0" err="1" smtClean="0"/>
+              <a:t>R</a:t>
+            </a:r>
+            <a:r>
+              <a:rPr lang="en-US" dirty="0" err="1" smtClean="0"/>
+              <a:t>ate</a:t>
+            </a:r>
+            <a:endParaRPr lang="en-US" dirty="0" smtClean="0"/>
+          </a:p>
+          <a:p>
             <a:endParaRPr lang="en-US" dirty="0" smtClean="0">
               <a:solidFill>
                 <a:srgbClr val="00B050"/>
               </a:solidFill>
             </a:endParaRPr>
           </a:p>
-          <a:p>
-            <a:r>
-              <a:rPr lang="en-US" dirty="0" smtClean="0"/>
-              <a:t>[]</a:t>
-            </a:r>
-          </a:p>
-          <a:p>
-            <a:r>
-              <a:rPr lang="en-US" dirty="0" smtClean="0"/>
-              <a:t>[]</a:t>
-            </a:r>
-          </a:p>
-          <a:p>
-            <a:r>
-              <a:rPr lang="en-US" dirty="0" smtClean="0"/>
-              <a:t>[]</a:t>
-            </a:r>
-          </a:p>
-        </p:txBody>
-      </p:sp>
+        </p:txBody>
+      </p:sp>
+      <p:graphicFrame>
+        <p:nvGraphicFramePr>
+          <p:cNvPr id="5" name="Table 4"/>
+          <p:cNvGraphicFramePr>
+            <a:graphicFrameLocks noGrp="1"/>
+          </p:cNvGraphicFramePr>
+          <p:nvPr>
+            <p:extLst>
+              <p:ext uri="{D42A27DB-BD31-4B8C-83A1-F6EECF244321}">
+                <p14:modId xmlns:p14="http://schemas.microsoft.com/office/powerpoint/2010/main" val="640369442"/>
+              </p:ext>
+            </p:extLst>
+          </p:nvPr>
+        </p:nvGraphicFramePr>
+        <p:xfrm>
+          <a:off x="1583140" y="2101757"/>
+          <a:ext cx="9034817" cy="2607807"/>
+        </p:xfrm>
+        <a:graphic>
+          <a:graphicData uri="http://schemas.openxmlformats.org/drawingml/2006/table">
+            <a:tbl>
+              <a:tblPr firstRow="1" bandRow="1">
+                <a:tableStyleId>{5C22544A-7EE6-4342-B048-85BDC9FD1C3A}</a:tableStyleId>
+              </a:tblPr>
+              <a:tblGrid>
+                <a:gridCol w="2493328"/>
+                <a:gridCol w="1512806"/>
+                <a:gridCol w="1722919"/>
+                <a:gridCol w="1599795"/>
+                <a:gridCol w="1705969"/>
+              </a:tblGrid>
+              <a:tr h="736977">
+                <a:tc>
+                  <a:txBody>
+                    <a:bodyPr/>
+                    <a:lstStyle/>
+                    <a:p>
+                      <a:r>
+                        <a:rPr lang="en-US" dirty="0" smtClean="0"/>
+                        <a:t>Model</a:t>
+                      </a:r>
+                      <a:endParaRPr lang="en-US" dirty="0"/>
+                    </a:p>
+                  </a:txBody>
+                  <a:tcPr/>
+                </a:tc>
+                <a:tc>
+                  <a:txBody>
+                    <a:bodyPr/>
+                    <a:lstStyle/>
+                    <a:p>
+                      <a:r>
+                        <a:rPr lang="en-US" dirty="0" smtClean="0"/>
+                        <a:t>No PCA</a:t>
+                      </a:r>
+                      <a:endParaRPr lang="en-US" dirty="0" smtClean="0"/>
+                    </a:p>
+                    <a:p>
+                      <a:r>
+                        <a:rPr lang="en-US" dirty="0" smtClean="0"/>
+                        <a:t>ROC_AUC </a:t>
+                      </a:r>
+                      <a:endParaRPr lang="en-US" dirty="0"/>
+                    </a:p>
+                  </a:txBody>
+                  <a:tcPr/>
+                </a:tc>
+                <a:tc>
+                  <a:txBody>
+                    <a:bodyPr/>
+                    <a:lstStyle/>
+                    <a:p>
+                      <a:r>
+                        <a:rPr lang="en-US" dirty="0" smtClean="0"/>
+                        <a:t>Apply PCA</a:t>
+                      </a:r>
+                      <a:endParaRPr lang="en-US" dirty="0" smtClean="0"/>
+                    </a:p>
+                    <a:p>
+                      <a:r>
+                        <a:rPr lang="en-US" dirty="0" smtClean="0"/>
+                        <a:t>ROC_AUC </a:t>
+                      </a:r>
+                    </a:p>
+                  </a:txBody>
+                  <a:tcPr/>
+                </a:tc>
+                <a:tc>
+                  <a:txBody>
+                    <a:bodyPr/>
+                    <a:lstStyle/>
+                    <a:p>
+                      <a:pPr marL="0" marR="0" indent="0" algn="l" defTabSz="457200" rtl="0" eaLnBrk="1" fontAlgn="auto" latinLnBrk="0" hangingPunct="1">
+                        <a:lnSpc>
+                          <a:spcPct val="100000"/>
+                        </a:lnSpc>
+                        <a:spcBef>
+                          <a:spcPts val="0"/>
+                        </a:spcBef>
+                        <a:spcAft>
+                          <a:spcPts val="0"/>
+                        </a:spcAft>
+                        <a:buClrTx/>
+                        <a:buSzTx/>
+                        <a:buFontTx/>
+                        <a:buNone/>
+                        <a:tabLst/>
+                        <a:defRPr/>
+                      </a:pPr>
+                      <a:r>
+                        <a:rPr lang="en-US" dirty="0" smtClean="0"/>
+                        <a:t>No PCA</a:t>
+                      </a:r>
+                    </a:p>
+                    <a:p>
+                      <a:r>
+                        <a:rPr lang="en-US" dirty="0" err="1" smtClean="0"/>
+                        <a:t>Error_</a:t>
+                      </a:r>
+                      <a:r>
+                        <a:rPr lang="en-US" altLang="zh-CN" dirty="0" err="1" smtClean="0"/>
+                        <a:t>R</a:t>
+                      </a:r>
+                      <a:r>
+                        <a:rPr lang="en-US" dirty="0" err="1" smtClean="0"/>
+                        <a:t>ate</a:t>
+                      </a:r>
+                      <a:endParaRPr lang="en-US" dirty="0" smtClean="0"/>
+                    </a:p>
+                  </a:txBody>
+                  <a:tcPr/>
+                </a:tc>
+                <a:tc>
+                  <a:txBody>
+                    <a:bodyPr/>
+                    <a:lstStyle/>
+                    <a:p>
+                      <a:pPr marL="0" marR="0" indent="0" algn="l" defTabSz="457200" rtl="0" eaLnBrk="1" fontAlgn="auto" latinLnBrk="0" hangingPunct="1">
+                        <a:lnSpc>
+                          <a:spcPct val="100000"/>
+                        </a:lnSpc>
+                        <a:spcBef>
+                          <a:spcPts val="0"/>
+                        </a:spcBef>
+                        <a:spcAft>
+                          <a:spcPts val="0"/>
+                        </a:spcAft>
+                        <a:buClrTx/>
+                        <a:buSzTx/>
+                        <a:buFontTx/>
+                        <a:buNone/>
+                        <a:tabLst/>
+                        <a:defRPr/>
+                      </a:pPr>
+                      <a:r>
+                        <a:rPr lang="en-US" dirty="0" smtClean="0"/>
+                        <a:t>A</a:t>
+                      </a:r>
+                      <a:r>
+                        <a:rPr lang="en-US" altLang="zh-CN" dirty="0" smtClean="0"/>
+                        <a:t>p</a:t>
+                      </a:r>
+                      <a:r>
+                        <a:rPr lang="en-US" dirty="0" smtClean="0"/>
+                        <a:t>p</a:t>
+                      </a:r>
+                      <a:r>
+                        <a:rPr lang="en-US" altLang="zh-CN" dirty="0" smtClean="0"/>
+                        <a:t>l</a:t>
+                      </a:r>
+                      <a:r>
+                        <a:rPr lang="en-US" dirty="0" smtClean="0"/>
+                        <a:t>y PCA</a:t>
+                      </a:r>
+                    </a:p>
+                    <a:p>
+                      <a:pPr marL="0" marR="0" indent="0" algn="l" defTabSz="457200" rtl="0" eaLnBrk="1" fontAlgn="auto" latinLnBrk="0" hangingPunct="1">
+                        <a:lnSpc>
+                          <a:spcPct val="100000"/>
+                        </a:lnSpc>
+                        <a:spcBef>
+                          <a:spcPts val="0"/>
+                        </a:spcBef>
+                        <a:spcAft>
+                          <a:spcPts val="0"/>
+                        </a:spcAft>
+                        <a:buClrTx/>
+                        <a:buSzTx/>
+                        <a:buFontTx/>
+                        <a:buNone/>
+                        <a:tabLst/>
+                        <a:defRPr/>
+                      </a:pPr>
+                      <a:r>
+                        <a:rPr lang="en-US" dirty="0" err="1" smtClean="0"/>
+                        <a:t>Error_</a:t>
+                      </a:r>
+                      <a:r>
+                        <a:rPr lang="en-US" altLang="zh-CN" dirty="0" err="1" smtClean="0"/>
+                        <a:t>R</a:t>
+                      </a:r>
+                      <a:r>
+                        <a:rPr lang="en-US" dirty="0" err="1" smtClean="0"/>
+                        <a:t>ate</a:t>
+                      </a:r>
+                      <a:endParaRPr lang="en-US" dirty="0" smtClean="0"/>
+                    </a:p>
+                  </a:txBody>
+                  <a:tcPr/>
+                </a:tc>
+              </a:tr>
+              <a:tr h="374166">
+                <a:tc>
+                  <a:txBody>
+                    <a:bodyPr/>
+                    <a:lstStyle/>
+                    <a:p>
+                      <a:pPr marL="0" marR="0" lvl="1" indent="0" algn="l" defTabSz="457200" rtl="0" eaLnBrk="1" fontAlgn="auto" latinLnBrk="0" hangingPunct="1">
+                        <a:lnSpc>
+                          <a:spcPct val="100000"/>
+                        </a:lnSpc>
+                        <a:spcBef>
+                          <a:spcPts val="0"/>
+                        </a:spcBef>
+                        <a:spcAft>
+                          <a:spcPts val="0"/>
+                        </a:spcAft>
+                        <a:buClrTx/>
+                        <a:buSzTx/>
+                        <a:buFontTx/>
+                        <a:buNone/>
+                        <a:tabLst/>
+                        <a:defRPr/>
+                      </a:pPr>
+                      <a:r>
+                        <a:rPr lang="en-US" dirty="0" smtClean="0"/>
+                        <a:t>Classification tree</a:t>
+                      </a:r>
+                    </a:p>
+                  </a:txBody>
+                  <a:tcPr/>
+                </a:tc>
+                <a:tc>
+                  <a:txBody>
+                    <a:bodyPr/>
+                    <a:lstStyle/>
+                    <a:p>
+                      <a:r>
+                        <a:rPr lang="en-US" dirty="0" smtClean="0"/>
+                        <a:t>61%</a:t>
+                      </a:r>
+                      <a:endParaRPr lang="en-US" dirty="0"/>
+                    </a:p>
+                  </a:txBody>
+                  <a:tcPr/>
+                </a:tc>
+                <a:tc>
+                  <a:txBody>
+                    <a:bodyPr/>
+                    <a:lstStyle/>
+                    <a:p>
+                      <a:r>
+                        <a:rPr lang="en-US" dirty="0" smtClean="0"/>
+                        <a:t>54%</a:t>
+                      </a:r>
+                      <a:endParaRPr lang="en-US" dirty="0"/>
+                    </a:p>
+                  </a:txBody>
+                  <a:tcPr/>
+                </a:tc>
+                <a:tc>
+                  <a:txBody>
+                    <a:bodyPr/>
+                    <a:lstStyle/>
+                    <a:p>
+                      <a:r>
+                        <a:rPr lang="en-US" dirty="0" smtClean="0"/>
+                        <a:t>27.3%</a:t>
+                      </a:r>
+                      <a:endParaRPr lang="en-US" dirty="0"/>
+                    </a:p>
+                  </a:txBody>
+                  <a:tcPr/>
+                </a:tc>
+                <a:tc>
+                  <a:txBody>
+                    <a:bodyPr/>
+                    <a:lstStyle/>
+                    <a:p>
+                      <a:r>
+                        <a:rPr lang="en-US" dirty="0" smtClean="0"/>
+                        <a:t>34.5%</a:t>
+                      </a:r>
+                      <a:endParaRPr lang="en-US" dirty="0"/>
+                    </a:p>
+                  </a:txBody>
+                  <a:tcPr/>
+                </a:tc>
+              </a:tr>
+              <a:tr h="374166">
+                <a:tc>
+                  <a:txBody>
+                    <a:bodyPr/>
+                    <a:lstStyle/>
+                    <a:p>
+                      <a:r>
+                        <a:rPr lang="en-US" dirty="0" smtClean="0"/>
+                        <a:t>K-Nearest</a:t>
+                      </a:r>
+                      <a:r>
+                        <a:rPr lang="en-US" baseline="0" dirty="0" smtClean="0"/>
+                        <a:t> Neighbor</a:t>
+                      </a:r>
+                      <a:endParaRPr lang="en-US" dirty="0"/>
+                    </a:p>
+                  </a:txBody>
+                  <a:tcPr/>
+                </a:tc>
+                <a:tc>
+                  <a:txBody>
+                    <a:bodyPr/>
+                    <a:lstStyle/>
+                    <a:p>
+                      <a:r>
+                        <a:rPr lang="en-US" dirty="0" smtClean="0"/>
+                        <a:t>61%</a:t>
+                      </a:r>
+                      <a:endParaRPr lang="en-US" dirty="0"/>
+                    </a:p>
+                  </a:txBody>
+                  <a:tcPr/>
+                </a:tc>
+                <a:tc>
+                  <a:txBody>
+                    <a:bodyPr/>
+                    <a:lstStyle/>
+                    <a:p>
+                      <a:r>
+                        <a:rPr lang="en-US" dirty="0" smtClean="0"/>
+                        <a:t>49%</a:t>
+                      </a:r>
+                      <a:endParaRPr lang="en-US" dirty="0"/>
+                    </a:p>
+                  </a:txBody>
+                  <a:tcPr/>
+                </a:tc>
+                <a:tc>
+                  <a:txBody>
+                    <a:bodyPr/>
+                    <a:lstStyle/>
+                    <a:p>
+                      <a:r>
+                        <a:rPr lang="en-US" dirty="0" smtClean="0"/>
+                        <a:t>24.6%</a:t>
+                      </a:r>
+                      <a:endParaRPr lang="en-US" dirty="0"/>
+                    </a:p>
+                  </a:txBody>
+                  <a:tcPr/>
+                </a:tc>
+                <a:tc>
+                  <a:txBody>
+                    <a:bodyPr/>
+                    <a:lstStyle/>
+                    <a:p>
+                      <a:r>
+                        <a:rPr lang="en-US" dirty="0" smtClean="0"/>
+                        <a:t>25.9%</a:t>
+                      </a:r>
+                      <a:endParaRPr lang="en-US" dirty="0"/>
+                    </a:p>
+                  </a:txBody>
+                  <a:tcPr/>
+                </a:tc>
+              </a:tr>
+              <a:tr h="374166">
+                <a:tc>
+                  <a:txBody>
+                    <a:bodyPr/>
+                    <a:lstStyle/>
+                    <a:p>
+                      <a:pPr marL="0" marR="0" lvl="1" indent="0" algn="l" defTabSz="457200" rtl="0" eaLnBrk="1" fontAlgn="auto" latinLnBrk="0" hangingPunct="1">
+                        <a:lnSpc>
+                          <a:spcPct val="100000"/>
+                        </a:lnSpc>
+                        <a:spcBef>
+                          <a:spcPts val="0"/>
+                        </a:spcBef>
+                        <a:spcAft>
+                          <a:spcPts val="0"/>
+                        </a:spcAft>
+                        <a:buClrTx/>
+                        <a:buSzTx/>
+                        <a:buFontTx/>
+                        <a:buNone/>
+                        <a:tabLst/>
+                        <a:defRPr/>
+                      </a:pPr>
+                      <a:r>
+                        <a:rPr lang="en-US" dirty="0" smtClean="0"/>
+                        <a:t>Naïve Bayesian</a:t>
+                      </a:r>
+                    </a:p>
+                  </a:txBody>
+                  <a:tcPr/>
+                </a:tc>
+                <a:tc>
+                  <a:txBody>
+                    <a:bodyPr/>
+                    <a:lstStyle/>
+                    <a:p>
+                      <a:r>
+                        <a:rPr lang="en-US" dirty="0" smtClean="0"/>
+                        <a:t>75%</a:t>
+                      </a:r>
+                      <a:endParaRPr lang="en-US" dirty="0"/>
+                    </a:p>
+                  </a:txBody>
+                  <a:tcPr/>
+                </a:tc>
+                <a:tc>
+                  <a:txBody>
+                    <a:bodyPr/>
+                    <a:lstStyle/>
+                    <a:p>
+                      <a:r>
+                        <a:rPr lang="en-US" dirty="0" smtClean="0"/>
+                        <a:t>54%</a:t>
+                      </a:r>
+                      <a:endParaRPr lang="en-US" dirty="0"/>
+                    </a:p>
+                  </a:txBody>
+                  <a:tcPr/>
+                </a:tc>
+                <a:tc>
+                  <a:txBody>
+                    <a:bodyPr/>
+                    <a:lstStyle/>
+                    <a:p>
+                      <a:r>
+                        <a:rPr lang="en-US" dirty="0" smtClean="0"/>
+                        <a:t>21.7%</a:t>
+                      </a:r>
+                      <a:endParaRPr lang="en-US" dirty="0"/>
+                    </a:p>
+                  </a:txBody>
+                  <a:tcPr/>
+                </a:tc>
+                <a:tc>
+                  <a:txBody>
+                    <a:bodyPr/>
+                    <a:lstStyle/>
+                    <a:p>
+                      <a:r>
+                        <a:rPr lang="en-US" dirty="0" smtClean="0"/>
+                        <a:t>23%</a:t>
+                      </a:r>
+                      <a:endParaRPr lang="en-US" dirty="0"/>
+                    </a:p>
+                  </a:txBody>
+                  <a:tcPr/>
+                </a:tc>
+              </a:tr>
+              <a:tr h="374166">
+                <a:tc>
+                  <a:txBody>
+                    <a:bodyPr/>
+                    <a:lstStyle/>
+                    <a:p>
+                      <a:pPr marL="0" marR="0" lvl="1" indent="0" algn="l" defTabSz="457200" rtl="0" eaLnBrk="1" fontAlgn="auto" latinLnBrk="0" hangingPunct="1">
+                        <a:lnSpc>
+                          <a:spcPct val="100000"/>
+                        </a:lnSpc>
+                        <a:spcBef>
+                          <a:spcPts val="0"/>
+                        </a:spcBef>
+                        <a:spcAft>
+                          <a:spcPts val="0"/>
+                        </a:spcAft>
+                        <a:buClrTx/>
+                        <a:buSzTx/>
+                        <a:buFontTx/>
+                        <a:buNone/>
+                        <a:tabLst/>
+                        <a:defRPr/>
+                      </a:pPr>
+                      <a:r>
+                        <a:rPr lang="en-US" dirty="0" smtClean="0"/>
+                        <a:t>Discriminant analysis</a:t>
+                      </a:r>
+                    </a:p>
+                  </a:txBody>
+                  <a:tcPr/>
+                </a:tc>
+                <a:tc>
+                  <a:txBody>
+                    <a:bodyPr/>
+                    <a:lstStyle/>
+                    <a:p>
+                      <a:r>
+                        <a:rPr lang="en-US" dirty="0" smtClean="0"/>
+                        <a:t>73%</a:t>
+                      </a:r>
+                      <a:endParaRPr lang="en-US" dirty="0"/>
+                    </a:p>
+                  </a:txBody>
+                  <a:tcPr/>
+                </a:tc>
+                <a:tc>
+                  <a:txBody>
+                    <a:bodyPr/>
+                    <a:lstStyle/>
+                    <a:p>
+                      <a:r>
+                        <a:rPr lang="en-US" dirty="0" smtClean="0"/>
+                        <a:t>58%</a:t>
+                      </a:r>
+                      <a:endParaRPr lang="en-US" dirty="0"/>
+                    </a:p>
+                  </a:txBody>
+                  <a:tcPr/>
+                </a:tc>
+                <a:tc>
+                  <a:txBody>
+                    <a:bodyPr/>
+                    <a:lstStyle/>
+                    <a:p>
+                      <a:r>
+                        <a:rPr lang="en-US" dirty="0" smtClean="0"/>
+                        <a:t>18.2%</a:t>
+                      </a:r>
+                      <a:endParaRPr lang="en-US" dirty="0"/>
+                    </a:p>
+                  </a:txBody>
+                  <a:tcPr/>
+                </a:tc>
+                <a:tc>
+                  <a:txBody>
+                    <a:bodyPr/>
+                    <a:lstStyle/>
+                    <a:p>
+                      <a:r>
+                        <a:rPr lang="en-US" dirty="0" smtClean="0"/>
+                        <a:t>22.5%</a:t>
+                      </a:r>
+                      <a:endParaRPr lang="en-US" dirty="0"/>
+                    </a:p>
+                  </a:txBody>
+                  <a:tcPr/>
+                </a:tc>
+              </a:tr>
+              <a:tr h="374166">
+                <a:tc>
+                  <a:txBody>
+                    <a:bodyPr/>
+                    <a:lstStyle/>
+                    <a:p>
+                      <a:pPr marL="0" marR="0" lvl="1" indent="0" algn="l" defTabSz="457200" rtl="0" eaLnBrk="1" fontAlgn="auto" latinLnBrk="0" hangingPunct="1">
+                        <a:lnSpc>
+                          <a:spcPct val="100000"/>
+                        </a:lnSpc>
+                        <a:spcBef>
+                          <a:spcPts val="0"/>
+                        </a:spcBef>
+                        <a:spcAft>
+                          <a:spcPts val="0"/>
+                        </a:spcAft>
+                        <a:buClrTx/>
+                        <a:buSzTx/>
+                        <a:buFontTx/>
+                        <a:buNone/>
+                        <a:tabLst/>
+                        <a:defRPr/>
+                      </a:pPr>
+                      <a:r>
+                        <a:rPr lang="en-US" dirty="0" smtClean="0"/>
+                        <a:t>Logistic</a:t>
+                      </a:r>
+                      <a:r>
+                        <a:rPr lang="en-US" baseline="0" dirty="0" smtClean="0"/>
+                        <a:t> Regression</a:t>
+                      </a:r>
+                      <a:endParaRPr lang="en-US" dirty="0" smtClean="0"/>
+                    </a:p>
+                  </a:txBody>
+                  <a:tcPr/>
+                </a:tc>
+                <a:tc>
+                  <a:txBody>
+                    <a:bodyPr/>
+                    <a:lstStyle/>
+                    <a:p>
+                      <a:r>
+                        <a:rPr lang="en-US" dirty="0" smtClean="0"/>
+                        <a:t>66%</a:t>
+                      </a:r>
+                      <a:endParaRPr lang="en-US" dirty="0"/>
+                    </a:p>
+                  </a:txBody>
+                  <a:tcPr/>
+                </a:tc>
+                <a:tc>
+                  <a:txBody>
+                    <a:bodyPr/>
+                    <a:lstStyle/>
+                    <a:p>
+                      <a:r>
+                        <a:rPr lang="en-US" dirty="0" smtClean="0"/>
+                        <a:t>58%</a:t>
+                      </a:r>
+                      <a:endParaRPr lang="en-US" dirty="0"/>
+                    </a:p>
+                  </a:txBody>
+                  <a:tcPr/>
+                </a:tc>
+                <a:tc>
+                  <a:txBody>
+                    <a:bodyPr/>
+                    <a:lstStyle/>
+                    <a:p>
+                      <a:r>
+                        <a:rPr lang="en-US" dirty="0" smtClean="0"/>
+                        <a:t>21.7%</a:t>
+                      </a:r>
+                      <a:endParaRPr lang="en-US" dirty="0"/>
+                    </a:p>
+                  </a:txBody>
+                  <a:tcPr/>
+                </a:tc>
+                <a:tc>
+                  <a:txBody>
+                    <a:bodyPr/>
+                    <a:lstStyle/>
+                    <a:p>
+                      <a:r>
+                        <a:rPr lang="en-US" dirty="0" smtClean="0"/>
+                        <a:t>23.1%</a:t>
+                      </a:r>
+                      <a:endParaRPr lang="en-US" dirty="0"/>
+                    </a:p>
+                  </a:txBody>
+                  <a:tcPr/>
+                </a:tc>
+              </a:tr>
+            </a:tbl>
+          </a:graphicData>
+        </a:graphic>
+      </p:graphicFrame>
     </p:spTree>
     <p:extLst>
       <p:ext uri="{BB962C8B-B14F-4D97-AF65-F5344CB8AC3E}">
@@ -7080,12 +8383,12 @@
               <a:t>10-fold Cross </a:t>
             </a:r>
             <a:r>
-              <a:rPr lang="en-US" dirty="0">
+              <a:rPr lang="en-US" dirty="0" smtClean="0">
                 <a:solidFill>
                   <a:srgbClr val="00B050"/>
                 </a:solidFill>
               </a:rPr>
-              <a:t>V</a:t>
+              <a:t>Validation</a:t>
             </a:r>
             <a:r>
               <a:rPr lang="en-US" dirty="0" smtClean="0">
@@ -7093,8 +8396,29 @@
                   <a:srgbClr val="00B050"/>
                 </a:solidFill>
               </a:rPr>
-              <a:t>alidation</a:t>
-            </a:r>
+              <a:t>, </a:t>
+            </a:r>
+            <a:r>
+              <a:rPr lang="zh-CN" altLang="en-US" dirty="0" smtClean="0">
+                <a:solidFill>
+                  <a:srgbClr val="00B050"/>
+                </a:solidFill>
+              </a:rPr>
+              <a:t> </a:t>
+            </a:r>
+            <a:r>
+              <a:rPr lang="en-US" altLang="zh-CN" dirty="0" smtClean="0">
+                <a:solidFill>
+                  <a:srgbClr val="00B050"/>
+                </a:solidFill>
+              </a:rPr>
+              <a:t>PCA</a:t>
+            </a:r>
+            <a:endParaRPr lang="en-US" dirty="0" smtClean="0">
+              <a:solidFill>
+                <a:srgbClr val="00B050"/>
+              </a:solidFill>
+            </a:endParaRPr>
           </a:p>
           <a:p>
             <a:pPr lvl="1"/>
@@ -7108,7 +8432,7 @@
                   <a:srgbClr val="FF0000"/>
                 </a:solidFill>
               </a:rPr>
-              <a:t>Feature Selection, </a:t>
+              <a:t>Feature </a:t>
             </a:r>
             <a:r>
               <a:rPr lang="en-US" dirty="0" smtClean="0">
@@ -7116,7 +8440,7 @@
                   <a:srgbClr val="FF0000"/>
                 </a:solidFill>
               </a:rPr>
-              <a:t>PCA</a:t>
+              <a:t>Selection</a:t>
             </a:r>
             <a:endParaRPr lang="en-US" dirty="0" smtClean="0">
               <a:solidFill>
@@ -9296,7 +10620,7 @@
           <a:lstStyle/>
           <a:p>
             <a:r>
-              <a:rPr lang="en-US"/>
+              <a:rPr lang="en-US" dirty="0"/>
               <a:t>Experiment: Feature Selection (1 of 2)</a:t>
             </a:r>
           </a:p>
@@ -9441,15 +10765,15 @@
           <a:lstStyle/>
           <a:p>
             <a:r>
-              <a:rPr lang="en-US"/>
+              <a:rPr lang="en-US" dirty="0"/>
               <a:t>Experiment: Feature Selection </a:t>
             </a:r>
             <a:r>
-              <a:rPr lang="en-US" smtClean="0"/>
+              <a:rPr lang="en-US" dirty="0" smtClean="0"/>
               <a:t>(2 </a:t>
             </a:r>
             <a:r>
-              <a:rPr lang="en-US"/>
+              <a:rPr lang="en-US" dirty="0"/>
               <a:t>of 2)</a:t>
             </a:r>
           </a:p>

--- a/Predicting_Credit_Card_defaults.pptx
+++ b/Predicting_Credit_Card_defaults.pptx
@@ -6,18 +6,17 @@
   </p:sldMasterIdLst>
   <p:sldIdLst>
     <p:sldId id="256" r:id="rId2"/>
-    <p:sldId id="257" r:id="rId3"/>
-    <p:sldId id="264" r:id="rId4"/>
-    <p:sldId id="265" r:id="rId5"/>
-    <p:sldId id="258" r:id="rId6"/>
-    <p:sldId id="259" r:id="rId7"/>
-    <p:sldId id="260" r:id="rId8"/>
-    <p:sldId id="271" r:id="rId9"/>
-    <p:sldId id="272" r:id="rId10"/>
-    <p:sldId id="269" r:id="rId11"/>
-    <p:sldId id="266" r:id="rId12"/>
-    <p:sldId id="268" r:id="rId13"/>
-    <p:sldId id="262" r:id="rId14"/>
+    <p:sldId id="264" r:id="rId3"/>
+    <p:sldId id="265" r:id="rId4"/>
+    <p:sldId id="258" r:id="rId5"/>
+    <p:sldId id="259" r:id="rId6"/>
+    <p:sldId id="260" r:id="rId7"/>
+    <p:sldId id="271" r:id="rId8"/>
+    <p:sldId id="272" r:id="rId9"/>
+    <p:sldId id="269" r:id="rId10"/>
+    <p:sldId id="266" r:id="rId11"/>
+    <p:sldId id="268" r:id="rId12"/>
+    <p:sldId id="262" r:id="rId13"/>
   </p:sldIdLst>
   <p:sldSz cx="12192000" cy="6858000"/>
   <p:notesSz cx="6858000" cy="9144000"/>
@@ -627,7 +626,7 @@
             <a:fld id="{B61BEF0D-F0BB-DE4B-95CE-6DB70DBA9567}" type="datetimeFigureOut">
               <a:rPr lang="en-US" dirty="0"/>
               <a:pPr/>
-              <a:t>3/7/16</a:t>
+              <a:t>3/8/16</a:t>
             </a:fld>
             <a:endParaRPr lang="en-US" dirty="0"/>
           </a:p>
@@ -920,7 +919,7 @@
             <a:fld id="{B61BEF0D-F0BB-DE4B-95CE-6DB70DBA9567}" type="datetimeFigureOut">
               <a:rPr lang="en-US" dirty="0"/>
               <a:pPr/>
-              <a:t>3/7/16</a:t>
+              <a:t>3/8/16</a:t>
             </a:fld>
             <a:endParaRPr lang="en-US" dirty="0"/>
           </a:p>
@@ -1165,7 +1164,7 @@
             <a:fld id="{B61BEF0D-F0BB-DE4B-95CE-6DB70DBA9567}" type="datetimeFigureOut">
               <a:rPr lang="en-US" dirty="0"/>
               <a:pPr/>
-              <a:t>3/7/16</a:t>
+              <a:t>3/8/16</a:t>
             </a:fld>
             <a:endParaRPr lang="en-US" dirty="0"/>
           </a:p>
@@ -1702,7 +1701,7 @@
             <a:fld id="{B61BEF0D-F0BB-DE4B-95CE-6DB70DBA9567}" type="datetimeFigureOut">
               <a:rPr lang="en-US" dirty="0"/>
               <a:pPr/>
-              <a:t>3/7/16</a:t>
+              <a:t>3/8/16</a:t>
             </a:fld>
             <a:endParaRPr lang="en-US" dirty="0"/>
           </a:p>
@@ -1947,7 +1946,7 @@
             <a:fld id="{B61BEF0D-F0BB-DE4B-95CE-6DB70DBA9567}" type="datetimeFigureOut">
               <a:rPr lang="en-US" dirty="0"/>
               <a:pPr/>
-              <a:t>3/7/16</a:t>
+              <a:t>3/8/16</a:t>
             </a:fld>
             <a:endParaRPr lang="en-US" dirty="0"/>
           </a:p>
@@ -2476,7 +2475,7 @@
             <a:fld id="{B61BEF0D-F0BB-DE4B-95CE-6DB70DBA9567}" type="datetimeFigureOut">
               <a:rPr lang="en-US" dirty="0"/>
               <a:pPr/>
-              <a:t>3/7/16</a:t>
+              <a:t>3/8/16</a:t>
             </a:fld>
             <a:endParaRPr lang="en-US" dirty="0"/>
           </a:p>
@@ -2770,7 +2769,7 @@
             <a:fld id="{B61BEF0D-F0BB-DE4B-95CE-6DB70DBA9567}" type="datetimeFigureOut">
               <a:rPr lang="en-US" dirty="0"/>
               <a:pPr/>
-              <a:t>3/7/16</a:t>
+              <a:t>3/8/16</a:t>
             </a:fld>
             <a:endParaRPr lang="en-US" dirty="0"/>
           </a:p>
@@ -2941,7 +2940,7 @@
             <a:fld id="{B61BEF0D-F0BB-DE4B-95CE-6DB70DBA9567}" type="datetimeFigureOut">
               <a:rPr lang="en-US" dirty="0"/>
               <a:pPr/>
-              <a:t>3/7/16</a:t>
+              <a:t>3/8/16</a:t>
             </a:fld>
             <a:endParaRPr lang="en-US" dirty="0"/>
           </a:p>
@@ -3118,7 +3117,7 @@
             <a:fld id="{B61BEF0D-F0BB-DE4B-95CE-6DB70DBA9567}" type="datetimeFigureOut">
               <a:rPr lang="en-US" dirty="0"/>
               <a:pPr/>
-              <a:t>3/7/16</a:t>
+              <a:t>3/8/16</a:t>
             </a:fld>
             <a:endParaRPr lang="en-US" dirty="0"/>
           </a:p>
@@ -3285,7 +3284,7 @@
             <a:fld id="{B61BEF0D-F0BB-DE4B-95CE-6DB70DBA9567}" type="datetimeFigureOut">
               <a:rPr lang="en-US" dirty="0"/>
               <a:pPr/>
-              <a:t>3/7/16</a:t>
+              <a:t>3/8/16</a:t>
             </a:fld>
             <a:endParaRPr lang="en-US" dirty="0"/>
           </a:p>
@@ -3533,7 +3532,7 @@
             <a:fld id="{B61BEF0D-F0BB-DE4B-95CE-6DB70DBA9567}" type="datetimeFigureOut">
               <a:rPr lang="en-US" dirty="0"/>
               <a:pPr/>
-              <a:t>3/7/16</a:t>
+              <a:t>3/8/16</a:t>
             </a:fld>
             <a:endParaRPr lang="en-US" dirty="0"/>
           </a:p>
@@ -3827,7 +3826,7 @@
             <a:fld id="{B61BEF0D-F0BB-DE4B-95CE-6DB70DBA9567}" type="datetimeFigureOut">
               <a:rPr lang="en-US" dirty="0"/>
               <a:pPr/>
-              <a:t>3/7/16</a:t>
+              <a:t>3/8/16</a:t>
             </a:fld>
             <a:endParaRPr lang="en-US" dirty="0"/>
           </a:p>
@@ -4266,7 +4265,7 @@
             <a:fld id="{B61BEF0D-F0BB-DE4B-95CE-6DB70DBA9567}" type="datetimeFigureOut">
               <a:rPr lang="en-US" dirty="0"/>
               <a:pPr/>
-              <a:t>3/7/16</a:t>
+              <a:t>3/8/16</a:t>
             </a:fld>
             <a:endParaRPr lang="en-US" dirty="0"/>
           </a:p>
@@ -4381,7 +4380,7 @@
             <a:fld id="{B61BEF0D-F0BB-DE4B-95CE-6DB70DBA9567}" type="datetimeFigureOut">
               <a:rPr lang="en-US" dirty="0"/>
               <a:pPr/>
-              <a:t>3/7/16</a:t>
+              <a:t>3/8/16</a:t>
             </a:fld>
             <a:endParaRPr lang="en-US" dirty="0"/>
           </a:p>
@@ -4473,7 +4472,7 @@
             <a:fld id="{B61BEF0D-F0BB-DE4B-95CE-6DB70DBA9567}" type="datetimeFigureOut">
               <a:rPr lang="en-US" dirty="0"/>
               <a:pPr/>
-              <a:t>3/7/16</a:t>
+              <a:t>3/8/16</a:t>
             </a:fld>
             <a:endParaRPr lang="en-US" dirty="0"/>
           </a:p>
@@ -4753,7 +4752,7 @@
             <a:fld id="{B61BEF0D-F0BB-DE4B-95CE-6DB70DBA9567}" type="datetimeFigureOut">
               <a:rPr lang="en-US" dirty="0"/>
               <a:pPr/>
-              <a:t>3/7/16</a:t>
+              <a:t>3/8/16</a:t>
             </a:fld>
             <a:endParaRPr lang="en-US" dirty="0"/>
           </a:p>
@@ -5041,7 +5040,7 @@
             <a:fld id="{B61BEF0D-F0BB-DE4B-95CE-6DB70DBA9567}" type="datetimeFigureOut">
               <a:rPr lang="en-US" dirty="0"/>
               <a:pPr/>
-              <a:t>3/7/16</a:t>
+              <a:t>3/8/16</a:t>
             </a:fld>
             <a:endParaRPr lang="en-US" dirty="0"/>
           </a:p>
@@ -5568,7 +5567,7 @@
             <a:fld id="{B61BEF0D-F0BB-DE4B-95CE-6DB70DBA9567}" type="datetimeFigureOut">
               <a:rPr lang="en-US" dirty="0"/>
               <a:pPr/>
-              <a:t>3/7/16</a:t>
+              <a:t>3/8/16</a:t>
             </a:fld>
             <a:endParaRPr lang="en-US" dirty="0"/>
           </a:p>
@@ -6232,11 +6231,11 @@
           <a:p>
             <a:r>
               <a:rPr lang="en-US" dirty="0"/>
-              <a:t>Experiment: Feature </a:t>
+              <a:t>Experiment: </a:t>
             </a:r>
             <a:r>
               <a:rPr lang="en-US" dirty="0" smtClean="0"/>
-              <a:t>Selection (3 of 3)</a:t>
+              <a:t>10-fold cross validation</a:t>
             </a:r>
             <a:endParaRPr lang="en-US" dirty="0"/>
           </a:p>
@@ -6254,8 +6253,8 @@
         </p:nvSpPr>
         <p:spPr>
           <a:xfrm>
-            <a:off x="1484310" y="3047999"/>
-            <a:ext cx="10018713" cy="3124201"/>
+            <a:off x="1484311" y="4800751"/>
+            <a:ext cx="10018713" cy="1119117"/>
           </a:xfrm>
         </p:spPr>
         <p:txBody>
@@ -6264,18 +6263,9 @@
           </a:bodyPr>
           <a:lstStyle/>
           <a:p>
-            <a:pPr marL="0" indent="0">
-              <a:buNone/>
-            </a:pPr>
-            <a:endParaRPr lang="en-US" dirty="0" smtClean="0"/>
-          </a:p>
-          <a:p>
-            <a:endParaRPr lang="en-US" dirty="0" smtClean="0"/>
-          </a:p>
-          <a:p>
             <a:r>
               <a:rPr lang="en-US" dirty="0" smtClean="0"/>
-              <a:t>This </a:t>
+              <a:t>10-fold cross validation</a:t>
             </a:r>
             <a:r>
               <a:rPr lang="en-US" dirty="0" smtClean="0">
@@ -6283,58 +6273,44 @@
                   <a:srgbClr val="00B050"/>
                 </a:solidFill>
               </a:rPr>
-              <a:t>improved Classification tree</a:t>
+              <a:t> improved </a:t>
+            </a:r>
+            <a:r>
+              <a:rPr lang="en-US" dirty="0" smtClean="0"/>
+              <a:t>error rates by </a:t>
             </a:r>
             <a:r>
               <a:rPr lang="en-US" dirty="0" smtClean="0">
                 <a:solidFill>
-                  <a:srgbClr val="FF0000"/>
+                  <a:srgbClr val="00B050"/>
                 </a:solidFill>
               </a:rPr>
-              <a:t> </a:t>
+              <a:t>20bp </a:t>
             </a:r>
             <a:r>
               <a:rPr lang="en-US" dirty="0" smtClean="0"/>
-              <a:t>model, but </a:t>
-            </a:r>
-            <a:r>
-              <a:rPr lang="en-US" dirty="0" smtClean="0">
-                <a:solidFill>
-                  <a:srgbClr val="FF0000"/>
-                </a:solidFill>
-              </a:rPr>
-              <a:t>no improvement</a:t>
-            </a:r>
-            <a:r>
-              <a:rPr lang="en-US" dirty="0" smtClean="0"/>
-              <a:t> on others</a:t>
-            </a:r>
-          </a:p>
-          <a:p>
-            <a:r>
-              <a:rPr lang="en-US" dirty="0" smtClean="0"/>
-              <a:t>Did not attempt to remove features (23 is a low cardinality already)</a:t>
+              <a:t>over 50/50 split</a:t>
             </a:r>
           </a:p>
         </p:txBody>
       </p:sp>
       <p:graphicFrame>
         <p:nvGraphicFramePr>
-          <p:cNvPr id="4" name="Table 3"/>
+          <p:cNvPr id="5" name="Table 4"/>
           <p:cNvGraphicFramePr>
             <a:graphicFrameLocks noGrp="1"/>
           </p:cNvGraphicFramePr>
           <p:nvPr>
             <p:extLst>
               <p:ext uri="{D42A27DB-BD31-4B8C-83A1-F6EECF244321}">
-                <p14:modId xmlns:p14="http://schemas.microsoft.com/office/powerpoint/2010/main" val="2135607710"/>
+                <p14:modId xmlns:p14="http://schemas.microsoft.com/office/powerpoint/2010/main" val="1761869367"/>
               </p:ext>
             </p:extLst>
           </p:nvPr>
         </p:nvGraphicFramePr>
         <p:xfrm>
-          <a:off x="4041769" y="1985656"/>
-          <a:ext cx="4903794" cy="2494280"/>
+          <a:off x="1583140" y="2101757"/>
+          <a:ext cx="9485195" cy="2607807"/>
         </p:xfrm>
         <a:graphic>
           <a:graphicData uri="http://schemas.openxmlformats.org/drawingml/2006/table">
@@ -6343,11 +6319,13 @@
                 <a:tableStyleId>{5C22544A-7EE6-4342-B048-85BDC9FD1C3A}</a:tableStyleId>
               </a:tblPr>
               <a:tblGrid>
-                <a:gridCol w="2219090"/>
-                <a:gridCol w="1342352"/>
-                <a:gridCol w="1342352"/>
+                <a:gridCol w="2567541"/>
+                <a:gridCol w="1647413"/>
+                <a:gridCol w="1756747"/>
+                <a:gridCol w="1756747"/>
+                <a:gridCol w="1756747"/>
               </a:tblGrid>
-              <a:tr h="370840">
+              <a:tr h="736977">
                 <a:tc>
                   <a:txBody>
                     <a:bodyPr/>
@@ -6367,10 +6345,114 @@
                     <a:bodyPr/>
                     <a:lstStyle/>
                     <a:p>
+                      <a:pPr marL="0" marR="0" indent="0" algn="l" defTabSz="457200" rtl="0" eaLnBrk="1" fontAlgn="auto" latinLnBrk="0" hangingPunct="1">
+                        <a:lnSpc>
+                          <a:spcPct val="100000"/>
+                        </a:lnSpc>
+                        <a:spcBef>
+                          <a:spcPts val="0"/>
+                        </a:spcBef>
+                        <a:spcAft>
+                          <a:spcPts val="0"/>
+                        </a:spcAft>
+                        <a:buClrTx/>
+                        <a:buSzTx/>
+                        <a:buFontTx/>
+                        <a:buNone/>
+                        <a:tabLst/>
+                        <a:defRPr/>
+                      </a:pPr>
                       <a:r>
                         <a:rPr lang="en-US" dirty="0" smtClean="0"/>
-                        <a:t>23 variables</a:t>
-                      </a:r>
+                        <a:t>50/50</a:t>
+                      </a:r>
+                      <a:r>
+                        <a:rPr lang="en-US" baseline="0" dirty="0" smtClean="0"/>
+                        <a:t> split</a:t>
+                      </a:r>
+                      <a:endParaRPr lang="en-US" dirty="0" smtClean="0"/>
+                    </a:p>
+                    <a:p>
+                      <a:r>
+                        <a:rPr lang="en-US" dirty="0" smtClean="0"/>
+                        <a:t>Error_rate</a:t>
+                      </a:r>
+                    </a:p>
+                  </a:txBody>
+                  <a:tcPr/>
+                </a:tc>
+                <a:tc>
+                  <a:txBody>
+                    <a:bodyPr/>
+                    <a:lstStyle/>
+                    <a:p>
+                      <a:pPr marL="0" marR="0" indent="0" algn="l" defTabSz="457200" rtl="0" eaLnBrk="1" fontAlgn="auto" latinLnBrk="0" hangingPunct="1">
+                        <a:lnSpc>
+                          <a:spcPct val="100000"/>
+                        </a:lnSpc>
+                        <a:spcBef>
+                          <a:spcPts val="0"/>
+                        </a:spcBef>
+                        <a:spcAft>
+                          <a:spcPts val="0"/>
+                        </a:spcAft>
+                        <a:buClrTx/>
+                        <a:buSzTx/>
+                        <a:buFontTx/>
+                        <a:buNone/>
+                        <a:tabLst/>
+                        <a:defRPr/>
+                      </a:pPr>
+                      <a:r>
+                        <a:rPr lang="en-US" dirty="0" smtClean="0"/>
+                        <a:t>10</a:t>
+                      </a:r>
+                      <a:r>
+                        <a:rPr lang="en-US" baseline="0" dirty="0" smtClean="0"/>
+                        <a:t>-fold cross</a:t>
+                      </a:r>
+                      <a:endParaRPr lang="en-US" dirty="0" smtClean="0"/>
+                    </a:p>
+                    <a:p>
+                      <a:pPr marL="0" marR="0" indent="0" algn="l" defTabSz="457200" rtl="0" eaLnBrk="1" fontAlgn="auto" latinLnBrk="0" hangingPunct="1">
+                        <a:lnSpc>
+                          <a:spcPct val="100000"/>
+                        </a:lnSpc>
+                        <a:spcBef>
+                          <a:spcPts val="0"/>
+                        </a:spcBef>
+                        <a:spcAft>
+                          <a:spcPts val="0"/>
+                        </a:spcAft>
+                        <a:buClrTx/>
+                        <a:buSzTx/>
+                        <a:buFontTx/>
+                        <a:buNone/>
+                        <a:tabLst/>
+                        <a:defRPr/>
+                      </a:pPr>
+                      <a:r>
+                        <a:rPr lang="en-US" dirty="0" smtClean="0"/>
+                        <a:t>Error_rate</a:t>
+                      </a:r>
+                    </a:p>
+                  </a:txBody>
+                  <a:tcPr/>
+                </a:tc>
+                <a:tc>
+                  <a:txBody>
+                    <a:bodyPr/>
+                    <a:lstStyle/>
+                    <a:p>
+                      <a:r>
+                        <a:rPr lang="en-US" dirty="0" smtClean="0"/>
+                        <a:t>50/50</a:t>
+                      </a:r>
+                      <a:r>
+                        <a:rPr lang="en-US" baseline="0" dirty="0" smtClean="0"/>
+                        <a:t> split</a:t>
+                      </a:r>
+                      <a:endParaRPr lang="en-US" dirty="0" smtClean="0"/>
                     </a:p>
                     <a:p>
                       <a:r>
@@ -6389,8 +6471,13 @@
                     <a:p>
                       <a:r>
                         <a:rPr lang="en-US" dirty="0" smtClean="0"/>
-                        <a:t>25 variables</a:t>
-                      </a:r>
+                        <a:t>10</a:t>
+                      </a:r>
+                      <a:r>
+                        <a:rPr lang="en-US" baseline="0" dirty="0" smtClean="0"/>
+                        <a:t>-fold cross</a:t>
+                      </a:r>
+                      <a:endParaRPr lang="en-US" dirty="0" smtClean="0"/>
                     </a:p>
                     <a:p>
                       <a:r>
@@ -6402,7 +6489,7 @@
                   <a:tcPr/>
                 </a:tc>
               </a:tr>
-              <a:tr h="370840">
+              <a:tr h="374166">
                 <a:tc>
                   <a:txBody>
                     <a:bodyPr/>
@@ -6427,7 +6514,7 @@
                       </a:pPr>
                       <a:r>
                         <a:rPr lang="en-US" dirty="0" smtClean="0"/>
-                        <a:t>Classification tree</a:t>
+                        <a:t>Naïve Bayesian</a:t>
                       </a:r>
                     </a:p>
                   </a:txBody>
@@ -6440,7 +6527,7 @@
                     <a:p>
                       <a:r>
                         <a:rPr lang="en-US" dirty="0" smtClean="0"/>
-                        <a:t>61%</a:t>
+                        <a:t>21.7%</a:t>
                       </a:r>
                       <a:endParaRPr lang="en-US" dirty="0"/>
                     </a:p>
@@ -6454,27 +6541,7 @@
                     <a:p>
                       <a:r>
                         <a:rPr lang="en-US" dirty="0" smtClean="0"/>
-                        <a:t>61%</a:t>
-                      </a:r>
-                      <a:endParaRPr lang="en-US" dirty="0"/>
-                    </a:p>
-                  </a:txBody>
-                  <a:tcPr/>
-                </a:tc>
-              </a:tr>
-              <a:tr h="370840">
-                <a:tc>
-                  <a:txBody>
-                    <a:bodyPr/>
-                    <a:lstStyle/>
-                    <a:p>
-                      <a:r>
-                        <a:rPr lang="en-US" dirty="0" smtClean="0"/>
-                        <a:t>K-Nearest</a:t>
-                      </a:r>
-                      <a:r>
-                        <a:rPr lang="en-US" baseline="0" dirty="0" smtClean="0"/>
-                        <a:t> Neighbor</a:t>
+                        <a:t>21.5%</a:t>
                       </a:r>
                       <a:endParaRPr lang="en-US" dirty="0"/>
                     </a:p>
@@ -6488,7 +6555,7 @@
                     <a:p>
                       <a:r>
                         <a:rPr lang="en-US" dirty="0" smtClean="0"/>
-                        <a:t>61%</a:t>
+                        <a:t>75%</a:t>
                       </a:r>
                       <a:endParaRPr lang="en-US" dirty="0"/>
                     </a:p>
@@ -6502,7 +6569,7 @@
                     <a:p>
                       <a:r>
                         <a:rPr lang="en-US" dirty="0" smtClean="0"/>
-                        <a:t>61%</a:t>
+                        <a:t>73%</a:t>
                       </a:r>
                       <a:endParaRPr lang="en-US" dirty="0"/>
                     </a:p>
@@ -6510,7 +6577,7 @@
                   <a:tcPr/>
                 </a:tc>
               </a:tr>
-              <a:tr h="370840">
+              <a:tr h="374166">
                 <a:tc>
                   <a:txBody>
                     <a:bodyPr/>
@@ -6535,7 +6602,7 @@
                       </a:pPr>
                       <a:r>
                         <a:rPr lang="en-US" dirty="0" smtClean="0"/>
-                        <a:t>Naïve Bayesian</a:t>
+                        <a:t>Discriminant analysis</a:t>
                       </a:r>
                     </a:p>
                   </a:txBody>
@@ -6548,7 +6615,7 @@
                     <a:p>
                       <a:r>
                         <a:rPr lang="en-US" dirty="0" smtClean="0"/>
-                        <a:t>75%</a:t>
+                        <a:t>18.2%</a:t>
                       </a:r>
                       <a:endParaRPr lang="en-US" dirty="0"/>
                     </a:p>
@@ -6562,7 +6629,35 @@
                     <a:p>
                       <a:r>
                         <a:rPr lang="en-US" dirty="0" smtClean="0"/>
-                        <a:t>75%</a:t>
+                        <a:t>18.0%</a:t>
+                      </a:r>
+                      <a:endParaRPr lang="en-US" dirty="0"/>
+                    </a:p>
+                  </a:txBody>
+                  <a:tcPr/>
+                </a:tc>
+                <a:tc>
+                  <a:txBody>
+                    <a:bodyPr/>
+                    <a:lstStyle/>
+                    <a:p>
+                      <a:r>
+                        <a:rPr lang="en-US" dirty="0" smtClean="0"/>
+                        <a:t>73%</a:t>
+                      </a:r>
+                      <a:endParaRPr lang="en-US" dirty="0"/>
+                    </a:p>
+                  </a:txBody>
+                  <a:tcPr/>
+                </a:tc>
+                <a:tc>
+                  <a:txBody>
+                    <a:bodyPr/>
+                    <a:lstStyle/>
+                    <a:p>
+                      <a:r>
+                        <a:rPr lang="en-US" dirty="0" smtClean="0"/>
+                        <a:t>69%</a:t>
                       </a:r>
                       <a:endParaRPr lang="en-US" dirty="0"/>
                     </a:p>
@@ -6570,7 +6665,7 @@
                   <a:tcPr/>
                 </a:tc>
               </a:tr>
-              <a:tr h="370840">
+              <a:tr h="374166">
                 <a:tc>
                   <a:txBody>
                     <a:bodyPr/>
@@ -6595,8 +6690,13 @@
                       </a:pPr>
                       <a:r>
                         <a:rPr lang="en-US" dirty="0" smtClean="0"/>
-                        <a:t>Discriminant analysis</a:t>
-                      </a:r>
+                        <a:t>Logistic</a:t>
+                      </a:r>
+                      <a:r>
+                        <a:rPr lang="en-US" baseline="0" dirty="0" smtClean="0"/>
+                        <a:t> Regression</a:t>
+                      </a:r>
+                      <a:endParaRPr lang="en-US" dirty="0" smtClean="0"/>
                     </a:p>
                   </a:txBody>
                   <a:tcPr/>
@@ -6608,7 +6708,7 @@
                     <a:p>
                       <a:r>
                         <a:rPr lang="en-US" dirty="0" smtClean="0"/>
-                        <a:t>73%</a:t>
+                        <a:t>21.7%</a:t>
                       </a:r>
                       <a:endParaRPr lang="en-US" dirty="0"/>
                     </a:p>
@@ -6622,7 +6722,35 @@
                     <a:p>
                       <a:r>
                         <a:rPr lang="en-US" dirty="0" smtClean="0"/>
-                        <a:t>73%</a:t>
+                        <a:t>21.5%</a:t>
+                      </a:r>
+                      <a:endParaRPr lang="en-US" dirty="0"/>
+                    </a:p>
+                  </a:txBody>
+                  <a:tcPr/>
+                </a:tc>
+                <a:tc>
+                  <a:txBody>
+                    <a:bodyPr/>
+                    <a:lstStyle/>
+                    <a:p>
+                      <a:r>
+                        <a:rPr lang="en-US" dirty="0" smtClean="0"/>
+                        <a:t>66%</a:t>
+                      </a:r>
+                      <a:endParaRPr lang="en-US" dirty="0"/>
+                    </a:p>
+                  </a:txBody>
+                  <a:tcPr/>
+                </a:tc>
+                <a:tc>
+                  <a:txBody>
+                    <a:bodyPr/>
+                    <a:lstStyle/>
+                    <a:p>
+                      <a:r>
+                        <a:rPr lang="en-US" dirty="0" smtClean="0"/>
+                        <a:t>62%</a:t>
                       </a:r>
                       <a:endParaRPr lang="en-US" dirty="0"/>
                     </a:p>
@@ -6630,7 +6758,7 @@
                   <a:tcPr/>
                 </a:tc>
               </a:tr>
-              <a:tr h="370840">
+              <a:tr h="374166">
                 <a:tc>
                   <a:txBody>
                     <a:bodyPr/>
@@ -6655,13 +6783,8 @@
                       </a:pPr>
                       <a:r>
                         <a:rPr lang="en-US" dirty="0" smtClean="0"/>
-                        <a:t>Logistic</a:t>
-                      </a:r>
-                      <a:r>
-                        <a:rPr lang="en-US" baseline="0" dirty="0" smtClean="0"/>
-                        <a:t> Regression</a:t>
-                      </a:r>
-                      <a:endParaRPr lang="en-US" dirty="0" smtClean="0"/>
+                        <a:t>Classification tree</a:t>
+                      </a:r>
                     </a:p>
                   </a:txBody>
                   <a:tcPr/>
@@ -6673,7 +6796,7 @@
                     <a:p>
                       <a:r>
                         <a:rPr lang="en-US" dirty="0" smtClean="0"/>
-                        <a:t>66%</a:t>
+                        <a:t>27.3%</a:t>
                       </a:r>
                       <a:endParaRPr lang="en-US" dirty="0"/>
                     </a:p>
@@ -6687,7 +6810,111 @@
                     <a:p>
                       <a:r>
                         <a:rPr lang="en-US" dirty="0" smtClean="0"/>
-                        <a:t>66%</a:t>
+                        <a:t>24.5%</a:t>
+                      </a:r>
+                      <a:endParaRPr lang="en-US" dirty="0"/>
+                    </a:p>
+                  </a:txBody>
+                  <a:tcPr/>
+                </a:tc>
+                <a:tc>
+                  <a:txBody>
+                    <a:bodyPr/>
+                    <a:lstStyle/>
+                    <a:p>
+                      <a:r>
+                        <a:rPr lang="en-US" dirty="0" smtClean="0"/>
+                        <a:t>61%</a:t>
+                      </a:r>
+                      <a:endParaRPr lang="en-US" dirty="0"/>
+                    </a:p>
+                  </a:txBody>
+                  <a:tcPr/>
+                </a:tc>
+                <a:tc>
+                  <a:txBody>
+                    <a:bodyPr/>
+                    <a:lstStyle/>
+                    <a:p>
+                      <a:r>
+                        <a:rPr lang="en-US" dirty="0" smtClean="0"/>
+                        <a:t>60%</a:t>
+                      </a:r>
+                      <a:endParaRPr lang="en-US" dirty="0"/>
+                    </a:p>
+                  </a:txBody>
+                  <a:tcPr/>
+                </a:tc>
+              </a:tr>
+              <a:tr h="374166">
+                <a:tc>
+                  <a:txBody>
+                    <a:bodyPr/>
+                    <a:lstStyle/>
+                    <a:p>
+                      <a:r>
+                        <a:rPr lang="en-US" dirty="0" smtClean="0"/>
+                        <a:t>K-Nearest</a:t>
+                      </a:r>
+                      <a:r>
+                        <a:rPr lang="en-US" baseline="0" dirty="0" smtClean="0"/>
+                        <a:t> Neighbor</a:t>
+                      </a:r>
+                      <a:endParaRPr lang="en-US" dirty="0"/>
+                    </a:p>
+                  </a:txBody>
+                  <a:tcPr/>
+                </a:tc>
+                <a:tc>
+                  <a:txBody>
+                    <a:bodyPr/>
+                    <a:lstStyle/>
+                    <a:p>
+                      <a:r>
+                        <a:rPr lang="en-US" dirty="0" smtClean="0"/>
+                        <a:t>24.6%</a:t>
+                      </a:r>
+                      <a:endParaRPr lang="en-US" dirty="0"/>
+                    </a:p>
+                  </a:txBody>
+                  <a:tcPr/>
+                </a:tc>
+                <a:tc>
+                  <a:txBody>
+                    <a:bodyPr/>
+                    <a:lstStyle/>
+                    <a:p>
+                      <a:r>
+                        <a:rPr lang="en-US" dirty="0" smtClean="0"/>
+                        <a:t>24.3%</a:t>
+                      </a:r>
+                      <a:endParaRPr lang="en-US" dirty="0"/>
+                    </a:p>
+                  </a:txBody>
+                  <a:tcPr/>
+                </a:tc>
+                <a:tc>
+                  <a:txBody>
+                    <a:bodyPr/>
+                    <a:lstStyle/>
+                    <a:p>
+                      <a:r>
+                        <a:rPr lang="en-US" dirty="0" smtClean="0"/>
+                        <a:t>61%</a:t>
+                      </a:r>
+                      <a:endParaRPr lang="en-US" dirty="0"/>
+                    </a:p>
+                  </a:txBody>
+                  <a:tcPr/>
+                </a:tc>
+                <a:tc>
+                  <a:txBody>
+                    <a:bodyPr/>
+                    <a:lstStyle/>
+                    <a:p>
+                      <a:r>
+                        <a:rPr lang="en-US" dirty="0" smtClean="0"/>
+                        <a:t>61%</a:t>
                       </a:r>
                       <a:endParaRPr lang="en-US" dirty="0"/>
                     </a:p>
@@ -6702,7 +6929,7 @@
     </p:spTree>
     <p:extLst>
       <p:ext uri="{BB962C8B-B14F-4D97-AF65-F5344CB8AC3E}">
-        <p14:creationId xmlns:p14="http://schemas.microsoft.com/office/powerpoint/2010/main" val="901033499"/>
+        <p14:creationId xmlns:p14="http://schemas.microsoft.com/office/powerpoint/2010/main" val="1010262402"/>
       </p:ext>
     </p:extLst>
   </p:cSld>
@@ -6757,7 +6984,7 @@
             </a:r>
             <a:r>
               <a:rPr lang="en-US" dirty="0" smtClean="0"/>
-              <a:t>10-fold cross validation</a:t>
+              <a:t>PCA</a:t>
             </a:r>
             <a:endParaRPr lang="en-US" dirty="0"/>
           </a:p>
@@ -6775,8 +7002,8 @@
         </p:nvSpPr>
         <p:spPr>
           <a:xfrm>
-            <a:off x="1484311" y="4800751"/>
-            <a:ext cx="10018713" cy="1119117"/>
+            <a:off x="1484310" y="3948751"/>
+            <a:ext cx="10018713" cy="3124201"/>
           </a:xfrm>
         </p:spPr>
         <p:txBody>
@@ -6787,7 +7014,7 @@
           <a:p>
             <a:r>
               <a:rPr lang="en-US" dirty="0" smtClean="0"/>
-              <a:t>10-fold cross validation</a:t>
+              <a:t>This approach yielded </a:t>
             </a:r>
             <a:r>
               <a:rPr lang="en-US" dirty="0" smtClean="0">
@@ -6795,29 +7022,65 @@
                   <a:srgbClr val="00B050"/>
                 </a:solidFill>
               </a:rPr>
-              <a:t> improved </a:t>
+              <a:t>improvement</a:t>
             </a:r>
             <a:r>
               <a:rPr lang="en-US" dirty="0" smtClean="0"/>
-              <a:t>error rates by </a:t>
-            </a:r>
-            <a:r>
-              <a:rPr lang="en-US" dirty="0" smtClean="0">
-                <a:solidFill>
-                  <a:srgbClr val="00B050"/>
+              <a:t> </a:t>
+            </a:r>
+            <a:r>
+              <a:rPr lang="en-US" dirty="0" smtClean="0"/>
+              <a:t>in ROC_AUC</a:t>
+            </a:r>
+          </a:p>
+          <a:p>
+            <a:r>
+              <a:rPr lang="en-US" dirty="0"/>
+              <a:t>This approach yielded</a:t>
+            </a:r>
+            <a:r>
+              <a:rPr lang="en-US" dirty="0">
+                <a:solidFill>
+                  <a:srgbClr val="FF0000"/>
                 </a:solidFill>
               </a:rPr>
-              <a:t>200bp </a:t>
+              <a:t> worse </a:t>
+            </a:r>
+            <a:r>
+              <a:rPr lang="en-US" altLang="zh-CN" dirty="0" smtClean="0">
+                <a:solidFill>
+                  <a:srgbClr val="FF0000"/>
+                </a:solidFill>
+              </a:rPr>
+              <a:t>performance</a:t>
+            </a:r>
+            <a:r>
+              <a:rPr lang="zh-CN" altLang="en-US" dirty="0" smtClean="0">
+                <a:solidFill>
+                  <a:srgbClr val="FF0000"/>
+                </a:solidFill>
+              </a:rPr>
+              <a:t> </a:t>
             </a:r>
             <a:r>
               <a:rPr lang="en-US" dirty="0" smtClean="0"/>
-              <a:t>over 50/50 </a:t>
+              <a:t>in Error_</a:t>
+            </a:r>
+            <a:r>
+              <a:rPr lang="en-US" altLang="zh-CN" dirty="0" smtClean="0"/>
+              <a:t>R</a:t>
             </a:r>
             <a:r>
               <a:rPr lang="en-US" dirty="0" smtClean="0"/>
-              <a:t>split</a:t>
-            </a:r>
-            <a:endParaRPr lang="en-US" dirty="0" smtClean="0"/>
+              <a:t>ate</a:t>
+            </a:r>
+          </a:p>
+          <a:p>
+            <a:endParaRPr lang="en-US" dirty="0" smtClean="0">
+              <a:solidFill>
+                <a:srgbClr val="00B050"/>
+              </a:solidFill>
+            </a:endParaRPr>
           </a:p>
         </p:txBody>
       </p:sp>
@@ -6830,7 +7093,7 @@
           <p:nvPr>
             <p:extLst>
               <p:ext uri="{D42A27DB-BD31-4B8C-83A1-F6EECF244321}">
-                <p14:modId xmlns:p14="http://schemas.microsoft.com/office/powerpoint/2010/main" val="2058172778"/>
+                <p14:modId xmlns:p14="http://schemas.microsoft.com/office/powerpoint/2010/main" val="640369442"/>
               </p:ext>
             </p:extLst>
           </p:nvPr>
@@ -6874,13 +7137,8 @@
                     <a:p>
                       <a:r>
                         <a:rPr lang="en-US" dirty="0" smtClean="0"/>
-                        <a:t>50/50</a:t>
-                      </a:r>
-                      <a:r>
-                        <a:rPr lang="en-US" baseline="0" dirty="0" smtClean="0"/>
-                        <a:t> split</a:t>
-                      </a:r>
-                      <a:endParaRPr lang="en-US" dirty="0" smtClean="0"/>
+                        <a:t>No PCA</a:t>
+                      </a:r>
                     </a:p>
                     <a:p>
                       <a:r>
@@ -6899,13 +7157,8 @@
                     <a:p>
                       <a:r>
                         <a:rPr lang="en-US" dirty="0" smtClean="0"/>
-                        <a:t>10</a:t>
-                      </a:r>
-                      <a:r>
-                        <a:rPr lang="en-US" baseline="0" dirty="0" smtClean="0"/>
-                        <a:t>-fold cross</a:t>
-                      </a:r>
-                      <a:endParaRPr lang="en-US" dirty="0" smtClean="0"/>
+                        <a:t>Apply PCA</a:t>
+                      </a:r>
                     </a:p>
                     <a:p>
                       <a:r>
@@ -6940,20 +7193,22 @@
                       </a:pPr>
                       <a:r>
                         <a:rPr lang="en-US" dirty="0" smtClean="0"/>
-                        <a:t>50/50</a:t>
-                      </a:r>
-                      <a:r>
-                        <a:rPr lang="en-US" baseline="0" dirty="0" smtClean="0"/>
-                        <a:t> split</a:t>
-                      </a:r>
-                      <a:endParaRPr lang="en-US" dirty="0" smtClean="0"/>
+                        <a:t>No PCA</a:t>
+                      </a:r>
                     </a:p>
                     <a:p>
                       <a:r>
-                        <a:rPr lang="en-US" dirty="0" err="1" smtClean="0"/>
-                        <a:t>Error_rate</a:t>
-                      </a:r>
-                      <a:endParaRPr lang="en-US" dirty="0" smtClean="0"/>
+                        <a:rPr lang="en-US" dirty="0" smtClean="0"/>
+                        <a:t>Error_</a:t>
+                      </a:r>
+                      <a:r>
+                        <a:rPr lang="en-US" altLang="zh-CN" dirty="0" smtClean="0"/>
+                        <a:t>R</a:t>
+                      </a:r>
+                      <a:r>
+                        <a:rPr lang="en-US" dirty="0" smtClean="0"/>
+                        <a:t>ate</a:t>
+                      </a:r>
                     </a:p>
                   </a:txBody>
                   <a:tcPr/>
@@ -6982,13 +7237,24 @@
                       </a:pPr>
                       <a:r>
                         <a:rPr lang="en-US" dirty="0" smtClean="0"/>
-                        <a:t>10</a:t>
-                      </a:r>
-                      <a:r>
-                        <a:rPr lang="en-US" baseline="0" dirty="0" smtClean="0"/>
-                        <a:t>-fold cross</a:t>
-                      </a:r>
-                      <a:endParaRPr lang="en-US" dirty="0" smtClean="0"/>
+                        <a:t>A</a:t>
+                      </a:r>
+                      <a:r>
+                        <a:rPr lang="en-US" altLang="zh-CN" dirty="0" smtClean="0"/>
+                        <a:t>p</a:t>
+                      </a:r>
+                      <a:r>
+                        <a:rPr lang="en-US" dirty="0" smtClean="0"/>
+                        <a:t>p</a:t>
+                      </a:r>
+                      <a:r>
+                        <a:rPr lang="en-US" altLang="zh-CN" dirty="0" smtClean="0"/>
+                        <a:t>l</a:t>
+                      </a:r>
+                      <a:r>
+                        <a:rPr lang="en-US" dirty="0" smtClean="0"/>
+                        <a:t>y PCA</a:t>
+                      </a:r>
                     </a:p>
                     <a:p>
                       <a:pPr marL="0" marR="0" indent="0" algn="l" defTabSz="457200" rtl="0" eaLnBrk="1" fontAlgn="auto" latinLnBrk="0" hangingPunct="1">
@@ -7009,10 +7275,17 @@
                         <a:defRPr/>
                       </a:pPr>
                       <a:r>
-                        <a:rPr lang="en-US" dirty="0" err="1" smtClean="0"/>
-                        <a:t>Error_rate</a:t>
-                      </a:r>
-                      <a:endParaRPr lang="en-US" dirty="0" smtClean="0"/>
+                        <a:rPr lang="en-US" dirty="0" smtClean="0"/>
+                        <a:t>Error_</a:t>
+                      </a:r>
+                      <a:r>
+                        <a:rPr lang="en-US" altLang="zh-CN" dirty="0" smtClean="0"/>
+                        <a:t>R</a:t>
+                      </a:r>
+                      <a:r>
+                        <a:rPr lang="en-US" dirty="0" smtClean="0"/>
+                        <a:t>ate</a:t>
+                      </a:r>
                     </a:p>
                   </a:txBody>
                   <a:tcPr/>
@@ -7070,7 +7343,7 @@
                     <a:p>
                       <a:r>
                         <a:rPr lang="en-US" dirty="0" smtClean="0"/>
-                        <a:t>60%</a:t>
+                        <a:t>54%</a:t>
                       </a:r>
                       <a:endParaRPr lang="en-US" dirty="0"/>
                     </a:p>
@@ -7098,7 +7371,7 @@
                     <a:p>
                       <a:r>
                         <a:rPr lang="en-US" dirty="0" smtClean="0"/>
-                        <a:t>24.5%</a:t>
+                        <a:t>34.5%</a:t>
                       </a:r>
                       <a:endParaRPr lang="en-US" dirty="0"/>
                     </a:p>
@@ -7146,7 +7419,7 @@
                     <a:p>
                       <a:r>
                         <a:rPr lang="en-US" dirty="0" smtClean="0"/>
-                        <a:t>61%</a:t>
+                        <a:t>49%</a:t>
                       </a:r>
                       <a:endParaRPr lang="en-US" dirty="0"/>
                     </a:p>
@@ -7174,7 +7447,7 @@
                     <a:p>
                       <a:r>
                         <a:rPr lang="en-US" dirty="0" smtClean="0"/>
-                        <a:t>24.3%</a:t>
+                        <a:t>25.9%</a:t>
                       </a:r>
                       <a:endParaRPr lang="en-US" dirty="0"/>
                     </a:p>
@@ -7234,7 +7507,7 @@
                     <a:p>
                       <a:r>
                         <a:rPr lang="en-US" dirty="0" smtClean="0"/>
-                        <a:t>73%</a:t>
+                        <a:t>54%</a:t>
                       </a:r>
                       <a:endParaRPr lang="en-US" dirty="0"/>
                     </a:p>
@@ -7262,7 +7535,7 @@
                     <a:p>
                       <a:r>
                         <a:rPr lang="en-US" dirty="0" smtClean="0"/>
-                        <a:t>21.5%</a:t>
+                        <a:t>23%</a:t>
                       </a:r>
                       <a:endParaRPr lang="en-US" dirty="0"/>
                     </a:p>
@@ -7322,7 +7595,7 @@
                     <a:p>
                       <a:r>
                         <a:rPr lang="en-US" dirty="0" smtClean="0"/>
-                        <a:t>69%</a:t>
+                        <a:t>58%</a:t>
                       </a:r>
                       <a:endParaRPr lang="en-US" dirty="0"/>
                     </a:p>
@@ -7350,7 +7623,7 @@
                     <a:p>
                       <a:r>
                         <a:rPr lang="en-US" dirty="0" smtClean="0"/>
-                        <a:t>18.0%</a:t>
+                        <a:t>22.5%</a:t>
                       </a:r>
                       <a:endParaRPr lang="en-US" dirty="0"/>
                     </a:p>
@@ -7415,7 +7688,7 @@
                     <a:p>
                       <a:r>
                         <a:rPr lang="en-US" dirty="0" smtClean="0"/>
-                        <a:t>62%</a:t>
+                        <a:t>58%</a:t>
                       </a:r>
                       <a:endParaRPr lang="en-US" dirty="0"/>
                     </a:p>
@@ -7443,7 +7716,7 @@
                     <a:p>
                       <a:r>
                         <a:rPr lang="en-US" dirty="0" smtClean="0"/>
-                        <a:t>21.5%</a:t>
+                        <a:t>23.1%</a:t>
                       </a:r>
                       <a:endParaRPr lang="en-US" dirty="0"/>
                     </a:p>
@@ -7458,7 +7731,7 @@
     </p:spTree>
     <p:extLst>
       <p:ext uri="{BB962C8B-B14F-4D97-AF65-F5344CB8AC3E}">
-        <p14:creationId xmlns:p14="http://schemas.microsoft.com/office/powerpoint/2010/main" val="1010262402"/>
+        <p14:creationId xmlns:p14="http://schemas.microsoft.com/office/powerpoint/2010/main" val="224420719"/>
       </p:ext>
     </p:extLst>
   </p:cSld>
@@ -7508,12 +7781,8 @@
           <a:lstStyle/>
           <a:p>
             <a:r>
-              <a:rPr lang="en-US" dirty="0"/>
-              <a:t>Experiment: </a:t>
-            </a:r>
-            <a:r>
               <a:rPr lang="en-US" dirty="0" smtClean="0"/>
-              <a:t>PCA</a:t>
+              <a:t>Conclusion</a:t>
             </a:r>
             <a:endParaRPr lang="en-US" dirty="0"/>
           </a:p>
@@ -7529,826 +7798,15 @@
             <p:ph idx="1"/>
           </p:nvPr>
         </p:nvSpPr>
-        <p:spPr>
-          <a:xfrm>
-            <a:off x="1484310" y="3948751"/>
-            <a:ext cx="10018713" cy="3124201"/>
-          </a:xfrm>
-        </p:spPr>
+        <p:spPr/>
         <p:txBody>
           <a:bodyPr>
-            <a:normAutofit/>
+            <a:normAutofit fontScale="85000" lnSpcReduction="20000"/>
           </a:bodyPr>
           <a:lstStyle/>
           <a:p>
             <a:r>
               <a:rPr lang="en-US" dirty="0" smtClean="0"/>
-              <a:t>This approach yielded </a:t>
-            </a:r>
-            <a:r>
-              <a:rPr lang="en-US" dirty="0" smtClean="0">
-                <a:solidFill>
-                  <a:srgbClr val="00B050"/>
-                </a:solidFill>
-              </a:rPr>
-              <a:t>distinct </a:t>
-            </a:r>
-            <a:r>
-              <a:rPr lang="en-US" dirty="0" smtClean="0">
-                <a:solidFill>
-                  <a:srgbClr val="00B050"/>
-                </a:solidFill>
-              </a:rPr>
-              <a:t>improvement</a:t>
-            </a:r>
-            <a:r>
-              <a:rPr lang="en-US" dirty="0" smtClean="0"/>
-              <a:t> in ROC_AUC</a:t>
-            </a:r>
-          </a:p>
-          <a:p>
-            <a:r>
-              <a:rPr lang="en-US" dirty="0"/>
-              <a:t>This approach yielded</a:t>
-            </a:r>
-            <a:r>
-              <a:rPr lang="en-US" dirty="0">
-                <a:solidFill>
-                  <a:srgbClr val="FF0000"/>
-                </a:solidFill>
-              </a:rPr>
-              <a:t> worse </a:t>
-            </a:r>
-            <a:r>
-              <a:rPr lang="en-US" altLang="zh-CN" dirty="0" smtClean="0">
-                <a:solidFill>
-                  <a:srgbClr val="FF0000"/>
-                </a:solidFill>
-              </a:rPr>
-              <a:t>performance</a:t>
-            </a:r>
-            <a:r>
-              <a:rPr lang="zh-CN" altLang="en-US" dirty="0" smtClean="0">
-                <a:solidFill>
-                  <a:srgbClr val="FF0000"/>
-                </a:solidFill>
-              </a:rPr>
-              <a:t> </a:t>
-            </a:r>
-            <a:r>
-              <a:rPr lang="en-US" dirty="0" smtClean="0"/>
-              <a:t>in </a:t>
-            </a:r>
-            <a:r>
-              <a:rPr lang="en-US" dirty="0" err="1" smtClean="0"/>
-              <a:t>Error_</a:t>
-            </a:r>
-            <a:r>
-              <a:rPr lang="en-US" altLang="zh-CN" dirty="0" err="1" smtClean="0"/>
-              <a:t>R</a:t>
-            </a:r>
-            <a:r>
-              <a:rPr lang="en-US" dirty="0" err="1" smtClean="0"/>
-              <a:t>ate</a:t>
-            </a:r>
-            <a:endParaRPr lang="en-US" dirty="0" smtClean="0"/>
-          </a:p>
-          <a:p>
-            <a:endParaRPr lang="en-US" dirty="0" smtClean="0">
-              <a:solidFill>
-                <a:srgbClr val="00B050"/>
-              </a:solidFill>
-            </a:endParaRPr>
-          </a:p>
-        </p:txBody>
-      </p:sp>
-      <p:graphicFrame>
-        <p:nvGraphicFramePr>
-          <p:cNvPr id="5" name="Table 4"/>
-          <p:cNvGraphicFramePr>
-            <a:graphicFrameLocks noGrp="1"/>
-          </p:cNvGraphicFramePr>
-          <p:nvPr>
-            <p:extLst>
-              <p:ext uri="{D42A27DB-BD31-4B8C-83A1-F6EECF244321}">
-                <p14:modId xmlns:p14="http://schemas.microsoft.com/office/powerpoint/2010/main" val="640369442"/>
-              </p:ext>
-            </p:extLst>
-          </p:nvPr>
-        </p:nvGraphicFramePr>
-        <p:xfrm>
-          <a:off x="1583140" y="2101757"/>
-          <a:ext cx="9034817" cy="2607807"/>
-        </p:xfrm>
-        <a:graphic>
-          <a:graphicData uri="http://schemas.openxmlformats.org/drawingml/2006/table">
-            <a:tbl>
-              <a:tblPr firstRow="1" bandRow="1">
-                <a:tableStyleId>{5C22544A-7EE6-4342-B048-85BDC9FD1C3A}</a:tableStyleId>
-              </a:tblPr>
-              <a:tblGrid>
-                <a:gridCol w="2493328"/>
-                <a:gridCol w="1512806"/>
-                <a:gridCol w="1722919"/>
-                <a:gridCol w="1599795"/>
-                <a:gridCol w="1705969"/>
-              </a:tblGrid>
-              <a:tr h="736977">
-                <a:tc>
-                  <a:txBody>
-                    <a:bodyPr/>
-                    <a:lstStyle/>
-                    <a:p>
-                      <a:r>
-                        <a:rPr lang="en-US" dirty="0" smtClean="0"/>
-                        <a:t>Model</a:t>
-                      </a:r>
-                      <a:endParaRPr lang="en-US" dirty="0"/>
-                    </a:p>
-                  </a:txBody>
-                  <a:tcPr/>
-                </a:tc>
-                <a:tc>
-                  <a:txBody>
-                    <a:bodyPr/>
-                    <a:lstStyle/>
-                    <a:p>
-                      <a:r>
-                        <a:rPr lang="en-US" dirty="0" smtClean="0"/>
-                        <a:t>No PCA</a:t>
-                      </a:r>
-                      <a:endParaRPr lang="en-US" dirty="0" smtClean="0"/>
-                    </a:p>
-                    <a:p>
-                      <a:r>
-                        <a:rPr lang="en-US" dirty="0" smtClean="0"/>
-                        <a:t>ROC_AUC </a:t>
-                      </a:r>
-                      <a:endParaRPr lang="en-US" dirty="0"/>
-                    </a:p>
-                  </a:txBody>
-                  <a:tcPr/>
-                </a:tc>
-                <a:tc>
-                  <a:txBody>
-                    <a:bodyPr/>
-                    <a:lstStyle/>
-                    <a:p>
-                      <a:r>
-                        <a:rPr lang="en-US" dirty="0" smtClean="0"/>
-                        <a:t>Apply PCA</a:t>
-                      </a:r>
-                      <a:endParaRPr lang="en-US" dirty="0" smtClean="0"/>
-                    </a:p>
-                    <a:p>
-                      <a:r>
-                        <a:rPr lang="en-US" dirty="0" smtClean="0"/>
-                        <a:t>ROC_AUC </a:t>
-                      </a:r>
-                    </a:p>
-                  </a:txBody>
-                  <a:tcPr/>
-                </a:tc>
-                <a:tc>
-                  <a:txBody>
-                    <a:bodyPr/>
-                    <a:lstStyle/>
-                    <a:p>
-                      <a:pPr marL="0" marR="0" indent="0" algn="l" defTabSz="457200" rtl="0" eaLnBrk="1" fontAlgn="auto" latinLnBrk="0" hangingPunct="1">
-                        <a:lnSpc>
-                          <a:spcPct val="100000"/>
-                        </a:lnSpc>
-                        <a:spcBef>
-                          <a:spcPts val="0"/>
-                        </a:spcBef>
-                        <a:spcAft>
-                          <a:spcPts val="0"/>
-                        </a:spcAft>
-                        <a:buClrTx/>
-                        <a:buSzTx/>
-                        <a:buFontTx/>
-                        <a:buNone/>
-                        <a:tabLst/>
-                        <a:defRPr/>
-                      </a:pPr>
-                      <a:r>
-                        <a:rPr lang="en-US" dirty="0" smtClean="0"/>
-                        <a:t>No PCA</a:t>
-                      </a:r>
-                    </a:p>
-                    <a:p>
-                      <a:r>
-                        <a:rPr lang="en-US" dirty="0" err="1" smtClean="0"/>
-                        <a:t>Error_</a:t>
-                      </a:r>
-                      <a:r>
-                        <a:rPr lang="en-US" altLang="zh-CN" dirty="0" err="1" smtClean="0"/>
-                        <a:t>R</a:t>
-                      </a:r>
-                      <a:r>
-                        <a:rPr lang="en-US" dirty="0" err="1" smtClean="0"/>
-                        <a:t>ate</a:t>
-                      </a:r>
-                      <a:endParaRPr lang="en-US" dirty="0" smtClean="0"/>
-                    </a:p>
-                  </a:txBody>
-                  <a:tcPr/>
-                </a:tc>
-                <a:tc>
-                  <a:txBody>
-                    <a:bodyPr/>
-                    <a:lstStyle/>
-                    <a:p>
-                      <a:pPr marL="0" marR="0" indent="0" algn="l" defTabSz="457200" rtl="0" eaLnBrk="1" fontAlgn="auto" latinLnBrk="0" hangingPunct="1">
-                        <a:lnSpc>
-                          <a:spcPct val="100000"/>
-                        </a:lnSpc>
-                        <a:spcBef>
-                          <a:spcPts val="0"/>
-                        </a:spcBef>
-                        <a:spcAft>
-                          <a:spcPts val="0"/>
-                        </a:spcAft>
-                        <a:buClrTx/>
-                        <a:buSzTx/>
-                        <a:buFontTx/>
-                        <a:buNone/>
-                        <a:tabLst/>
-                        <a:defRPr/>
-                      </a:pPr>
-                      <a:r>
-                        <a:rPr lang="en-US" dirty="0" smtClean="0"/>
-                        <a:t>A</a:t>
-                      </a:r>
-                      <a:r>
-                        <a:rPr lang="en-US" altLang="zh-CN" dirty="0" smtClean="0"/>
-                        <a:t>p</a:t>
-                      </a:r>
-                      <a:r>
-                        <a:rPr lang="en-US" dirty="0" smtClean="0"/>
-                        <a:t>p</a:t>
-                      </a:r>
-                      <a:r>
-                        <a:rPr lang="en-US" altLang="zh-CN" dirty="0" smtClean="0"/>
-                        <a:t>l</a:t>
-                      </a:r>
-                      <a:r>
-                        <a:rPr lang="en-US" dirty="0" smtClean="0"/>
-                        <a:t>y PCA</a:t>
-                      </a:r>
-                    </a:p>
-                    <a:p>
-                      <a:pPr marL="0" marR="0" indent="0" algn="l" defTabSz="457200" rtl="0" eaLnBrk="1" fontAlgn="auto" latinLnBrk="0" hangingPunct="1">
-                        <a:lnSpc>
-                          <a:spcPct val="100000"/>
-                        </a:lnSpc>
-                        <a:spcBef>
-                          <a:spcPts val="0"/>
-                        </a:spcBef>
-                        <a:spcAft>
-                          <a:spcPts val="0"/>
-                        </a:spcAft>
-                        <a:buClrTx/>
-                        <a:buSzTx/>
-                        <a:buFontTx/>
-                        <a:buNone/>
-                        <a:tabLst/>
-                        <a:defRPr/>
-                      </a:pPr>
-                      <a:r>
-                        <a:rPr lang="en-US" dirty="0" err="1" smtClean="0"/>
-                        <a:t>Error_</a:t>
-                      </a:r>
-                      <a:r>
-                        <a:rPr lang="en-US" altLang="zh-CN" dirty="0" err="1" smtClean="0"/>
-                        <a:t>R</a:t>
-                      </a:r>
-                      <a:r>
-                        <a:rPr lang="en-US" dirty="0" err="1" smtClean="0"/>
-                        <a:t>ate</a:t>
-                      </a:r>
-                      <a:endParaRPr lang="en-US" dirty="0" smtClean="0"/>
-                    </a:p>
-                  </a:txBody>
-                  <a:tcPr/>
-                </a:tc>
-              </a:tr>
-              <a:tr h="374166">
-                <a:tc>
-                  <a:txBody>
-                    <a:bodyPr/>
-                    <a:lstStyle/>
-                    <a:p>
-                      <a:pPr marL="0" marR="0" lvl="1" indent="0" algn="l" defTabSz="457200" rtl="0" eaLnBrk="1" fontAlgn="auto" latinLnBrk="0" hangingPunct="1">
-                        <a:lnSpc>
-                          <a:spcPct val="100000"/>
-                        </a:lnSpc>
-                        <a:spcBef>
-                          <a:spcPts val="0"/>
-                        </a:spcBef>
-                        <a:spcAft>
-                          <a:spcPts val="0"/>
-                        </a:spcAft>
-                        <a:buClrTx/>
-                        <a:buSzTx/>
-                        <a:buFontTx/>
-                        <a:buNone/>
-                        <a:tabLst/>
-                        <a:defRPr/>
-                      </a:pPr>
-                      <a:r>
-                        <a:rPr lang="en-US" dirty="0" smtClean="0"/>
-                        <a:t>Classification tree</a:t>
-                      </a:r>
-                    </a:p>
-                  </a:txBody>
-                  <a:tcPr/>
-                </a:tc>
-                <a:tc>
-                  <a:txBody>
-                    <a:bodyPr/>
-                    <a:lstStyle/>
-                    <a:p>
-                      <a:r>
-                        <a:rPr lang="en-US" dirty="0" smtClean="0"/>
-                        <a:t>61%</a:t>
-                      </a:r>
-                      <a:endParaRPr lang="en-US" dirty="0"/>
-                    </a:p>
-                  </a:txBody>
-                  <a:tcPr/>
-                </a:tc>
-                <a:tc>
-                  <a:txBody>
-                    <a:bodyPr/>
-                    <a:lstStyle/>
-                    <a:p>
-                      <a:r>
-                        <a:rPr lang="en-US" dirty="0" smtClean="0"/>
-                        <a:t>54%</a:t>
-                      </a:r>
-                      <a:endParaRPr lang="en-US" dirty="0"/>
-                    </a:p>
-                  </a:txBody>
-                  <a:tcPr/>
-                </a:tc>
-                <a:tc>
-                  <a:txBody>
-                    <a:bodyPr/>
-                    <a:lstStyle/>
-                    <a:p>
-                      <a:r>
-                        <a:rPr lang="en-US" dirty="0" smtClean="0"/>
-                        <a:t>27.3%</a:t>
-                      </a:r>
-                      <a:endParaRPr lang="en-US" dirty="0"/>
-                    </a:p>
-                  </a:txBody>
-                  <a:tcPr/>
-                </a:tc>
-                <a:tc>
-                  <a:txBody>
-                    <a:bodyPr/>
-                    <a:lstStyle/>
-                    <a:p>
-                      <a:r>
-                        <a:rPr lang="en-US" dirty="0" smtClean="0"/>
-                        <a:t>34.5%</a:t>
-                      </a:r>
-                      <a:endParaRPr lang="en-US" dirty="0"/>
-                    </a:p>
-                  </a:txBody>
-                  <a:tcPr/>
-                </a:tc>
-              </a:tr>
-              <a:tr h="374166">
-                <a:tc>
-                  <a:txBody>
-                    <a:bodyPr/>
-                    <a:lstStyle/>
-                    <a:p>
-                      <a:r>
-                        <a:rPr lang="en-US" dirty="0" smtClean="0"/>
-                        <a:t>K-Nearest</a:t>
-                      </a:r>
-                      <a:r>
-                        <a:rPr lang="en-US" baseline="0" dirty="0" smtClean="0"/>
-                        <a:t> Neighbor</a:t>
-                      </a:r>
-                      <a:endParaRPr lang="en-US" dirty="0"/>
-                    </a:p>
-                  </a:txBody>
-                  <a:tcPr/>
-                </a:tc>
-                <a:tc>
-                  <a:txBody>
-                    <a:bodyPr/>
-                    <a:lstStyle/>
-                    <a:p>
-                      <a:r>
-                        <a:rPr lang="en-US" dirty="0" smtClean="0"/>
-                        <a:t>61%</a:t>
-                      </a:r>
-                      <a:endParaRPr lang="en-US" dirty="0"/>
-                    </a:p>
-                  </a:txBody>
-                  <a:tcPr/>
-                </a:tc>
-                <a:tc>
-                  <a:txBody>
-                    <a:bodyPr/>
-                    <a:lstStyle/>
-                    <a:p>
-                      <a:r>
-                        <a:rPr lang="en-US" dirty="0" smtClean="0"/>
-                        <a:t>49%</a:t>
-                      </a:r>
-                      <a:endParaRPr lang="en-US" dirty="0"/>
-                    </a:p>
-                  </a:txBody>
-                  <a:tcPr/>
-                </a:tc>
-                <a:tc>
-                  <a:txBody>
-                    <a:bodyPr/>
-                    <a:lstStyle/>
-                    <a:p>
-                      <a:r>
-                        <a:rPr lang="en-US" dirty="0" smtClean="0"/>
-                        <a:t>24.6%</a:t>
-                      </a:r>
-                      <a:endParaRPr lang="en-US" dirty="0"/>
-                    </a:p>
-                  </a:txBody>
-                  <a:tcPr/>
-                </a:tc>
-                <a:tc>
-                  <a:txBody>
-                    <a:bodyPr/>
-                    <a:lstStyle/>
-                    <a:p>
-                      <a:r>
-                        <a:rPr lang="en-US" dirty="0" smtClean="0"/>
-                        <a:t>25.9%</a:t>
-                      </a:r>
-                      <a:endParaRPr lang="en-US" dirty="0"/>
-                    </a:p>
-                  </a:txBody>
-                  <a:tcPr/>
-                </a:tc>
-              </a:tr>
-              <a:tr h="374166">
-                <a:tc>
-                  <a:txBody>
-                    <a:bodyPr/>
-                    <a:lstStyle/>
-                    <a:p>
-                      <a:pPr marL="0" marR="0" lvl="1" indent="0" algn="l" defTabSz="457200" rtl="0" eaLnBrk="1" fontAlgn="auto" latinLnBrk="0" hangingPunct="1">
-                        <a:lnSpc>
-                          <a:spcPct val="100000"/>
-                        </a:lnSpc>
-                        <a:spcBef>
-                          <a:spcPts val="0"/>
-                        </a:spcBef>
-                        <a:spcAft>
-                          <a:spcPts val="0"/>
-                        </a:spcAft>
-                        <a:buClrTx/>
-                        <a:buSzTx/>
-                        <a:buFontTx/>
-                        <a:buNone/>
-                        <a:tabLst/>
-                        <a:defRPr/>
-                      </a:pPr>
-                      <a:r>
-                        <a:rPr lang="en-US" dirty="0" smtClean="0"/>
-                        <a:t>Naïve Bayesian</a:t>
-                      </a:r>
-                    </a:p>
-                  </a:txBody>
-                  <a:tcPr/>
-                </a:tc>
-                <a:tc>
-                  <a:txBody>
-                    <a:bodyPr/>
-                    <a:lstStyle/>
-                    <a:p>
-                      <a:r>
-                        <a:rPr lang="en-US" dirty="0" smtClean="0"/>
-                        <a:t>75%</a:t>
-                      </a:r>
-                      <a:endParaRPr lang="en-US" dirty="0"/>
-                    </a:p>
-                  </a:txBody>
-                  <a:tcPr/>
-                </a:tc>
-                <a:tc>
-                  <a:txBody>
-                    <a:bodyPr/>
-                    <a:lstStyle/>
-                    <a:p>
-                      <a:r>
-                        <a:rPr lang="en-US" dirty="0" smtClean="0"/>
-                        <a:t>54%</a:t>
-                      </a:r>
-                      <a:endParaRPr lang="en-US" dirty="0"/>
-                    </a:p>
-                  </a:txBody>
-                  <a:tcPr/>
-                </a:tc>
-                <a:tc>
-                  <a:txBody>
-                    <a:bodyPr/>
-                    <a:lstStyle/>
-                    <a:p>
-                      <a:r>
-                        <a:rPr lang="en-US" dirty="0" smtClean="0"/>
-                        <a:t>21.7%</a:t>
-                      </a:r>
-                      <a:endParaRPr lang="en-US" dirty="0"/>
-                    </a:p>
-                  </a:txBody>
-                  <a:tcPr/>
-                </a:tc>
-                <a:tc>
-                  <a:txBody>
-                    <a:bodyPr/>
-                    <a:lstStyle/>
-                    <a:p>
-                      <a:r>
-                        <a:rPr lang="en-US" dirty="0" smtClean="0"/>
-                        <a:t>23%</a:t>
-                      </a:r>
-                      <a:endParaRPr lang="en-US" dirty="0"/>
-                    </a:p>
-                  </a:txBody>
-                  <a:tcPr/>
-                </a:tc>
-              </a:tr>
-              <a:tr h="374166">
-                <a:tc>
-                  <a:txBody>
-                    <a:bodyPr/>
-                    <a:lstStyle/>
-                    <a:p>
-                      <a:pPr marL="0" marR="0" lvl="1" indent="0" algn="l" defTabSz="457200" rtl="0" eaLnBrk="1" fontAlgn="auto" latinLnBrk="0" hangingPunct="1">
-                        <a:lnSpc>
-                          <a:spcPct val="100000"/>
-                        </a:lnSpc>
-                        <a:spcBef>
-                          <a:spcPts val="0"/>
-                        </a:spcBef>
-                        <a:spcAft>
-                          <a:spcPts val="0"/>
-                        </a:spcAft>
-                        <a:buClrTx/>
-                        <a:buSzTx/>
-                        <a:buFontTx/>
-                        <a:buNone/>
-                        <a:tabLst/>
-                        <a:defRPr/>
-                      </a:pPr>
-                      <a:r>
-                        <a:rPr lang="en-US" dirty="0" smtClean="0"/>
-                        <a:t>Discriminant analysis</a:t>
-                      </a:r>
-                    </a:p>
-                  </a:txBody>
-                  <a:tcPr/>
-                </a:tc>
-                <a:tc>
-                  <a:txBody>
-                    <a:bodyPr/>
-                    <a:lstStyle/>
-                    <a:p>
-                      <a:r>
-                        <a:rPr lang="en-US" dirty="0" smtClean="0"/>
-                        <a:t>73%</a:t>
-                      </a:r>
-                      <a:endParaRPr lang="en-US" dirty="0"/>
-                    </a:p>
-                  </a:txBody>
-                  <a:tcPr/>
-                </a:tc>
-                <a:tc>
-                  <a:txBody>
-                    <a:bodyPr/>
-                    <a:lstStyle/>
-                    <a:p>
-                      <a:r>
-                        <a:rPr lang="en-US" dirty="0" smtClean="0"/>
-                        <a:t>58%</a:t>
-                      </a:r>
-                      <a:endParaRPr lang="en-US" dirty="0"/>
-                    </a:p>
-                  </a:txBody>
-                  <a:tcPr/>
-                </a:tc>
-                <a:tc>
-                  <a:txBody>
-                    <a:bodyPr/>
-                    <a:lstStyle/>
-                    <a:p>
-                      <a:r>
-                        <a:rPr lang="en-US" dirty="0" smtClean="0"/>
-                        <a:t>18.2%</a:t>
-                      </a:r>
-                      <a:endParaRPr lang="en-US" dirty="0"/>
-                    </a:p>
-                  </a:txBody>
-                  <a:tcPr/>
-                </a:tc>
-                <a:tc>
-                  <a:txBody>
-                    <a:bodyPr/>
-                    <a:lstStyle/>
-                    <a:p>
-                      <a:r>
-                        <a:rPr lang="en-US" dirty="0" smtClean="0"/>
-                        <a:t>22.5%</a:t>
-                      </a:r>
-                      <a:endParaRPr lang="en-US" dirty="0"/>
-                    </a:p>
-                  </a:txBody>
-                  <a:tcPr/>
-                </a:tc>
-              </a:tr>
-              <a:tr h="374166">
-                <a:tc>
-                  <a:txBody>
-                    <a:bodyPr/>
-                    <a:lstStyle/>
-                    <a:p>
-                      <a:pPr marL="0" marR="0" lvl="1" indent="0" algn="l" defTabSz="457200" rtl="0" eaLnBrk="1" fontAlgn="auto" latinLnBrk="0" hangingPunct="1">
-                        <a:lnSpc>
-                          <a:spcPct val="100000"/>
-                        </a:lnSpc>
-                        <a:spcBef>
-                          <a:spcPts val="0"/>
-                        </a:spcBef>
-                        <a:spcAft>
-                          <a:spcPts val="0"/>
-                        </a:spcAft>
-                        <a:buClrTx/>
-                        <a:buSzTx/>
-                        <a:buFontTx/>
-                        <a:buNone/>
-                        <a:tabLst/>
-                        <a:defRPr/>
-                      </a:pPr>
-                      <a:r>
-                        <a:rPr lang="en-US" dirty="0" smtClean="0"/>
-                        <a:t>Logistic</a:t>
-                      </a:r>
-                      <a:r>
-                        <a:rPr lang="en-US" baseline="0" dirty="0" smtClean="0"/>
-                        <a:t> Regression</a:t>
-                      </a:r>
-                      <a:endParaRPr lang="en-US" dirty="0" smtClean="0"/>
-                    </a:p>
-                  </a:txBody>
-                  <a:tcPr/>
-                </a:tc>
-                <a:tc>
-                  <a:txBody>
-                    <a:bodyPr/>
-                    <a:lstStyle/>
-                    <a:p>
-                      <a:r>
-                        <a:rPr lang="en-US" dirty="0" smtClean="0"/>
-                        <a:t>66%</a:t>
-                      </a:r>
-                      <a:endParaRPr lang="en-US" dirty="0"/>
-                    </a:p>
-                  </a:txBody>
-                  <a:tcPr/>
-                </a:tc>
-                <a:tc>
-                  <a:txBody>
-                    <a:bodyPr/>
-                    <a:lstStyle/>
-                    <a:p>
-                      <a:r>
-                        <a:rPr lang="en-US" dirty="0" smtClean="0"/>
-                        <a:t>58%</a:t>
-                      </a:r>
-                      <a:endParaRPr lang="en-US" dirty="0"/>
-                    </a:p>
-                  </a:txBody>
-                  <a:tcPr/>
-                </a:tc>
-                <a:tc>
-                  <a:txBody>
-                    <a:bodyPr/>
-                    <a:lstStyle/>
-                    <a:p>
-                      <a:r>
-                        <a:rPr lang="en-US" dirty="0" smtClean="0"/>
-                        <a:t>21.7%</a:t>
-                      </a:r>
-                      <a:endParaRPr lang="en-US" dirty="0"/>
-                    </a:p>
-                  </a:txBody>
-                  <a:tcPr/>
-                </a:tc>
-                <a:tc>
-                  <a:txBody>
-                    <a:bodyPr/>
-                    <a:lstStyle/>
-                    <a:p>
-                      <a:r>
-                        <a:rPr lang="en-US" dirty="0" smtClean="0"/>
-                        <a:t>23.1%</a:t>
-                      </a:r>
-                      <a:endParaRPr lang="en-US" dirty="0"/>
-                    </a:p>
-                  </a:txBody>
-                  <a:tcPr/>
-                </a:tc>
-              </a:tr>
-            </a:tbl>
-          </a:graphicData>
-        </a:graphic>
-      </p:graphicFrame>
-    </p:spTree>
-    <p:extLst>
-      <p:ext uri="{BB962C8B-B14F-4D97-AF65-F5344CB8AC3E}">
-        <p14:creationId xmlns:p14="http://schemas.microsoft.com/office/powerpoint/2010/main" val="224420719"/>
-      </p:ext>
-    </p:extLst>
-  </p:cSld>
-  <p:clrMapOvr>
-    <a:masterClrMapping/>
-  </p:clrMapOvr>
-  <p:timing>
-    <p:tnLst>
-      <p:par>
-        <p:cTn id="1" dur="indefinite" restart="never" nodeType="tmRoot"/>
-      </p:par>
-    </p:tnLst>
-  </p:timing>
-</p:sld>
-</file>
-
-<file path=ppt/slides/slide13.xml><?xml version="1.0" encoding="utf-8"?>
-<p:sld xmlns:a="http://schemas.openxmlformats.org/drawingml/2006/main" xmlns:r="http://schemas.openxmlformats.org/officeDocument/2006/relationships" xmlns:p="http://schemas.openxmlformats.org/presentationml/2006/main">
-  <p:cSld>
-    <p:spTree>
-      <p:nvGrpSpPr>
-        <p:cNvPr id="1" name=""/>
-        <p:cNvGrpSpPr/>
-        <p:nvPr/>
-      </p:nvGrpSpPr>
-      <p:grpSpPr>
-        <a:xfrm>
-          <a:off x="0" y="0"/>
-          <a:ext cx="0" cy="0"/>
-          <a:chOff x="0" y="0"/>
-          <a:chExt cx="0" cy="0"/>
-        </a:xfrm>
-      </p:grpSpPr>
-      <p:sp>
-        <p:nvSpPr>
-          <p:cNvPr id="2" name="Title 1"/>
-          <p:cNvSpPr>
-            <a:spLocks noGrp="1"/>
-          </p:cNvSpPr>
-          <p:nvPr>
-            <p:ph type="title"/>
-          </p:nvPr>
-        </p:nvSpPr>
-        <p:spPr/>
-        <p:txBody>
-          <a:bodyPr/>
-          <a:lstStyle/>
-          <a:p>
-            <a:r>
-              <a:rPr lang="en-US" dirty="0" smtClean="0"/>
-              <a:t>Conclusion</a:t>
-            </a:r>
-            <a:endParaRPr lang="en-US" dirty="0"/>
-          </a:p>
-        </p:txBody>
-      </p:sp>
-      <p:sp>
-        <p:nvSpPr>
-          <p:cNvPr id="3" name="Content Placeholder 2"/>
-          <p:cNvSpPr>
-            <a:spLocks noGrp="1"/>
-          </p:cNvSpPr>
-          <p:nvPr>
-            <p:ph idx="1"/>
-          </p:nvPr>
-        </p:nvSpPr>
-        <p:spPr/>
-        <p:txBody>
-          <a:bodyPr>
-            <a:normAutofit fontScale="85000" lnSpcReduction="10000"/>
-          </a:bodyPr>
-          <a:lstStyle/>
-          <a:p>
-            <a:r>
-              <a:rPr lang="en-US" dirty="0" smtClean="0"/>
               <a:t>Newly available (Jan-16) credit card data yielded opportunity to predict defaults</a:t>
             </a:r>
           </a:p>
@@ -8372,86 +7830,54 @@
             <a:pPr lvl="1"/>
             <a:r>
               <a:rPr lang="en-US" dirty="0" smtClean="0"/>
-              <a:t>Improvement: </a:t>
-            </a:r>
-            <a:r>
-              <a:rPr lang="en-US" dirty="0" smtClean="0">
-                <a:solidFill>
-                  <a:srgbClr val="00B050"/>
-                </a:solidFill>
-              </a:rPr>
+              <a:t>Modest Improvement</a:t>
+            </a:r>
+            <a:r>
+              <a:rPr lang="en-US" dirty="0" smtClean="0"/>
+              <a:t>: </a:t>
+            </a:r>
+            <a:r>
+              <a:rPr lang="en-US" dirty="0"/>
+              <a:t>Feature </a:t>
+            </a:r>
+            <a:r>
+              <a:rPr lang="en-US" dirty="0" smtClean="0"/>
+              <a:t>Selection, </a:t>
+            </a:r>
+            <a:r>
+              <a:rPr lang="en-US" dirty="0"/>
               <a:t>10-fold Cross </a:t>
             </a:r>
             <a:r>
-              <a:rPr lang="en-US" dirty="0" smtClean="0">
-                <a:solidFill>
-                  <a:srgbClr val="00B050"/>
-                </a:solidFill>
-              </a:rPr>
+              <a:rPr lang="en-US" dirty="0" smtClean="0"/>
               <a:t>Validation</a:t>
             </a:r>
-            <a:r>
-              <a:rPr lang="en-US" dirty="0" smtClean="0">
-                <a:solidFill>
-                  <a:srgbClr val="00B050"/>
-                </a:solidFill>
-              </a:rPr>
-              <a:t>, </a:t>
-            </a:r>
-            <a:r>
-              <a:rPr lang="zh-CN" altLang="en-US" dirty="0" smtClean="0">
-                <a:solidFill>
-                  <a:srgbClr val="00B050"/>
-                </a:solidFill>
-              </a:rPr>
-              <a:t> </a:t>
-            </a:r>
-            <a:r>
-              <a:rPr lang="en-US" altLang="zh-CN" dirty="0" smtClean="0">
-                <a:solidFill>
-                  <a:srgbClr val="00B050"/>
-                </a:solidFill>
-              </a:rPr>
+            <a:endParaRPr lang="en-US" dirty="0"/>
+          </a:p>
+          <a:p>
+            <a:pPr lvl="1"/>
+            <a:r>
+              <a:rPr lang="en-US" dirty="0" smtClean="0"/>
+              <a:t>No </a:t>
+            </a:r>
+            <a:r>
+              <a:rPr lang="en-US" dirty="0" smtClean="0"/>
+              <a:t>improvement: </a:t>
+            </a:r>
+            <a:r>
+              <a:rPr lang="en-US" altLang="zh-CN" dirty="0" smtClean="0"/>
               <a:t>PCA</a:t>
             </a:r>
-            <a:endParaRPr lang="en-US" dirty="0" smtClean="0">
-              <a:solidFill>
-                <a:srgbClr val="00B050"/>
-              </a:solidFill>
-            </a:endParaRPr>
-          </a:p>
-          <a:p>
-            <a:pPr lvl="1"/>
+            <a:endParaRPr lang="en-US" dirty="0" smtClean="0"/>
+          </a:p>
+          <a:p>
             <a:r>
               <a:rPr lang="en-US" dirty="0" smtClean="0"/>
-              <a:t>No improvement: </a:t>
-            </a:r>
-            <a:r>
-              <a:rPr lang="en-US" dirty="0" smtClean="0">
-                <a:solidFill>
-                  <a:srgbClr val="FF0000"/>
-                </a:solidFill>
-              </a:rPr>
-              <a:t>Feature </a:t>
-            </a:r>
-            <a:r>
-              <a:rPr lang="en-US" dirty="0" smtClean="0">
-                <a:solidFill>
-                  <a:srgbClr val="FF0000"/>
-                </a:solidFill>
-              </a:rPr>
-              <a:t>Selection</a:t>
-            </a:r>
-            <a:endParaRPr lang="en-US" dirty="0" smtClean="0">
-              <a:solidFill>
-                <a:srgbClr val="FF0000"/>
-              </a:solidFill>
-            </a:endParaRPr>
-          </a:p>
-          <a:p>
+              <a:t>Data </a:t>
+            </a:r>
             <a:r>
               <a:rPr lang="en-US" dirty="0" smtClean="0"/>
-              <a:t>Data and Code: </a:t>
+              <a:t>and Code: </a:t>
             </a:r>
             <a:r>
               <a:rPr lang="en-US" dirty="0" smtClean="0">
@@ -8476,43 +7902,15 @@
           <a:p>
             <a:r>
               <a:rPr lang="en-US" dirty="0" smtClean="0"/>
-              <a:t>Paper reference:  The </a:t>
-            </a:r>
+              <a:t>Also analyzed data set:</a:t>
+            </a:r>
+          </a:p>
+          <a:p>
+            <a:pPr lvl="1"/>
             <a:r>
               <a:rPr lang="en-US" dirty="0"/>
-              <a:t>comparisons of data mining techniques for the predictive accuracy of probability of default of credit card clients </a:t>
-            </a:r>
-            <a:r>
-              <a:rPr lang="en-US" dirty="0" smtClean="0"/>
-              <a:t> </a:t>
-            </a:r>
-            <a:r>
-              <a:rPr lang="en-US" dirty="0"/>
-              <a:t>I-Cheng </a:t>
-            </a:r>
-            <a:r>
-              <a:rPr lang="en-US" dirty="0" err="1"/>
-              <a:t>Yeh</a:t>
-            </a:r>
-            <a:r>
-              <a:rPr lang="en-US" dirty="0"/>
-              <a:t> a,*, </a:t>
-            </a:r>
-            <a:r>
-              <a:rPr lang="en-US" dirty="0" err="1"/>
-              <a:t>Che</a:t>
-            </a:r>
-            <a:r>
-              <a:rPr lang="en-US" dirty="0"/>
-              <a:t>-hui Lien </a:t>
-            </a:r>
-            <a:r>
-              <a:rPr lang="en-US" dirty="0" smtClean="0"/>
-              <a:t>b</a:t>
-            </a:r>
-            <a:endParaRPr lang="en-US" dirty="0"/>
-          </a:p>
-          <a:p>
+              <a:t>I. Yeh, C. Lien, The comparisons of data mining techniques for the predictive accuracy of probability of default of credit card clients, Expert Systems with Applications 36 (2) (2008) 2473–2480.</a:t>
+            </a:r>
             <a:endParaRPr lang="en-US" dirty="0" smtClean="0"/>
           </a:p>
         </p:txBody>
@@ -8577,123 +7975,6 @@
           </a:p>
         </p:txBody>
       </p:sp>
-      <p:sp>
-        <p:nvSpPr>
-          <p:cNvPr id="3" name="Content Placeholder 2"/>
-          <p:cNvSpPr>
-            <a:spLocks noGrp="1"/>
-          </p:cNvSpPr>
-          <p:nvPr>
-            <p:ph idx="1"/>
-          </p:nvPr>
-        </p:nvSpPr>
-        <p:spPr>
-          <a:xfrm>
-            <a:off x="1484310" y="2666999"/>
-            <a:ext cx="10018713" cy="3754349"/>
-          </a:xfrm>
-        </p:spPr>
-        <p:txBody>
-          <a:bodyPr>
-            <a:normAutofit/>
-          </a:bodyPr>
-          <a:lstStyle/>
-          <a:p>
-            <a:r>
-              <a:rPr lang="en-US" dirty="0" smtClean="0"/>
-              <a:t>n = 30,000 (</a:t>
-            </a:r>
-            <a:r>
-              <a:rPr lang="en-US" dirty="0"/>
-              <a:t>source: </a:t>
-            </a:r>
-            <a:r>
-              <a:rPr lang="en-US" dirty="0" smtClean="0"/>
-              <a:t>Taiwanese bank)</a:t>
-            </a:r>
-          </a:p>
-          <a:p>
-            <a:r>
-              <a:rPr lang="en-US" dirty="0" smtClean="0"/>
-              <a:t>22% defaulted (6,636 / 30,000)</a:t>
-            </a:r>
-          </a:p>
-          <a:p>
-            <a:r>
-              <a:rPr lang="en-US" dirty="0" smtClean="0"/>
-              <a:t>Source of data: </a:t>
-            </a:r>
-            <a:r>
-              <a:rPr lang="en-US" i="1" dirty="0" smtClean="0"/>
-              <a:t>UC-Irvine Machine Learning Repository</a:t>
-            </a:r>
-            <a:r>
-              <a:rPr lang="en-US" dirty="0" smtClean="0"/>
-              <a:t>, Jan-16</a:t>
-            </a:r>
-          </a:p>
-        </p:txBody>
-      </p:sp>
-    </p:spTree>
-    <p:extLst>
-      <p:ext uri="{BB962C8B-B14F-4D97-AF65-F5344CB8AC3E}">
-        <p14:creationId xmlns:p14="http://schemas.microsoft.com/office/powerpoint/2010/main" val="2141363607"/>
-      </p:ext>
-    </p:extLst>
-  </p:cSld>
-  <p:clrMapOvr>
-    <a:masterClrMapping/>
-  </p:clrMapOvr>
-  <p:timing>
-    <p:tnLst>
-      <p:par>
-        <p:cTn id="1" dur="indefinite" restart="never" nodeType="tmRoot"/>
-      </p:par>
-    </p:tnLst>
-  </p:timing>
-</p:sld>
-</file>
-
-<file path=ppt/slides/slide3.xml><?xml version="1.0" encoding="utf-8"?>
-<p:sld xmlns:a="http://schemas.openxmlformats.org/drawingml/2006/main" xmlns:r="http://schemas.openxmlformats.org/officeDocument/2006/relationships" xmlns:p="http://schemas.openxmlformats.org/presentationml/2006/main">
-  <p:cSld>
-    <p:spTree>
-      <p:nvGrpSpPr>
-        <p:cNvPr id="1" name=""/>
-        <p:cNvGrpSpPr/>
-        <p:nvPr/>
-      </p:nvGrpSpPr>
-      <p:grpSpPr>
-        <a:xfrm>
-          <a:off x="0" y="0"/>
-          <a:ext cx="0" cy="0"/>
-          <a:chOff x="0" y="0"/>
-          <a:chExt cx="0" cy="0"/>
-        </a:xfrm>
-      </p:grpSpPr>
-      <p:sp>
-        <p:nvSpPr>
-          <p:cNvPr id="2" name="Title 1"/>
-          <p:cNvSpPr>
-            <a:spLocks noGrp="1"/>
-          </p:cNvSpPr>
-          <p:nvPr>
-            <p:ph type="title"/>
-          </p:nvPr>
-        </p:nvSpPr>
-        <p:spPr/>
-        <p:txBody>
-          <a:bodyPr/>
-          <a:lstStyle/>
-          <a:p>
-            <a:r>
-              <a:rPr lang="en-US" smtClean="0"/>
-              <a:t>Data Sample (n=5)</a:t>
-            </a:r>
-            <a:endParaRPr lang="en-US" dirty="0"/>
-          </a:p>
-        </p:txBody>
-      </p:sp>
       <p:pic>
         <p:nvPicPr>
           <p:cNvPr id="3" name="Picture 2"/>
@@ -9195,6 +8476,262 @@
           </a:p>
         </p:txBody>
       </p:sp>
+      <p:sp>
+        <p:nvSpPr>
+          <p:cNvPr id="14" name="Content Placeholder 2"/>
+          <p:cNvSpPr txBox="1">
+            <a:spLocks/>
+          </p:cNvSpPr>
+          <p:nvPr/>
+        </p:nvSpPr>
+        <p:spPr>
+          <a:xfrm>
+            <a:off x="1484310" y="1848134"/>
+            <a:ext cx="10018713" cy="3754349"/>
+          </a:xfrm>
+          <a:prstGeom prst="rect">
+            <a:avLst/>
+          </a:prstGeom>
+        </p:spPr>
+        <p:txBody>
+          <a:bodyPr>
+            <a:normAutofit/>
+          </a:bodyPr>
+          <a:lstStyle>
+            <a:lvl1pPr marL="285750" indent="-285750" algn="l" defTabSz="457200" rtl="0" eaLnBrk="1" latinLnBrk="0" hangingPunct="1">
+              <a:spcBef>
+                <a:spcPct val="20000"/>
+              </a:spcBef>
+              <a:spcAft>
+                <a:spcPts val="600"/>
+              </a:spcAft>
+              <a:buClr>
+                <a:schemeClr val="accent1">
+                  <a:lumMod val="75000"/>
+                </a:schemeClr>
+              </a:buClr>
+              <a:buSzPct val="145000"/>
+              <a:buFont typeface="Arial"/>
+              <a:buChar char="•"/>
+              <a:defRPr sz="2400" kern="1200" cap="none">
+                <a:solidFill>
+                  <a:schemeClr val="tx1"/>
+                </a:solidFill>
+                <a:effectLst/>
+                <a:latin typeface="+mn-lt"/>
+                <a:ea typeface="+mn-ea"/>
+                <a:cs typeface="+mn-cs"/>
+              </a:defRPr>
+            </a:lvl1pPr>
+            <a:lvl2pPr marL="742950" indent="-285750" algn="l" defTabSz="457200" rtl="0" eaLnBrk="1" latinLnBrk="0" hangingPunct="1">
+              <a:spcBef>
+                <a:spcPct val="20000"/>
+              </a:spcBef>
+              <a:spcAft>
+                <a:spcPts val="600"/>
+              </a:spcAft>
+              <a:buClr>
+                <a:schemeClr val="accent1">
+                  <a:lumMod val="75000"/>
+                </a:schemeClr>
+              </a:buClr>
+              <a:buSzPct val="145000"/>
+              <a:buFont typeface="Arial"/>
+              <a:buChar char="•"/>
+              <a:defRPr sz="2000" kern="1200" cap="none">
+                <a:solidFill>
+                  <a:schemeClr val="tx1"/>
+                </a:solidFill>
+                <a:effectLst/>
+                <a:latin typeface="+mn-lt"/>
+                <a:ea typeface="+mn-ea"/>
+                <a:cs typeface="+mn-cs"/>
+              </a:defRPr>
+            </a:lvl2pPr>
+            <a:lvl3pPr marL="1200150" indent="-285750" algn="l" defTabSz="457200" rtl="0" eaLnBrk="1" latinLnBrk="0" hangingPunct="1">
+              <a:spcBef>
+                <a:spcPct val="20000"/>
+              </a:spcBef>
+              <a:spcAft>
+                <a:spcPts val="600"/>
+              </a:spcAft>
+              <a:buClr>
+                <a:schemeClr val="accent1">
+                  <a:lumMod val="75000"/>
+                </a:schemeClr>
+              </a:buClr>
+              <a:buSzPct val="145000"/>
+              <a:buFont typeface="Arial"/>
+              <a:buChar char="•"/>
+              <a:defRPr sz="1800" kern="1200" cap="none">
+                <a:solidFill>
+                  <a:schemeClr val="tx1"/>
+                </a:solidFill>
+                <a:effectLst/>
+                <a:latin typeface="+mn-lt"/>
+                <a:ea typeface="+mn-ea"/>
+                <a:cs typeface="+mn-cs"/>
+              </a:defRPr>
+            </a:lvl3pPr>
+            <a:lvl4pPr marL="1543050" indent="-171450" algn="l" defTabSz="457200" rtl="0" eaLnBrk="1" latinLnBrk="0" hangingPunct="1">
+              <a:spcBef>
+                <a:spcPct val="20000"/>
+              </a:spcBef>
+              <a:spcAft>
+                <a:spcPts val="600"/>
+              </a:spcAft>
+              <a:buClr>
+                <a:schemeClr val="accent1">
+                  <a:lumMod val="75000"/>
+                </a:schemeClr>
+              </a:buClr>
+              <a:buSzPct val="145000"/>
+              <a:buFont typeface="Arial"/>
+              <a:buChar char="•"/>
+              <a:defRPr sz="1600" kern="1200" cap="none">
+                <a:solidFill>
+                  <a:schemeClr val="tx1"/>
+                </a:solidFill>
+                <a:effectLst/>
+                <a:latin typeface="+mn-lt"/>
+                <a:ea typeface="+mn-ea"/>
+                <a:cs typeface="+mn-cs"/>
+              </a:defRPr>
+            </a:lvl4pPr>
+            <a:lvl5pPr marL="2000250" indent="-171450" algn="l" defTabSz="457200" rtl="0" eaLnBrk="1" latinLnBrk="0" hangingPunct="1">
+              <a:spcBef>
+                <a:spcPct val="20000"/>
+              </a:spcBef>
+              <a:spcAft>
+                <a:spcPts val="600"/>
+              </a:spcAft>
+              <a:buClr>
+                <a:schemeClr val="accent1">
+                  <a:lumMod val="75000"/>
+                </a:schemeClr>
+              </a:buClr>
+              <a:buSzPct val="145000"/>
+              <a:buFont typeface="Arial"/>
+              <a:buChar char="•"/>
+              <a:defRPr sz="1400" kern="1200" cap="none">
+                <a:solidFill>
+                  <a:schemeClr val="tx1"/>
+                </a:solidFill>
+                <a:effectLst/>
+                <a:latin typeface="+mn-lt"/>
+                <a:ea typeface="+mn-ea"/>
+                <a:cs typeface="+mn-cs"/>
+              </a:defRPr>
+            </a:lvl5pPr>
+            <a:lvl6pPr marL="2514600" indent="-228600" algn="l" defTabSz="457200" rtl="0" eaLnBrk="1" latinLnBrk="0" hangingPunct="1">
+              <a:spcBef>
+                <a:spcPct val="20000"/>
+              </a:spcBef>
+              <a:spcAft>
+                <a:spcPts val="600"/>
+              </a:spcAft>
+              <a:buClr>
+                <a:schemeClr val="accent1">
+                  <a:lumMod val="75000"/>
+                </a:schemeClr>
+              </a:buClr>
+              <a:buSzPct val="145000"/>
+              <a:buFont typeface="Arial"/>
+              <a:buChar char="•"/>
+              <a:defRPr sz="1400" kern="1200" cap="none">
+                <a:solidFill>
+                  <a:schemeClr val="tx1"/>
+                </a:solidFill>
+                <a:effectLst/>
+                <a:latin typeface="+mn-lt"/>
+                <a:ea typeface="+mn-ea"/>
+                <a:cs typeface="+mn-cs"/>
+              </a:defRPr>
+            </a:lvl6pPr>
+            <a:lvl7pPr marL="2971800" indent="-228600" algn="l" defTabSz="457200" rtl="0" eaLnBrk="1" latinLnBrk="0" hangingPunct="1">
+              <a:spcBef>
+                <a:spcPct val="20000"/>
+              </a:spcBef>
+              <a:spcAft>
+                <a:spcPts val="600"/>
+              </a:spcAft>
+              <a:buClr>
+                <a:schemeClr val="accent1">
+                  <a:lumMod val="75000"/>
+                </a:schemeClr>
+              </a:buClr>
+              <a:buSzPct val="145000"/>
+              <a:buFont typeface="Arial"/>
+              <a:buChar char="•"/>
+              <a:defRPr sz="1400" kern="1200" cap="none">
+                <a:solidFill>
+                  <a:schemeClr val="tx1"/>
+                </a:solidFill>
+                <a:effectLst/>
+                <a:latin typeface="+mn-lt"/>
+                <a:ea typeface="+mn-ea"/>
+                <a:cs typeface="+mn-cs"/>
+              </a:defRPr>
+            </a:lvl7pPr>
+            <a:lvl8pPr marL="3429000" indent="-228600" algn="l" defTabSz="457200" rtl="0" eaLnBrk="1" latinLnBrk="0" hangingPunct="1">
+              <a:spcBef>
+                <a:spcPct val="20000"/>
+              </a:spcBef>
+              <a:spcAft>
+                <a:spcPts val="600"/>
+              </a:spcAft>
+              <a:buClr>
+                <a:schemeClr val="accent1">
+                  <a:lumMod val="75000"/>
+                </a:schemeClr>
+              </a:buClr>
+              <a:buSzPct val="145000"/>
+              <a:buFont typeface="Arial"/>
+              <a:buChar char="•"/>
+              <a:defRPr sz="1400" kern="1200" cap="none">
+                <a:solidFill>
+                  <a:schemeClr val="tx1"/>
+                </a:solidFill>
+                <a:effectLst/>
+                <a:latin typeface="+mn-lt"/>
+                <a:ea typeface="+mn-ea"/>
+                <a:cs typeface="+mn-cs"/>
+              </a:defRPr>
+            </a:lvl8pPr>
+            <a:lvl9pPr marL="3886200" indent="-228600" algn="l" defTabSz="457200" rtl="0" eaLnBrk="1" latinLnBrk="0" hangingPunct="1">
+              <a:spcBef>
+                <a:spcPct val="20000"/>
+              </a:spcBef>
+              <a:spcAft>
+                <a:spcPts val="600"/>
+              </a:spcAft>
+              <a:buClr>
+                <a:schemeClr val="accent1">
+                  <a:lumMod val="75000"/>
+                </a:schemeClr>
+              </a:buClr>
+              <a:buSzPct val="145000"/>
+              <a:buFont typeface="Arial"/>
+              <a:buChar char="•"/>
+              <a:defRPr sz="1400" kern="1200" cap="none">
+                <a:solidFill>
+                  <a:schemeClr val="tx1"/>
+                </a:solidFill>
+                <a:effectLst/>
+                <a:latin typeface="+mn-lt"/>
+                <a:ea typeface="+mn-ea"/>
+                <a:cs typeface="+mn-cs"/>
+              </a:defRPr>
+            </a:lvl9pPr>
+          </a:lstStyle>
+          <a:p>
+            <a:r>
+              <a:rPr lang="en-US" dirty="0" smtClean="0"/>
+              <a:t>n = 30,000 (source: Taiwanese bank) ; 22% defaulted (6,636 / 30,000)</a:t>
+            </a:r>
+          </a:p>
+        </p:txBody>
+      </p:sp>
     </p:spTree>
     <p:extLst>
       <p:ext uri="{BB962C8B-B14F-4D97-AF65-F5344CB8AC3E}">
@@ -9223,7 +8760,7 @@
 </p:sld>
 </file>
 
-<file path=ppt/slides/slide4.xml><?xml version="1.0" encoding="utf-8"?>
+<file path=ppt/slides/slide3.xml><?xml version="1.0" encoding="utf-8"?>
 <p:sld xmlns:a="http://schemas.openxmlformats.org/drawingml/2006/main" xmlns:r="http://schemas.openxmlformats.org/officeDocument/2006/relationships" xmlns:p="http://schemas.openxmlformats.org/presentationml/2006/main">
   <p:cSld>
     <p:spTree>
@@ -9729,7 +9266,7 @@
 </p:sld>
 </file>
 
-<file path=ppt/slides/slide5.xml><?xml version="1.0" encoding="utf-8"?>
+<file path=ppt/slides/slide4.xml><?xml version="1.0" encoding="utf-8"?>
 <p:sld xmlns:a="http://schemas.openxmlformats.org/drawingml/2006/main" xmlns:r="http://schemas.openxmlformats.org/officeDocument/2006/relationships" xmlns:p="http://schemas.openxmlformats.org/presentationml/2006/main">
   <p:cSld>
     <p:spTree>
@@ -9791,21 +9328,8 @@
                   <a:srgbClr val="00B050"/>
                 </a:solidFill>
               </a:rPr>
-              <a:t>ROC area under </a:t>
-            </a:r>
-            <a:r>
-              <a:rPr lang="en-US" b="1" i="1" dirty="0" smtClean="0">
-                <a:solidFill>
-                  <a:srgbClr val="00B050"/>
-                </a:solidFill>
-              </a:rPr>
-              <a:t>curve</a:t>
-            </a:r>
-            <a:endParaRPr lang="en-US" b="1" i="1" dirty="0" smtClean="0">
-              <a:solidFill>
-                <a:srgbClr val="00B050"/>
-              </a:solidFill>
-            </a:endParaRPr>
+              <a:t>ROC area under curve</a:t>
+            </a:r>
           </a:p>
         </p:txBody>
       </p:sp>
@@ -9818,7 +9342,7 @@
           <p:nvPr>
             <p:extLst>
               <p:ext uri="{D42A27DB-BD31-4B8C-83A1-F6EECF244321}">
-                <p14:modId xmlns:p14="http://schemas.microsoft.com/office/powerpoint/2010/main" val="1189264436"/>
+                <p14:modId xmlns:p14="http://schemas.microsoft.com/office/powerpoint/2010/main" val="349739795"/>
               </p:ext>
             </p:extLst>
           </p:nvPr>
@@ -9907,7 +9431,7 @@
                       </a:pPr>
                       <a:r>
                         <a:rPr lang="en-US" dirty="0" smtClean="0"/>
-                        <a:t>Classification tree</a:t>
+                        <a:t>Naïve Bayesian</a:t>
                       </a:r>
                     </a:p>
                   </a:txBody>
@@ -9920,7 +9444,7 @@
                     <a:p>
                       <a:r>
                         <a:rPr lang="en-US" dirty="0" smtClean="0"/>
-                        <a:t>27.3%</a:t>
+                        <a:t>21.7%</a:t>
                       </a:r>
                       <a:endParaRPr lang="en-US" dirty="0"/>
                     </a:p>
@@ -9934,55 +9458,7 @@
                     <a:p>
                       <a:r>
                         <a:rPr lang="en-US" dirty="0" smtClean="0"/>
-                        <a:t>61%</a:t>
-                      </a:r>
-                      <a:endParaRPr lang="en-US" dirty="0"/>
-                    </a:p>
-                  </a:txBody>
-                  <a:tcPr/>
-                </a:tc>
-              </a:tr>
-              <a:tr h="370840">
-                <a:tc>
-                  <a:txBody>
-                    <a:bodyPr/>
-                    <a:lstStyle/>
-                    <a:p>
-                      <a:r>
-                        <a:rPr lang="en-US" dirty="0" smtClean="0"/>
-                        <a:t>K-Nearest</a:t>
-                      </a:r>
-                      <a:r>
-                        <a:rPr lang="en-US" baseline="0" dirty="0" smtClean="0"/>
-                        <a:t> Neighbor</a:t>
-                      </a:r>
-                      <a:endParaRPr lang="en-US" dirty="0"/>
-                    </a:p>
-                  </a:txBody>
-                  <a:tcPr/>
-                </a:tc>
-                <a:tc>
-                  <a:txBody>
-                    <a:bodyPr/>
-                    <a:lstStyle/>
-                    <a:p>
-                      <a:r>
-                        <a:rPr lang="en-US" dirty="0" smtClean="0"/>
-                        <a:t>24.6%</a:t>
-                      </a:r>
-                      <a:endParaRPr lang="en-US" dirty="0"/>
-                    </a:p>
-                  </a:txBody>
-                  <a:tcPr/>
-                </a:tc>
-                <a:tc>
-                  <a:txBody>
-                    <a:bodyPr/>
-                    <a:lstStyle/>
-                    <a:p>
-                      <a:r>
-                        <a:rPr lang="en-US" dirty="0" smtClean="0"/>
-                        <a:t>61%</a:t>
+                        <a:t>75%</a:t>
                       </a:r>
                       <a:endParaRPr lang="en-US" dirty="0"/>
                     </a:p>
@@ -10015,7 +9491,7 @@
                       </a:pPr>
                       <a:r>
                         <a:rPr lang="en-US" dirty="0" smtClean="0"/>
-                        <a:t>Naïve Bayesian</a:t>
+                        <a:t>Discriminant analysis</a:t>
                       </a:r>
                     </a:p>
                   </a:txBody>
@@ -10028,7 +9504,7 @@
                     <a:p>
                       <a:r>
                         <a:rPr lang="en-US" dirty="0" smtClean="0"/>
-                        <a:t>21.7%</a:t>
+                        <a:t>18.2%</a:t>
                       </a:r>
                       <a:endParaRPr lang="en-US" dirty="0"/>
                     </a:p>
@@ -10042,7 +9518,7 @@
                     <a:p>
                       <a:r>
                         <a:rPr lang="en-US" dirty="0" smtClean="0"/>
-                        <a:t>75%</a:t>
+                        <a:t>73%</a:t>
                       </a:r>
                       <a:endParaRPr lang="en-US" dirty="0"/>
                     </a:p>
@@ -10075,8 +9551,13 @@
                       </a:pPr>
                       <a:r>
                         <a:rPr lang="en-US" dirty="0" smtClean="0"/>
-                        <a:t>Discriminant analysis</a:t>
-                      </a:r>
+                        <a:t>Logistic</a:t>
+                      </a:r>
+                      <a:r>
+                        <a:rPr lang="en-US" baseline="0" dirty="0" smtClean="0"/>
+                        <a:t> Regression</a:t>
+                      </a:r>
+                      <a:endParaRPr lang="en-US" dirty="0" smtClean="0"/>
                     </a:p>
                   </a:txBody>
                   <a:tcPr/>
@@ -10088,7 +9569,7 @@
                     <a:p>
                       <a:r>
                         <a:rPr lang="en-US" dirty="0" smtClean="0"/>
-                        <a:t>18.2%</a:t>
+                        <a:t>21.7%</a:t>
                       </a:r>
                       <a:endParaRPr lang="en-US" dirty="0"/>
                     </a:p>
@@ -10102,7 +9583,7 @@
                     <a:p>
                       <a:r>
                         <a:rPr lang="en-US" dirty="0" smtClean="0"/>
-                        <a:t>73%</a:t>
+                        <a:t>66%</a:t>
                       </a:r>
                       <a:endParaRPr lang="en-US" dirty="0"/>
                     </a:p>
@@ -10135,13 +9616,8 @@
                       </a:pPr>
                       <a:r>
                         <a:rPr lang="en-US" dirty="0" smtClean="0"/>
-                        <a:t>Logistic</a:t>
-                      </a:r>
-                      <a:r>
-                        <a:rPr lang="en-US" baseline="0" dirty="0" smtClean="0"/>
-                        <a:t> Regression</a:t>
-                      </a:r>
-                      <a:endParaRPr lang="en-US" dirty="0" smtClean="0"/>
+                        <a:t>Classification tree</a:t>
+                      </a:r>
                     </a:p>
                   </a:txBody>
                   <a:tcPr/>
@@ -10153,7 +9629,7 @@
                     <a:p>
                       <a:r>
                         <a:rPr lang="en-US" dirty="0" smtClean="0"/>
-                        <a:t>21.7%</a:t>
+                        <a:t>27.3%</a:t>
                       </a:r>
                       <a:endParaRPr lang="en-US" dirty="0"/>
                     </a:p>
@@ -10167,7 +9643,55 @@
                     <a:p>
                       <a:r>
                         <a:rPr lang="en-US" dirty="0" smtClean="0"/>
-                        <a:t>66%</a:t>
+                        <a:t>61%</a:t>
+                      </a:r>
+                      <a:endParaRPr lang="en-US" dirty="0"/>
+                    </a:p>
+                  </a:txBody>
+                  <a:tcPr/>
+                </a:tc>
+              </a:tr>
+              <a:tr h="370840">
+                <a:tc>
+                  <a:txBody>
+                    <a:bodyPr/>
+                    <a:lstStyle/>
+                    <a:p>
+                      <a:r>
+                        <a:rPr lang="en-US" dirty="0" smtClean="0"/>
+                        <a:t>K-Nearest</a:t>
+                      </a:r>
+                      <a:r>
+                        <a:rPr lang="en-US" baseline="0" dirty="0" smtClean="0"/>
+                        <a:t> Neighbor</a:t>
+                      </a:r>
+                      <a:endParaRPr lang="en-US" dirty="0"/>
+                    </a:p>
+                  </a:txBody>
+                  <a:tcPr/>
+                </a:tc>
+                <a:tc>
+                  <a:txBody>
+                    <a:bodyPr/>
+                    <a:lstStyle/>
+                    <a:p>
+                      <a:r>
+                        <a:rPr lang="en-US" dirty="0" smtClean="0"/>
+                        <a:t>24.6%</a:t>
+                      </a:r>
+                      <a:endParaRPr lang="en-US" dirty="0"/>
+                    </a:p>
+                  </a:txBody>
+                  <a:tcPr/>
+                </a:tc>
+                <a:tc>
+                  <a:txBody>
+                    <a:bodyPr/>
+                    <a:lstStyle/>
+                    <a:p>
+                      <a:r>
+                        <a:rPr lang="en-US" dirty="0" smtClean="0"/>
+                        <a:t>61%</a:t>
                       </a:r>
                       <a:endParaRPr lang="en-US" dirty="0"/>
                     </a:p>
@@ -10348,6 +9872,132 @@
 </p:sld>
 </file>
 
+<file path=ppt/slides/slide5.xml><?xml version="1.0" encoding="utf-8"?>
+<p:sld xmlns:a="http://schemas.openxmlformats.org/drawingml/2006/main" xmlns:r="http://schemas.openxmlformats.org/officeDocument/2006/relationships" xmlns:p="http://schemas.openxmlformats.org/presentationml/2006/main">
+  <p:cSld>
+    <p:spTree>
+      <p:nvGrpSpPr>
+        <p:cNvPr id="1" name=""/>
+        <p:cNvGrpSpPr/>
+        <p:nvPr/>
+      </p:nvGrpSpPr>
+      <p:grpSpPr>
+        <a:xfrm>
+          <a:off x="0" y="0"/>
+          <a:ext cx="0" cy="0"/>
+          <a:chOff x="0" y="0"/>
+          <a:chExt cx="0" cy="0"/>
+        </a:xfrm>
+      </p:grpSpPr>
+      <p:sp>
+        <p:nvSpPr>
+          <p:cNvPr id="2" name="Title 1"/>
+          <p:cNvSpPr>
+            <a:spLocks noGrp="1"/>
+          </p:cNvSpPr>
+          <p:nvPr>
+            <p:ph type="title"/>
+          </p:nvPr>
+        </p:nvSpPr>
+        <p:spPr/>
+        <p:txBody>
+          <a:bodyPr/>
+          <a:lstStyle/>
+          <a:p>
+            <a:r>
+              <a:rPr lang="en-US" dirty="0" smtClean="0"/>
+              <a:t>Baseline Methods</a:t>
+            </a:r>
+            <a:endParaRPr lang="en-US" dirty="0"/>
+          </a:p>
+        </p:txBody>
+      </p:sp>
+      <p:sp>
+        <p:nvSpPr>
+          <p:cNvPr id="3" name="Content Placeholder 2"/>
+          <p:cNvSpPr>
+            <a:spLocks noGrp="1"/>
+          </p:cNvSpPr>
+          <p:nvPr>
+            <p:ph idx="1"/>
+          </p:nvPr>
+        </p:nvSpPr>
+        <p:spPr/>
+        <p:txBody>
+          <a:bodyPr>
+            <a:normAutofit lnSpcReduction="10000"/>
+          </a:bodyPr>
+          <a:lstStyle/>
+          <a:p>
+            <a:r>
+              <a:rPr lang="en-US" dirty="0"/>
+              <a:t>Data split into 2 groups, model training and validation</a:t>
+            </a:r>
+          </a:p>
+          <a:p>
+            <a:r>
+              <a:rPr lang="en-US" dirty="0" smtClean="0"/>
+              <a:t>Techniques</a:t>
+            </a:r>
+          </a:p>
+          <a:p>
+            <a:pPr lvl="1"/>
+            <a:r>
+              <a:rPr lang="en-US" dirty="0" smtClean="0"/>
+              <a:t>K-nearest neighbor</a:t>
+            </a:r>
+          </a:p>
+          <a:p>
+            <a:pPr lvl="1"/>
+            <a:r>
+              <a:rPr lang="en-US" dirty="0" smtClean="0"/>
+              <a:t>Logistic regression</a:t>
+            </a:r>
+          </a:p>
+          <a:p>
+            <a:pPr lvl="1"/>
+            <a:r>
+              <a:rPr lang="en-US" dirty="0" smtClean="0"/>
+              <a:t>Discriminant analysis</a:t>
+            </a:r>
+          </a:p>
+          <a:p>
+            <a:pPr lvl="1"/>
+            <a:r>
+              <a:rPr lang="en-US" dirty="0" smtClean="0"/>
+              <a:t>Naïve Bayesian</a:t>
+            </a:r>
+          </a:p>
+          <a:p>
+            <a:pPr lvl="1"/>
+            <a:r>
+              <a:rPr lang="en-US" dirty="0" smtClean="0"/>
+              <a:t>Classification tree</a:t>
+            </a:r>
+            <a:endParaRPr lang="en-US" dirty="0"/>
+          </a:p>
+        </p:txBody>
+      </p:sp>
+    </p:spTree>
+    <p:extLst>
+      <p:ext uri="{BB962C8B-B14F-4D97-AF65-F5344CB8AC3E}">
+        <p14:creationId xmlns:p14="http://schemas.microsoft.com/office/powerpoint/2010/main" val="1332911498"/>
+      </p:ext>
+    </p:extLst>
+  </p:cSld>
+  <p:clrMapOvr>
+    <a:masterClrMapping/>
+  </p:clrMapOvr>
+  <p:timing>
+    <p:tnLst>
+      <p:par>
+        <p:cTn id="1" dur="indefinite" restart="never" nodeType="tmRoot"/>
+      </p:par>
+    </p:tnLst>
+  </p:timing>
+</p:sld>
+</file>
+
 <file path=ppt/slides/slide6.xml><?xml version="1.0" encoding="utf-8"?>
 <p:sld xmlns:a="http://schemas.openxmlformats.org/drawingml/2006/main" xmlns:r="http://schemas.openxmlformats.org/officeDocument/2006/relationships" xmlns:p="http://schemas.openxmlformats.org/presentationml/2006/main">
   <p:cSld>
@@ -10382,7 +10032,7 @@
           <a:p>
             <a:r>
               <a:rPr lang="en-US" dirty="0" smtClean="0"/>
-              <a:t>Baseline Methods</a:t>
+              <a:t>Improvements Attempted</a:t>
             </a:r>
             <a:endParaRPr lang="en-US" dirty="0"/>
           </a:p>
@@ -10401,71 +10051,41 @@
         <p:spPr/>
         <p:txBody>
           <a:bodyPr>
-            <a:normAutofit lnSpcReduction="10000"/>
+            <a:normAutofit/>
           </a:bodyPr>
           <a:lstStyle/>
           <a:p>
+            <a:pPr>
+              <a:buFont typeface="Arial" charset="0"/>
+              <a:buChar char="•"/>
+            </a:pPr>
             <a:r>
               <a:rPr lang="en-US" dirty="0"/>
-              <a:t>Data split into 2 groups, model training and validation</a:t>
-            </a:r>
-          </a:p>
-          <a:p>
+              <a:t>Feature </a:t>
+            </a:r>
             <a:r>
               <a:rPr lang="en-US" dirty="0" smtClean="0"/>
-              <a:t>Techniques</a:t>
-            </a:r>
-          </a:p>
-          <a:p>
-            <a:pPr lvl="1"/>
+              <a:t>selection</a:t>
+            </a:r>
+          </a:p>
+          <a:p>
             <a:r>
               <a:rPr lang="en-US" dirty="0" smtClean="0"/>
-              <a:t>K-nearest neighbor</a:t>
-            </a:r>
-          </a:p>
-          <a:p>
-            <a:pPr lvl="1"/>
+              <a:t>10-fold cross validation </a:t>
+            </a:r>
+          </a:p>
+          <a:p>
             <a:r>
               <a:rPr lang="en-US" dirty="0" smtClean="0"/>
-              <a:t>Logistic regression</a:t>
-            </a:r>
-          </a:p>
-          <a:p>
-            <a:pPr lvl="1"/>
-            <a:r>
-              <a:rPr lang="en-US" dirty="0" smtClean="0"/>
-              <a:t>Discriminant analysis</a:t>
-            </a:r>
-          </a:p>
-          <a:p>
-            <a:pPr lvl="1"/>
-            <a:r>
-              <a:rPr lang="en-US" dirty="0" smtClean="0"/>
-              <a:t>Naïve </a:t>
-            </a:r>
-            <a:r>
-              <a:rPr lang="en-US" dirty="0" smtClean="0"/>
-              <a:t>Bayesian</a:t>
-            </a:r>
-          </a:p>
-          <a:p>
-            <a:pPr lvl="1"/>
-            <a:r>
-              <a:rPr lang="en-US" dirty="0" smtClean="0"/>
-              <a:t>Classification </a:t>
-            </a:r>
-            <a:r>
-              <a:rPr lang="en-US" dirty="0" smtClean="0"/>
-              <a:t>tree</a:t>
-            </a:r>
-            <a:endParaRPr lang="en-US" dirty="0"/>
+              <a:t>PCA</a:t>
+            </a:r>
           </a:p>
         </p:txBody>
       </p:sp>
     </p:spTree>
     <p:extLst>
       <p:ext uri="{BB962C8B-B14F-4D97-AF65-F5344CB8AC3E}">
-        <p14:creationId xmlns:p14="http://schemas.microsoft.com/office/powerpoint/2010/main" val="1332911498"/>
+        <p14:creationId xmlns:p14="http://schemas.microsoft.com/office/powerpoint/2010/main" val="1726699464"/>
       </p:ext>
     </p:extLst>
   </p:cSld>
@@ -10515,114 +10135,18 @@
           <a:lstStyle/>
           <a:p>
             <a:r>
-              <a:rPr lang="en-US" dirty="0" smtClean="0"/>
-              <a:t>Improvements Attempted</a:t>
+              <a:rPr lang="en-US" dirty="0"/>
+              <a:t>Experiment: Feature Selection (1 </a:t>
+            </a:r>
+            <a:r>
+              <a:rPr lang="en-US"/>
+              <a:t>of </a:t>
+            </a:r>
+            <a:r>
+              <a:rPr lang="en-US" smtClean="0"/>
+              <a:t>3)</a:t>
             </a:r>
             <a:endParaRPr lang="en-US" dirty="0"/>
-          </a:p>
-        </p:txBody>
-      </p:sp>
-      <p:sp>
-        <p:nvSpPr>
-          <p:cNvPr id="3" name="Content Placeholder 2"/>
-          <p:cNvSpPr>
-            <a:spLocks noGrp="1"/>
-          </p:cNvSpPr>
-          <p:nvPr>
-            <p:ph idx="1"/>
-          </p:nvPr>
-        </p:nvSpPr>
-        <p:spPr/>
-        <p:txBody>
-          <a:bodyPr>
-            <a:normAutofit/>
-          </a:bodyPr>
-          <a:lstStyle/>
-          <a:p>
-            <a:pPr>
-              <a:buFont typeface="Arial" charset="0"/>
-              <a:buChar char="•"/>
-            </a:pPr>
-            <a:r>
-              <a:rPr lang="en-US" dirty="0"/>
-              <a:t>Feature </a:t>
-            </a:r>
-            <a:r>
-              <a:rPr lang="en-US" dirty="0" smtClean="0"/>
-              <a:t>selection</a:t>
-            </a:r>
-          </a:p>
-          <a:p>
-            <a:r>
-              <a:rPr lang="en-US" dirty="0" smtClean="0"/>
-              <a:t>10-fold cross validation </a:t>
-            </a:r>
-          </a:p>
-          <a:p>
-            <a:r>
-              <a:rPr lang="en-US" dirty="0" smtClean="0"/>
-              <a:t>PCA</a:t>
-            </a:r>
-            <a:endParaRPr lang="en-US" dirty="0" smtClean="0"/>
-          </a:p>
-        </p:txBody>
-      </p:sp>
-    </p:spTree>
-    <p:extLst>
-      <p:ext uri="{BB962C8B-B14F-4D97-AF65-F5344CB8AC3E}">
-        <p14:creationId xmlns:p14="http://schemas.microsoft.com/office/powerpoint/2010/main" val="1726699464"/>
-      </p:ext>
-    </p:extLst>
-  </p:cSld>
-  <p:clrMapOvr>
-    <a:masterClrMapping/>
-  </p:clrMapOvr>
-  <p:timing>
-    <p:tnLst>
-      <p:par>
-        <p:cTn id="1" dur="indefinite" restart="never" nodeType="tmRoot"/>
-      </p:par>
-    </p:tnLst>
-  </p:timing>
-</p:sld>
-</file>
-
-<file path=ppt/slides/slide8.xml><?xml version="1.0" encoding="utf-8"?>
-<p:sld xmlns:a="http://schemas.openxmlformats.org/drawingml/2006/main" xmlns:r="http://schemas.openxmlformats.org/officeDocument/2006/relationships" xmlns:p="http://schemas.openxmlformats.org/presentationml/2006/main">
-  <p:cSld>
-    <p:spTree>
-      <p:nvGrpSpPr>
-        <p:cNvPr id="1" name=""/>
-        <p:cNvGrpSpPr/>
-        <p:nvPr/>
-      </p:nvGrpSpPr>
-      <p:grpSpPr>
-        <a:xfrm>
-          <a:off x="0" y="0"/>
-          <a:ext cx="0" cy="0"/>
-          <a:chOff x="0" y="0"/>
-          <a:chExt cx="0" cy="0"/>
-        </a:xfrm>
-      </p:grpSpPr>
-      <p:sp>
-        <p:nvSpPr>
-          <p:cNvPr id="2" name="Title 1"/>
-          <p:cNvSpPr>
-            <a:spLocks noGrp="1"/>
-          </p:cNvSpPr>
-          <p:nvPr>
-            <p:ph type="title"/>
-          </p:nvPr>
-        </p:nvSpPr>
-        <p:spPr/>
-        <p:txBody>
-          <a:bodyPr/>
-          <a:lstStyle/>
-          <a:p>
-            <a:r>
-              <a:rPr lang="en-US" dirty="0"/>
-              <a:t>Experiment: Feature Selection (1 of 2)</a:t>
-            </a:r>
           </a:p>
         </p:txBody>
       </p:sp>
@@ -10732,7 +10256,7 @@
 </p:sld>
 </file>
 
-<file path=ppt/slides/slide9.xml><?xml version="1.0" encoding="utf-8"?>
+<file path=ppt/slides/slide8.xml><?xml version="1.0" encoding="utf-8"?>
 <p:sld xmlns:a="http://schemas.openxmlformats.org/drawingml/2006/main" xmlns:r="http://schemas.openxmlformats.org/officeDocument/2006/relationships" xmlns:p="http://schemas.openxmlformats.org/presentationml/2006/main">
   <p:cSld>
     <p:spTree>
@@ -10774,8 +10298,13 @@
             </a:r>
             <a:r>
               <a:rPr lang="en-US" dirty="0"/>
-              <a:t>of 2)</a:t>
-            </a:r>
+              <a:t>of </a:t>
+            </a:r>
+            <a:r>
+              <a:rPr lang="en-US" dirty="0" smtClean="0"/>
+              <a:t>3)</a:t>
+            </a:r>
+            <a:endParaRPr lang="en-US" dirty="0"/>
           </a:p>
         </p:txBody>
       </p:sp>
@@ -10874,7 +10403,7 @@
         </p:nvSpPr>
         <p:spPr>
           <a:xfrm>
-            <a:off x="7688293" y="2203363"/>
+            <a:off x="7196972" y="2640093"/>
             <a:ext cx="2569464" cy="646331"/>
           </a:xfrm>
           <a:prstGeom prst="rect">
@@ -10889,7 +10418,7 @@
           <a:p>
             <a:pPr lvl="1"/>
             <a:r>
-              <a:rPr lang="en-US" b="1" i="1" dirty="0" err="1">
+              <a:rPr lang="en-US" b="1" i="1" dirty="0">
                 <a:solidFill>
                   <a:srgbClr val="00B050"/>
                 </a:solidFill>
@@ -10897,36 +10426,36 @@
               <a:t>c</a:t>
             </a:r>
             <a:r>
-              <a:rPr lang="en-US" b="1" i="1" dirty="0" err="1" smtClean="0">
+              <a:rPr lang="en-US" b="1" i="1" dirty="0" smtClean="0">
                 <a:solidFill>
                   <a:srgbClr val="00B050"/>
                 </a:solidFill>
               </a:rPr>
-              <a:t>redit_balance</a:t>
-            </a:r>
-            <a:r>
-              <a:rPr lang="en-US" b="1" i="1" dirty="0" smtClean="0">
+              <a:t>redit_balance / </a:t>
+            </a:r>
+            <a:r>
+              <a:rPr lang="en-US" b="1" i="1" smtClean="0">
                 <a:solidFill>
                   <a:srgbClr val="00B050"/>
                 </a:solidFill>
               </a:rPr>
-              <a:t> / </a:t>
-            </a:r>
-            <a:r>
-              <a:rPr lang="en-US" b="1" i="1" dirty="0" err="1" smtClean="0">
+              <a:t>max_credit </a:t>
+            </a:r>
+            <a:r>
+              <a:rPr lang="en-US" b="1" i="1">
                 <a:solidFill>
                   <a:srgbClr val="00B050"/>
                 </a:solidFill>
               </a:rPr>
-              <a:t>max_credit</a:t>
-            </a:r>
-            <a:r>
-              <a:rPr lang="en-US" b="1" i="1" dirty="0" smtClean="0">
+              <a:t>(</a:t>
+            </a:r>
+            <a:r>
+              <a:rPr lang="en-US" b="1" i="1" smtClean="0">
                 <a:solidFill>
                   <a:srgbClr val="00B050"/>
                 </a:solidFill>
               </a:rPr>
-              <a:t> in Sept</a:t>
+              <a:t>Sept)</a:t>
             </a:r>
             <a:endParaRPr lang="en-US" b="1" i="1" dirty="0">
               <a:solidFill>
@@ -11093,7 +10622,7 @@
         </p:nvSpPr>
         <p:spPr>
           <a:xfrm>
-            <a:off x="7646383" y="2981841"/>
+            <a:off x="7932987" y="3937188"/>
             <a:ext cx="2569464" cy="646331"/>
           </a:xfrm>
           <a:prstGeom prst="rect">
@@ -11108,7 +10637,7 @@
           <a:p>
             <a:pPr lvl="1"/>
             <a:r>
-              <a:rPr lang="en-US" b="1" i="1" dirty="0" err="1">
+              <a:rPr lang="en-US" b="1" i="1" dirty="0">
                 <a:solidFill>
                   <a:schemeClr val="accent1"/>
                 </a:solidFill>
@@ -11116,12 +10645,20 @@
               <a:t>c</a:t>
             </a:r>
             <a:r>
-              <a:rPr lang="en-US" b="1" i="1" dirty="0" err="1" smtClean="0">
+              <a:rPr lang="en-US" b="1" i="1" dirty="0" smtClean="0">
                 <a:solidFill>
                   <a:schemeClr val="accent1"/>
                 </a:solidFill>
               </a:rPr>
-              <a:t>redit_balance</a:t>
+              <a:t>redit_balance / max_credit </a:t>
+            </a:r>
+            <a:r>
+              <a:rPr lang="en-US" b="1" i="1" dirty="0">
+                <a:solidFill>
+                  <a:schemeClr val="accent1"/>
+                </a:solidFill>
+              </a:rPr>
+              <a:t>(</a:t>
             </a:r>
             <a:r>
               <a:rPr lang="en-US" b="1" i="1" dirty="0" smtClean="0">
@@ -11129,23 +10666,7 @@
                   <a:schemeClr val="accent1"/>
                 </a:solidFill>
               </a:rPr>
-              <a:t> / </a:t>
-            </a:r>
-            <a:r>
-              <a:rPr lang="en-US" b="1" i="1" dirty="0" err="1" smtClean="0">
-                <a:solidFill>
-                  <a:schemeClr val="accent1"/>
-                </a:solidFill>
-              </a:rPr>
-              <a:t>max_credit</a:t>
-            </a:r>
-            <a:r>
-              <a:rPr lang="en-US" b="1" i="1" dirty="0" smtClean="0">
-                <a:solidFill>
-                  <a:schemeClr val="accent1"/>
-                </a:solidFill>
-              </a:rPr>
-              <a:t> in Aug</a:t>
+              <a:t>Aug)</a:t>
             </a:r>
             <a:endParaRPr lang="en-US" b="1" i="1" dirty="0">
               <a:solidFill>
@@ -11159,6 +10680,635 @@
     <p:extLst>
       <p:ext uri="{BB962C8B-B14F-4D97-AF65-F5344CB8AC3E}">
         <p14:creationId xmlns:p14="http://schemas.microsoft.com/office/powerpoint/2010/main" val="1334948905"/>
+      </p:ext>
+    </p:extLst>
+  </p:cSld>
+  <p:clrMapOvr>
+    <a:masterClrMapping/>
+  </p:clrMapOvr>
+  <p:timing>
+    <p:tnLst>
+      <p:par>
+        <p:cTn id="1" dur="indefinite" restart="never" nodeType="tmRoot"/>
+      </p:par>
+    </p:tnLst>
+  </p:timing>
+</p:sld>
+</file>
+
+<file path=ppt/slides/slide9.xml><?xml version="1.0" encoding="utf-8"?>
+<p:sld xmlns:a="http://schemas.openxmlformats.org/drawingml/2006/main" xmlns:r="http://schemas.openxmlformats.org/officeDocument/2006/relationships" xmlns:p="http://schemas.openxmlformats.org/presentationml/2006/main">
+  <p:cSld>
+    <p:spTree>
+      <p:nvGrpSpPr>
+        <p:cNvPr id="1" name=""/>
+        <p:cNvGrpSpPr/>
+        <p:nvPr/>
+      </p:nvGrpSpPr>
+      <p:grpSpPr>
+        <a:xfrm>
+          <a:off x="0" y="0"/>
+          <a:ext cx="0" cy="0"/>
+          <a:chOff x="0" y="0"/>
+          <a:chExt cx="0" cy="0"/>
+        </a:xfrm>
+      </p:grpSpPr>
+      <p:sp>
+        <p:nvSpPr>
+          <p:cNvPr id="2" name="Title 1"/>
+          <p:cNvSpPr>
+            <a:spLocks noGrp="1"/>
+          </p:cNvSpPr>
+          <p:nvPr>
+            <p:ph type="title"/>
+          </p:nvPr>
+        </p:nvSpPr>
+        <p:spPr/>
+        <p:txBody>
+          <a:bodyPr/>
+          <a:lstStyle/>
+          <a:p>
+            <a:r>
+              <a:rPr lang="en-US" dirty="0"/>
+              <a:t>Experiment: Feature </a:t>
+            </a:r>
+            <a:r>
+              <a:rPr lang="en-US" dirty="0" smtClean="0"/>
+              <a:t>Selection (3 of 3)</a:t>
+            </a:r>
+            <a:endParaRPr lang="en-US" dirty="0"/>
+          </a:p>
+        </p:txBody>
+      </p:sp>
+      <p:sp>
+        <p:nvSpPr>
+          <p:cNvPr id="3" name="Content Placeholder 2"/>
+          <p:cNvSpPr>
+            <a:spLocks noGrp="1"/>
+          </p:cNvSpPr>
+          <p:nvPr>
+            <p:ph idx="1"/>
+          </p:nvPr>
+        </p:nvSpPr>
+        <p:spPr>
+          <a:xfrm>
+            <a:off x="1484310" y="3047999"/>
+            <a:ext cx="10018713" cy="3124201"/>
+          </a:xfrm>
+        </p:spPr>
+        <p:txBody>
+          <a:bodyPr>
+            <a:normAutofit/>
+          </a:bodyPr>
+          <a:lstStyle/>
+          <a:p>
+            <a:pPr marL="0" indent="0">
+              <a:buNone/>
+            </a:pPr>
+            <a:endParaRPr lang="en-US" dirty="0" smtClean="0"/>
+          </a:p>
+          <a:p>
+            <a:endParaRPr lang="en-US" dirty="0" smtClean="0"/>
+          </a:p>
+          <a:p>
+            <a:r>
+              <a:rPr lang="en-US" dirty="0" smtClean="0"/>
+              <a:t>This </a:t>
+            </a:r>
+            <a:r>
+              <a:rPr lang="en-US" dirty="0" smtClean="0">
+                <a:solidFill>
+                  <a:schemeClr val="accent3"/>
+                </a:solidFill>
+              </a:rPr>
+              <a:t>modified Classification tree</a:t>
+            </a:r>
+            <a:r>
+              <a:rPr lang="en-US" dirty="0" smtClean="0">
+                <a:solidFill>
+                  <a:srgbClr val="00B050"/>
+                </a:solidFill>
+              </a:rPr>
+              <a:t> </a:t>
+            </a:r>
+            <a:r>
+              <a:rPr lang="en-US" dirty="0" smtClean="0"/>
+              <a:t>model</a:t>
+            </a:r>
+            <a:r>
+              <a:rPr lang="en-US" dirty="0" smtClean="0"/>
+              <a:t>, but </a:t>
+            </a:r>
+            <a:r>
+              <a:rPr lang="en-US" dirty="0" smtClean="0">
+                <a:solidFill>
+                  <a:srgbClr val="FF0000"/>
+                </a:solidFill>
+              </a:rPr>
+              <a:t>no improvement</a:t>
+            </a:r>
+            <a:r>
+              <a:rPr lang="en-US" dirty="0" smtClean="0"/>
+              <a:t> on others</a:t>
+            </a:r>
+          </a:p>
+          <a:p>
+            <a:r>
+              <a:rPr lang="en-US" dirty="0" smtClean="0"/>
+              <a:t>Did not attempt to remove features (23 is a low cardinality already)</a:t>
+            </a:r>
+          </a:p>
+        </p:txBody>
+      </p:sp>
+      <p:graphicFrame>
+        <p:nvGraphicFramePr>
+          <p:cNvPr id="4" name="Table 3"/>
+          <p:cNvGraphicFramePr>
+            <a:graphicFrameLocks noGrp="1"/>
+          </p:cNvGraphicFramePr>
+          <p:nvPr>
+            <p:extLst>
+              <p:ext uri="{D42A27DB-BD31-4B8C-83A1-F6EECF244321}">
+                <p14:modId xmlns:p14="http://schemas.microsoft.com/office/powerpoint/2010/main" val="452062944"/>
+              </p:ext>
+            </p:extLst>
+          </p:nvPr>
+        </p:nvGraphicFramePr>
+        <p:xfrm>
+          <a:off x="4041769" y="1985656"/>
+          <a:ext cx="4903794" cy="2494280"/>
+        </p:xfrm>
+        <a:graphic>
+          <a:graphicData uri="http://schemas.openxmlformats.org/drawingml/2006/table">
+            <a:tbl>
+              <a:tblPr firstRow="1" bandRow="1">
+                <a:tableStyleId>{5C22544A-7EE6-4342-B048-85BDC9FD1C3A}</a:tableStyleId>
+              </a:tblPr>
+              <a:tblGrid>
+                <a:gridCol w="2219090"/>
+                <a:gridCol w="1342352"/>
+                <a:gridCol w="1342352"/>
+              </a:tblGrid>
+              <a:tr h="370840">
+                <a:tc>
+                  <a:txBody>
+                    <a:bodyPr/>
+                    <a:lstStyle/>
+                    <a:p>
+                      <a:r>
+                        <a:rPr lang="en-US" dirty="0" smtClean="0"/>
+                        <a:t>Model</a:t>
+                      </a:r>
+                      <a:endParaRPr lang="en-US" dirty="0"/>
+                    </a:p>
+                  </a:txBody>
+                  <a:tcPr/>
+                </a:tc>
+                <a:tc>
+                  <a:txBody>
+                    <a:bodyPr/>
+                    <a:lstStyle/>
+                    <a:p>
+                      <a:r>
+                        <a:rPr lang="en-US" dirty="0" smtClean="0"/>
+                        <a:t>23 variables</a:t>
+                      </a:r>
+                    </a:p>
+                    <a:p>
+                      <a:r>
+                        <a:rPr lang="en-US" dirty="0" smtClean="0"/>
+                        <a:t>ROC_AUC </a:t>
+                      </a:r>
+                      <a:endParaRPr lang="en-US" dirty="0"/>
+                    </a:p>
+                  </a:txBody>
+                  <a:tcPr/>
+                </a:tc>
+                <a:tc>
+                  <a:txBody>
+                    <a:bodyPr/>
+                    <a:lstStyle/>
+                    <a:p>
+                      <a:r>
+                        <a:rPr lang="en-US" dirty="0" smtClean="0"/>
+                        <a:t>25 variables</a:t>
+                      </a:r>
+                    </a:p>
+                    <a:p>
+                      <a:r>
+                        <a:rPr lang="en-US" dirty="0" smtClean="0"/>
+                        <a:t>ROC_AUC </a:t>
+                      </a:r>
+                    </a:p>
+                  </a:txBody>
+                  <a:tcPr/>
+                </a:tc>
+              </a:tr>
+              <a:tr h="370840">
+                <a:tc>
+                  <a:txBody>
+                    <a:bodyPr/>
+                    <a:lstStyle/>
+                    <a:p>
+                      <a:pPr marL="0" marR="0" lvl="1" indent="0" algn="l" defTabSz="457200" rtl="0" eaLnBrk="1" fontAlgn="auto" latinLnBrk="0" hangingPunct="1">
+                        <a:lnSpc>
+                          <a:spcPct val="100000"/>
+                        </a:lnSpc>
+                        <a:spcBef>
+                          <a:spcPts val="0"/>
+                        </a:spcBef>
+                        <a:spcAft>
+                          <a:spcPts val="0"/>
+                        </a:spcAft>
+                        <a:buClrTx/>
+                        <a:buSzTx/>
+                        <a:buFontTx/>
+                        <a:buNone/>
+                        <a:tabLst/>
+                        <a:defRPr/>
+                      </a:pPr>
+                      <a:r>
+                        <a:rPr lang="en-US" dirty="0" smtClean="0"/>
+                        <a:t>Naïve Bayesian</a:t>
+                      </a:r>
+                    </a:p>
+                  </a:txBody>
+                  <a:tcPr/>
+                </a:tc>
+                <a:tc>
+                  <a:txBody>
+                    <a:bodyPr/>
+                    <a:lstStyle/>
+                    <a:p>
+                      <a:r>
+                        <a:rPr lang="en-US" dirty="0" smtClean="0"/>
+                        <a:t>75%</a:t>
+                      </a:r>
+                      <a:endParaRPr lang="en-US" dirty="0"/>
+                    </a:p>
+                  </a:txBody>
+                  <a:tcPr/>
+                </a:tc>
+                <a:tc>
+                  <a:txBody>
+                    <a:bodyPr/>
+                    <a:lstStyle/>
+                    <a:p>
+                      <a:r>
+                        <a:rPr lang="en-US" dirty="0" smtClean="0"/>
+                        <a:t>75%</a:t>
+                      </a:r>
+                      <a:endParaRPr lang="en-US" dirty="0"/>
+                    </a:p>
+                  </a:txBody>
+                  <a:tcPr/>
+                </a:tc>
+              </a:tr>
+              <a:tr h="370840">
+                <a:tc>
+                  <a:txBody>
+                    <a:bodyPr/>
+                    <a:lstStyle/>
+                    <a:p>
+                      <a:pPr marL="0" marR="0" lvl="1" indent="0" algn="l" defTabSz="457200" rtl="0" eaLnBrk="1" fontAlgn="auto" latinLnBrk="0" hangingPunct="1">
+                        <a:lnSpc>
+                          <a:spcPct val="100000"/>
+                        </a:lnSpc>
+                        <a:spcBef>
+                          <a:spcPts val="0"/>
+                        </a:spcBef>
+                        <a:spcAft>
+                          <a:spcPts val="0"/>
+                        </a:spcAft>
+                        <a:buClrTx/>
+                        <a:buSzTx/>
+                        <a:buFontTx/>
+                        <a:buNone/>
+                        <a:tabLst/>
+                        <a:defRPr/>
+                      </a:pPr>
+                      <a:r>
+                        <a:rPr lang="en-US" dirty="0" smtClean="0"/>
+                        <a:t>Discriminant analysis</a:t>
+                      </a:r>
+                    </a:p>
+                  </a:txBody>
+                  <a:tcPr/>
+                </a:tc>
+                <a:tc>
+                  <a:txBody>
+                    <a:bodyPr/>
+                    <a:lstStyle/>
+                    <a:p>
+                      <a:r>
+                        <a:rPr lang="en-US" dirty="0" smtClean="0"/>
+                        <a:t>73%</a:t>
+                      </a:r>
+                      <a:endParaRPr lang="en-US" dirty="0"/>
+                    </a:p>
+                  </a:txBody>
+                  <a:tcPr/>
+                </a:tc>
+                <a:tc>
+                  <a:txBody>
+                    <a:bodyPr/>
+                    <a:lstStyle/>
+                    <a:p>
+                      <a:r>
+                        <a:rPr lang="en-US" dirty="0" smtClean="0"/>
+                        <a:t>73%</a:t>
+                      </a:r>
+                      <a:endParaRPr lang="en-US" dirty="0"/>
+                    </a:p>
+                  </a:txBody>
+                  <a:tcPr/>
+                </a:tc>
+              </a:tr>
+              <a:tr h="370840">
+                <a:tc>
+                  <a:txBody>
+                    <a:bodyPr/>
+                    <a:lstStyle/>
+                    <a:p>
+                      <a:pPr marL="0" marR="0" lvl="1" indent="0" algn="l" defTabSz="457200" rtl="0" eaLnBrk="1" fontAlgn="auto" latinLnBrk="0" hangingPunct="1">
+                        <a:lnSpc>
+                          <a:spcPct val="100000"/>
+                        </a:lnSpc>
+                        <a:spcBef>
+                          <a:spcPts val="0"/>
+                        </a:spcBef>
+                        <a:spcAft>
+                          <a:spcPts val="0"/>
+                        </a:spcAft>
+                        <a:buClrTx/>
+                        <a:buSzTx/>
+                        <a:buFontTx/>
+                        <a:buNone/>
+                        <a:tabLst/>
+                        <a:defRPr/>
+                      </a:pPr>
+                      <a:r>
+                        <a:rPr lang="en-US" dirty="0" smtClean="0"/>
+                        <a:t>Logistic</a:t>
+                      </a:r>
+                      <a:r>
+                        <a:rPr lang="en-US" baseline="0" dirty="0" smtClean="0"/>
+                        <a:t> Regression</a:t>
+                      </a:r>
+                      <a:endParaRPr lang="en-US" dirty="0" smtClean="0"/>
+                    </a:p>
+                  </a:txBody>
+                  <a:tcPr/>
+                </a:tc>
+                <a:tc>
+                  <a:txBody>
+                    <a:bodyPr/>
+                    <a:lstStyle/>
+                    <a:p>
+                      <a:r>
+                        <a:rPr lang="en-US" dirty="0" smtClean="0"/>
+                        <a:t>66%</a:t>
+                      </a:r>
+                      <a:endParaRPr lang="en-US" dirty="0"/>
+                    </a:p>
+                  </a:txBody>
+                  <a:tcPr/>
+                </a:tc>
+                <a:tc>
+                  <a:txBody>
+                    <a:bodyPr/>
+                    <a:lstStyle/>
+                    <a:p>
+                      <a:r>
+                        <a:rPr lang="en-US" dirty="0" smtClean="0"/>
+                        <a:t>66%</a:t>
+                      </a:r>
+                      <a:endParaRPr lang="en-US" dirty="0"/>
+                    </a:p>
+                  </a:txBody>
+                  <a:tcPr/>
+                </a:tc>
+              </a:tr>
+              <a:tr h="370840">
+                <a:tc>
+                  <a:txBody>
+                    <a:bodyPr/>
+                    <a:lstStyle/>
+                    <a:p>
+                      <a:pPr marL="0" marR="0" lvl="1" indent="0" algn="l" defTabSz="457200" rtl="0" eaLnBrk="1" fontAlgn="auto" latinLnBrk="0" hangingPunct="1">
+                        <a:lnSpc>
+                          <a:spcPct val="100000"/>
+                        </a:lnSpc>
+                        <a:spcBef>
+                          <a:spcPts val="0"/>
+                        </a:spcBef>
+                        <a:spcAft>
+                          <a:spcPts val="0"/>
+                        </a:spcAft>
+                        <a:buClrTx/>
+                        <a:buSzTx/>
+                        <a:buFontTx/>
+                        <a:buNone/>
+                        <a:tabLst/>
+                        <a:defRPr/>
+                      </a:pPr>
+                      <a:r>
+                        <a:rPr lang="en-US" dirty="0" smtClean="0"/>
+                        <a:t>Classification tree</a:t>
+                      </a:r>
+                    </a:p>
+                  </a:txBody>
+                  <a:tcPr/>
+                </a:tc>
+                <a:tc>
+                  <a:txBody>
+                    <a:bodyPr/>
+                    <a:lstStyle/>
+                    <a:p>
+                      <a:r>
+                        <a:rPr lang="en-US" dirty="0" smtClean="0"/>
+                        <a:t>61%</a:t>
+                      </a:r>
+                      <a:endParaRPr lang="en-US" dirty="0"/>
+                    </a:p>
+                  </a:txBody>
+                  <a:tcPr/>
+                </a:tc>
+                <a:tc>
+                  <a:txBody>
+                    <a:bodyPr/>
+                    <a:lstStyle/>
+                    <a:p>
+                      <a:r>
+                        <a:rPr lang="en-US" dirty="0" smtClean="0"/>
+                        <a:t>61%</a:t>
+                      </a:r>
+                      <a:endParaRPr lang="en-US" dirty="0"/>
+                    </a:p>
+                  </a:txBody>
+                  <a:tcPr/>
+                </a:tc>
+              </a:tr>
+              <a:tr h="370840">
+                <a:tc>
+                  <a:txBody>
+                    <a:bodyPr/>
+                    <a:lstStyle/>
+                    <a:p>
+                      <a:r>
+                        <a:rPr lang="en-US" dirty="0" smtClean="0"/>
+                        <a:t>K-Nearest</a:t>
+                      </a:r>
+                      <a:r>
+                        <a:rPr lang="en-US" baseline="0" dirty="0" smtClean="0"/>
+                        <a:t> Neighbor</a:t>
+                      </a:r>
+                      <a:endParaRPr lang="en-US" dirty="0"/>
+                    </a:p>
+                  </a:txBody>
+                  <a:tcPr/>
+                </a:tc>
+                <a:tc>
+                  <a:txBody>
+                    <a:bodyPr/>
+                    <a:lstStyle/>
+                    <a:p>
+                      <a:r>
+                        <a:rPr lang="en-US" dirty="0" smtClean="0"/>
+                        <a:t>61%</a:t>
+                      </a:r>
+                      <a:endParaRPr lang="en-US" dirty="0"/>
+                    </a:p>
+                  </a:txBody>
+                  <a:tcPr/>
+                </a:tc>
+                <a:tc>
+                  <a:txBody>
+                    <a:bodyPr/>
+                    <a:lstStyle/>
+                    <a:p>
+                      <a:r>
+                        <a:rPr lang="en-US" dirty="0" smtClean="0"/>
+                        <a:t>61%</a:t>
+                      </a:r>
+                      <a:endParaRPr lang="en-US" dirty="0"/>
+                    </a:p>
+                  </a:txBody>
+                  <a:tcPr/>
+                </a:tc>
+              </a:tr>
+            </a:tbl>
+          </a:graphicData>
+        </a:graphic>
+      </p:graphicFrame>
+      <p:sp>
+        <p:nvSpPr>
+          <p:cNvPr id="5" name="Oval 4"/>
+          <p:cNvSpPr/>
+          <p:nvPr/>
+        </p:nvSpPr>
+        <p:spPr>
+          <a:xfrm>
+            <a:off x="7390336" y="3758692"/>
+            <a:ext cx="1075037" cy="329999"/>
+          </a:xfrm>
+          <a:prstGeom prst="ellipse">
+            <a:avLst/>
+          </a:prstGeom>
+          <a:noFill/>
+          <a:ln w="38100">
+            <a:solidFill>
+              <a:schemeClr val="accent3"/>
+            </a:solidFill>
+          </a:ln>
+        </p:spPr>
+        <p:style>
+          <a:lnRef idx="2">
+            <a:schemeClr val="accent1">
+              <a:shade val="50000"/>
+            </a:schemeClr>
+          </a:lnRef>
+          <a:fillRef idx="1">
+            <a:schemeClr val="accent1"/>
+          </a:fillRef>
+          <a:effectRef idx="0">
+            <a:schemeClr val="accent1"/>
+          </a:effectRef>
+          <a:fontRef idx="minor">
+            <a:schemeClr val="lt1"/>
+          </a:fontRef>
+        </p:style>
+        <p:txBody>
+          <a:bodyPr rtlCol="0" anchor="ctr"/>
+          <a:lstStyle/>
+          <a:p>
+            <a:pPr algn="ctr"/>
+            <a:endParaRPr lang="en-US">
+              <a:solidFill>
+                <a:schemeClr val="accent2"/>
+              </a:solidFill>
+            </a:endParaRPr>
+          </a:p>
+        </p:txBody>
+      </p:sp>
+      <p:sp>
+        <p:nvSpPr>
+          <p:cNvPr id="6" name="Rectangle 5"/>
+          <p:cNvSpPr/>
+          <p:nvPr/>
+        </p:nvSpPr>
+        <p:spPr>
+          <a:xfrm>
+            <a:off x="8506245" y="3442360"/>
+            <a:ext cx="2703622" cy="923330"/>
+          </a:xfrm>
+          <a:prstGeom prst="rect">
+            <a:avLst/>
+          </a:prstGeom>
+        </p:spPr>
+        <p:txBody>
+          <a:bodyPr wrap="square">
+            <a:spAutoFit/>
+          </a:bodyPr>
+          <a:lstStyle/>
+          <a:p>
+            <a:pPr lvl="1"/>
+            <a:r>
+              <a:rPr lang="en-US" b="1" i="1" dirty="0" smtClean="0">
+                <a:solidFill>
+                  <a:schemeClr val="accent3"/>
+                </a:solidFill>
+              </a:rPr>
+              <a:t>Changed tree (but didn’t </a:t>
+            </a:r>
+            <a:r>
+              <a:rPr lang="en-US" b="1" i="1" smtClean="0">
+                <a:solidFill>
+                  <a:schemeClr val="accent3"/>
+                </a:solidFill>
+              </a:rPr>
+              <a:t>drastically improve </a:t>
+            </a:r>
+            <a:r>
+              <a:rPr lang="en-US" b="1" i="1" dirty="0" smtClean="0">
+                <a:solidFill>
+                  <a:schemeClr val="accent3"/>
+                </a:solidFill>
+              </a:rPr>
+              <a:t>accuracy )</a:t>
+            </a:r>
+            <a:endParaRPr lang="en-US" b="1" i="1" dirty="0">
+              <a:solidFill>
+                <a:schemeClr val="accent3"/>
+              </a:solidFill>
+            </a:endParaRPr>
+          </a:p>
+        </p:txBody>
+      </p:sp>
+    </p:spTree>
+    <p:extLst>
+      <p:ext uri="{BB962C8B-B14F-4D97-AF65-F5344CB8AC3E}">
+        <p14:creationId xmlns:p14="http://schemas.microsoft.com/office/powerpoint/2010/main" val="901033499"/>
       </p:ext>
     </p:extLst>
   </p:cSld>

--- a/Predicting_Credit_Card_defaults.pptx
+++ b/Predicting_Credit_Card_defaults.pptx
@@ -6265,7 +6265,11 @@
           <a:p>
             <a:r>
               <a:rPr lang="en-US" dirty="0" smtClean="0"/>
-              <a:t>10-fold cross validation</a:t>
+              <a:t>10-fold cross </a:t>
+            </a:r>
+            <a:r>
+              <a:rPr lang="en-US" dirty="0" smtClean="0"/>
+              <a:t>validation average performance</a:t>
             </a:r>
             <a:r>
               <a:rPr lang="en-US" dirty="0" smtClean="0">
@@ -6273,23 +6277,27 @@
                   <a:srgbClr val="00B050"/>
                 </a:solidFill>
               </a:rPr>
-              <a:t> improved </a:t>
+              <a:t> </a:t>
             </a:r>
             <a:r>
               <a:rPr lang="en-US" dirty="0" smtClean="0"/>
-              <a:t>error rates by </a:t>
+              <a:t>had </a:t>
             </a:r>
             <a:r>
               <a:rPr lang="en-US" dirty="0" smtClean="0">
                 <a:solidFill>
-                  <a:srgbClr val="00B050"/>
+                  <a:schemeClr val="accent3"/>
                 </a:solidFill>
               </a:rPr>
-              <a:t>20bp </a:t>
-            </a:r>
+              <a:t>mixed results</a:t>
+            </a:r>
+            <a:endParaRPr lang="en-US" dirty="0"/>
+          </a:p>
+          <a:p>
+            <a:pPr lvl="1"/>
             <a:r>
               <a:rPr lang="en-US" dirty="0" smtClean="0"/>
-              <a:t>over 50/50 split</a:t>
+              <a:t>Some improvements, some did work</a:t>
             </a:r>
           </a:p>
         </p:txBody>
@@ -6303,7 +6311,7 @@
           <p:nvPr>
             <p:extLst>
               <p:ext uri="{D42A27DB-BD31-4B8C-83A1-F6EECF244321}">
-                <p14:modId xmlns:p14="http://schemas.microsoft.com/office/powerpoint/2010/main" val="1761869367"/>
+                <p14:modId xmlns:p14="http://schemas.microsoft.com/office/powerpoint/2010/main" val="51640892"/>
               </p:ext>
             </p:extLst>
           </p:nvPr>
@@ -6541,7 +6549,7 @@
                     <a:p>
                       <a:r>
                         <a:rPr lang="en-US" dirty="0" smtClean="0"/>
-                        <a:t>21.5%</a:t>
+                        <a:t>21.7%</a:t>
                       </a:r>
                       <a:endParaRPr lang="en-US" dirty="0"/>
                     </a:p>
@@ -6569,7 +6577,7 @@
                     <a:p>
                       <a:r>
                         <a:rPr lang="en-US" dirty="0" smtClean="0"/>
-                        <a:t>73%</a:t>
+                        <a:t>74%</a:t>
                       </a:r>
                       <a:endParaRPr lang="en-US" dirty="0"/>
                     </a:p>
@@ -6629,7 +6637,7 @@
                     <a:p>
                       <a:r>
                         <a:rPr lang="en-US" dirty="0" smtClean="0"/>
-                        <a:t>18.0%</a:t>
+                        <a:t>18.9%</a:t>
                       </a:r>
                       <a:endParaRPr lang="en-US" dirty="0"/>
                     </a:p>
@@ -6657,7 +6665,7 @@
                     <a:p>
                       <a:r>
                         <a:rPr lang="en-US" dirty="0" smtClean="0"/>
-                        <a:t>69%</a:t>
+                        <a:t>72%</a:t>
                       </a:r>
                       <a:endParaRPr lang="en-US" dirty="0"/>
                     </a:p>
@@ -6722,7 +6730,7 @@
                     <a:p>
                       <a:r>
                         <a:rPr lang="en-US" dirty="0" smtClean="0"/>
-                        <a:t>21.5%</a:t>
+                        <a:t>22.1%</a:t>
                       </a:r>
                       <a:endParaRPr lang="en-US" dirty="0"/>
                     </a:p>
@@ -6750,7 +6758,7 @@
                     <a:p>
                       <a:r>
                         <a:rPr lang="en-US" dirty="0" smtClean="0"/>
-                        <a:t>62%</a:t>
+                        <a:t>65%</a:t>
                       </a:r>
                       <a:endParaRPr lang="en-US" dirty="0"/>
                     </a:p>
@@ -6838,7 +6846,7 @@
                     <a:p>
                       <a:r>
                         <a:rPr lang="en-US" dirty="0" smtClean="0"/>
-                        <a:t>60%</a:t>
+                        <a:t>61%</a:t>
                       </a:r>
                       <a:endParaRPr lang="en-US" dirty="0"/>
                     </a:p>
@@ -6886,7 +6894,7 @@
                     <a:p>
                       <a:r>
                         <a:rPr lang="en-US" dirty="0" smtClean="0"/>
-                        <a:t>24.3%</a:t>
+                        <a:t>24.5%</a:t>
                       </a:r>
                       <a:endParaRPr lang="en-US" dirty="0"/>
                     </a:p>

--- a/Predicting_Credit_Card_defaults.pptx
+++ b/Predicting_Credit_Card_defaults.pptx
@@ -7,8 +7,8 @@
   <p:sldIdLst>
     <p:sldId id="256" r:id="rId2"/>
     <p:sldId id="264" r:id="rId3"/>
-    <p:sldId id="265" r:id="rId4"/>
-    <p:sldId id="258" r:id="rId5"/>
+    <p:sldId id="258" r:id="rId4"/>
+    <p:sldId id="265" r:id="rId5"/>
     <p:sldId id="259" r:id="rId6"/>
     <p:sldId id="260" r:id="rId7"/>
     <p:sldId id="271" r:id="rId8"/>
@@ -6265,11 +6265,7 @@
           <a:p>
             <a:r>
               <a:rPr lang="en-US" dirty="0" smtClean="0"/>
-              <a:t>10-fold cross </a:t>
-            </a:r>
-            <a:r>
-              <a:rPr lang="en-US" dirty="0" smtClean="0"/>
-              <a:t>validation average performance</a:t>
+              <a:t>10-fold cross validation average performance</a:t>
             </a:r>
             <a:r>
               <a:rPr lang="en-US" dirty="0" smtClean="0">
@@ -7010,7 +7006,7 @@
         </p:nvSpPr>
         <p:spPr>
           <a:xfrm>
-            <a:off x="1484310" y="3948751"/>
+            <a:off x="1484310" y="3798623"/>
             <a:ext cx="10018713" cy="3124201"/>
           </a:xfrm>
         </p:spPr>
@@ -7022,29 +7018,11 @@
           <a:p>
             <a:r>
               <a:rPr lang="en-US" dirty="0" smtClean="0"/>
-              <a:t>This approach yielded </a:t>
-            </a:r>
-            <a:r>
-              <a:rPr lang="en-US" dirty="0" smtClean="0">
-                <a:solidFill>
-                  <a:srgbClr val="00B050"/>
-                </a:solidFill>
-              </a:rPr>
-              <a:t>improvement</a:t>
-            </a:r>
-            <a:r>
-              <a:rPr lang="en-US" dirty="0" smtClean="0"/>
-              <a:t> </a:t>
-            </a:r>
-            <a:r>
-              <a:rPr lang="en-US" dirty="0" smtClean="0"/>
-              <a:t>in ROC_AUC</a:t>
-            </a:r>
-          </a:p>
-          <a:p>
+              <a:t>This </a:t>
+            </a:r>
             <a:r>
               <a:rPr lang="en-US" dirty="0"/>
-              <a:t>This approach yielded</a:t>
+              <a:t>approach yielded</a:t>
             </a:r>
             <a:r>
               <a:rPr lang="en-US" dirty="0">
@@ -7072,23 +7050,9 @@
             </a:r>
             <a:r>
               <a:rPr lang="en-US" dirty="0" smtClean="0"/>
-              <a:t>in Error_</a:t>
-            </a:r>
-            <a:r>
-              <a:rPr lang="en-US" altLang="zh-CN" dirty="0" smtClean="0"/>
-              <a:t>R</a:t>
-            </a:r>
-            <a:r>
-              <a:rPr lang="en-US" dirty="0" smtClean="0"/>
-              <a:t>ate</a:t>
-            </a:r>
-          </a:p>
-          <a:p>
-            <a:endParaRPr lang="en-US" dirty="0" smtClean="0">
-              <a:solidFill>
-                <a:srgbClr val="00B050"/>
-              </a:solidFill>
-            </a:endParaRPr>
+              <a:t>overall</a:t>
+            </a:r>
+            <a:endParaRPr lang="en-US" dirty="0" smtClean="0"/>
           </a:p>
         </p:txBody>
       </p:sp>
@@ -7838,11 +7802,7 @@
             <a:pPr lvl="1"/>
             <a:r>
               <a:rPr lang="en-US" dirty="0" smtClean="0"/>
-              <a:t>Modest Improvement</a:t>
-            </a:r>
-            <a:r>
-              <a:rPr lang="en-US" dirty="0" smtClean="0"/>
-              <a:t>: </a:t>
+              <a:t>Modest Improvement: </a:t>
             </a:r>
             <a:r>
               <a:rPr lang="en-US" dirty="0"/>
@@ -7866,11 +7826,7 @@
             <a:pPr lvl="1"/>
             <a:r>
               <a:rPr lang="en-US" dirty="0" smtClean="0"/>
-              <a:t>No </a:t>
-            </a:r>
-            <a:r>
-              <a:rPr lang="en-US" dirty="0" smtClean="0"/>
-              <a:t>improvement: </a:t>
+              <a:t>No improvement: </a:t>
             </a:r>
             <a:r>
               <a:rPr lang="en-US" altLang="zh-CN" dirty="0" smtClean="0"/>
@@ -7881,11 +7837,7 @@
           <a:p>
             <a:r>
               <a:rPr lang="en-US" dirty="0" smtClean="0"/>
-              <a:t>Data </a:t>
-            </a:r>
-            <a:r>
-              <a:rPr lang="en-US" dirty="0" smtClean="0"/>
-              <a:t>and Code: </a:t>
+              <a:t>Data and Code: </a:t>
             </a:r>
             <a:r>
               <a:rPr lang="en-US" dirty="0" smtClean="0">
@@ -8769,512 +8721,6 @@
 </file>
 
 <file path=ppt/slides/slide3.xml><?xml version="1.0" encoding="utf-8"?>
-<p:sld xmlns:a="http://schemas.openxmlformats.org/drawingml/2006/main" xmlns:r="http://schemas.openxmlformats.org/officeDocument/2006/relationships" xmlns:p="http://schemas.openxmlformats.org/presentationml/2006/main">
-  <p:cSld>
-    <p:spTree>
-      <p:nvGrpSpPr>
-        <p:cNvPr id="1" name=""/>
-        <p:cNvGrpSpPr/>
-        <p:nvPr/>
-      </p:nvGrpSpPr>
-      <p:grpSpPr>
-        <a:xfrm>
-          <a:off x="0" y="0"/>
-          <a:ext cx="0" cy="0"/>
-          <a:chOff x="0" y="0"/>
-          <a:chExt cx="0" cy="0"/>
-        </a:xfrm>
-      </p:grpSpPr>
-      <p:sp>
-        <p:nvSpPr>
-          <p:cNvPr id="2" name="Title 1"/>
-          <p:cNvSpPr>
-            <a:spLocks noGrp="1"/>
-          </p:cNvSpPr>
-          <p:nvPr>
-            <p:ph type="title"/>
-          </p:nvPr>
-        </p:nvSpPr>
-        <p:spPr/>
-        <p:txBody>
-          <a:bodyPr/>
-          <a:lstStyle/>
-          <a:p>
-            <a:r>
-              <a:rPr lang="en-US" dirty="0" smtClean="0"/>
-              <a:t>Not all Misclassifications are Equal</a:t>
-            </a:r>
-            <a:endParaRPr lang="en-US" dirty="0"/>
-          </a:p>
-        </p:txBody>
-      </p:sp>
-      <p:graphicFrame>
-        <p:nvGraphicFramePr>
-          <p:cNvPr id="8" name="Content Placeholder 7"/>
-          <p:cNvGraphicFramePr>
-            <a:graphicFrameLocks noGrp="1"/>
-          </p:cNvGraphicFramePr>
-          <p:nvPr>
-            <p:ph idx="1"/>
-            <p:extLst>
-              <p:ext uri="{D42A27DB-BD31-4B8C-83A1-F6EECF244321}">
-                <p14:modId xmlns:p14="http://schemas.microsoft.com/office/powerpoint/2010/main" val="246358671"/>
-              </p:ext>
-            </p:extLst>
-          </p:nvPr>
-        </p:nvGraphicFramePr>
-        <p:xfrm>
-          <a:off x="3703170" y="2651234"/>
-          <a:ext cx="5580994" cy="1828800"/>
-        </p:xfrm>
-        <a:graphic>
-          <a:graphicData uri="http://schemas.openxmlformats.org/drawingml/2006/table">
-            <a:tbl>
-              <a:tblPr firstRow="1" bandRow="1">
-                <a:tableStyleId>{5940675A-B579-460E-94D1-54222C63F5DA}</a:tableStyleId>
-              </a:tblPr>
-              <a:tblGrid>
-                <a:gridCol w="2790497"/>
-                <a:gridCol w="2790497"/>
-              </a:tblGrid>
-              <a:tr h="370840">
-                <a:tc>
-                  <a:txBody>
-                    <a:bodyPr/>
-                    <a:lstStyle/>
-                    <a:p>
-                      <a:r>
-                        <a:rPr lang="en-US" dirty="0" smtClean="0">
-                          <a:solidFill>
-                            <a:srgbClr val="00B050"/>
-                          </a:solidFill>
-                        </a:rPr>
-                        <a:t>22,296 </a:t>
-                      </a:r>
-                    </a:p>
-                    <a:p>
-                      <a:r>
-                        <a:rPr lang="en-US" dirty="0" smtClean="0">
-                          <a:solidFill>
-                            <a:srgbClr val="00B050"/>
-                          </a:solidFill>
-                        </a:rPr>
-                        <a:t>(model correctly</a:t>
-                      </a:r>
-                      <a:r>
-                        <a:rPr lang="en-US" baseline="0" dirty="0" smtClean="0">
-                          <a:solidFill>
-                            <a:srgbClr val="00B050"/>
-                          </a:solidFill>
-                        </a:rPr>
-                        <a:t> </a:t>
-                      </a:r>
-                    </a:p>
-                    <a:p>
-                      <a:r>
-                        <a:rPr lang="en-US" baseline="0" dirty="0" smtClean="0">
-                          <a:solidFill>
-                            <a:srgbClr val="00B050"/>
-                          </a:solidFill>
-                        </a:rPr>
-                        <a:t>predicted non-default)</a:t>
-                      </a:r>
-                      <a:endParaRPr lang="en-US" dirty="0">
-                        <a:solidFill>
-                          <a:srgbClr val="00B050"/>
-                        </a:solidFill>
-                      </a:endParaRPr>
-                    </a:p>
-                  </a:txBody>
-                  <a:tcPr anchor="ctr"/>
-                </a:tc>
-                <a:tc>
-                  <a:txBody>
-                    <a:bodyPr/>
-                    <a:lstStyle/>
-                    <a:p>
-                      <a:r>
-                        <a:rPr lang="en-US" dirty="0" smtClean="0"/>
-                        <a:t>1,068</a:t>
-                      </a:r>
-                      <a:r>
-                        <a:rPr lang="en-US" baseline="0" dirty="0" smtClean="0"/>
-                        <a:t> </a:t>
-                      </a:r>
-                    </a:p>
-                    <a:p>
-                      <a:r>
-                        <a:rPr lang="en-US" baseline="0" dirty="0" smtClean="0"/>
-                        <a:t>(false positive)</a:t>
-                      </a:r>
-                      <a:endParaRPr lang="en-US" dirty="0"/>
-                    </a:p>
-                  </a:txBody>
-                  <a:tcPr anchor="ctr"/>
-                </a:tc>
-              </a:tr>
-              <a:tr h="370840">
-                <a:tc>
-                  <a:txBody>
-                    <a:bodyPr/>
-                    <a:lstStyle/>
-                    <a:p>
-                      <a:r>
-                        <a:rPr lang="en-US" dirty="0" smtClean="0"/>
-                        <a:t>4,426 </a:t>
-                      </a:r>
-                    </a:p>
-                    <a:p>
-                      <a:r>
-                        <a:rPr lang="en-US" dirty="0" smtClean="0"/>
-                        <a:t>(false negative)</a:t>
-                      </a:r>
-                      <a:endParaRPr lang="en-US" dirty="0"/>
-                    </a:p>
-                  </a:txBody>
-                  <a:tcPr anchor="ctr"/>
-                </a:tc>
-                <a:tc>
-                  <a:txBody>
-                    <a:bodyPr/>
-                    <a:lstStyle/>
-                    <a:p>
-                      <a:r>
-                        <a:rPr lang="en-US" dirty="0" smtClean="0">
-                          <a:solidFill>
-                            <a:srgbClr val="00B050"/>
-                          </a:solidFill>
-                        </a:rPr>
-                        <a:t>2,210 </a:t>
-                      </a:r>
-                    </a:p>
-                    <a:p>
-                      <a:r>
-                        <a:rPr lang="en-US" dirty="0" smtClean="0">
-                          <a:solidFill>
-                            <a:srgbClr val="00B050"/>
-                          </a:solidFill>
-                        </a:rPr>
-                        <a:t>(model correctly </a:t>
-                      </a:r>
-                    </a:p>
-                    <a:p>
-                      <a:r>
-                        <a:rPr lang="en-US" dirty="0" smtClean="0">
-                          <a:solidFill>
-                            <a:srgbClr val="00B050"/>
-                          </a:solidFill>
-                        </a:rPr>
-                        <a:t>predicted default)</a:t>
-                      </a:r>
-                      <a:endParaRPr lang="en-US" dirty="0">
-                        <a:solidFill>
-                          <a:srgbClr val="00B050"/>
-                        </a:solidFill>
-                      </a:endParaRPr>
-                    </a:p>
-                  </a:txBody>
-                  <a:tcPr anchor="ctr"/>
-                </a:tc>
-              </a:tr>
-            </a:tbl>
-          </a:graphicData>
-        </a:graphic>
-      </p:graphicFrame>
-      <p:sp>
-        <p:nvSpPr>
-          <p:cNvPr id="9" name="Rectangle 8"/>
-          <p:cNvSpPr/>
-          <p:nvPr/>
-        </p:nvSpPr>
-        <p:spPr>
-          <a:xfrm>
-            <a:off x="7932352" y="4692869"/>
-            <a:ext cx="3308462" cy="923330"/>
-          </a:xfrm>
-          <a:prstGeom prst="rect">
-            <a:avLst/>
-          </a:prstGeom>
-        </p:spPr>
-        <p:txBody>
-          <a:bodyPr wrap="square">
-            <a:spAutoFit/>
-          </a:bodyPr>
-          <a:lstStyle/>
-          <a:p>
-            <a:pPr lvl="1"/>
-            <a:r>
-              <a:rPr lang="en-US" i="1" dirty="0" smtClean="0">
-                <a:solidFill>
-                  <a:schemeClr val="accent1"/>
-                </a:solidFill>
-              </a:rPr>
-              <a:t>Error rate of</a:t>
-            </a:r>
-          </a:p>
-          <a:p>
-            <a:pPr lvl="1"/>
-            <a:r>
-              <a:rPr lang="en-US" i="1" dirty="0" smtClean="0">
-                <a:solidFill>
-                  <a:schemeClr val="accent1"/>
-                </a:solidFill>
-              </a:rPr>
-              <a:t>K-Nearest Neighbor model </a:t>
-            </a:r>
-          </a:p>
-          <a:p>
-            <a:pPr lvl="1"/>
-            <a:r>
-              <a:rPr lang="en-US" i="1" dirty="0">
-                <a:solidFill>
-                  <a:schemeClr val="accent1"/>
-                </a:solidFill>
-              </a:rPr>
-              <a:t>h</a:t>
-            </a:r>
-            <a:r>
-              <a:rPr lang="en-US" i="1" dirty="0" smtClean="0">
-                <a:solidFill>
-                  <a:schemeClr val="accent1"/>
-                </a:solidFill>
-              </a:rPr>
-              <a:t>ere was 18.3%</a:t>
-            </a:r>
-            <a:endParaRPr lang="en-US" i="1" dirty="0">
-              <a:solidFill>
-                <a:schemeClr val="accent1"/>
-              </a:solidFill>
-            </a:endParaRPr>
-          </a:p>
-        </p:txBody>
-      </p:sp>
-      <p:sp>
-        <p:nvSpPr>
-          <p:cNvPr id="11" name="Rectangle 10"/>
-          <p:cNvSpPr/>
-          <p:nvPr/>
-        </p:nvSpPr>
-        <p:spPr>
-          <a:xfrm>
-            <a:off x="2810182" y="5539376"/>
-            <a:ext cx="7366970" cy="830997"/>
-          </a:xfrm>
-          <a:prstGeom prst="rect">
-            <a:avLst/>
-          </a:prstGeom>
-        </p:spPr>
-        <p:txBody>
-          <a:bodyPr wrap="square">
-            <a:spAutoFit/>
-          </a:bodyPr>
-          <a:lstStyle/>
-          <a:p>
-            <a:pPr lvl="1"/>
-            <a:r>
-              <a:rPr lang="en-US" sz="2400" b="1" i="1" dirty="0" smtClean="0"/>
-              <a:t>Why is Error rate not the best measure</a:t>
-            </a:r>
-          </a:p>
-          <a:p>
-            <a:pPr lvl="1"/>
-            <a:r>
-              <a:rPr lang="en-US" sz="2400" b="1" i="1" dirty="0" smtClean="0"/>
-              <a:t> of model accuracy here?</a:t>
-            </a:r>
-            <a:endParaRPr lang="en-US" sz="2400" b="1" i="1" dirty="0"/>
-          </a:p>
-        </p:txBody>
-      </p:sp>
-      <p:sp>
-        <p:nvSpPr>
-          <p:cNvPr id="12" name="Oval 11"/>
-          <p:cNvSpPr/>
-          <p:nvPr/>
-        </p:nvSpPr>
-        <p:spPr>
-          <a:xfrm>
-            <a:off x="6248400" y="2676634"/>
-            <a:ext cx="2044700" cy="841266"/>
-          </a:xfrm>
-          <a:prstGeom prst="ellipse">
-            <a:avLst/>
-          </a:prstGeom>
-          <a:noFill/>
-          <a:ln w="38100">
-            <a:solidFill>
-              <a:srgbClr val="FF0000"/>
-            </a:solidFill>
-          </a:ln>
-        </p:spPr>
-        <p:style>
-          <a:lnRef idx="2">
-            <a:schemeClr val="accent1">
-              <a:shade val="50000"/>
-            </a:schemeClr>
-          </a:lnRef>
-          <a:fillRef idx="1">
-            <a:schemeClr val="accent1"/>
-          </a:fillRef>
-          <a:effectRef idx="0">
-            <a:schemeClr val="accent1"/>
-          </a:effectRef>
-          <a:fontRef idx="minor">
-            <a:schemeClr val="lt1"/>
-          </a:fontRef>
-        </p:style>
-        <p:txBody>
-          <a:bodyPr rtlCol="0" anchor="ctr"/>
-          <a:lstStyle/>
-          <a:p>
-            <a:pPr algn="ctr"/>
-            <a:endParaRPr lang="en-US"/>
-          </a:p>
-        </p:txBody>
-      </p:sp>
-      <p:sp>
-        <p:nvSpPr>
-          <p:cNvPr id="13" name="Rectangle 12"/>
-          <p:cNvSpPr/>
-          <p:nvPr/>
-        </p:nvSpPr>
-        <p:spPr>
-          <a:xfrm>
-            <a:off x="6493666" y="2240369"/>
-            <a:ext cx="5698334" cy="369332"/>
-          </a:xfrm>
-          <a:prstGeom prst="rect">
-            <a:avLst/>
-          </a:prstGeom>
-        </p:spPr>
-        <p:txBody>
-          <a:bodyPr wrap="square">
-            <a:spAutoFit/>
-          </a:bodyPr>
-          <a:lstStyle/>
-          <a:p>
-            <a:pPr lvl="1"/>
-            <a:r>
-              <a:rPr lang="en-US" i="1" dirty="0" smtClean="0">
-                <a:solidFill>
-                  <a:srgbClr val="FF0000"/>
-                </a:solidFill>
-              </a:rPr>
-              <a:t>*Error represents major loss from default on debt</a:t>
-            </a:r>
-            <a:endParaRPr lang="en-US" i="1" dirty="0">
-              <a:solidFill>
-                <a:srgbClr val="FF0000"/>
-              </a:solidFill>
-            </a:endParaRPr>
-          </a:p>
-        </p:txBody>
-      </p:sp>
-      <p:sp>
-        <p:nvSpPr>
-          <p:cNvPr id="14" name="Oval 13"/>
-          <p:cNvSpPr/>
-          <p:nvPr/>
-        </p:nvSpPr>
-        <p:spPr>
-          <a:xfrm>
-            <a:off x="3416300" y="3638768"/>
-            <a:ext cx="2044700" cy="841266"/>
-          </a:xfrm>
-          <a:prstGeom prst="ellipse">
-            <a:avLst/>
-          </a:prstGeom>
-          <a:noFill/>
-          <a:ln w="38100">
-            <a:solidFill>
-              <a:srgbClr val="FF0000"/>
-            </a:solidFill>
-          </a:ln>
-        </p:spPr>
-        <p:style>
-          <a:lnRef idx="2">
-            <a:schemeClr val="accent1">
-              <a:shade val="50000"/>
-            </a:schemeClr>
-          </a:lnRef>
-          <a:fillRef idx="1">
-            <a:schemeClr val="accent1"/>
-          </a:fillRef>
-          <a:effectRef idx="0">
-            <a:schemeClr val="accent1"/>
-          </a:effectRef>
-          <a:fontRef idx="minor">
-            <a:schemeClr val="lt1"/>
-          </a:fontRef>
-        </p:style>
-        <p:txBody>
-          <a:bodyPr rtlCol="0" anchor="ctr"/>
-          <a:lstStyle/>
-          <a:p>
-            <a:pPr algn="ctr"/>
-            <a:endParaRPr lang="en-US"/>
-          </a:p>
-        </p:txBody>
-      </p:sp>
-      <p:sp>
-        <p:nvSpPr>
-          <p:cNvPr id="15" name="Rectangle 14"/>
-          <p:cNvSpPr/>
-          <p:nvPr/>
-        </p:nvSpPr>
-        <p:spPr>
-          <a:xfrm>
-            <a:off x="2810182" y="4562125"/>
-            <a:ext cx="5698334" cy="369332"/>
-          </a:xfrm>
-          <a:prstGeom prst="rect">
-            <a:avLst/>
-          </a:prstGeom>
-        </p:spPr>
-        <p:txBody>
-          <a:bodyPr wrap="square">
-            <a:spAutoFit/>
-          </a:bodyPr>
-          <a:lstStyle/>
-          <a:p>
-            <a:pPr lvl="1"/>
-            <a:r>
-              <a:rPr lang="en-US" i="1" dirty="0" smtClean="0">
-                <a:solidFill>
-                  <a:srgbClr val="FF0000"/>
-                </a:solidFill>
-              </a:rPr>
-              <a:t>*Error represents minor lost revenue</a:t>
-            </a:r>
-            <a:endParaRPr lang="en-US" i="1" dirty="0">
-              <a:solidFill>
-                <a:srgbClr val="FF0000"/>
-              </a:solidFill>
-            </a:endParaRPr>
-          </a:p>
-        </p:txBody>
-      </p:sp>
-    </p:spTree>
-    <p:extLst>
-      <p:ext uri="{BB962C8B-B14F-4D97-AF65-F5344CB8AC3E}">
-        <p14:creationId xmlns:p14="http://schemas.microsoft.com/office/powerpoint/2010/main" val="1313093697"/>
-      </p:ext>
-    </p:extLst>
-  </p:cSld>
-  <p:clrMapOvr>
-    <a:masterClrMapping/>
-  </p:clrMapOvr>
-  <p:timing>
-    <p:tnLst>
-      <p:par>
-        <p:cTn id="1" dur="indefinite" restart="never" nodeType="tmRoot"/>
-      </p:par>
-    </p:tnLst>
-  </p:timing>
-</p:sld>
-</file>
-
-<file path=ppt/slides/slide4.xml><?xml version="1.0" encoding="utf-8"?>
 <p:sld xmlns:a="http://schemas.openxmlformats.org/drawingml/2006/main" xmlns:r="http://schemas.openxmlformats.org/officeDocument/2006/relationships" xmlns:p="http://schemas.openxmlformats.org/presentationml/2006/main">
   <p:cSld>
     <p:spTree>
@@ -9880,6 +9326,512 @@
 </p:sld>
 </file>
 
+<file path=ppt/slides/slide4.xml><?xml version="1.0" encoding="utf-8"?>
+<p:sld xmlns:a="http://schemas.openxmlformats.org/drawingml/2006/main" xmlns:r="http://schemas.openxmlformats.org/officeDocument/2006/relationships" xmlns:p="http://schemas.openxmlformats.org/presentationml/2006/main">
+  <p:cSld>
+    <p:spTree>
+      <p:nvGrpSpPr>
+        <p:cNvPr id="1" name=""/>
+        <p:cNvGrpSpPr/>
+        <p:nvPr/>
+      </p:nvGrpSpPr>
+      <p:grpSpPr>
+        <a:xfrm>
+          <a:off x="0" y="0"/>
+          <a:ext cx="0" cy="0"/>
+          <a:chOff x="0" y="0"/>
+          <a:chExt cx="0" cy="0"/>
+        </a:xfrm>
+      </p:grpSpPr>
+      <p:sp>
+        <p:nvSpPr>
+          <p:cNvPr id="2" name="Title 1"/>
+          <p:cNvSpPr>
+            <a:spLocks noGrp="1"/>
+          </p:cNvSpPr>
+          <p:nvPr>
+            <p:ph type="title"/>
+          </p:nvPr>
+        </p:nvSpPr>
+        <p:spPr/>
+        <p:txBody>
+          <a:bodyPr/>
+          <a:lstStyle/>
+          <a:p>
+            <a:r>
+              <a:rPr lang="en-US" dirty="0" smtClean="0"/>
+              <a:t>Not all Misclassifications are Equal</a:t>
+            </a:r>
+            <a:endParaRPr lang="en-US" dirty="0"/>
+          </a:p>
+        </p:txBody>
+      </p:sp>
+      <p:graphicFrame>
+        <p:nvGraphicFramePr>
+          <p:cNvPr id="8" name="Content Placeholder 7"/>
+          <p:cNvGraphicFramePr>
+            <a:graphicFrameLocks noGrp="1"/>
+          </p:cNvGraphicFramePr>
+          <p:nvPr>
+            <p:ph idx="1"/>
+            <p:extLst>
+              <p:ext uri="{D42A27DB-BD31-4B8C-83A1-F6EECF244321}">
+                <p14:modId xmlns:p14="http://schemas.microsoft.com/office/powerpoint/2010/main" val="246358671"/>
+              </p:ext>
+            </p:extLst>
+          </p:nvPr>
+        </p:nvGraphicFramePr>
+        <p:xfrm>
+          <a:off x="3703170" y="2651234"/>
+          <a:ext cx="5580994" cy="1828800"/>
+        </p:xfrm>
+        <a:graphic>
+          <a:graphicData uri="http://schemas.openxmlformats.org/drawingml/2006/table">
+            <a:tbl>
+              <a:tblPr firstRow="1" bandRow="1">
+                <a:tableStyleId>{5940675A-B579-460E-94D1-54222C63F5DA}</a:tableStyleId>
+              </a:tblPr>
+              <a:tblGrid>
+                <a:gridCol w="2790497"/>
+                <a:gridCol w="2790497"/>
+              </a:tblGrid>
+              <a:tr h="370840">
+                <a:tc>
+                  <a:txBody>
+                    <a:bodyPr/>
+                    <a:lstStyle/>
+                    <a:p>
+                      <a:r>
+                        <a:rPr lang="en-US" dirty="0" smtClean="0">
+                          <a:solidFill>
+                            <a:srgbClr val="00B050"/>
+                          </a:solidFill>
+                        </a:rPr>
+                        <a:t>22,296 </a:t>
+                      </a:r>
+                    </a:p>
+                    <a:p>
+                      <a:r>
+                        <a:rPr lang="en-US" dirty="0" smtClean="0">
+                          <a:solidFill>
+                            <a:srgbClr val="00B050"/>
+                          </a:solidFill>
+                        </a:rPr>
+                        <a:t>(model correctly</a:t>
+                      </a:r>
+                      <a:r>
+                        <a:rPr lang="en-US" baseline="0" dirty="0" smtClean="0">
+                          <a:solidFill>
+                            <a:srgbClr val="00B050"/>
+                          </a:solidFill>
+                        </a:rPr>
+                        <a:t> </a:t>
+                      </a:r>
+                    </a:p>
+                    <a:p>
+                      <a:r>
+                        <a:rPr lang="en-US" baseline="0" dirty="0" smtClean="0">
+                          <a:solidFill>
+                            <a:srgbClr val="00B050"/>
+                          </a:solidFill>
+                        </a:rPr>
+                        <a:t>predicted non-default)</a:t>
+                      </a:r>
+                      <a:endParaRPr lang="en-US" dirty="0">
+                        <a:solidFill>
+                          <a:srgbClr val="00B050"/>
+                        </a:solidFill>
+                      </a:endParaRPr>
+                    </a:p>
+                  </a:txBody>
+                  <a:tcPr anchor="ctr"/>
+                </a:tc>
+                <a:tc>
+                  <a:txBody>
+                    <a:bodyPr/>
+                    <a:lstStyle/>
+                    <a:p>
+                      <a:r>
+                        <a:rPr lang="en-US" dirty="0" smtClean="0"/>
+                        <a:t>1,068</a:t>
+                      </a:r>
+                      <a:r>
+                        <a:rPr lang="en-US" baseline="0" dirty="0" smtClean="0"/>
+                        <a:t> </a:t>
+                      </a:r>
+                    </a:p>
+                    <a:p>
+                      <a:r>
+                        <a:rPr lang="en-US" baseline="0" dirty="0" smtClean="0"/>
+                        <a:t>(false positive)</a:t>
+                      </a:r>
+                      <a:endParaRPr lang="en-US" dirty="0"/>
+                    </a:p>
+                  </a:txBody>
+                  <a:tcPr anchor="ctr"/>
+                </a:tc>
+              </a:tr>
+              <a:tr h="370840">
+                <a:tc>
+                  <a:txBody>
+                    <a:bodyPr/>
+                    <a:lstStyle/>
+                    <a:p>
+                      <a:r>
+                        <a:rPr lang="en-US" dirty="0" smtClean="0"/>
+                        <a:t>4,426 </a:t>
+                      </a:r>
+                    </a:p>
+                    <a:p>
+                      <a:r>
+                        <a:rPr lang="en-US" dirty="0" smtClean="0"/>
+                        <a:t>(false negative)</a:t>
+                      </a:r>
+                      <a:endParaRPr lang="en-US" dirty="0"/>
+                    </a:p>
+                  </a:txBody>
+                  <a:tcPr anchor="ctr"/>
+                </a:tc>
+                <a:tc>
+                  <a:txBody>
+                    <a:bodyPr/>
+                    <a:lstStyle/>
+                    <a:p>
+                      <a:r>
+                        <a:rPr lang="en-US" dirty="0" smtClean="0">
+                          <a:solidFill>
+                            <a:srgbClr val="00B050"/>
+                          </a:solidFill>
+                        </a:rPr>
+                        <a:t>2,210 </a:t>
+                      </a:r>
+                    </a:p>
+                    <a:p>
+                      <a:r>
+                        <a:rPr lang="en-US" dirty="0" smtClean="0">
+                          <a:solidFill>
+                            <a:srgbClr val="00B050"/>
+                          </a:solidFill>
+                        </a:rPr>
+                        <a:t>(model correctly </a:t>
+                      </a:r>
+                    </a:p>
+                    <a:p>
+                      <a:r>
+                        <a:rPr lang="en-US" dirty="0" smtClean="0">
+                          <a:solidFill>
+                            <a:srgbClr val="00B050"/>
+                          </a:solidFill>
+                        </a:rPr>
+                        <a:t>predicted default)</a:t>
+                      </a:r>
+                      <a:endParaRPr lang="en-US" dirty="0">
+                        <a:solidFill>
+                          <a:srgbClr val="00B050"/>
+                        </a:solidFill>
+                      </a:endParaRPr>
+                    </a:p>
+                  </a:txBody>
+                  <a:tcPr anchor="ctr"/>
+                </a:tc>
+              </a:tr>
+            </a:tbl>
+          </a:graphicData>
+        </a:graphic>
+      </p:graphicFrame>
+      <p:sp>
+        <p:nvSpPr>
+          <p:cNvPr id="9" name="Rectangle 8"/>
+          <p:cNvSpPr/>
+          <p:nvPr/>
+        </p:nvSpPr>
+        <p:spPr>
+          <a:xfrm>
+            <a:off x="7932352" y="4692869"/>
+            <a:ext cx="3308462" cy="923330"/>
+          </a:xfrm>
+          <a:prstGeom prst="rect">
+            <a:avLst/>
+          </a:prstGeom>
+        </p:spPr>
+        <p:txBody>
+          <a:bodyPr wrap="square">
+            <a:spAutoFit/>
+          </a:bodyPr>
+          <a:lstStyle/>
+          <a:p>
+            <a:pPr lvl="1"/>
+            <a:r>
+              <a:rPr lang="en-US" i="1" dirty="0" smtClean="0">
+                <a:solidFill>
+                  <a:schemeClr val="accent1"/>
+                </a:solidFill>
+              </a:rPr>
+              <a:t>Error rate of</a:t>
+            </a:r>
+          </a:p>
+          <a:p>
+            <a:pPr lvl="1"/>
+            <a:r>
+              <a:rPr lang="en-US" i="1" dirty="0" smtClean="0">
+                <a:solidFill>
+                  <a:schemeClr val="accent1"/>
+                </a:solidFill>
+              </a:rPr>
+              <a:t>K-Nearest Neighbor model </a:t>
+            </a:r>
+          </a:p>
+          <a:p>
+            <a:pPr lvl="1"/>
+            <a:r>
+              <a:rPr lang="en-US" i="1" dirty="0">
+                <a:solidFill>
+                  <a:schemeClr val="accent1"/>
+                </a:solidFill>
+              </a:rPr>
+              <a:t>h</a:t>
+            </a:r>
+            <a:r>
+              <a:rPr lang="en-US" i="1" dirty="0" smtClean="0">
+                <a:solidFill>
+                  <a:schemeClr val="accent1"/>
+                </a:solidFill>
+              </a:rPr>
+              <a:t>ere was 18.3%</a:t>
+            </a:r>
+            <a:endParaRPr lang="en-US" i="1" dirty="0">
+              <a:solidFill>
+                <a:schemeClr val="accent1"/>
+              </a:solidFill>
+            </a:endParaRPr>
+          </a:p>
+        </p:txBody>
+      </p:sp>
+      <p:sp>
+        <p:nvSpPr>
+          <p:cNvPr id="11" name="Rectangle 10"/>
+          <p:cNvSpPr/>
+          <p:nvPr/>
+        </p:nvSpPr>
+        <p:spPr>
+          <a:xfrm>
+            <a:off x="2810182" y="5539376"/>
+            <a:ext cx="7366970" cy="830997"/>
+          </a:xfrm>
+          <a:prstGeom prst="rect">
+            <a:avLst/>
+          </a:prstGeom>
+        </p:spPr>
+        <p:txBody>
+          <a:bodyPr wrap="square">
+            <a:spAutoFit/>
+          </a:bodyPr>
+          <a:lstStyle/>
+          <a:p>
+            <a:pPr lvl="1"/>
+            <a:r>
+              <a:rPr lang="en-US" sz="2400" b="1" i="1" dirty="0" smtClean="0"/>
+              <a:t>Why is Error rate not the best measure</a:t>
+            </a:r>
+          </a:p>
+          <a:p>
+            <a:pPr lvl="1"/>
+            <a:r>
+              <a:rPr lang="en-US" sz="2400" b="1" i="1" dirty="0" smtClean="0"/>
+              <a:t> of model accuracy here?</a:t>
+            </a:r>
+            <a:endParaRPr lang="en-US" sz="2400" b="1" i="1" dirty="0"/>
+          </a:p>
+        </p:txBody>
+      </p:sp>
+      <p:sp>
+        <p:nvSpPr>
+          <p:cNvPr id="12" name="Oval 11"/>
+          <p:cNvSpPr/>
+          <p:nvPr/>
+        </p:nvSpPr>
+        <p:spPr>
+          <a:xfrm>
+            <a:off x="6248400" y="2676634"/>
+            <a:ext cx="2044700" cy="841266"/>
+          </a:xfrm>
+          <a:prstGeom prst="ellipse">
+            <a:avLst/>
+          </a:prstGeom>
+          <a:noFill/>
+          <a:ln w="38100">
+            <a:solidFill>
+              <a:srgbClr val="FF0000"/>
+            </a:solidFill>
+          </a:ln>
+        </p:spPr>
+        <p:style>
+          <a:lnRef idx="2">
+            <a:schemeClr val="accent1">
+              <a:shade val="50000"/>
+            </a:schemeClr>
+          </a:lnRef>
+          <a:fillRef idx="1">
+            <a:schemeClr val="accent1"/>
+          </a:fillRef>
+          <a:effectRef idx="0">
+            <a:schemeClr val="accent1"/>
+          </a:effectRef>
+          <a:fontRef idx="minor">
+            <a:schemeClr val="lt1"/>
+          </a:fontRef>
+        </p:style>
+        <p:txBody>
+          <a:bodyPr rtlCol="0" anchor="ctr"/>
+          <a:lstStyle/>
+          <a:p>
+            <a:pPr algn="ctr"/>
+            <a:endParaRPr lang="en-US"/>
+          </a:p>
+        </p:txBody>
+      </p:sp>
+      <p:sp>
+        <p:nvSpPr>
+          <p:cNvPr id="13" name="Rectangle 12"/>
+          <p:cNvSpPr/>
+          <p:nvPr/>
+        </p:nvSpPr>
+        <p:spPr>
+          <a:xfrm>
+            <a:off x="6493666" y="2240369"/>
+            <a:ext cx="5698334" cy="369332"/>
+          </a:xfrm>
+          <a:prstGeom prst="rect">
+            <a:avLst/>
+          </a:prstGeom>
+        </p:spPr>
+        <p:txBody>
+          <a:bodyPr wrap="square">
+            <a:spAutoFit/>
+          </a:bodyPr>
+          <a:lstStyle/>
+          <a:p>
+            <a:pPr lvl="1"/>
+            <a:r>
+              <a:rPr lang="en-US" i="1" dirty="0" smtClean="0">
+                <a:solidFill>
+                  <a:srgbClr val="FF0000"/>
+                </a:solidFill>
+              </a:rPr>
+              <a:t>*Error represents major loss from default on debt</a:t>
+            </a:r>
+            <a:endParaRPr lang="en-US" i="1" dirty="0">
+              <a:solidFill>
+                <a:srgbClr val="FF0000"/>
+              </a:solidFill>
+            </a:endParaRPr>
+          </a:p>
+        </p:txBody>
+      </p:sp>
+      <p:sp>
+        <p:nvSpPr>
+          <p:cNvPr id="14" name="Oval 13"/>
+          <p:cNvSpPr/>
+          <p:nvPr/>
+        </p:nvSpPr>
+        <p:spPr>
+          <a:xfrm>
+            <a:off x="3416300" y="3638768"/>
+            <a:ext cx="2044700" cy="841266"/>
+          </a:xfrm>
+          <a:prstGeom prst="ellipse">
+            <a:avLst/>
+          </a:prstGeom>
+          <a:noFill/>
+          <a:ln w="38100">
+            <a:solidFill>
+              <a:srgbClr val="FF0000"/>
+            </a:solidFill>
+          </a:ln>
+        </p:spPr>
+        <p:style>
+          <a:lnRef idx="2">
+            <a:schemeClr val="accent1">
+              <a:shade val="50000"/>
+            </a:schemeClr>
+          </a:lnRef>
+          <a:fillRef idx="1">
+            <a:schemeClr val="accent1"/>
+          </a:fillRef>
+          <a:effectRef idx="0">
+            <a:schemeClr val="accent1"/>
+          </a:effectRef>
+          <a:fontRef idx="minor">
+            <a:schemeClr val="lt1"/>
+          </a:fontRef>
+        </p:style>
+        <p:txBody>
+          <a:bodyPr rtlCol="0" anchor="ctr"/>
+          <a:lstStyle/>
+          <a:p>
+            <a:pPr algn="ctr"/>
+            <a:endParaRPr lang="en-US"/>
+          </a:p>
+        </p:txBody>
+      </p:sp>
+      <p:sp>
+        <p:nvSpPr>
+          <p:cNvPr id="15" name="Rectangle 14"/>
+          <p:cNvSpPr/>
+          <p:nvPr/>
+        </p:nvSpPr>
+        <p:spPr>
+          <a:xfrm>
+            <a:off x="2810182" y="4562125"/>
+            <a:ext cx="5698334" cy="369332"/>
+          </a:xfrm>
+          <a:prstGeom prst="rect">
+            <a:avLst/>
+          </a:prstGeom>
+        </p:spPr>
+        <p:txBody>
+          <a:bodyPr wrap="square">
+            <a:spAutoFit/>
+          </a:bodyPr>
+          <a:lstStyle/>
+          <a:p>
+            <a:pPr lvl="1"/>
+            <a:r>
+              <a:rPr lang="en-US" i="1" dirty="0" smtClean="0">
+                <a:solidFill>
+                  <a:srgbClr val="FF0000"/>
+                </a:solidFill>
+              </a:rPr>
+              <a:t>*Error represents minor lost revenue</a:t>
+            </a:r>
+            <a:endParaRPr lang="en-US" i="1" dirty="0">
+              <a:solidFill>
+                <a:srgbClr val="FF0000"/>
+              </a:solidFill>
+            </a:endParaRPr>
+          </a:p>
+        </p:txBody>
+      </p:sp>
+    </p:spTree>
+    <p:extLst>
+      <p:ext uri="{BB962C8B-B14F-4D97-AF65-F5344CB8AC3E}">
+        <p14:creationId xmlns:p14="http://schemas.microsoft.com/office/powerpoint/2010/main" val="1313093697"/>
+      </p:ext>
+    </p:extLst>
+  </p:cSld>
+  <p:clrMapOvr>
+    <a:masterClrMapping/>
+  </p:clrMapOvr>
+  <p:timing>
+    <p:tnLst>
+      <p:par>
+        <p:cTn id="1" dur="indefinite" restart="never" nodeType="tmRoot"/>
+      </p:par>
+    </p:tnLst>
+  </p:timing>
+</p:sld>
+</file>
+
 <file path=ppt/slides/slide5.xml><?xml version="1.0" encoding="utf-8"?>
 <p:sld xmlns:a="http://schemas.openxmlformats.org/drawingml/2006/main" xmlns:r="http://schemas.openxmlformats.org/officeDocument/2006/relationships" xmlns:p="http://schemas.openxmlformats.org/presentationml/2006/main">
   <p:cSld>
@@ -10801,11 +10753,7 @@
             </a:r>
             <a:r>
               <a:rPr lang="en-US" dirty="0" smtClean="0"/>
-              <a:t>model</a:t>
-            </a:r>
-            <a:r>
-              <a:rPr lang="en-US" dirty="0" smtClean="0"/>
-              <a:t>, but </a:t>
+              <a:t>model, but </a:t>
             </a:r>
             <a:r>
               <a:rPr lang="en-US" dirty="0" smtClean="0">

--- a/Predicting_Credit_Card_defaults.pptx
+++ b/Predicting_Credit_Card_defaults.pptx
@@ -7,13 +7,13 @@
   <p:sldIdLst>
     <p:sldId id="256" r:id="rId2"/>
     <p:sldId id="264" r:id="rId3"/>
-    <p:sldId id="258" r:id="rId4"/>
-    <p:sldId id="265" r:id="rId5"/>
-    <p:sldId id="259" r:id="rId6"/>
-    <p:sldId id="260" r:id="rId7"/>
-    <p:sldId id="271" r:id="rId8"/>
-    <p:sldId id="272" r:id="rId9"/>
-    <p:sldId id="269" r:id="rId10"/>
+    <p:sldId id="259" r:id="rId4"/>
+    <p:sldId id="260" r:id="rId5"/>
+    <p:sldId id="271" r:id="rId6"/>
+    <p:sldId id="272" r:id="rId7"/>
+    <p:sldId id="269" r:id="rId8"/>
+    <p:sldId id="258" r:id="rId9"/>
+    <p:sldId id="265" r:id="rId10"/>
     <p:sldId id="266" r:id="rId11"/>
     <p:sldId id="268" r:id="rId12"/>
     <p:sldId id="262" r:id="rId13"/>
@@ -6265,36 +6265,29 @@
           <a:p>
             <a:r>
               <a:rPr lang="en-US" dirty="0" smtClean="0"/>
-              <a:t>10-fold cross validation average performance</a:t>
-            </a:r>
-            <a:r>
-              <a:rPr lang="en-US" dirty="0" smtClean="0">
-                <a:solidFill>
-                  <a:srgbClr val="00B050"/>
-                </a:solidFill>
-              </a:rPr>
-              <a:t> </a:t>
-            </a:r>
+              <a:t>10-fold cross validation average performance had mixed results</a:t>
+            </a:r>
+            <a:endParaRPr lang="en-US" dirty="0"/>
+          </a:p>
+          <a:p>
+            <a:pPr lvl="1"/>
             <a:r>
               <a:rPr lang="en-US" dirty="0" smtClean="0"/>
-              <a:t>had </a:t>
-            </a:r>
-            <a:r>
-              <a:rPr lang="en-US" dirty="0" smtClean="0">
-                <a:solidFill>
-                  <a:schemeClr val="accent3"/>
-                </a:solidFill>
-              </a:rPr>
-              <a:t>mixed results</a:t>
-            </a:r>
-            <a:endParaRPr lang="en-US" dirty="0"/>
-          </a:p>
-          <a:p>
-            <a:pPr lvl="1"/>
+              <a:t>Some improvements, </a:t>
+            </a:r>
             <a:r>
               <a:rPr lang="en-US" dirty="0" smtClean="0"/>
-              <a:t>Some improvements, some did work</a:t>
-            </a:r>
+              <a:t>others </a:t>
+            </a:r>
+            <a:r>
+              <a:rPr lang="en-US" dirty="0" smtClean="0"/>
+              <a:t>did </a:t>
+            </a:r>
+            <a:r>
+              <a:rPr lang="en-US" dirty="0" smtClean="0"/>
+              <a:t>worse</a:t>
+            </a:r>
+            <a:endParaRPr lang="en-US" dirty="0" smtClean="0"/>
           </a:p>
         </p:txBody>
       </p:sp>
@@ -7022,30 +7015,14 @@
             </a:r>
             <a:r>
               <a:rPr lang="en-US" dirty="0"/>
-              <a:t>approach yielded</a:t>
-            </a:r>
-            <a:r>
-              <a:rPr lang="en-US" dirty="0">
-                <a:solidFill>
-                  <a:srgbClr val="FF0000"/>
-                </a:solidFill>
-              </a:rPr>
-              <a:t> worse </a:t>
-            </a:r>
-            <a:r>
-              <a:rPr lang="en-US" altLang="zh-CN" dirty="0" smtClean="0">
-                <a:solidFill>
-                  <a:srgbClr val="FF0000"/>
-                </a:solidFill>
-              </a:rPr>
+              <a:t>approach yielded worse </a:t>
+            </a:r>
+            <a:r>
+              <a:rPr lang="en-US" altLang="zh-CN" dirty="0" smtClean="0"/>
               <a:t>performance</a:t>
             </a:r>
             <a:r>
-              <a:rPr lang="zh-CN" altLang="en-US" dirty="0" smtClean="0">
-                <a:solidFill>
-                  <a:srgbClr val="FF0000"/>
-                </a:solidFill>
-              </a:rPr>
+              <a:rPr lang="zh-CN" altLang="en-US" dirty="0" smtClean="0"/>
               <a:t> </a:t>
             </a:r>
             <a:r>
@@ -7170,17 +7147,18 @@
                     </a:p>
                     <a:p>
                       <a:r>
-                        <a:rPr lang="en-US" dirty="0" smtClean="0"/>
+                        <a:rPr lang="en-US" dirty="0" err="1" smtClean="0"/>
                         <a:t>Error_</a:t>
                       </a:r>
                       <a:r>
-                        <a:rPr lang="en-US" altLang="zh-CN" dirty="0" smtClean="0"/>
+                        <a:rPr lang="en-US" altLang="zh-CN" dirty="0" err="1" smtClean="0"/>
                         <a:t>R</a:t>
                       </a:r>
                       <a:r>
-                        <a:rPr lang="en-US" dirty="0" smtClean="0"/>
+                        <a:rPr lang="en-US" dirty="0" err="1" smtClean="0"/>
                         <a:t>ate</a:t>
                       </a:r>
+                      <a:endParaRPr lang="en-US" dirty="0" smtClean="0"/>
                     </a:p>
                   </a:txBody>
                   <a:tcPr/>
@@ -7247,17 +7225,18 @@
                         <a:defRPr/>
                       </a:pPr>
                       <a:r>
-                        <a:rPr lang="en-US" dirty="0" smtClean="0"/>
+                        <a:rPr lang="en-US" dirty="0" err="1" smtClean="0"/>
                         <a:t>Error_</a:t>
                       </a:r>
                       <a:r>
-                        <a:rPr lang="en-US" altLang="zh-CN" dirty="0" smtClean="0"/>
+                        <a:rPr lang="en-US" altLang="zh-CN" dirty="0" err="1" smtClean="0"/>
                         <a:t>R</a:t>
                       </a:r>
                       <a:r>
-                        <a:rPr lang="en-US" dirty="0" smtClean="0"/>
+                        <a:rPr lang="en-US" dirty="0" err="1" smtClean="0"/>
                         <a:t>ate</a:t>
                       </a:r>
+                      <a:endParaRPr lang="en-US" dirty="0" smtClean="0"/>
                     </a:p>
                   </a:txBody>
                   <a:tcPr/>
@@ -8739,6 +8718,29 @@
       </p:grpSpPr>
       <p:sp>
         <p:nvSpPr>
+          <p:cNvPr id="2" name="Title 1"/>
+          <p:cNvSpPr>
+            <a:spLocks noGrp="1"/>
+          </p:cNvSpPr>
+          <p:nvPr>
+            <p:ph type="title"/>
+          </p:nvPr>
+        </p:nvSpPr>
+        <p:spPr/>
+        <p:txBody>
+          <a:bodyPr/>
+          <a:lstStyle/>
+          <a:p>
+            <a:r>
+              <a:rPr lang="en-US" dirty="0" smtClean="0"/>
+              <a:t>Baseline Methods</a:t>
+            </a:r>
+            <a:endParaRPr lang="en-US" dirty="0"/>
+          </a:p>
+        </p:txBody>
+      </p:sp>
+      <p:sp>
+        <p:nvSpPr>
           <p:cNvPr id="3" name="Content Placeholder 2"/>
           <p:cNvSpPr>
             <a:spLocks noGrp="1"/>
@@ -8747,575 +8749,72 @@
             <p:ph idx="1"/>
           </p:nvPr>
         </p:nvSpPr>
-        <p:spPr>
-          <a:xfrm>
-            <a:off x="1484310" y="1069770"/>
-            <a:ext cx="10018713" cy="3124201"/>
-          </a:xfrm>
-        </p:spPr>
+        <p:spPr/>
         <p:txBody>
           <a:bodyPr>
-            <a:normAutofit/>
+            <a:normAutofit lnSpcReduction="10000"/>
           </a:bodyPr>
           <a:lstStyle/>
           <a:p>
             <a:r>
+              <a:rPr lang="en-US" dirty="0"/>
+              <a:t>Data split into 2 groups, model training and validation</a:t>
+            </a:r>
+          </a:p>
+          <a:p>
+            <a:r>
               <a:rPr lang="en-US" dirty="0" smtClean="0"/>
-              <a:t>Only 22% of cardholders default, so {ŷ = 0} yields similar error rate to models</a:t>
-            </a:r>
-          </a:p>
-          <a:p>
+              <a:t>Techniques</a:t>
+            </a:r>
+          </a:p>
+          <a:p>
+            <a:pPr lvl="1"/>
             <a:r>
               <a:rPr lang="en-US" dirty="0" smtClean="0"/>
-              <a:t>Better measures: </a:t>
+              <a:t>K-nearest neighbor</a:t>
             </a:r>
           </a:p>
           <a:p>
             <a:pPr lvl="1"/>
             <a:r>
               <a:rPr lang="en-US" dirty="0" smtClean="0"/>
-              <a:t>area ratio of lift chart / </a:t>
-            </a:r>
-            <a:r>
-              <a:rPr lang="en-US" b="1" i="1" dirty="0" smtClean="0">
-                <a:solidFill>
-                  <a:srgbClr val="00B050"/>
-                </a:solidFill>
-              </a:rPr>
-              <a:t>ROC area under curve</a:t>
-            </a:r>
-          </a:p>
-        </p:txBody>
-      </p:sp>
-      <p:graphicFrame>
-        <p:nvGraphicFramePr>
-          <p:cNvPr id="4" name="Table 3"/>
-          <p:cNvGraphicFramePr>
-            <a:graphicFrameLocks noGrp="1"/>
-          </p:cNvGraphicFramePr>
-          <p:nvPr>
-            <p:extLst>
-              <p:ext uri="{D42A27DB-BD31-4B8C-83A1-F6EECF244321}">
-                <p14:modId xmlns:p14="http://schemas.microsoft.com/office/powerpoint/2010/main" val="349739795"/>
-              </p:ext>
-            </p:extLst>
-          </p:nvPr>
-        </p:nvGraphicFramePr>
-        <p:xfrm>
-          <a:off x="1814509" y="3829051"/>
-          <a:ext cx="5177664" cy="2225040"/>
-        </p:xfrm>
-        <a:graphic>
-          <a:graphicData uri="http://schemas.openxmlformats.org/drawingml/2006/table">
-            <a:tbl>
-              <a:tblPr firstRow="1" bandRow="1">
-                <a:tableStyleId>{5C22544A-7EE6-4342-B048-85BDC9FD1C3A}</a:tableStyleId>
-              </a:tblPr>
-              <a:tblGrid>
-                <a:gridCol w="2343024"/>
-                <a:gridCol w="1417320"/>
-                <a:gridCol w="1417320"/>
-              </a:tblGrid>
-              <a:tr h="370840">
-                <a:tc>
-                  <a:txBody>
-                    <a:bodyPr/>
-                    <a:lstStyle/>
-                    <a:p>
-                      <a:r>
-                        <a:rPr lang="en-US" dirty="0" smtClean="0"/>
-                        <a:t>Model</a:t>
-                      </a:r>
-                      <a:endParaRPr lang="en-US" dirty="0"/>
-                    </a:p>
-                  </a:txBody>
-                  <a:tcPr/>
-                </a:tc>
-                <a:tc>
-                  <a:txBody>
-                    <a:bodyPr/>
-                    <a:lstStyle/>
-                    <a:p>
-                      <a:r>
-                        <a:rPr lang="en-US" dirty="0" smtClean="0"/>
-                        <a:t>Error_rate</a:t>
-                      </a:r>
-                      <a:endParaRPr lang="en-US" dirty="0"/>
-                    </a:p>
-                  </a:txBody>
-                  <a:tcPr/>
-                </a:tc>
-                <a:tc>
-                  <a:txBody>
-                    <a:bodyPr/>
-                    <a:lstStyle/>
-                    <a:p>
-                      <a:r>
-                        <a:rPr lang="en-US" dirty="0" smtClean="0"/>
-                        <a:t>ROC_AUC </a:t>
-                      </a:r>
-                      <a:endParaRPr lang="en-US" dirty="0"/>
-                    </a:p>
-                  </a:txBody>
-                  <a:tcPr/>
-                </a:tc>
-              </a:tr>
-              <a:tr h="370840">
-                <a:tc>
-                  <a:txBody>
-                    <a:bodyPr/>
-                    <a:lstStyle/>
-                    <a:p>
-                      <a:pPr marL="0" marR="0" lvl="1" indent="0" algn="l" defTabSz="457200" rtl="0" eaLnBrk="1" fontAlgn="auto" latinLnBrk="0" hangingPunct="1">
-                        <a:lnSpc>
-                          <a:spcPct val="100000"/>
-                        </a:lnSpc>
-                        <a:spcBef>
-                          <a:spcPts val="0"/>
-                        </a:spcBef>
-                        <a:spcAft>
-                          <a:spcPts val="0"/>
-                        </a:spcAft>
-                        <a:buClrTx/>
-                        <a:buSzTx/>
-                        <a:buFontTx/>
-                        <a:buNone/>
-                        <a:tabLst/>
-                        <a:defRPr/>
-                      </a:pPr>
-                      <a:r>
-                        <a:rPr lang="en-US" dirty="0" smtClean="0"/>
-                        <a:t>Naïve Bayesian</a:t>
-                      </a:r>
-                    </a:p>
-                  </a:txBody>
-                  <a:tcPr/>
-                </a:tc>
-                <a:tc>
-                  <a:txBody>
-                    <a:bodyPr/>
-                    <a:lstStyle/>
-                    <a:p>
-                      <a:r>
-                        <a:rPr lang="en-US" dirty="0" smtClean="0"/>
-                        <a:t>21.7%</a:t>
-                      </a:r>
-                      <a:endParaRPr lang="en-US" dirty="0"/>
-                    </a:p>
-                  </a:txBody>
-                  <a:tcPr/>
-                </a:tc>
-                <a:tc>
-                  <a:txBody>
-                    <a:bodyPr/>
-                    <a:lstStyle/>
-                    <a:p>
-                      <a:r>
-                        <a:rPr lang="en-US" dirty="0" smtClean="0"/>
-                        <a:t>75%</a:t>
-                      </a:r>
-                      <a:endParaRPr lang="en-US" dirty="0"/>
-                    </a:p>
-                  </a:txBody>
-                  <a:tcPr/>
-                </a:tc>
-              </a:tr>
-              <a:tr h="370840">
-                <a:tc>
-                  <a:txBody>
-                    <a:bodyPr/>
-                    <a:lstStyle/>
-                    <a:p>
-                      <a:pPr marL="0" marR="0" lvl="1" indent="0" algn="l" defTabSz="457200" rtl="0" eaLnBrk="1" fontAlgn="auto" latinLnBrk="0" hangingPunct="1">
-                        <a:lnSpc>
-                          <a:spcPct val="100000"/>
-                        </a:lnSpc>
-                        <a:spcBef>
-                          <a:spcPts val="0"/>
-                        </a:spcBef>
-                        <a:spcAft>
-                          <a:spcPts val="0"/>
-                        </a:spcAft>
-                        <a:buClrTx/>
-                        <a:buSzTx/>
-                        <a:buFontTx/>
-                        <a:buNone/>
-                        <a:tabLst/>
-                        <a:defRPr/>
-                      </a:pPr>
-                      <a:r>
-                        <a:rPr lang="en-US" dirty="0" smtClean="0"/>
-                        <a:t>Discriminant analysis</a:t>
-                      </a:r>
-                    </a:p>
-                  </a:txBody>
-                  <a:tcPr/>
-                </a:tc>
-                <a:tc>
-                  <a:txBody>
-                    <a:bodyPr/>
-                    <a:lstStyle/>
-                    <a:p>
-                      <a:r>
-                        <a:rPr lang="en-US" dirty="0" smtClean="0"/>
-                        <a:t>18.2%</a:t>
-                      </a:r>
-                      <a:endParaRPr lang="en-US" dirty="0"/>
-                    </a:p>
-                  </a:txBody>
-                  <a:tcPr/>
-                </a:tc>
-                <a:tc>
-                  <a:txBody>
-                    <a:bodyPr/>
-                    <a:lstStyle/>
-                    <a:p>
-                      <a:r>
-                        <a:rPr lang="en-US" dirty="0" smtClean="0"/>
-                        <a:t>73%</a:t>
-                      </a:r>
-                      <a:endParaRPr lang="en-US" dirty="0"/>
-                    </a:p>
-                  </a:txBody>
-                  <a:tcPr/>
-                </a:tc>
-              </a:tr>
-              <a:tr h="370840">
-                <a:tc>
-                  <a:txBody>
-                    <a:bodyPr/>
-                    <a:lstStyle/>
-                    <a:p>
-                      <a:pPr marL="0" marR="0" lvl="1" indent="0" algn="l" defTabSz="457200" rtl="0" eaLnBrk="1" fontAlgn="auto" latinLnBrk="0" hangingPunct="1">
-                        <a:lnSpc>
-                          <a:spcPct val="100000"/>
-                        </a:lnSpc>
-                        <a:spcBef>
-                          <a:spcPts val="0"/>
-                        </a:spcBef>
-                        <a:spcAft>
-                          <a:spcPts val="0"/>
-                        </a:spcAft>
-                        <a:buClrTx/>
-                        <a:buSzTx/>
-                        <a:buFontTx/>
-                        <a:buNone/>
-                        <a:tabLst/>
-                        <a:defRPr/>
-                      </a:pPr>
-                      <a:r>
-                        <a:rPr lang="en-US" dirty="0" smtClean="0"/>
-                        <a:t>Logistic</a:t>
-                      </a:r>
-                      <a:r>
-                        <a:rPr lang="en-US" baseline="0" dirty="0" smtClean="0"/>
-                        <a:t> Regression</a:t>
-                      </a:r>
-                      <a:endParaRPr lang="en-US" dirty="0" smtClean="0"/>
-                    </a:p>
-                  </a:txBody>
-                  <a:tcPr/>
-                </a:tc>
-                <a:tc>
-                  <a:txBody>
-                    <a:bodyPr/>
-                    <a:lstStyle/>
-                    <a:p>
-                      <a:r>
-                        <a:rPr lang="en-US" dirty="0" smtClean="0"/>
-                        <a:t>21.7%</a:t>
-                      </a:r>
-                      <a:endParaRPr lang="en-US" dirty="0"/>
-                    </a:p>
-                  </a:txBody>
-                  <a:tcPr/>
-                </a:tc>
-                <a:tc>
-                  <a:txBody>
-                    <a:bodyPr/>
-                    <a:lstStyle/>
-                    <a:p>
-                      <a:r>
-                        <a:rPr lang="en-US" dirty="0" smtClean="0"/>
-                        <a:t>66%</a:t>
-                      </a:r>
-                      <a:endParaRPr lang="en-US" dirty="0"/>
-                    </a:p>
-                  </a:txBody>
-                  <a:tcPr/>
-                </a:tc>
-              </a:tr>
-              <a:tr h="370840">
-                <a:tc>
-                  <a:txBody>
-                    <a:bodyPr/>
-                    <a:lstStyle/>
-                    <a:p>
-                      <a:pPr marL="0" marR="0" lvl="1" indent="0" algn="l" defTabSz="457200" rtl="0" eaLnBrk="1" fontAlgn="auto" latinLnBrk="0" hangingPunct="1">
-                        <a:lnSpc>
-                          <a:spcPct val="100000"/>
-                        </a:lnSpc>
-                        <a:spcBef>
-                          <a:spcPts val="0"/>
-                        </a:spcBef>
-                        <a:spcAft>
-                          <a:spcPts val="0"/>
-                        </a:spcAft>
-                        <a:buClrTx/>
-                        <a:buSzTx/>
-                        <a:buFontTx/>
-                        <a:buNone/>
-                        <a:tabLst/>
-                        <a:defRPr/>
-                      </a:pPr>
-                      <a:r>
-                        <a:rPr lang="en-US" dirty="0" smtClean="0"/>
-                        <a:t>Classification tree</a:t>
-                      </a:r>
-                    </a:p>
-                  </a:txBody>
-                  <a:tcPr/>
-                </a:tc>
-                <a:tc>
-                  <a:txBody>
-                    <a:bodyPr/>
-                    <a:lstStyle/>
-                    <a:p>
-                      <a:r>
-                        <a:rPr lang="en-US" dirty="0" smtClean="0"/>
-                        <a:t>27.3%</a:t>
-                      </a:r>
-                      <a:endParaRPr lang="en-US" dirty="0"/>
-                    </a:p>
-                  </a:txBody>
-                  <a:tcPr/>
-                </a:tc>
-                <a:tc>
-                  <a:txBody>
-                    <a:bodyPr/>
-                    <a:lstStyle/>
-                    <a:p>
-                      <a:r>
-                        <a:rPr lang="en-US" dirty="0" smtClean="0"/>
-                        <a:t>61%</a:t>
-                      </a:r>
-                      <a:endParaRPr lang="en-US" dirty="0"/>
-                    </a:p>
-                  </a:txBody>
-                  <a:tcPr/>
-                </a:tc>
-              </a:tr>
-              <a:tr h="370840">
-                <a:tc>
-                  <a:txBody>
-                    <a:bodyPr/>
-                    <a:lstStyle/>
-                    <a:p>
-                      <a:r>
-                        <a:rPr lang="en-US" dirty="0" smtClean="0"/>
-                        <a:t>K-Nearest</a:t>
-                      </a:r>
-                      <a:r>
-                        <a:rPr lang="en-US" baseline="0" dirty="0" smtClean="0"/>
-                        <a:t> Neighbor</a:t>
-                      </a:r>
-                      <a:endParaRPr lang="en-US" dirty="0"/>
-                    </a:p>
-                  </a:txBody>
-                  <a:tcPr/>
-                </a:tc>
-                <a:tc>
-                  <a:txBody>
-                    <a:bodyPr/>
-                    <a:lstStyle/>
-                    <a:p>
-                      <a:r>
-                        <a:rPr lang="en-US" dirty="0" smtClean="0"/>
-                        <a:t>24.6%</a:t>
-                      </a:r>
-                      <a:endParaRPr lang="en-US" dirty="0"/>
-                    </a:p>
-                  </a:txBody>
-                  <a:tcPr/>
-                </a:tc>
-                <a:tc>
-                  <a:txBody>
-                    <a:bodyPr/>
-                    <a:lstStyle/>
-                    <a:p>
-                      <a:r>
-                        <a:rPr lang="en-US" dirty="0" smtClean="0"/>
-                        <a:t>61%</a:t>
-                      </a:r>
-                      <a:endParaRPr lang="en-US" dirty="0"/>
-                    </a:p>
-                  </a:txBody>
-                  <a:tcPr/>
-                </a:tc>
-              </a:tr>
-            </a:tbl>
-          </a:graphicData>
-        </a:graphic>
-      </p:graphicFrame>
-      <p:sp>
-        <p:nvSpPr>
-          <p:cNvPr id="5" name="Oval 4"/>
-          <p:cNvSpPr/>
-          <p:nvPr/>
-        </p:nvSpPr>
-        <p:spPr>
-          <a:xfrm>
-            <a:off x="5384114" y="4150153"/>
-            <a:ext cx="1075037" cy="1959638"/>
-          </a:xfrm>
-          <a:prstGeom prst="ellipse">
-            <a:avLst/>
-          </a:prstGeom>
-          <a:noFill/>
-          <a:ln w="38100">
-            <a:solidFill>
-              <a:srgbClr val="00B050"/>
-            </a:solidFill>
-          </a:ln>
-        </p:spPr>
-        <p:style>
-          <a:lnRef idx="2">
-            <a:schemeClr val="accent1">
-              <a:shade val="50000"/>
-            </a:schemeClr>
-          </a:lnRef>
-          <a:fillRef idx="1">
-            <a:schemeClr val="accent1"/>
-          </a:fillRef>
-          <a:effectRef idx="0">
-            <a:schemeClr val="accent1"/>
-          </a:effectRef>
-          <a:fontRef idx="minor">
-            <a:schemeClr val="lt1"/>
-          </a:fontRef>
-        </p:style>
-        <p:txBody>
-          <a:bodyPr rtlCol="0" anchor="ctr"/>
-          <a:lstStyle/>
-          <a:p>
-            <a:pPr algn="ctr"/>
-            <a:endParaRPr lang="en-US">
-              <a:solidFill>
-                <a:schemeClr val="accent2"/>
-              </a:solidFill>
-            </a:endParaRPr>
-          </a:p>
-        </p:txBody>
-      </p:sp>
-      <p:sp>
-        <p:nvSpPr>
-          <p:cNvPr id="6" name="Rectangle 5"/>
-          <p:cNvSpPr/>
-          <p:nvPr/>
-        </p:nvSpPr>
-        <p:spPr>
-          <a:xfrm>
-            <a:off x="4630281" y="6171641"/>
-            <a:ext cx="2703622" cy="646331"/>
-          </a:xfrm>
-          <a:prstGeom prst="rect">
-            <a:avLst/>
-          </a:prstGeom>
-        </p:spPr>
-        <p:txBody>
-          <a:bodyPr wrap="square">
-            <a:spAutoFit/>
-          </a:bodyPr>
-          <a:lstStyle/>
+              <a:t>Logistic regression</a:t>
+            </a:r>
+          </a:p>
           <a:p>
             <a:pPr lvl="1"/>
             <a:r>
-              <a:rPr lang="en-US" b="1" i="1" dirty="0" smtClean="0">
-                <a:solidFill>
-                  <a:srgbClr val="00B050"/>
-                </a:solidFill>
-              </a:rPr>
-              <a:t>Better measure of model accuracy -&gt;</a:t>
-            </a:r>
-            <a:endParaRPr lang="en-US" b="1" i="1" dirty="0">
-              <a:solidFill>
-                <a:srgbClr val="00B050"/>
-              </a:solidFill>
-            </a:endParaRPr>
-          </a:p>
-        </p:txBody>
-      </p:sp>
-      <p:sp>
-        <p:nvSpPr>
-          <p:cNvPr id="9" name="Title 8"/>
-          <p:cNvSpPr>
-            <a:spLocks noGrp="1"/>
-          </p:cNvSpPr>
-          <p:nvPr>
-            <p:ph type="title"/>
-          </p:nvPr>
-        </p:nvSpPr>
-        <p:spPr/>
-        <p:txBody>
-          <a:bodyPr/>
-          <a:lstStyle/>
-          <a:p>
-            <a:r>
               <a:rPr lang="en-US" dirty="0" smtClean="0"/>
-              <a:t>Model Accuracy</a:t>
+              <a:t>Discriminant analysis</a:t>
+            </a:r>
+          </a:p>
+          <a:p>
+            <a:pPr lvl="1"/>
+            <a:r>
+              <a:rPr lang="en-US" dirty="0" smtClean="0"/>
+              <a:t>Naïve Bayesian</a:t>
+            </a:r>
+          </a:p>
+          <a:p>
+            <a:pPr lvl="1"/>
+            <a:r>
+              <a:rPr lang="en-US" dirty="0" smtClean="0"/>
+              <a:t>Classification tree</a:t>
             </a:r>
             <a:endParaRPr lang="en-US" dirty="0"/>
           </a:p>
         </p:txBody>
       </p:sp>
-      <p:pic>
-        <p:nvPicPr>
-          <p:cNvPr id="2" name="Picture 1"/>
-          <p:cNvPicPr>
-            <a:picLocks noChangeAspect="1"/>
-          </p:cNvPicPr>
-          <p:nvPr/>
-        </p:nvPicPr>
-        <p:blipFill>
-          <a:blip r:embed="rId2">
-            <a:extLst>
-              <a:ext uri="{28A0092B-C50C-407E-A947-70E740481C1C}">
-                <a14:useLocalDpi xmlns:a14="http://schemas.microsoft.com/office/drawing/2010/main" val="0"/>
-              </a:ext>
-            </a:extLst>
-          </a:blip>
-          <a:stretch>
-            <a:fillRect/>
-          </a:stretch>
-        </p:blipFill>
-        <p:spPr>
-          <a:xfrm>
-            <a:off x="7213600" y="3074671"/>
-            <a:ext cx="4978400" cy="3733800"/>
-          </a:xfrm>
-          <a:prstGeom prst="rect">
-            <a:avLst/>
-          </a:prstGeom>
-        </p:spPr>
-      </p:pic>
     </p:spTree>
     <p:extLst>
       <p:ext uri="{BB962C8B-B14F-4D97-AF65-F5344CB8AC3E}">
-        <p14:creationId xmlns:p14="http://schemas.microsoft.com/office/powerpoint/2010/main" val="1252872857"/>
+        <p14:creationId xmlns:p14="http://schemas.microsoft.com/office/powerpoint/2010/main" val="1332911498"/>
       </p:ext>
     </p:extLst>
   </p:cSld>
   <p:clrMapOvr>
     <a:masterClrMapping/>
   </p:clrMapOvr>
-  <mc:AlternateContent xmlns:mc="http://schemas.openxmlformats.org/markup-compatibility/2006" xmlns:p14="http://schemas.microsoft.com/office/powerpoint/2010/main">
-    <mc:Choice Requires="p14">
-      <p:transition p14:dur="0"/>
-    </mc:Choice>
-    <mc:Fallback xmlns="">
-      <p:transition/>
-    </mc:Fallback>
-  </mc:AlternateContent>
   <p:timing>
     <p:tnLst>
       <p:par>
@@ -9360,638 +8859,6 @@
           <a:p>
             <a:r>
               <a:rPr lang="en-US" dirty="0" smtClean="0"/>
-              <a:t>Not all Misclassifications are Equal</a:t>
-            </a:r>
-            <a:endParaRPr lang="en-US" dirty="0"/>
-          </a:p>
-        </p:txBody>
-      </p:sp>
-      <p:graphicFrame>
-        <p:nvGraphicFramePr>
-          <p:cNvPr id="8" name="Content Placeholder 7"/>
-          <p:cNvGraphicFramePr>
-            <a:graphicFrameLocks noGrp="1"/>
-          </p:cNvGraphicFramePr>
-          <p:nvPr>
-            <p:ph idx="1"/>
-            <p:extLst>
-              <p:ext uri="{D42A27DB-BD31-4B8C-83A1-F6EECF244321}">
-                <p14:modId xmlns:p14="http://schemas.microsoft.com/office/powerpoint/2010/main" val="246358671"/>
-              </p:ext>
-            </p:extLst>
-          </p:nvPr>
-        </p:nvGraphicFramePr>
-        <p:xfrm>
-          <a:off x="3703170" y="2651234"/>
-          <a:ext cx="5580994" cy="1828800"/>
-        </p:xfrm>
-        <a:graphic>
-          <a:graphicData uri="http://schemas.openxmlformats.org/drawingml/2006/table">
-            <a:tbl>
-              <a:tblPr firstRow="1" bandRow="1">
-                <a:tableStyleId>{5940675A-B579-460E-94D1-54222C63F5DA}</a:tableStyleId>
-              </a:tblPr>
-              <a:tblGrid>
-                <a:gridCol w="2790497"/>
-                <a:gridCol w="2790497"/>
-              </a:tblGrid>
-              <a:tr h="370840">
-                <a:tc>
-                  <a:txBody>
-                    <a:bodyPr/>
-                    <a:lstStyle/>
-                    <a:p>
-                      <a:r>
-                        <a:rPr lang="en-US" dirty="0" smtClean="0">
-                          <a:solidFill>
-                            <a:srgbClr val="00B050"/>
-                          </a:solidFill>
-                        </a:rPr>
-                        <a:t>22,296 </a:t>
-                      </a:r>
-                    </a:p>
-                    <a:p>
-                      <a:r>
-                        <a:rPr lang="en-US" dirty="0" smtClean="0">
-                          <a:solidFill>
-                            <a:srgbClr val="00B050"/>
-                          </a:solidFill>
-                        </a:rPr>
-                        <a:t>(model correctly</a:t>
-                      </a:r>
-                      <a:r>
-                        <a:rPr lang="en-US" baseline="0" dirty="0" smtClean="0">
-                          <a:solidFill>
-                            <a:srgbClr val="00B050"/>
-                          </a:solidFill>
-                        </a:rPr>
-                        <a:t> </a:t>
-                      </a:r>
-                    </a:p>
-                    <a:p>
-                      <a:r>
-                        <a:rPr lang="en-US" baseline="0" dirty="0" smtClean="0">
-                          <a:solidFill>
-                            <a:srgbClr val="00B050"/>
-                          </a:solidFill>
-                        </a:rPr>
-                        <a:t>predicted non-default)</a:t>
-                      </a:r>
-                      <a:endParaRPr lang="en-US" dirty="0">
-                        <a:solidFill>
-                          <a:srgbClr val="00B050"/>
-                        </a:solidFill>
-                      </a:endParaRPr>
-                    </a:p>
-                  </a:txBody>
-                  <a:tcPr anchor="ctr"/>
-                </a:tc>
-                <a:tc>
-                  <a:txBody>
-                    <a:bodyPr/>
-                    <a:lstStyle/>
-                    <a:p>
-                      <a:r>
-                        <a:rPr lang="en-US" dirty="0" smtClean="0"/>
-                        <a:t>1,068</a:t>
-                      </a:r>
-                      <a:r>
-                        <a:rPr lang="en-US" baseline="0" dirty="0" smtClean="0"/>
-                        <a:t> </a:t>
-                      </a:r>
-                    </a:p>
-                    <a:p>
-                      <a:r>
-                        <a:rPr lang="en-US" baseline="0" dirty="0" smtClean="0"/>
-                        <a:t>(false positive)</a:t>
-                      </a:r>
-                      <a:endParaRPr lang="en-US" dirty="0"/>
-                    </a:p>
-                  </a:txBody>
-                  <a:tcPr anchor="ctr"/>
-                </a:tc>
-              </a:tr>
-              <a:tr h="370840">
-                <a:tc>
-                  <a:txBody>
-                    <a:bodyPr/>
-                    <a:lstStyle/>
-                    <a:p>
-                      <a:r>
-                        <a:rPr lang="en-US" dirty="0" smtClean="0"/>
-                        <a:t>4,426 </a:t>
-                      </a:r>
-                    </a:p>
-                    <a:p>
-                      <a:r>
-                        <a:rPr lang="en-US" dirty="0" smtClean="0"/>
-                        <a:t>(false negative)</a:t>
-                      </a:r>
-                      <a:endParaRPr lang="en-US" dirty="0"/>
-                    </a:p>
-                  </a:txBody>
-                  <a:tcPr anchor="ctr"/>
-                </a:tc>
-                <a:tc>
-                  <a:txBody>
-                    <a:bodyPr/>
-                    <a:lstStyle/>
-                    <a:p>
-                      <a:r>
-                        <a:rPr lang="en-US" dirty="0" smtClean="0">
-                          <a:solidFill>
-                            <a:srgbClr val="00B050"/>
-                          </a:solidFill>
-                        </a:rPr>
-                        <a:t>2,210 </a:t>
-                      </a:r>
-                    </a:p>
-                    <a:p>
-                      <a:r>
-                        <a:rPr lang="en-US" dirty="0" smtClean="0">
-                          <a:solidFill>
-                            <a:srgbClr val="00B050"/>
-                          </a:solidFill>
-                        </a:rPr>
-                        <a:t>(model correctly </a:t>
-                      </a:r>
-                    </a:p>
-                    <a:p>
-                      <a:r>
-                        <a:rPr lang="en-US" dirty="0" smtClean="0">
-                          <a:solidFill>
-                            <a:srgbClr val="00B050"/>
-                          </a:solidFill>
-                        </a:rPr>
-                        <a:t>predicted default)</a:t>
-                      </a:r>
-                      <a:endParaRPr lang="en-US" dirty="0">
-                        <a:solidFill>
-                          <a:srgbClr val="00B050"/>
-                        </a:solidFill>
-                      </a:endParaRPr>
-                    </a:p>
-                  </a:txBody>
-                  <a:tcPr anchor="ctr"/>
-                </a:tc>
-              </a:tr>
-            </a:tbl>
-          </a:graphicData>
-        </a:graphic>
-      </p:graphicFrame>
-      <p:sp>
-        <p:nvSpPr>
-          <p:cNvPr id="9" name="Rectangle 8"/>
-          <p:cNvSpPr/>
-          <p:nvPr/>
-        </p:nvSpPr>
-        <p:spPr>
-          <a:xfrm>
-            <a:off x="7932352" y="4692869"/>
-            <a:ext cx="3308462" cy="923330"/>
-          </a:xfrm>
-          <a:prstGeom prst="rect">
-            <a:avLst/>
-          </a:prstGeom>
-        </p:spPr>
-        <p:txBody>
-          <a:bodyPr wrap="square">
-            <a:spAutoFit/>
-          </a:bodyPr>
-          <a:lstStyle/>
-          <a:p>
-            <a:pPr lvl="1"/>
-            <a:r>
-              <a:rPr lang="en-US" i="1" dirty="0" smtClean="0">
-                <a:solidFill>
-                  <a:schemeClr val="accent1"/>
-                </a:solidFill>
-              </a:rPr>
-              <a:t>Error rate of</a:t>
-            </a:r>
-          </a:p>
-          <a:p>
-            <a:pPr lvl="1"/>
-            <a:r>
-              <a:rPr lang="en-US" i="1" dirty="0" smtClean="0">
-                <a:solidFill>
-                  <a:schemeClr val="accent1"/>
-                </a:solidFill>
-              </a:rPr>
-              <a:t>K-Nearest Neighbor model </a:t>
-            </a:r>
-          </a:p>
-          <a:p>
-            <a:pPr lvl="1"/>
-            <a:r>
-              <a:rPr lang="en-US" i="1" dirty="0">
-                <a:solidFill>
-                  <a:schemeClr val="accent1"/>
-                </a:solidFill>
-              </a:rPr>
-              <a:t>h</a:t>
-            </a:r>
-            <a:r>
-              <a:rPr lang="en-US" i="1" dirty="0" smtClean="0">
-                <a:solidFill>
-                  <a:schemeClr val="accent1"/>
-                </a:solidFill>
-              </a:rPr>
-              <a:t>ere was 18.3%</a:t>
-            </a:r>
-            <a:endParaRPr lang="en-US" i="1" dirty="0">
-              <a:solidFill>
-                <a:schemeClr val="accent1"/>
-              </a:solidFill>
-            </a:endParaRPr>
-          </a:p>
-        </p:txBody>
-      </p:sp>
-      <p:sp>
-        <p:nvSpPr>
-          <p:cNvPr id="11" name="Rectangle 10"/>
-          <p:cNvSpPr/>
-          <p:nvPr/>
-        </p:nvSpPr>
-        <p:spPr>
-          <a:xfrm>
-            <a:off x="2810182" y="5539376"/>
-            <a:ext cx="7366970" cy="830997"/>
-          </a:xfrm>
-          <a:prstGeom prst="rect">
-            <a:avLst/>
-          </a:prstGeom>
-        </p:spPr>
-        <p:txBody>
-          <a:bodyPr wrap="square">
-            <a:spAutoFit/>
-          </a:bodyPr>
-          <a:lstStyle/>
-          <a:p>
-            <a:pPr lvl="1"/>
-            <a:r>
-              <a:rPr lang="en-US" sz="2400" b="1" i="1" dirty="0" smtClean="0"/>
-              <a:t>Why is Error rate not the best measure</a:t>
-            </a:r>
-          </a:p>
-          <a:p>
-            <a:pPr lvl="1"/>
-            <a:r>
-              <a:rPr lang="en-US" sz="2400" b="1" i="1" dirty="0" smtClean="0"/>
-              <a:t> of model accuracy here?</a:t>
-            </a:r>
-            <a:endParaRPr lang="en-US" sz="2400" b="1" i="1" dirty="0"/>
-          </a:p>
-        </p:txBody>
-      </p:sp>
-      <p:sp>
-        <p:nvSpPr>
-          <p:cNvPr id="12" name="Oval 11"/>
-          <p:cNvSpPr/>
-          <p:nvPr/>
-        </p:nvSpPr>
-        <p:spPr>
-          <a:xfrm>
-            <a:off x="6248400" y="2676634"/>
-            <a:ext cx="2044700" cy="841266"/>
-          </a:xfrm>
-          <a:prstGeom prst="ellipse">
-            <a:avLst/>
-          </a:prstGeom>
-          <a:noFill/>
-          <a:ln w="38100">
-            <a:solidFill>
-              <a:srgbClr val="FF0000"/>
-            </a:solidFill>
-          </a:ln>
-        </p:spPr>
-        <p:style>
-          <a:lnRef idx="2">
-            <a:schemeClr val="accent1">
-              <a:shade val="50000"/>
-            </a:schemeClr>
-          </a:lnRef>
-          <a:fillRef idx="1">
-            <a:schemeClr val="accent1"/>
-          </a:fillRef>
-          <a:effectRef idx="0">
-            <a:schemeClr val="accent1"/>
-          </a:effectRef>
-          <a:fontRef idx="minor">
-            <a:schemeClr val="lt1"/>
-          </a:fontRef>
-        </p:style>
-        <p:txBody>
-          <a:bodyPr rtlCol="0" anchor="ctr"/>
-          <a:lstStyle/>
-          <a:p>
-            <a:pPr algn="ctr"/>
-            <a:endParaRPr lang="en-US"/>
-          </a:p>
-        </p:txBody>
-      </p:sp>
-      <p:sp>
-        <p:nvSpPr>
-          <p:cNvPr id="13" name="Rectangle 12"/>
-          <p:cNvSpPr/>
-          <p:nvPr/>
-        </p:nvSpPr>
-        <p:spPr>
-          <a:xfrm>
-            <a:off x="6493666" y="2240369"/>
-            <a:ext cx="5698334" cy="369332"/>
-          </a:xfrm>
-          <a:prstGeom prst="rect">
-            <a:avLst/>
-          </a:prstGeom>
-        </p:spPr>
-        <p:txBody>
-          <a:bodyPr wrap="square">
-            <a:spAutoFit/>
-          </a:bodyPr>
-          <a:lstStyle/>
-          <a:p>
-            <a:pPr lvl="1"/>
-            <a:r>
-              <a:rPr lang="en-US" i="1" dirty="0" smtClean="0">
-                <a:solidFill>
-                  <a:srgbClr val="FF0000"/>
-                </a:solidFill>
-              </a:rPr>
-              <a:t>*Error represents major loss from default on debt</a:t>
-            </a:r>
-            <a:endParaRPr lang="en-US" i="1" dirty="0">
-              <a:solidFill>
-                <a:srgbClr val="FF0000"/>
-              </a:solidFill>
-            </a:endParaRPr>
-          </a:p>
-        </p:txBody>
-      </p:sp>
-      <p:sp>
-        <p:nvSpPr>
-          <p:cNvPr id="14" name="Oval 13"/>
-          <p:cNvSpPr/>
-          <p:nvPr/>
-        </p:nvSpPr>
-        <p:spPr>
-          <a:xfrm>
-            <a:off x="3416300" y="3638768"/>
-            <a:ext cx="2044700" cy="841266"/>
-          </a:xfrm>
-          <a:prstGeom prst="ellipse">
-            <a:avLst/>
-          </a:prstGeom>
-          <a:noFill/>
-          <a:ln w="38100">
-            <a:solidFill>
-              <a:srgbClr val="FF0000"/>
-            </a:solidFill>
-          </a:ln>
-        </p:spPr>
-        <p:style>
-          <a:lnRef idx="2">
-            <a:schemeClr val="accent1">
-              <a:shade val="50000"/>
-            </a:schemeClr>
-          </a:lnRef>
-          <a:fillRef idx="1">
-            <a:schemeClr val="accent1"/>
-          </a:fillRef>
-          <a:effectRef idx="0">
-            <a:schemeClr val="accent1"/>
-          </a:effectRef>
-          <a:fontRef idx="minor">
-            <a:schemeClr val="lt1"/>
-          </a:fontRef>
-        </p:style>
-        <p:txBody>
-          <a:bodyPr rtlCol="0" anchor="ctr"/>
-          <a:lstStyle/>
-          <a:p>
-            <a:pPr algn="ctr"/>
-            <a:endParaRPr lang="en-US"/>
-          </a:p>
-        </p:txBody>
-      </p:sp>
-      <p:sp>
-        <p:nvSpPr>
-          <p:cNvPr id="15" name="Rectangle 14"/>
-          <p:cNvSpPr/>
-          <p:nvPr/>
-        </p:nvSpPr>
-        <p:spPr>
-          <a:xfrm>
-            <a:off x="2810182" y="4562125"/>
-            <a:ext cx="5698334" cy="369332"/>
-          </a:xfrm>
-          <a:prstGeom prst="rect">
-            <a:avLst/>
-          </a:prstGeom>
-        </p:spPr>
-        <p:txBody>
-          <a:bodyPr wrap="square">
-            <a:spAutoFit/>
-          </a:bodyPr>
-          <a:lstStyle/>
-          <a:p>
-            <a:pPr lvl="1"/>
-            <a:r>
-              <a:rPr lang="en-US" i="1" dirty="0" smtClean="0">
-                <a:solidFill>
-                  <a:srgbClr val="FF0000"/>
-                </a:solidFill>
-              </a:rPr>
-              <a:t>*Error represents minor lost revenue</a:t>
-            </a:r>
-            <a:endParaRPr lang="en-US" i="1" dirty="0">
-              <a:solidFill>
-                <a:srgbClr val="FF0000"/>
-              </a:solidFill>
-            </a:endParaRPr>
-          </a:p>
-        </p:txBody>
-      </p:sp>
-    </p:spTree>
-    <p:extLst>
-      <p:ext uri="{BB962C8B-B14F-4D97-AF65-F5344CB8AC3E}">
-        <p14:creationId xmlns:p14="http://schemas.microsoft.com/office/powerpoint/2010/main" val="1313093697"/>
-      </p:ext>
-    </p:extLst>
-  </p:cSld>
-  <p:clrMapOvr>
-    <a:masterClrMapping/>
-  </p:clrMapOvr>
-  <p:timing>
-    <p:tnLst>
-      <p:par>
-        <p:cTn id="1" dur="indefinite" restart="never" nodeType="tmRoot"/>
-      </p:par>
-    </p:tnLst>
-  </p:timing>
-</p:sld>
-</file>
-
-<file path=ppt/slides/slide5.xml><?xml version="1.0" encoding="utf-8"?>
-<p:sld xmlns:a="http://schemas.openxmlformats.org/drawingml/2006/main" xmlns:r="http://schemas.openxmlformats.org/officeDocument/2006/relationships" xmlns:p="http://schemas.openxmlformats.org/presentationml/2006/main">
-  <p:cSld>
-    <p:spTree>
-      <p:nvGrpSpPr>
-        <p:cNvPr id="1" name=""/>
-        <p:cNvGrpSpPr/>
-        <p:nvPr/>
-      </p:nvGrpSpPr>
-      <p:grpSpPr>
-        <a:xfrm>
-          <a:off x="0" y="0"/>
-          <a:ext cx="0" cy="0"/>
-          <a:chOff x="0" y="0"/>
-          <a:chExt cx="0" cy="0"/>
-        </a:xfrm>
-      </p:grpSpPr>
-      <p:sp>
-        <p:nvSpPr>
-          <p:cNvPr id="2" name="Title 1"/>
-          <p:cNvSpPr>
-            <a:spLocks noGrp="1"/>
-          </p:cNvSpPr>
-          <p:nvPr>
-            <p:ph type="title"/>
-          </p:nvPr>
-        </p:nvSpPr>
-        <p:spPr/>
-        <p:txBody>
-          <a:bodyPr/>
-          <a:lstStyle/>
-          <a:p>
-            <a:r>
-              <a:rPr lang="en-US" dirty="0" smtClean="0"/>
-              <a:t>Baseline Methods</a:t>
-            </a:r>
-            <a:endParaRPr lang="en-US" dirty="0"/>
-          </a:p>
-        </p:txBody>
-      </p:sp>
-      <p:sp>
-        <p:nvSpPr>
-          <p:cNvPr id="3" name="Content Placeholder 2"/>
-          <p:cNvSpPr>
-            <a:spLocks noGrp="1"/>
-          </p:cNvSpPr>
-          <p:nvPr>
-            <p:ph idx="1"/>
-          </p:nvPr>
-        </p:nvSpPr>
-        <p:spPr/>
-        <p:txBody>
-          <a:bodyPr>
-            <a:normAutofit lnSpcReduction="10000"/>
-          </a:bodyPr>
-          <a:lstStyle/>
-          <a:p>
-            <a:r>
-              <a:rPr lang="en-US" dirty="0"/>
-              <a:t>Data split into 2 groups, model training and validation</a:t>
-            </a:r>
-          </a:p>
-          <a:p>
-            <a:r>
-              <a:rPr lang="en-US" dirty="0" smtClean="0"/>
-              <a:t>Techniques</a:t>
-            </a:r>
-          </a:p>
-          <a:p>
-            <a:pPr lvl="1"/>
-            <a:r>
-              <a:rPr lang="en-US" dirty="0" smtClean="0"/>
-              <a:t>K-nearest neighbor</a:t>
-            </a:r>
-          </a:p>
-          <a:p>
-            <a:pPr lvl="1"/>
-            <a:r>
-              <a:rPr lang="en-US" dirty="0" smtClean="0"/>
-              <a:t>Logistic regression</a:t>
-            </a:r>
-          </a:p>
-          <a:p>
-            <a:pPr lvl="1"/>
-            <a:r>
-              <a:rPr lang="en-US" dirty="0" smtClean="0"/>
-              <a:t>Discriminant analysis</a:t>
-            </a:r>
-          </a:p>
-          <a:p>
-            <a:pPr lvl="1"/>
-            <a:r>
-              <a:rPr lang="en-US" dirty="0" smtClean="0"/>
-              <a:t>Naïve Bayesian</a:t>
-            </a:r>
-          </a:p>
-          <a:p>
-            <a:pPr lvl="1"/>
-            <a:r>
-              <a:rPr lang="en-US" dirty="0" smtClean="0"/>
-              <a:t>Classification tree</a:t>
-            </a:r>
-            <a:endParaRPr lang="en-US" dirty="0"/>
-          </a:p>
-        </p:txBody>
-      </p:sp>
-    </p:spTree>
-    <p:extLst>
-      <p:ext uri="{BB962C8B-B14F-4D97-AF65-F5344CB8AC3E}">
-        <p14:creationId xmlns:p14="http://schemas.microsoft.com/office/powerpoint/2010/main" val="1332911498"/>
-      </p:ext>
-    </p:extLst>
-  </p:cSld>
-  <p:clrMapOvr>
-    <a:masterClrMapping/>
-  </p:clrMapOvr>
-  <p:timing>
-    <p:tnLst>
-      <p:par>
-        <p:cTn id="1" dur="indefinite" restart="never" nodeType="tmRoot"/>
-      </p:par>
-    </p:tnLst>
-  </p:timing>
-</p:sld>
-</file>
-
-<file path=ppt/slides/slide6.xml><?xml version="1.0" encoding="utf-8"?>
-<p:sld xmlns:a="http://schemas.openxmlformats.org/drawingml/2006/main" xmlns:r="http://schemas.openxmlformats.org/officeDocument/2006/relationships" xmlns:p="http://schemas.openxmlformats.org/presentationml/2006/main">
-  <p:cSld>
-    <p:spTree>
-      <p:nvGrpSpPr>
-        <p:cNvPr id="1" name=""/>
-        <p:cNvGrpSpPr/>
-        <p:nvPr/>
-      </p:nvGrpSpPr>
-      <p:grpSpPr>
-        <a:xfrm>
-          <a:off x="0" y="0"/>
-          <a:ext cx="0" cy="0"/>
-          <a:chOff x="0" y="0"/>
-          <a:chExt cx="0" cy="0"/>
-        </a:xfrm>
-      </p:grpSpPr>
-      <p:sp>
-        <p:nvSpPr>
-          <p:cNvPr id="2" name="Title 1"/>
-          <p:cNvSpPr>
-            <a:spLocks noGrp="1"/>
-          </p:cNvSpPr>
-          <p:nvPr>
-            <p:ph type="title"/>
-          </p:nvPr>
-        </p:nvSpPr>
-        <p:spPr/>
-        <p:txBody>
-          <a:bodyPr/>
-          <a:lstStyle/>
-          <a:p>
-            <a:r>
-              <a:rPr lang="en-US" dirty="0" smtClean="0"/>
               <a:t>Improvements Attempted</a:t>
             </a:r>
             <a:endParaRPr lang="en-US" dirty="0"/>
@@ -10062,7 +8929,7 @@
 </p:sld>
 </file>
 
-<file path=ppt/slides/slide7.xml><?xml version="1.0" encoding="utf-8"?>
+<file path=ppt/slides/slide5.xml><?xml version="1.0" encoding="utf-8"?>
 <p:sld xmlns:a="http://schemas.openxmlformats.org/drawingml/2006/main" xmlns:r="http://schemas.openxmlformats.org/officeDocument/2006/relationships" xmlns:p="http://schemas.openxmlformats.org/presentationml/2006/main">
   <p:cSld>
     <p:spTree>
@@ -10216,7 +9083,7 @@
 </p:sld>
 </file>
 
-<file path=ppt/slides/slide8.xml><?xml version="1.0" encoding="utf-8"?>
+<file path=ppt/slides/slide6.xml><?xml version="1.0" encoding="utf-8"?>
 <p:sld xmlns:a="http://schemas.openxmlformats.org/drawingml/2006/main" xmlns:r="http://schemas.openxmlformats.org/officeDocument/2006/relationships" xmlns:p="http://schemas.openxmlformats.org/presentationml/2006/main">
   <p:cSld>
     <p:spTree>
@@ -10656,7 +9523,7 @@
 </p:sld>
 </file>
 
-<file path=ppt/slides/slide9.xml><?xml version="1.0" encoding="utf-8"?>
+<file path=ppt/slides/slide7.xml><?xml version="1.0" encoding="utf-8"?>
 <p:sld xmlns:a="http://schemas.openxmlformats.org/drawingml/2006/main" xmlns:r="http://schemas.openxmlformats.org/officeDocument/2006/relationships" xmlns:p="http://schemas.openxmlformats.org/presentationml/2006/main">
   <p:cSld>
     <p:spTree>
@@ -10733,40 +9600,9 @@
           <a:p>
             <a:r>
               <a:rPr lang="en-US" dirty="0" smtClean="0"/>
-              <a:t>This </a:t>
-            </a:r>
-            <a:r>
-              <a:rPr lang="en-US" dirty="0" smtClean="0">
-                <a:solidFill>
-                  <a:schemeClr val="accent3"/>
-                </a:solidFill>
-              </a:rPr>
-              <a:t>modified Classification tree</a:t>
-            </a:r>
-            <a:r>
-              <a:rPr lang="en-US" dirty="0" smtClean="0">
-                <a:solidFill>
-                  <a:srgbClr val="00B050"/>
-                </a:solidFill>
-              </a:rPr>
-              <a:t> </a:t>
-            </a:r>
-            <a:r>
-              <a:rPr lang="en-US" dirty="0" smtClean="0"/>
-              <a:t>model, but </a:t>
-            </a:r>
-            <a:r>
-              <a:rPr lang="en-US" dirty="0" smtClean="0">
-                <a:solidFill>
-                  <a:srgbClr val="FF0000"/>
-                </a:solidFill>
-              </a:rPr>
-              <a:t>no improvement</a:t>
-            </a:r>
-            <a:r>
-              <a:rPr lang="en-US" dirty="0" smtClean="0"/>
-              <a:t> on others</a:t>
-            </a:r>
+              <a:t>Mixed results – some models benefitted, others did worse</a:t>
+            </a:r>
+            <a:endParaRPr lang="en-US" dirty="0" smtClean="0"/>
           </a:p>
           <a:p>
             <a:r>
@@ -10785,7 +9621,7 @@
           <p:nvPr>
             <p:extLst>
               <p:ext uri="{D42A27DB-BD31-4B8C-83A1-F6EECF244321}">
-                <p14:modId xmlns:p14="http://schemas.microsoft.com/office/powerpoint/2010/main" val="452062944"/>
+                <p14:modId xmlns:p14="http://schemas.microsoft.com/office/powerpoint/2010/main" val="133712715"/>
               </p:ext>
             </p:extLst>
           </p:nvPr>
@@ -10898,7 +9734,7 @@
                     <a:p>
                       <a:r>
                         <a:rPr lang="en-US" dirty="0" smtClean="0"/>
-                        <a:t>75%</a:t>
+                        <a:t>74.82%</a:t>
                       </a:r>
                       <a:endParaRPr lang="en-US" dirty="0"/>
                     </a:p>
@@ -10912,7 +9748,7 @@
                     <a:p>
                       <a:r>
                         <a:rPr lang="en-US" dirty="0" smtClean="0"/>
-                        <a:t>75%</a:t>
+                        <a:t>74.71%</a:t>
                       </a:r>
                       <a:endParaRPr lang="en-US" dirty="0"/>
                     </a:p>
@@ -10958,7 +9794,7 @@
                     <a:p>
                       <a:r>
                         <a:rPr lang="en-US" dirty="0" smtClean="0"/>
-                        <a:t>73%</a:t>
+                        <a:t>73.04%</a:t>
                       </a:r>
                       <a:endParaRPr lang="en-US" dirty="0"/>
                     </a:p>
@@ -10972,7 +9808,7 @@
                     <a:p>
                       <a:r>
                         <a:rPr lang="en-US" dirty="0" smtClean="0"/>
-                        <a:t>73%</a:t>
+                        <a:t>72.89%</a:t>
                       </a:r>
                       <a:endParaRPr lang="en-US" dirty="0"/>
                     </a:p>
@@ -11023,7 +9859,7 @@
                     <a:p>
                       <a:r>
                         <a:rPr lang="en-US" dirty="0" smtClean="0"/>
-                        <a:t>66%</a:t>
+                        <a:t>66.58%</a:t>
                       </a:r>
                       <a:endParaRPr lang="en-US" dirty="0"/>
                     </a:p>
@@ -11037,7 +9873,7 @@
                     <a:p>
                       <a:r>
                         <a:rPr lang="en-US" dirty="0" smtClean="0"/>
-                        <a:t>66%</a:t>
+                        <a:t>66.76%</a:t>
                       </a:r>
                       <a:endParaRPr lang="en-US" dirty="0"/>
                     </a:p>
@@ -11083,7 +9919,7 @@
                     <a:p>
                       <a:r>
                         <a:rPr lang="en-US" dirty="0" smtClean="0"/>
-                        <a:t>61%</a:t>
+                        <a:t>61.08%</a:t>
                       </a:r>
                       <a:endParaRPr lang="en-US" dirty="0"/>
                     </a:p>
@@ -11097,7 +9933,7 @@
                     <a:p>
                       <a:r>
                         <a:rPr lang="en-US" dirty="0" smtClean="0"/>
-                        <a:t>61%</a:t>
+                        <a:t>61.11%</a:t>
                       </a:r>
                       <a:endParaRPr lang="en-US" dirty="0"/>
                     </a:p>
@@ -11131,7 +9967,7 @@
                     <a:p>
                       <a:r>
                         <a:rPr lang="en-US" dirty="0" smtClean="0"/>
-                        <a:t>61%</a:t>
+                        <a:t>61.12%</a:t>
                       </a:r>
                       <a:endParaRPr lang="en-US" dirty="0"/>
                     </a:p>
@@ -11145,7 +9981,7 @@
                     <a:p>
                       <a:r>
                         <a:rPr lang="en-US" dirty="0" smtClean="0"/>
-                        <a:t>61%</a:t>
+                        <a:t>61.12%</a:t>
                       </a:r>
                       <a:endParaRPr lang="en-US" dirty="0"/>
                     </a:p>
@@ -11265,6 +10101,1134 @@
     <p:extLst>
       <p:ext uri="{BB962C8B-B14F-4D97-AF65-F5344CB8AC3E}">
         <p14:creationId xmlns:p14="http://schemas.microsoft.com/office/powerpoint/2010/main" val="901033499"/>
+      </p:ext>
+    </p:extLst>
+  </p:cSld>
+  <p:clrMapOvr>
+    <a:masterClrMapping/>
+  </p:clrMapOvr>
+  <p:timing>
+    <p:tnLst>
+      <p:par>
+        <p:cTn id="1" dur="indefinite" restart="never" nodeType="tmRoot"/>
+      </p:par>
+    </p:tnLst>
+  </p:timing>
+</p:sld>
+</file>
+
+<file path=ppt/slides/slide8.xml><?xml version="1.0" encoding="utf-8"?>
+<p:sld xmlns:a="http://schemas.openxmlformats.org/drawingml/2006/main" xmlns:r="http://schemas.openxmlformats.org/officeDocument/2006/relationships" xmlns:p="http://schemas.openxmlformats.org/presentationml/2006/main">
+  <p:cSld>
+    <p:spTree>
+      <p:nvGrpSpPr>
+        <p:cNvPr id="1" name=""/>
+        <p:cNvGrpSpPr/>
+        <p:nvPr/>
+      </p:nvGrpSpPr>
+      <p:grpSpPr>
+        <a:xfrm>
+          <a:off x="0" y="0"/>
+          <a:ext cx="0" cy="0"/>
+          <a:chOff x="0" y="0"/>
+          <a:chExt cx="0" cy="0"/>
+        </a:xfrm>
+      </p:grpSpPr>
+      <p:sp>
+        <p:nvSpPr>
+          <p:cNvPr id="3" name="Content Placeholder 2"/>
+          <p:cNvSpPr>
+            <a:spLocks noGrp="1"/>
+          </p:cNvSpPr>
+          <p:nvPr>
+            <p:ph idx="1"/>
+          </p:nvPr>
+        </p:nvSpPr>
+        <p:spPr>
+          <a:xfrm>
+            <a:off x="1484310" y="1069770"/>
+            <a:ext cx="10018713" cy="3124201"/>
+          </a:xfrm>
+        </p:spPr>
+        <p:txBody>
+          <a:bodyPr>
+            <a:normAutofit/>
+          </a:bodyPr>
+          <a:lstStyle/>
+          <a:p>
+            <a:r>
+              <a:rPr lang="en-US" dirty="0" smtClean="0"/>
+              <a:t>Only 22% of cardholders default, so {ŷ = 0} yields similar error rate to models</a:t>
+            </a:r>
+          </a:p>
+          <a:p>
+            <a:r>
+              <a:rPr lang="en-US" dirty="0" smtClean="0"/>
+              <a:t>Better measures: </a:t>
+            </a:r>
+          </a:p>
+          <a:p>
+            <a:pPr lvl="1"/>
+            <a:r>
+              <a:rPr lang="en-US" dirty="0" smtClean="0"/>
+              <a:t>area ratio of lift chart / </a:t>
+            </a:r>
+            <a:r>
+              <a:rPr lang="en-US" b="1" i="1" dirty="0" smtClean="0">
+                <a:solidFill>
+                  <a:srgbClr val="00B050"/>
+                </a:solidFill>
+              </a:rPr>
+              <a:t>ROC area under curve</a:t>
+            </a:r>
+          </a:p>
+        </p:txBody>
+      </p:sp>
+      <p:graphicFrame>
+        <p:nvGraphicFramePr>
+          <p:cNvPr id="4" name="Table 3"/>
+          <p:cNvGraphicFramePr>
+            <a:graphicFrameLocks noGrp="1"/>
+          </p:cNvGraphicFramePr>
+          <p:nvPr>
+            <p:extLst>
+              <p:ext uri="{D42A27DB-BD31-4B8C-83A1-F6EECF244321}">
+                <p14:modId xmlns:p14="http://schemas.microsoft.com/office/powerpoint/2010/main" val="349739795"/>
+              </p:ext>
+            </p:extLst>
+          </p:nvPr>
+        </p:nvGraphicFramePr>
+        <p:xfrm>
+          <a:off x="1814509" y="3829051"/>
+          <a:ext cx="5177664" cy="2225040"/>
+        </p:xfrm>
+        <a:graphic>
+          <a:graphicData uri="http://schemas.openxmlformats.org/drawingml/2006/table">
+            <a:tbl>
+              <a:tblPr firstRow="1" bandRow="1">
+                <a:tableStyleId>{5C22544A-7EE6-4342-B048-85BDC9FD1C3A}</a:tableStyleId>
+              </a:tblPr>
+              <a:tblGrid>
+                <a:gridCol w="2343024"/>
+                <a:gridCol w="1417320"/>
+                <a:gridCol w="1417320"/>
+              </a:tblGrid>
+              <a:tr h="370840">
+                <a:tc>
+                  <a:txBody>
+                    <a:bodyPr/>
+                    <a:lstStyle/>
+                    <a:p>
+                      <a:r>
+                        <a:rPr lang="en-US" dirty="0" smtClean="0"/>
+                        <a:t>Model</a:t>
+                      </a:r>
+                      <a:endParaRPr lang="en-US" dirty="0"/>
+                    </a:p>
+                  </a:txBody>
+                  <a:tcPr/>
+                </a:tc>
+                <a:tc>
+                  <a:txBody>
+                    <a:bodyPr/>
+                    <a:lstStyle/>
+                    <a:p>
+                      <a:r>
+                        <a:rPr lang="en-US" dirty="0" smtClean="0"/>
+                        <a:t>Error_rate</a:t>
+                      </a:r>
+                      <a:endParaRPr lang="en-US" dirty="0"/>
+                    </a:p>
+                  </a:txBody>
+                  <a:tcPr/>
+                </a:tc>
+                <a:tc>
+                  <a:txBody>
+                    <a:bodyPr/>
+                    <a:lstStyle/>
+                    <a:p>
+                      <a:r>
+                        <a:rPr lang="en-US" dirty="0" smtClean="0"/>
+                        <a:t>ROC_AUC </a:t>
+                      </a:r>
+                      <a:endParaRPr lang="en-US" dirty="0"/>
+                    </a:p>
+                  </a:txBody>
+                  <a:tcPr/>
+                </a:tc>
+              </a:tr>
+              <a:tr h="370840">
+                <a:tc>
+                  <a:txBody>
+                    <a:bodyPr/>
+                    <a:lstStyle/>
+                    <a:p>
+                      <a:pPr marL="0" marR="0" lvl="1" indent="0" algn="l" defTabSz="457200" rtl="0" eaLnBrk="1" fontAlgn="auto" latinLnBrk="0" hangingPunct="1">
+                        <a:lnSpc>
+                          <a:spcPct val="100000"/>
+                        </a:lnSpc>
+                        <a:spcBef>
+                          <a:spcPts val="0"/>
+                        </a:spcBef>
+                        <a:spcAft>
+                          <a:spcPts val="0"/>
+                        </a:spcAft>
+                        <a:buClrTx/>
+                        <a:buSzTx/>
+                        <a:buFontTx/>
+                        <a:buNone/>
+                        <a:tabLst/>
+                        <a:defRPr/>
+                      </a:pPr>
+                      <a:r>
+                        <a:rPr lang="en-US" dirty="0" smtClean="0"/>
+                        <a:t>Naïve Bayesian</a:t>
+                      </a:r>
+                    </a:p>
+                  </a:txBody>
+                  <a:tcPr/>
+                </a:tc>
+                <a:tc>
+                  <a:txBody>
+                    <a:bodyPr/>
+                    <a:lstStyle/>
+                    <a:p>
+                      <a:r>
+                        <a:rPr lang="en-US" dirty="0" smtClean="0"/>
+                        <a:t>21.7%</a:t>
+                      </a:r>
+                      <a:endParaRPr lang="en-US" dirty="0"/>
+                    </a:p>
+                  </a:txBody>
+                  <a:tcPr/>
+                </a:tc>
+                <a:tc>
+                  <a:txBody>
+                    <a:bodyPr/>
+                    <a:lstStyle/>
+                    <a:p>
+                      <a:r>
+                        <a:rPr lang="en-US" dirty="0" smtClean="0"/>
+                        <a:t>75%</a:t>
+                      </a:r>
+                      <a:endParaRPr lang="en-US" dirty="0"/>
+                    </a:p>
+                  </a:txBody>
+                  <a:tcPr/>
+                </a:tc>
+              </a:tr>
+              <a:tr h="370840">
+                <a:tc>
+                  <a:txBody>
+                    <a:bodyPr/>
+                    <a:lstStyle/>
+                    <a:p>
+                      <a:pPr marL="0" marR="0" lvl="1" indent="0" algn="l" defTabSz="457200" rtl="0" eaLnBrk="1" fontAlgn="auto" latinLnBrk="0" hangingPunct="1">
+                        <a:lnSpc>
+                          <a:spcPct val="100000"/>
+                        </a:lnSpc>
+                        <a:spcBef>
+                          <a:spcPts val="0"/>
+                        </a:spcBef>
+                        <a:spcAft>
+                          <a:spcPts val="0"/>
+                        </a:spcAft>
+                        <a:buClrTx/>
+                        <a:buSzTx/>
+                        <a:buFontTx/>
+                        <a:buNone/>
+                        <a:tabLst/>
+                        <a:defRPr/>
+                      </a:pPr>
+                      <a:r>
+                        <a:rPr lang="en-US" dirty="0" smtClean="0"/>
+                        <a:t>Discriminant analysis</a:t>
+                      </a:r>
+                    </a:p>
+                  </a:txBody>
+                  <a:tcPr/>
+                </a:tc>
+                <a:tc>
+                  <a:txBody>
+                    <a:bodyPr/>
+                    <a:lstStyle/>
+                    <a:p>
+                      <a:r>
+                        <a:rPr lang="en-US" dirty="0" smtClean="0"/>
+                        <a:t>18.2%</a:t>
+                      </a:r>
+                      <a:endParaRPr lang="en-US" dirty="0"/>
+                    </a:p>
+                  </a:txBody>
+                  <a:tcPr/>
+                </a:tc>
+                <a:tc>
+                  <a:txBody>
+                    <a:bodyPr/>
+                    <a:lstStyle/>
+                    <a:p>
+                      <a:r>
+                        <a:rPr lang="en-US" dirty="0" smtClean="0"/>
+                        <a:t>73%</a:t>
+                      </a:r>
+                      <a:endParaRPr lang="en-US" dirty="0"/>
+                    </a:p>
+                  </a:txBody>
+                  <a:tcPr/>
+                </a:tc>
+              </a:tr>
+              <a:tr h="370840">
+                <a:tc>
+                  <a:txBody>
+                    <a:bodyPr/>
+                    <a:lstStyle/>
+                    <a:p>
+                      <a:pPr marL="0" marR="0" lvl="1" indent="0" algn="l" defTabSz="457200" rtl="0" eaLnBrk="1" fontAlgn="auto" latinLnBrk="0" hangingPunct="1">
+                        <a:lnSpc>
+                          <a:spcPct val="100000"/>
+                        </a:lnSpc>
+                        <a:spcBef>
+                          <a:spcPts val="0"/>
+                        </a:spcBef>
+                        <a:spcAft>
+                          <a:spcPts val="0"/>
+                        </a:spcAft>
+                        <a:buClrTx/>
+                        <a:buSzTx/>
+                        <a:buFontTx/>
+                        <a:buNone/>
+                        <a:tabLst/>
+                        <a:defRPr/>
+                      </a:pPr>
+                      <a:r>
+                        <a:rPr lang="en-US" dirty="0" smtClean="0"/>
+                        <a:t>Logistic</a:t>
+                      </a:r>
+                      <a:r>
+                        <a:rPr lang="en-US" baseline="0" dirty="0" smtClean="0"/>
+                        <a:t> Regression</a:t>
+                      </a:r>
+                      <a:endParaRPr lang="en-US" dirty="0" smtClean="0"/>
+                    </a:p>
+                  </a:txBody>
+                  <a:tcPr/>
+                </a:tc>
+                <a:tc>
+                  <a:txBody>
+                    <a:bodyPr/>
+                    <a:lstStyle/>
+                    <a:p>
+                      <a:r>
+                        <a:rPr lang="en-US" dirty="0" smtClean="0"/>
+                        <a:t>21.7%</a:t>
+                      </a:r>
+                      <a:endParaRPr lang="en-US" dirty="0"/>
+                    </a:p>
+                  </a:txBody>
+                  <a:tcPr/>
+                </a:tc>
+                <a:tc>
+                  <a:txBody>
+                    <a:bodyPr/>
+                    <a:lstStyle/>
+                    <a:p>
+                      <a:r>
+                        <a:rPr lang="en-US" dirty="0" smtClean="0"/>
+                        <a:t>66%</a:t>
+                      </a:r>
+                      <a:endParaRPr lang="en-US" dirty="0"/>
+                    </a:p>
+                  </a:txBody>
+                  <a:tcPr/>
+                </a:tc>
+              </a:tr>
+              <a:tr h="370840">
+                <a:tc>
+                  <a:txBody>
+                    <a:bodyPr/>
+                    <a:lstStyle/>
+                    <a:p>
+                      <a:pPr marL="0" marR="0" lvl="1" indent="0" algn="l" defTabSz="457200" rtl="0" eaLnBrk="1" fontAlgn="auto" latinLnBrk="0" hangingPunct="1">
+                        <a:lnSpc>
+                          <a:spcPct val="100000"/>
+                        </a:lnSpc>
+                        <a:spcBef>
+                          <a:spcPts val="0"/>
+                        </a:spcBef>
+                        <a:spcAft>
+                          <a:spcPts val="0"/>
+                        </a:spcAft>
+                        <a:buClrTx/>
+                        <a:buSzTx/>
+                        <a:buFontTx/>
+                        <a:buNone/>
+                        <a:tabLst/>
+                        <a:defRPr/>
+                      </a:pPr>
+                      <a:r>
+                        <a:rPr lang="en-US" dirty="0" smtClean="0"/>
+                        <a:t>Classification tree</a:t>
+                      </a:r>
+                    </a:p>
+                  </a:txBody>
+                  <a:tcPr/>
+                </a:tc>
+                <a:tc>
+                  <a:txBody>
+                    <a:bodyPr/>
+                    <a:lstStyle/>
+                    <a:p>
+                      <a:r>
+                        <a:rPr lang="en-US" dirty="0" smtClean="0"/>
+                        <a:t>27.3%</a:t>
+                      </a:r>
+                      <a:endParaRPr lang="en-US" dirty="0"/>
+                    </a:p>
+                  </a:txBody>
+                  <a:tcPr/>
+                </a:tc>
+                <a:tc>
+                  <a:txBody>
+                    <a:bodyPr/>
+                    <a:lstStyle/>
+                    <a:p>
+                      <a:r>
+                        <a:rPr lang="en-US" dirty="0" smtClean="0"/>
+                        <a:t>61%</a:t>
+                      </a:r>
+                      <a:endParaRPr lang="en-US" dirty="0"/>
+                    </a:p>
+                  </a:txBody>
+                  <a:tcPr/>
+                </a:tc>
+              </a:tr>
+              <a:tr h="370840">
+                <a:tc>
+                  <a:txBody>
+                    <a:bodyPr/>
+                    <a:lstStyle/>
+                    <a:p>
+                      <a:r>
+                        <a:rPr lang="en-US" dirty="0" smtClean="0"/>
+                        <a:t>K-Nearest</a:t>
+                      </a:r>
+                      <a:r>
+                        <a:rPr lang="en-US" baseline="0" dirty="0" smtClean="0"/>
+                        <a:t> Neighbor</a:t>
+                      </a:r>
+                      <a:endParaRPr lang="en-US" dirty="0"/>
+                    </a:p>
+                  </a:txBody>
+                  <a:tcPr/>
+                </a:tc>
+                <a:tc>
+                  <a:txBody>
+                    <a:bodyPr/>
+                    <a:lstStyle/>
+                    <a:p>
+                      <a:r>
+                        <a:rPr lang="en-US" dirty="0" smtClean="0"/>
+                        <a:t>24.6%</a:t>
+                      </a:r>
+                      <a:endParaRPr lang="en-US" dirty="0"/>
+                    </a:p>
+                  </a:txBody>
+                  <a:tcPr/>
+                </a:tc>
+                <a:tc>
+                  <a:txBody>
+                    <a:bodyPr/>
+                    <a:lstStyle/>
+                    <a:p>
+                      <a:r>
+                        <a:rPr lang="en-US" dirty="0" smtClean="0"/>
+                        <a:t>61%</a:t>
+                      </a:r>
+                      <a:endParaRPr lang="en-US" dirty="0"/>
+                    </a:p>
+                  </a:txBody>
+                  <a:tcPr/>
+                </a:tc>
+              </a:tr>
+            </a:tbl>
+          </a:graphicData>
+        </a:graphic>
+      </p:graphicFrame>
+      <p:sp>
+        <p:nvSpPr>
+          <p:cNvPr id="5" name="Oval 4"/>
+          <p:cNvSpPr/>
+          <p:nvPr/>
+        </p:nvSpPr>
+        <p:spPr>
+          <a:xfrm>
+            <a:off x="5384114" y="4150153"/>
+            <a:ext cx="1075037" cy="1959638"/>
+          </a:xfrm>
+          <a:prstGeom prst="ellipse">
+            <a:avLst/>
+          </a:prstGeom>
+          <a:noFill/>
+          <a:ln w="38100">
+            <a:solidFill>
+              <a:srgbClr val="00B050"/>
+            </a:solidFill>
+          </a:ln>
+        </p:spPr>
+        <p:style>
+          <a:lnRef idx="2">
+            <a:schemeClr val="accent1">
+              <a:shade val="50000"/>
+            </a:schemeClr>
+          </a:lnRef>
+          <a:fillRef idx="1">
+            <a:schemeClr val="accent1"/>
+          </a:fillRef>
+          <a:effectRef idx="0">
+            <a:schemeClr val="accent1"/>
+          </a:effectRef>
+          <a:fontRef idx="minor">
+            <a:schemeClr val="lt1"/>
+          </a:fontRef>
+        </p:style>
+        <p:txBody>
+          <a:bodyPr rtlCol="0" anchor="ctr"/>
+          <a:lstStyle/>
+          <a:p>
+            <a:pPr algn="ctr"/>
+            <a:endParaRPr lang="en-US">
+              <a:solidFill>
+                <a:schemeClr val="accent2"/>
+              </a:solidFill>
+            </a:endParaRPr>
+          </a:p>
+        </p:txBody>
+      </p:sp>
+      <p:sp>
+        <p:nvSpPr>
+          <p:cNvPr id="6" name="Rectangle 5"/>
+          <p:cNvSpPr/>
+          <p:nvPr/>
+        </p:nvSpPr>
+        <p:spPr>
+          <a:xfrm>
+            <a:off x="3794078" y="6171641"/>
+            <a:ext cx="3539825" cy="646331"/>
+          </a:xfrm>
+          <a:prstGeom prst="rect">
+            <a:avLst/>
+          </a:prstGeom>
+        </p:spPr>
+        <p:txBody>
+          <a:bodyPr wrap="square">
+            <a:spAutoFit/>
+          </a:bodyPr>
+          <a:lstStyle/>
+          <a:p>
+            <a:pPr lvl="1"/>
+            <a:r>
+              <a:rPr lang="en-US" b="1" i="1" dirty="0" smtClean="0">
+                <a:solidFill>
+                  <a:srgbClr val="00B050"/>
+                </a:solidFill>
+              </a:rPr>
+              <a:t>Better measure of model </a:t>
+            </a:r>
+            <a:r>
+              <a:rPr lang="en-US" b="1" i="1" dirty="0" smtClean="0">
+                <a:solidFill>
+                  <a:srgbClr val="00B050"/>
+                </a:solidFill>
+              </a:rPr>
+              <a:t>accuracy than error_rate </a:t>
+            </a:r>
+            <a:r>
+              <a:rPr lang="en-US" b="1" i="1" dirty="0" smtClean="0">
+                <a:solidFill>
+                  <a:srgbClr val="00B050"/>
+                </a:solidFill>
+              </a:rPr>
+              <a:t>-&gt;</a:t>
+            </a:r>
+            <a:endParaRPr lang="en-US" b="1" i="1" dirty="0">
+              <a:solidFill>
+                <a:srgbClr val="00B050"/>
+              </a:solidFill>
+            </a:endParaRPr>
+          </a:p>
+        </p:txBody>
+      </p:sp>
+      <p:sp>
+        <p:nvSpPr>
+          <p:cNvPr id="9" name="Title 8"/>
+          <p:cNvSpPr>
+            <a:spLocks noGrp="1"/>
+          </p:cNvSpPr>
+          <p:nvPr>
+            <p:ph type="title"/>
+          </p:nvPr>
+        </p:nvSpPr>
+        <p:spPr/>
+        <p:txBody>
+          <a:bodyPr/>
+          <a:lstStyle/>
+          <a:p>
+            <a:r>
+              <a:rPr lang="en-US" dirty="0" smtClean="0"/>
+              <a:t>Model Accuracy</a:t>
+            </a:r>
+            <a:endParaRPr lang="en-US" dirty="0"/>
+          </a:p>
+        </p:txBody>
+      </p:sp>
+      <p:pic>
+        <p:nvPicPr>
+          <p:cNvPr id="7" name="Picture 6"/>
+          <p:cNvPicPr>
+            <a:picLocks noChangeAspect="1"/>
+          </p:cNvPicPr>
+          <p:nvPr/>
+        </p:nvPicPr>
+        <p:blipFill>
+          <a:blip r:embed="rId2">
+            <a:extLst>
+              <a:ext uri="{28A0092B-C50C-407E-A947-70E740481C1C}">
+                <a14:useLocalDpi xmlns:a14="http://schemas.microsoft.com/office/drawing/2010/main" val="0"/>
+              </a:ext>
+            </a:extLst>
+          </a:blip>
+          <a:stretch>
+            <a:fillRect/>
+          </a:stretch>
+        </p:blipFill>
+        <p:spPr>
+          <a:xfrm>
+            <a:off x="7186176" y="3138985"/>
+            <a:ext cx="5005824" cy="3754368"/>
+          </a:xfrm>
+          <a:prstGeom prst="rect">
+            <a:avLst/>
+          </a:prstGeom>
+        </p:spPr>
+      </p:pic>
+    </p:spTree>
+    <p:extLst>
+      <p:ext uri="{BB962C8B-B14F-4D97-AF65-F5344CB8AC3E}">
+        <p14:creationId xmlns:p14="http://schemas.microsoft.com/office/powerpoint/2010/main" val="1252872857"/>
+      </p:ext>
+    </p:extLst>
+  </p:cSld>
+  <p:clrMapOvr>
+    <a:masterClrMapping/>
+  </p:clrMapOvr>
+  <mc:AlternateContent xmlns:mc="http://schemas.openxmlformats.org/markup-compatibility/2006" xmlns:p14="http://schemas.microsoft.com/office/powerpoint/2010/main">
+    <mc:Choice Requires="p14">
+      <p:transition p14:dur="0"/>
+    </mc:Choice>
+    <mc:Fallback xmlns="">
+      <p:transition/>
+    </mc:Fallback>
+  </mc:AlternateContent>
+  <p:timing>
+    <p:tnLst>
+      <p:par>
+        <p:cTn id="1" dur="indefinite" restart="never" nodeType="tmRoot"/>
+      </p:par>
+    </p:tnLst>
+  </p:timing>
+</p:sld>
+</file>
+
+<file path=ppt/slides/slide9.xml><?xml version="1.0" encoding="utf-8"?>
+<p:sld xmlns:a="http://schemas.openxmlformats.org/drawingml/2006/main" xmlns:r="http://schemas.openxmlformats.org/officeDocument/2006/relationships" xmlns:p="http://schemas.openxmlformats.org/presentationml/2006/main">
+  <p:cSld>
+    <p:spTree>
+      <p:nvGrpSpPr>
+        <p:cNvPr id="1" name=""/>
+        <p:cNvGrpSpPr/>
+        <p:nvPr/>
+      </p:nvGrpSpPr>
+      <p:grpSpPr>
+        <a:xfrm>
+          <a:off x="0" y="0"/>
+          <a:ext cx="0" cy="0"/>
+          <a:chOff x="0" y="0"/>
+          <a:chExt cx="0" cy="0"/>
+        </a:xfrm>
+      </p:grpSpPr>
+      <p:sp>
+        <p:nvSpPr>
+          <p:cNvPr id="2" name="Title 1"/>
+          <p:cNvSpPr>
+            <a:spLocks noGrp="1"/>
+          </p:cNvSpPr>
+          <p:nvPr>
+            <p:ph type="title"/>
+          </p:nvPr>
+        </p:nvSpPr>
+        <p:spPr/>
+        <p:txBody>
+          <a:bodyPr/>
+          <a:lstStyle/>
+          <a:p>
+            <a:r>
+              <a:rPr lang="en-US" dirty="0" smtClean="0"/>
+              <a:t>Not all Misclassifications are Equal</a:t>
+            </a:r>
+            <a:endParaRPr lang="en-US" dirty="0"/>
+          </a:p>
+        </p:txBody>
+      </p:sp>
+      <p:graphicFrame>
+        <p:nvGraphicFramePr>
+          <p:cNvPr id="8" name="Content Placeholder 7"/>
+          <p:cNvGraphicFramePr>
+            <a:graphicFrameLocks noGrp="1"/>
+          </p:cNvGraphicFramePr>
+          <p:nvPr>
+            <p:ph idx="1"/>
+            <p:extLst>
+              <p:ext uri="{D42A27DB-BD31-4B8C-83A1-F6EECF244321}">
+                <p14:modId xmlns:p14="http://schemas.microsoft.com/office/powerpoint/2010/main" val="246358671"/>
+              </p:ext>
+            </p:extLst>
+          </p:nvPr>
+        </p:nvGraphicFramePr>
+        <p:xfrm>
+          <a:off x="3703170" y="2651234"/>
+          <a:ext cx="5580994" cy="1828800"/>
+        </p:xfrm>
+        <a:graphic>
+          <a:graphicData uri="http://schemas.openxmlformats.org/drawingml/2006/table">
+            <a:tbl>
+              <a:tblPr firstRow="1" bandRow="1">
+                <a:tableStyleId>{5940675A-B579-460E-94D1-54222C63F5DA}</a:tableStyleId>
+              </a:tblPr>
+              <a:tblGrid>
+                <a:gridCol w="2790497"/>
+                <a:gridCol w="2790497"/>
+              </a:tblGrid>
+              <a:tr h="370840">
+                <a:tc>
+                  <a:txBody>
+                    <a:bodyPr/>
+                    <a:lstStyle/>
+                    <a:p>
+                      <a:r>
+                        <a:rPr lang="en-US" dirty="0" smtClean="0">
+                          <a:solidFill>
+                            <a:srgbClr val="00B050"/>
+                          </a:solidFill>
+                        </a:rPr>
+                        <a:t>22,296 </a:t>
+                      </a:r>
+                    </a:p>
+                    <a:p>
+                      <a:r>
+                        <a:rPr lang="en-US" dirty="0" smtClean="0">
+                          <a:solidFill>
+                            <a:srgbClr val="00B050"/>
+                          </a:solidFill>
+                        </a:rPr>
+                        <a:t>(model correctly</a:t>
+                      </a:r>
+                      <a:r>
+                        <a:rPr lang="en-US" baseline="0" dirty="0" smtClean="0">
+                          <a:solidFill>
+                            <a:srgbClr val="00B050"/>
+                          </a:solidFill>
+                        </a:rPr>
+                        <a:t> </a:t>
+                      </a:r>
+                    </a:p>
+                    <a:p>
+                      <a:r>
+                        <a:rPr lang="en-US" baseline="0" dirty="0" smtClean="0">
+                          <a:solidFill>
+                            <a:srgbClr val="00B050"/>
+                          </a:solidFill>
+                        </a:rPr>
+                        <a:t>predicted non-default)</a:t>
+                      </a:r>
+                      <a:endParaRPr lang="en-US" dirty="0">
+                        <a:solidFill>
+                          <a:srgbClr val="00B050"/>
+                        </a:solidFill>
+                      </a:endParaRPr>
+                    </a:p>
+                  </a:txBody>
+                  <a:tcPr anchor="ctr"/>
+                </a:tc>
+                <a:tc>
+                  <a:txBody>
+                    <a:bodyPr/>
+                    <a:lstStyle/>
+                    <a:p>
+                      <a:r>
+                        <a:rPr lang="en-US" dirty="0" smtClean="0"/>
+                        <a:t>1,068</a:t>
+                      </a:r>
+                      <a:r>
+                        <a:rPr lang="en-US" baseline="0" dirty="0" smtClean="0"/>
+                        <a:t> </a:t>
+                      </a:r>
+                    </a:p>
+                    <a:p>
+                      <a:r>
+                        <a:rPr lang="en-US" baseline="0" dirty="0" smtClean="0"/>
+                        <a:t>(false positive)</a:t>
+                      </a:r>
+                      <a:endParaRPr lang="en-US" dirty="0"/>
+                    </a:p>
+                  </a:txBody>
+                  <a:tcPr anchor="ctr"/>
+                </a:tc>
+              </a:tr>
+              <a:tr h="370840">
+                <a:tc>
+                  <a:txBody>
+                    <a:bodyPr/>
+                    <a:lstStyle/>
+                    <a:p>
+                      <a:r>
+                        <a:rPr lang="en-US" dirty="0" smtClean="0"/>
+                        <a:t>4,426 </a:t>
+                      </a:r>
+                    </a:p>
+                    <a:p>
+                      <a:r>
+                        <a:rPr lang="en-US" dirty="0" smtClean="0"/>
+                        <a:t>(false negative)</a:t>
+                      </a:r>
+                      <a:endParaRPr lang="en-US" dirty="0"/>
+                    </a:p>
+                  </a:txBody>
+                  <a:tcPr anchor="ctr"/>
+                </a:tc>
+                <a:tc>
+                  <a:txBody>
+                    <a:bodyPr/>
+                    <a:lstStyle/>
+                    <a:p>
+                      <a:r>
+                        <a:rPr lang="en-US" dirty="0" smtClean="0">
+                          <a:solidFill>
+                            <a:srgbClr val="00B050"/>
+                          </a:solidFill>
+                        </a:rPr>
+                        <a:t>2,210 </a:t>
+                      </a:r>
+                    </a:p>
+                    <a:p>
+                      <a:r>
+                        <a:rPr lang="en-US" dirty="0" smtClean="0">
+                          <a:solidFill>
+                            <a:srgbClr val="00B050"/>
+                          </a:solidFill>
+                        </a:rPr>
+                        <a:t>(model correctly </a:t>
+                      </a:r>
+                    </a:p>
+                    <a:p>
+                      <a:r>
+                        <a:rPr lang="en-US" dirty="0" smtClean="0">
+                          <a:solidFill>
+                            <a:srgbClr val="00B050"/>
+                          </a:solidFill>
+                        </a:rPr>
+                        <a:t>predicted default)</a:t>
+                      </a:r>
+                      <a:endParaRPr lang="en-US" dirty="0">
+                        <a:solidFill>
+                          <a:srgbClr val="00B050"/>
+                        </a:solidFill>
+                      </a:endParaRPr>
+                    </a:p>
+                  </a:txBody>
+                  <a:tcPr anchor="ctr"/>
+                </a:tc>
+              </a:tr>
+            </a:tbl>
+          </a:graphicData>
+        </a:graphic>
+      </p:graphicFrame>
+      <p:sp>
+        <p:nvSpPr>
+          <p:cNvPr id="9" name="Rectangle 8"/>
+          <p:cNvSpPr/>
+          <p:nvPr/>
+        </p:nvSpPr>
+        <p:spPr>
+          <a:xfrm>
+            <a:off x="7932352" y="4692869"/>
+            <a:ext cx="3308462" cy="923330"/>
+          </a:xfrm>
+          <a:prstGeom prst="rect">
+            <a:avLst/>
+          </a:prstGeom>
+        </p:spPr>
+        <p:txBody>
+          <a:bodyPr wrap="square">
+            <a:spAutoFit/>
+          </a:bodyPr>
+          <a:lstStyle/>
+          <a:p>
+            <a:pPr lvl="1"/>
+            <a:r>
+              <a:rPr lang="en-US" i="1" dirty="0" smtClean="0">
+                <a:solidFill>
+                  <a:schemeClr val="accent1"/>
+                </a:solidFill>
+              </a:rPr>
+              <a:t>Error rate of</a:t>
+            </a:r>
+          </a:p>
+          <a:p>
+            <a:pPr lvl="1"/>
+            <a:r>
+              <a:rPr lang="en-US" i="1" dirty="0" smtClean="0">
+                <a:solidFill>
+                  <a:schemeClr val="accent1"/>
+                </a:solidFill>
+              </a:rPr>
+              <a:t>K-Nearest Neighbor model </a:t>
+            </a:r>
+          </a:p>
+          <a:p>
+            <a:pPr lvl="1"/>
+            <a:r>
+              <a:rPr lang="en-US" i="1" dirty="0">
+                <a:solidFill>
+                  <a:schemeClr val="accent1"/>
+                </a:solidFill>
+              </a:rPr>
+              <a:t>h</a:t>
+            </a:r>
+            <a:r>
+              <a:rPr lang="en-US" i="1" dirty="0" smtClean="0">
+                <a:solidFill>
+                  <a:schemeClr val="accent1"/>
+                </a:solidFill>
+              </a:rPr>
+              <a:t>ere was 18.3%</a:t>
+            </a:r>
+            <a:endParaRPr lang="en-US" i="1" dirty="0">
+              <a:solidFill>
+                <a:schemeClr val="accent1"/>
+              </a:solidFill>
+            </a:endParaRPr>
+          </a:p>
+        </p:txBody>
+      </p:sp>
+      <p:sp>
+        <p:nvSpPr>
+          <p:cNvPr id="11" name="Rectangle 10"/>
+          <p:cNvSpPr/>
+          <p:nvPr/>
+        </p:nvSpPr>
+        <p:spPr>
+          <a:xfrm>
+            <a:off x="2810182" y="5539376"/>
+            <a:ext cx="7366970" cy="830997"/>
+          </a:xfrm>
+          <a:prstGeom prst="rect">
+            <a:avLst/>
+          </a:prstGeom>
+        </p:spPr>
+        <p:txBody>
+          <a:bodyPr wrap="square">
+            <a:spAutoFit/>
+          </a:bodyPr>
+          <a:lstStyle/>
+          <a:p>
+            <a:pPr lvl="1"/>
+            <a:r>
+              <a:rPr lang="en-US" sz="2400" b="1" i="1" dirty="0" smtClean="0"/>
+              <a:t>Why is Error rate not the best measure</a:t>
+            </a:r>
+          </a:p>
+          <a:p>
+            <a:pPr lvl="1"/>
+            <a:r>
+              <a:rPr lang="en-US" sz="2400" b="1" i="1" dirty="0" smtClean="0"/>
+              <a:t> of model accuracy here?</a:t>
+            </a:r>
+            <a:endParaRPr lang="en-US" sz="2400" b="1" i="1" dirty="0"/>
+          </a:p>
+        </p:txBody>
+      </p:sp>
+      <p:sp>
+        <p:nvSpPr>
+          <p:cNvPr id="12" name="Oval 11"/>
+          <p:cNvSpPr/>
+          <p:nvPr/>
+        </p:nvSpPr>
+        <p:spPr>
+          <a:xfrm>
+            <a:off x="6248400" y="2676634"/>
+            <a:ext cx="2044700" cy="841266"/>
+          </a:xfrm>
+          <a:prstGeom prst="ellipse">
+            <a:avLst/>
+          </a:prstGeom>
+          <a:noFill/>
+          <a:ln w="38100">
+            <a:solidFill>
+              <a:srgbClr val="FF0000"/>
+            </a:solidFill>
+          </a:ln>
+        </p:spPr>
+        <p:style>
+          <a:lnRef idx="2">
+            <a:schemeClr val="accent1">
+              <a:shade val="50000"/>
+            </a:schemeClr>
+          </a:lnRef>
+          <a:fillRef idx="1">
+            <a:schemeClr val="accent1"/>
+          </a:fillRef>
+          <a:effectRef idx="0">
+            <a:schemeClr val="accent1"/>
+          </a:effectRef>
+          <a:fontRef idx="minor">
+            <a:schemeClr val="lt1"/>
+          </a:fontRef>
+        </p:style>
+        <p:txBody>
+          <a:bodyPr rtlCol="0" anchor="ctr"/>
+          <a:lstStyle/>
+          <a:p>
+            <a:pPr algn="ctr"/>
+            <a:endParaRPr lang="en-US"/>
+          </a:p>
+        </p:txBody>
+      </p:sp>
+      <p:sp>
+        <p:nvSpPr>
+          <p:cNvPr id="13" name="Rectangle 12"/>
+          <p:cNvSpPr/>
+          <p:nvPr/>
+        </p:nvSpPr>
+        <p:spPr>
+          <a:xfrm>
+            <a:off x="6493666" y="2240369"/>
+            <a:ext cx="5698334" cy="369332"/>
+          </a:xfrm>
+          <a:prstGeom prst="rect">
+            <a:avLst/>
+          </a:prstGeom>
+        </p:spPr>
+        <p:txBody>
+          <a:bodyPr wrap="square">
+            <a:spAutoFit/>
+          </a:bodyPr>
+          <a:lstStyle/>
+          <a:p>
+            <a:pPr lvl="1"/>
+            <a:r>
+              <a:rPr lang="en-US" i="1" dirty="0" smtClean="0">
+                <a:solidFill>
+                  <a:srgbClr val="FF0000"/>
+                </a:solidFill>
+              </a:rPr>
+              <a:t>*Error represents major loss from default on debt</a:t>
+            </a:r>
+            <a:endParaRPr lang="en-US" i="1" dirty="0">
+              <a:solidFill>
+                <a:srgbClr val="FF0000"/>
+              </a:solidFill>
+            </a:endParaRPr>
+          </a:p>
+        </p:txBody>
+      </p:sp>
+      <p:sp>
+        <p:nvSpPr>
+          <p:cNvPr id="14" name="Oval 13"/>
+          <p:cNvSpPr/>
+          <p:nvPr/>
+        </p:nvSpPr>
+        <p:spPr>
+          <a:xfrm>
+            <a:off x="3416300" y="3638768"/>
+            <a:ext cx="2044700" cy="841266"/>
+          </a:xfrm>
+          <a:prstGeom prst="ellipse">
+            <a:avLst/>
+          </a:prstGeom>
+          <a:noFill/>
+          <a:ln w="38100">
+            <a:solidFill>
+              <a:srgbClr val="FF0000"/>
+            </a:solidFill>
+          </a:ln>
+        </p:spPr>
+        <p:style>
+          <a:lnRef idx="2">
+            <a:schemeClr val="accent1">
+              <a:shade val="50000"/>
+            </a:schemeClr>
+          </a:lnRef>
+          <a:fillRef idx="1">
+            <a:schemeClr val="accent1"/>
+          </a:fillRef>
+          <a:effectRef idx="0">
+            <a:schemeClr val="accent1"/>
+          </a:effectRef>
+          <a:fontRef idx="minor">
+            <a:schemeClr val="lt1"/>
+          </a:fontRef>
+        </p:style>
+        <p:txBody>
+          <a:bodyPr rtlCol="0" anchor="ctr"/>
+          <a:lstStyle/>
+          <a:p>
+            <a:pPr algn="ctr"/>
+            <a:endParaRPr lang="en-US"/>
+          </a:p>
+        </p:txBody>
+      </p:sp>
+      <p:sp>
+        <p:nvSpPr>
+          <p:cNvPr id="15" name="Rectangle 14"/>
+          <p:cNvSpPr/>
+          <p:nvPr/>
+        </p:nvSpPr>
+        <p:spPr>
+          <a:xfrm>
+            <a:off x="2810182" y="4562125"/>
+            <a:ext cx="5698334" cy="369332"/>
+          </a:xfrm>
+          <a:prstGeom prst="rect">
+            <a:avLst/>
+          </a:prstGeom>
+        </p:spPr>
+        <p:txBody>
+          <a:bodyPr wrap="square">
+            <a:spAutoFit/>
+          </a:bodyPr>
+          <a:lstStyle/>
+          <a:p>
+            <a:pPr lvl="1"/>
+            <a:r>
+              <a:rPr lang="en-US" i="1" dirty="0" smtClean="0">
+                <a:solidFill>
+                  <a:srgbClr val="FF0000"/>
+                </a:solidFill>
+              </a:rPr>
+              <a:t>*Error represents minor lost revenue</a:t>
+            </a:r>
+            <a:endParaRPr lang="en-US" i="1" dirty="0">
+              <a:solidFill>
+                <a:srgbClr val="FF0000"/>
+              </a:solidFill>
+            </a:endParaRPr>
+          </a:p>
+        </p:txBody>
+      </p:sp>
+    </p:spTree>
+    <p:extLst>
+      <p:ext uri="{BB962C8B-B14F-4D97-AF65-F5344CB8AC3E}">
+        <p14:creationId xmlns:p14="http://schemas.microsoft.com/office/powerpoint/2010/main" val="1313093697"/>
       </p:ext>
     </p:extLst>
   </p:cSld>

--- a/Predicting_Credit_Card_defaults.pptx
+++ b/Predicting_Credit_Card_defaults.pptx
@@ -6273,21 +6273,8 @@
             <a:pPr lvl="1"/>
             <a:r>
               <a:rPr lang="en-US" dirty="0" smtClean="0"/>
-              <a:t>Some improvements, </a:t>
-            </a:r>
-            <a:r>
-              <a:rPr lang="en-US" dirty="0" smtClean="0"/>
-              <a:t>others </a:t>
-            </a:r>
-            <a:r>
-              <a:rPr lang="en-US" dirty="0" smtClean="0"/>
-              <a:t>did </a:t>
-            </a:r>
-            <a:r>
-              <a:rPr lang="en-US" dirty="0" smtClean="0"/>
-              <a:t>worse</a:t>
-            </a:r>
-            <a:endParaRPr lang="en-US" dirty="0" smtClean="0"/>
+              <a:t>Some improvements, others did worse</a:t>
+            </a:r>
           </a:p>
         </p:txBody>
       </p:sp>
@@ -7029,7 +7016,6 @@
               <a:rPr lang="en-US" dirty="0" smtClean="0"/>
               <a:t>overall</a:t>
             </a:r>
-            <a:endParaRPr lang="en-US" dirty="0" smtClean="0"/>
           </a:p>
         </p:txBody>
       </p:sp>
@@ -9600,7 +9586,11 @@
           <a:p>
             <a:r>
               <a:rPr lang="en-US" dirty="0" smtClean="0"/>
-              <a:t>Mixed results – some models benefitted, others did worse</a:t>
+              <a:t>Mixed results – </a:t>
+            </a:r>
+            <a:r>
+              <a:rPr lang="en-US" dirty="0" smtClean="0"/>
+              <a:t>may be overfit; differences not statistically significant</a:t>
             </a:r>
             <a:endParaRPr lang="en-US" dirty="0" smtClean="0"/>
           </a:p>
@@ -10146,7 +10136,7 @@
         </p:nvSpPr>
         <p:spPr>
           <a:xfrm>
-            <a:off x="1484310" y="1069770"/>
+            <a:off x="1484310" y="1233546"/>
             <a:ext cx="10018713" cy="3124201"/>
           </a:xfrm>
         </p:spPr>
@@ -10179,8 +10169,24 @@
                   <a:srgbClr val="00B050"/>
                 </a:solidFill>
               </a:rPr>
-              <a:t>ROC area under curve</a:t>
-            </a:r>
+              <a:t>ROC area under </a:t>
+            </a:r>
+            <a:r>
+              <a:rPr lang="en-US" b="1" i="1" dirty="0" smtClean="0">
+                <a:solidFill>
+                  <a:srgbClr val="00B050"/>
+                </a:solidFill>
+              </a:rPr>
+              <a:t>curve</a:t>
+            </a:r>
+          </a:p>
+          <a:p>
+            <a:pPr lvl="2"/>
+            <a:r>
+              <a:rPr lang="en-US" i="1" dirty="0" smtClean="0"/>
+              <a:t>ROC_AUC 1 = Perfect fit; .5 = random guess</a:t>
+            </a:r>
+            <a:endParaRPr lang="en-US" i="1" dirty="0" smtClean="0"/>
           </a:p>
         </p:txBody>
       </p:sp>
@@ -10632,23 +10638,7 @@
                   <a:srgbClr val="00B050"/>
                 </a:solidFill>
               </a:rPr>
-              <a:t>Better measure of model </a:t>
-            </a:r>
-            <a:r>
-              <a:rPr lang="en-US" b="1" i="1" dirty="0" smtClean="0">
-                <a:solidFill>
-                  <a:srgbClr val="00B050"/>
-                </a:solidFill>
-              </a:rPr>
-              <a:t>accuracy than error_rate </a:t>
-            </a:r>
-            <a:r>
-              <a:rPr lang="en-US" b="1" i="1" dirty="0" smtClean="0">
-                <a:solidFill>
-                  <a:srgbClr val="00B050"/>
-                </a:solidFill>
-              </a:rPr>
-              <a:t>-&gt;</a:t>
+              <a:t>Better measure of model accuracy than error_rate -&gt;</a:t>
             </a:r>
             <a:endParaRPr lang="en-US" b="1" i="1" dirty="0">
               <a:solidFill>
@@ -10789,13 +10779,13 @@
             <p:ph idx="1"/>
             <p:extLst>
               <p:ext uri="{D42A27DB-BD31-4B8C-83A1-F6EECF244321}">
-                <p14:modId xmlns:p14="http://schemas.microsoft.com/office/powerpoint/2010/main" val="246358671"/>
+                <p14:modId xmlns:p14="http://schemas.microsoft.com/office/powerpoint/2010/main" val="542743311"/>
               </p:ext>
             </p:extLst>
           </p:nvPr>
         </p:nvGraphicFramePr>
         <p:xfrm>
-          <a:off x="3703170" y="2651234"/>
+          <a:off x="3716818" y="3047021"/>
           <a:ext cx="5580994" cy="1828800"/>
         </p:xfrm>
         <a:graphic>
@@ -10960,7 +10950,7 @@
         </p:nvSpPr>
         <p:spPr>
           <a:xfrm>
-            <a:off x="7932352" y="4692869"/>
+            <a:off x="7946000" y="5088656"/>
             <a:ext cx="3308462" cy="923330"/>
           </a:xfrm>
           <a:prstGeom prst="rect">
@@ -11027,9 +11017,9 @@
           <p:nvPr/>
         </p:nvSpPr>
         <p:spPr>
-          <a:xfrm>
-            <a:off x="2810182" y="5539376"/>
-            <a:ext cx="7366970" cy="830997"/>
+          <a:xfrm rot="16200000">
+            <a:off x="1800250" y="3735279"/>
+            <a:ext cx="2650818" cy="461665"/>
           </a:xfrm>
           <a:prstGeom prst="rect">
             <a:avLst/>
@@ -11043,17 +11033,10 @@
           <a:p>
             <a:pPr lvl="1"/>
             <a:r>
-              <a:rPr lang="en-US" sz="2400" b="1" i="1" dirty="0" smtClean="0"/>
-              <a:t>Why is Error rate not the best measure</a:t>
-            </a:r>
-          </a:p>
-          <a:p>
-            <a:pPr lvl="1"/>
-            <a:r>
-              <a:rPr lang="en-US" sz="2400" b="1" i="1" dirty="0" smtClean="0"/>
-              <a:t> of model accuracy here?</a:t>
-            </a:r>
-            <a:endParaRPr lang="en-US" sz="2400" b="1" i="1" dirty="0"/>
+              <a:rPr lang="en-US" sz="2400" b="1" u="sng" smtClean="0"/>
+              <a:t>Actual Class</a:t>
+            </a:r>
+            <a:endParaRPr lang="en-US" sz="2400" b="1" u="sng" dirty="0"/>
           </a:p>
         </p:txBody>
       </p:sp>
@@ -11065,7 +11048,7 @@
         </p:nvSpPr>
         <p:spPr>
           <a:xfrm>
-            <a:off x="6248400" y="2676634"/>
+            <a:off x="6262048" y="3072421"/>
             <a:ext cx="2044700" cy="841266"/>
           </a:xfrm>
           <a:prstGeom prst="ellipse">
@@ -11111,8 +11094,8 @@
         </p:nvSpPr>
         <p:spPr>
           <a:xfrm>
-            <a:off x="6493666" y="2240369"/>
-            <a:ext cx="5698334" cy="369332"/>
+            <a:off x="7380774" y="2622508"/>
+            <a:ext cx="5698334" cy="646331"/>
           </a:xfrm>
           <a:prstGeom prst="rect">
             <a:avLst/>
@@ -11131,7 +11114,66 @@
                   <a:srgbClr val="FF0000"/>
                 </a:solidFill>
               </a:rPr>
-              <a:t>*Error represents major loss from default on debt</a:t>
+              <a:t>*Error represents </a:t>
+            </a:r>
+            <a:r>
+              <a:rPr lang="en-US" i="1" u="sng" dirty="0" smtClean="0">
+                <a:solidFill>
+                  <a:srgbClr val="FF0000"/>
+                </a:solidFill>
+              </a:rPr>
+              <a:t>major</a:t>
+            </a:r>
+            <a:r>
+              <a:rPr lang="en-US" i="1" dirty="0" smtClean="0">
+                <a:solidFill>
+                  <a:srgbClr val="FF0000"/>
+                </a:solidFill>
+              </a:rPr>
+              <a:t> </a:t>
+            </a:r>
+            <a:r>
+              <a:rPr lang="en-US" i="1" dirty="0" smtClean="0">
+                <a:solidFill>
+                  <a:srgbClr val="FF0000"/>
+                </a:solidFill>
+              </a:rPr>
+              <a:t>loss</a:t>
+            </a:r>
+          </a:p>
+          <a:p>
+            <a:pPr lvl="1"/>
+            <a:r>
+              <a:rPr lang="en-US" i="1" dirty="0">
+                <a:solidFill>
+                  <a:srgbClr val="FF0000"/>
+                </a:solidFill>
+              </a:rPr>
+              <a:t>	</a:t>
+            </a:r>
+            <a:r>
+              <a:rPr lang="en-US" i="1" dirty="0" smtClean="0">
+                <a:solidFill>
+                  <a:srgbClr val="FF0000"/>
+                </a:solidFill>
+              </a:rPr>
+              <a:t>			</a:t>
+            </a:r>
+            <a:r>
+              <a:rPr lang="en-US" i="1" dirty="0" smtClean="0">
+                <a:solidFill>
+                  <a:srgbClr val="FF0000"/>
+                </a:solidFill>
+              </a:rPr>
+              <a:t> </a:t>
+            </a:r>
+            <a:r>
+              <a:rPr lang="en-US" i="1" dirty="0" smtClean="0">
+                <a:solidFill>
+                  <a:srgbClr val="FF0000"/>
+                </a:solidFill>
+              </a:rPr>
+              <a:t>from default on debt</a:t>
             </a:r>
             <a:endParaRPr lang="en-US" i="1" dirty="0">
               <a:solidFill>
@@ -11149,7 +11191,7 @@
         </p:nvSpPr>
         <p:spPr>
           <a:xfrm>
-            <a:off x="3416300" y="3638768"/>
+            <a:off x="3429948" y="4034555"/>
             <a:ext cx="2044700" cy="841266"/>
           </a:xfrm>
           <a:prstGeom prst="ellipse">
@@ -11195,7 +11237,7 @@
         </p:nvSpPr>
         <p:spPr>
           <a:xfrm>
-            <a:off x="2810182" y="4562125"/>
+            <a:off x="2823830" y="4957912"/>
             <a:ext cx="5698334" cy="369332"/>
           </a:xfrm>
           <a:prstGeom prst="rect">
@@ -11215,13 +11257,59 @@
                   <a:srgbClr val="FF0000"/>
                 </a:solidFill>
               </a:rPr>
-              <a:t>*Error represents minor lost revenue</a:t>
+              <a:t>*Error represents </a:t>
+            </a:r>
+            <a:r>
+              <a:rPr lang="en-US" i="1" u="sng" dirty="0" smtClean="0">
+                <a:solidFill>
+                  <a:srgbClr val="FF0000"/>
+                </a:solidFill>
+              </a:rPr>
+              <a:t>minor</a:t>
+            </a:r>
+            <a:r>
+              <a:rPr lang="en-US" i="1" dirty="0" smtClean="0">
+                <a:solidFill>
+                  <a:srgbClr val="FF0000"/>
+                </a:solidFill>
+              </a:rPr>
+              <a:t> lost revenue</a:t>
             </a:r>
             <a:endParaRPr lang="en-US" i="1" dirty="0">
               <a:solidFill>
                 <a:srgbClr val="FF0000"/>
               </a:solidFill>
             </a:endParaRPr>
+          </a:p>
+        </p:txBody>
+      </p:sp>
+      <p:sp>
+        <p:nvSpPr>
+          <p:cNvPr id="10" name="Rectangle 9"/>
+          <p:cNvSpPr/>
+          <p:nvPr/>
+        </p:nvSpPr>
+        <p:spPr>
+          <a:xfrm>
+            <a:off x="4845278" y="2437931"/>
+            <a:ext cx="2650818" cy="461665"/>
+          </a:xfrm>
+          <a:prstGeom prst="rect">
+            <a:avLst/>
+          </a:prstGeom>
+        </p:spPr>
+        <p:txBody>
+          <a:bodyPr wrap="square">
+            <a:spAutoFit/>
+          </a:bodyPr>
+          <a:lstStyle/>
+          <a:p>
+            <a:pPr lvl="1" algn="ctr"/>
+            <a:r>
+              <a:rPr lang="en-US" sz="2400" b="1" u="sng" dirty="0" smtClean="0"/>
+              <a:t>Predicted Class</a:t>
+            </a:r>
+            <a:endParaRPr lang="en-US" sz="2400" b="1" u="sng" dirty="0"/>
           </a:p>
         </p:txBody>
       </p:sp>

--- a/Predicting_Credit_Card_defaults.pptx
+++ b/Predicting_Credit_Card_defaults.pptx
@@ -626,7 +626,7 @@
             <a:fld id="{B61BEF0D-F0BB-DE4B-95CE-6DB70DBA9567}" type="datetimeFigureOut">
               <a:rPr lang="en-US" dirty="0"/>
               <a:pPr/>
-              <a:t>3/8/16</a:t>
+              <a:t>3/16/16</a:t>
             </a:fld>
             <a:endParaRPr lang="en-US" dirty="0"/>
           </a:p>
@@ -919,7 +919,7 @@
             <a:fld id="{B61BEF0D-F0BB-DE4B-95CE-6DB70DBA9567}" type="datetimeFigureOut">
               <a:rPr lang="en-US" dirty="0"/>
               <a:pPr/>
-              <a:t>3/8/16</a:t>
+              <a:t>3/16/16</a:t>
             </a:fld>
             <a:endParaRPr lang="en-US" dirty="0"/>
           </a:p>
@@ -1164,7 +1164,7 @@
             <a:fld id="{B61BEF0D-F0BB-DE4B-95CE-6DB70DBA9567}" type="datetimeFigureOut">
               <a:rPr lang="en-US" dirty="0"/>
               <a:pPr/>
-              <a:t>3/8/16</a:t>
+              <a:t>3/16/16</a:t>
             </a:fld>
             <a:endParaRPr lang="en-US" dirty="0"/>
           </a:p>
@@ -1701,7 +1701,7 @@
             <a:fld id="{B61BEF0D-F0BB-DE4B-95CE-6DB70DBA9567}" type="datetimeFigureOut">
               <a:rPr lang="en-US" dirty="0"/>
               <a:pPr/>
-              <a:t>3/8/16</a:t>
+              <a:t>3/16/16</a:t>
             </a:fld>
             <a:endParaRPr lang="en-US" dirty="0"/>
           </a:p>
@@ -1946,7 +1946,7 @@
             <a:fld id="{B61BEF0D-F0BB-DE4B-95CE-6DB70DBA9567}" type="datetimeFigureOut">
               <a:rPr lang="en-US" dirty="0"/>
               <a:pPr/>
-              <a:t>3/8/16</a:t>
+              <a:t>3/16/16</a:t>
             </a:fld>
             <a:endParaRPr lang="en-US" dirty="0"/>
           </a:p>
@@ -2475,7 +2475,7 @@
             <a:fld id="{B61BEF0D-F0BB-DE4B-95CE-6DB70DBA9567}" type="datetimeFigureOut">
               <a:rPr lang="en-US" dirty="0"/>
               <a:pPr/>
-              <a:t>3/8/16</a:t>
+              <a:t>3/16/16</a:t>
             </a:fld>
             <a:endParaRPr lang="en-US" dirty="0"/>
           </a:p>
@@ -2769,7 +2769,7 @@
             <a:fld id="{B61BEF0D-F0BB-DE4B-95CE-6DB70DBA9567}" type="datetimeFigureOut">
               <a:rPr lang="en-US" dirty="0"/>
               <a:pPr/>
-              <a:t>3/8/16</a:t>
+              <a:t>3/16/16</a:t>
             </a:fld>
             <a:endParaRPr lang="en-US" dirty="0"/>
           </a:p>
@@ -2940,7 +2940,7 @@
             <a:fld id="{B61BEF0D-F0BB-DE4B-95CE-6DB70DBA9567}" type="datetimeFigureOut">
               <a:rPr lang="en-US" dirty="0"/>
               <a:pPr/>
-              <a:t>3/8/16</a:t>
+              <a:t>3/16/16</a:t>
             </a:fld>
             <a:endParaRPr lang="en-US" dirty="0"/>
           </a:p>
@@ -3117,7 +3117,7 @@
             <a:fld id="{B61BEF0D-F0BB-DE4B-95CE-6DB70DBA9567}" type="datetimeFigureOut">
               <a:rPr lang="en-US" dirty="0"/>
               <a:pPr/>
-              <a:t>3/8/16</a:t>
+              <a:t>3/16/16</a:t>
             </a:fld>
             <a:endParaRPr lang="en-US" dirty="0"/>
           </a:p>
@@ -3284,7 +3284,7 @@
             <a:fld id="{B61BEF0D-F0BB-DE4B-95CE-6DB70DBA9567}" type="datetimeFigureOut">
               <a:rPr lang="en-US" dirty="0"/>
               <a:pPr/>
-              <a:t>3/8/16</a:t>
+              <a:t>3/16/16</a:t>
             </a:fld>
             <a:endParaRPr lang="en-US" dirty="0"/>
           </a:p>
@@ -3532,7 +3532,7 @@
             <a:fld id="{B61BEF0D-F0BB-DE4B-95CE-6DB70DBA9567}" type="datetimeFigureOut">
               <a:rPr lang="en-US" dirty="0"/>
               <a:pPr/>
-              <a:t>3/8/16</a:t>
+              <a:t>3/16/16</a:t>
             </a:fld>
             <a:endParaRPr lang="en-US" dirty="0"/>
           </a:p>
@@ -3826,7 +3826,7 @@
             <a:fld id="{B61BEF0D-F0BB-DE4B-95CE-6DB70DBA9567}" type="datetimeFigureOut">
               <a:rPr lang="en-US" dirty="0"/>
               <a:pPr/>
-              <a:t>3/8/16</a:t>
+              <a:t>3/16/16</a:t>
             </a:fld>
             <a:endParaRPr lang="en-US" dirty="0"/>
           </a:p>
@@ -4265,7 +4265,7 @@
             <a:fld id="{B61BEF0D-F0BB-DE4B-95CE-6DB70DBA9567}" type="datetimeFigureOut">
               <a:rPr lang="en-US" dirty="0"/>
               <a:pPr/>
-              <a:t>3/8/16</a:t>
+              <a:t>3/16/16</a:t>
             </a:fld>
             <a:endParaRPr lang="en-US" dirty="0"/>
           </a:p>
@@ -4380,7 +4380,7 @@
             <a:fld id="{B61BEF0D-F0BB-DE4B-95CE-6DB70DBA9567}" type="datetimeFigureOut">
               <a:rPr lang="en-US" dirty="0"/>
               <a:pPr/>
-              <a:t>3/8/16</a:t>
+              <a:t>3/16/16</a:t>
             </a:fld>
             <a:endParaRPr lang="en-US" dirty="0"/>
           </a:p>
@@ -4472,7 +4472,7 @@
             <a:fld id="{B61BEF0D-F0BB-DE4B-95CE-6DB70DBA9567}" type="datetimeFigureOut">
               <a:rPr lang="en-US" dirty="0"/>
               <a:pPr/>
-              <a:t>3/8/16</a:t>
+              <a:t>3/16/16</a:t>
             </a:fld>
             <a:endParaRPr lang="en-US" dirty="0"/>
           </a:p>
@@ -4752,7 +4752,7 @@
             <a:fld id="{B61BEF0D-F0BB-DE4B-95CE-6DB70DBA9567}" type="datetimeFigureOut">
               <a:rPr lang="en-US" dirty="0"/>
               <a:pPr/>
-              <a:t>3/8/16</a:t>
+              <a:t>3/16/16</a:t>
             </a:fld>
             <a:endParaRPr lang="en-US" dirty="0"/>
           </a:p>
@@ -5040,7 +5040,7 @@
             <a:fld id="{B61BEF0D-F0BB-DE4B-95CE-6DB70DBA9567}" type="datetimeFigureOut">
               <a:rPr lang="en-US" dirty="0"/>
               <a:pPr/>
-              <a:t>3/8/16</a:t>
+              <a:t>3/16/16</a:t>
             </a:fld>
             <a:endParaRPr lang="en-US" dirty="0"/>
           </a:p>
@@ -5567,7 +5567,7 @@
             <a:fld id="{B61BEF0D-F0BB-DE4B-95CE-6DB70DBA9567}" type="datetimeFigureOut">
               <a:rPr lang="en-US" dirty="0"/>
               <a:pPr/>
-              <a:t>3/8/16</a:t>
+              <a:t>3/16/16</a:t>
             </a:fld>
             <a:endParaRPr lang="en-US" dirty="0"/>
           </a:p>
@@ -6287,7 +6287,7 @@
           <p:nvPr>
             <p:extLst>
               <p:ext uri="{D42A27DB-BD31-4B8C-83A1-F6EECF244321}">
-                <p14:modId xmlns:p14="http://schemas.microsoft.com/office/powerpoint/2010/main" val="51640892"/>
+                <p14:modId xmlns:p14="http://schemas.microsoft.com/office/powerpoint/2010/main" val="149075505"/>
               </p:ext>
             </p:extLst>
           </p:nvPr>
@@ -7028,7 +7028,7 @@
           <p:nvPr>
             <p:extLst>
               <p:ext uri="{D42A27DB-BD31-4B8C-83A1-F6EECF244321}">
-                <p14:modId xmlns:p14="http://schemas.microsoft.com/office/powerpoint/2010/main" val="640369442"/>
+                <p14:modId xmlns:p14="http://schemas.microsoft.com/office/powerpoint/2010/main" val="108547234"/>
               </p:ext>
             </p:extLst>
           </p:nvPr>
@@ -8975,10 +8975,10 @@
           <a:blip r:embed="rId2">
             <a:duotone>
               <a:prstClr val="black"/>
-              <a:srgbClr val="D9C3A5">
-                <a:tint val="50000"/>
-                <a:satMod val="180000"/>
-              </a:srgbClr>
+              <a:schemeClr val="bg1">
+                <a:tint val="45000"/>
+                <a:satMod val="400000"/>
+              </a:schemeClr>
             </a:duotone>
             <a:extLst>
               <a:ext uri="{28A0092B-C50C-407E-A947-70E740481C1C}">
@@ -9133,10 +9133,10 @@
           <a:blip r:embed="rId2">
             <a:duotone>
               <a:prstClr val="black"/>
-              <a:srgbClr val="D9C3A5">
-                <a:tint val="50000"/>
-                <a:satMod val="180000"/>
-              </a:srgbClr>
+              <a:schemeClr val="bg1">
+                <a:tint val="45000"/>
+                <a:satMod val="400000"/>
+              </a:schemeClr>
             </a:duotone>
             <a:extLst>
               <a:ext uri="{28A0092B-C50C-407E-A947-70E740481C1C}">
@@ -9586,13 +9586,8 @@
           <a:p>
             <a:r>
               <a:rPr lang="en-US" dirty="0" smtClean="0"/>
-              <a:t>Mixed results – </a:t>
-            </a:r>
-            <a:r>
-              <a:rPr lang="en-US" dirty="0" smtClean="0"/>
-              <a:t>may be overfit; differences not statistically significant</a:t>
-            </a:r>
-            <a:endParaRPr lang="en-US" dirty="0" smtClean="0"/>
+              <a:t>Mixed results – may be overfit; differences not statistically significant</a:t>
+            </a:r>
           </a:p>
           <a:p>
             <a:r>
@@ -9611,7 +9606,7 @@
           <p:nvPr>
             <p:extLst>
               <p:ext uri="{D42A27DB-BD31-4B8C-83A1-F6EECF244321}">
-                <p14:modId xmlns:p14="http://schemas.microsoft.com/office/powerpoint/2010/main" val="133712715"/>
+                <p14:modId xmlns:p14="http://schemas.microsoft.com/office/powerpoint/2010/main" val="416666631"/>
               </p:ext>
             </p:extLst>
           </p:nvPr>
@@ -10169,15 +10164,7 @@
                   <a:srgbClr val="00B050"/>
                 </a:solidFill>
               </a:rPr>
-              <a:t>ROC area under </a:t>
-            </a:r>
-            <a:r>
-              <a:rPr lang="en-US" b="1" i="1" dirty="0" smtClean="0">
-                <a:solidFill>
-                  <a:srgbClr val="00B050"/>
-                </a:solidFill>
-              </a:rPr>
-              <a:t>curve</a:t>
+              <a:t>ROC area under curve</a:t>
             </a:r>
           </a:p>
           <a:p>
@@ -10186,7 +10173,6 @@
               <a:rPr lang="en-US" i="1" dirty="0" smtClean="0"/>
               <a:t>ROC_AUC 1 = Perfect fit; .5 = random guess</a:t>
             </a:r>
-            <a:endParaRPr lang="en-US" i="1" dirty="0" smtClean="0"/>
           </a:p>
         </p:txBody>
       </p:sp>
@@ -10693,7 +10679,7 @@
         </p:blipFill>
         <p:spPr>
           <a:xfrm>
-            <a:off x="7186176" y="3138985"/>
+            <a:off x="7186176" y="3152633"/>
             <a:ext cx="5005824" cy="3754368"/>
           </a:xfrm>
           <a:prstGeom prst="rect">
@@ -10779,7 +10765,7 @@
             <p:ph idx="1"/>
             <p:extLst>
               <p:ext uri="{D42A27DB-BD31-4B8C-83A1-F6EECF244321}">
-                <p14:modId xmlns:p14="http://schemas.microsoft.com/office/powerpoint/2010/main" val="542743311"/>
+                <p14:modId xmlns:p14="http://schemas.microsoft.com/office/powerpoint/2010/main" val="1355269913"/>
               </p:ext>
             </p:extLst>
           </p:nvPr>
@@ -11130,15 +11116,7 @@
                   <a:srgbClr val="FF0000"/>
                 </a:solidFill>
               </a:rPr>
-              <a:t> </a:t>
-            </a:r>
-            <a:r>
-              <a:rPr lang="en-US" i="1" dirty="0" smtClean="0">
-                <a:solidFill>
-                  <a:srgbClr val="FF0000"/>
-                </a:solidFill>
-              </a:rPr>
-              <a:t>loss</a:t>
+              <a:t> loss</a:t>
             </a:r>
           </a:p>
           <a:p>
@@ -11157,23 +11135,7 @@
                   <a:srgbClr val="FF0000"/>
                 </a:solidFill>
               </a:rPr>
-              <a:t>			</a:t>
-            </a:r>
-            <a:r>
-              <a:rPr lang="en-US" i="1" dirty="0" smtClean="0">
-                <a:solidFill>
-                  <a:srgbClr val="FF0000"/>
-                </a:solidFill>
-              </a:rPr>
-              <a:t> </a:t>
-            </a:r>
-            <a:r>
-              <a:rPr lang="en-US" i="1" dirty="0" smtClean="0">
-                <a:solidFill>
-                  <a:srgbClr val="FF0000"/>
-                </a:solidFill>
-              </a:rPr>
-              <a:t>from default on debt</a:t>
+              <a:t>			 from default on debt</a:t>
             </a:r>
             <a:endParaRPr lang="en-US" i="1" dirty="0">
               <a:solidFill>
